--- a/Database/Report/CSDL.pptx
+++ b/Database/Report/CSDL.pptx
@@ -5,7 +5,7 @@
     <p:sldMasterId id="2147483689" r:id="rId1"/>
   </p:sldMasterIdLst>
   <p:notesMasterIdLst>
-    <p:notesMasterId r:id="rId23"/>
+    <p:notesMasterId r:id="rId22"/>
   </p:notesMasterIdLst>
   <p:sldIdLst>
     <p:sldId id="256" r:id="rId2"/>
@@ -19,16 +19,15 @@
     <p:sldId id="287" r:id="rId10"/>
     <p:sldId id="289" r:id="rId11"/>
     <p:sldId id="290" r:id="rId12"/>
-    <p:sldId id="309" r:id="rId13"/>
-    <p:sldId id="292" r:id="rId14"/>
-    <p:sldId id="310" r:id="rId15"/>
-    <p:sldId id="308" r:id="rId16"/>
-    <p:sldId id="307" r:id="rId17"/>
-    <p:sldId id="297" r:id="rId18"/>
-    <p:sldId id="311" r:id="rId19"/>
+    <p:sldId id="310" r:id="rId13"/>
+    <p:sldId id="313" r:id="rId14"/>
+    <p:sldId id="320" r:id="rId15"/>
+    <p:sldId id="311" r:id="rId16"/>
+    <p:sldId id="297" r:id="rId17"/>
+    <p:sldId id="308" r:id="rId18"/>
+    <p:sldId id="307" r:id="rId19"/>
     <p:sldId id="312" r:id="rId20"/>
-    <p:sldId id="313" r:id="rId21"/>
-    <p:sldId id="296" r:id="rId22"/>
+    <p:sldId id="296" r:id="rId21"/>
   </p:sldIdLst>
   <p:sldSz cx="9144000" cy="5143500" type="screen16x9"/>
   <p:notesSz cx="6858000" cy="9144000"/>
@@ -608,7 +607,7 @@
     </p:spTree>
     <p:extLst>
       <p:ext uri="{BB962C8B-B14F-4D97-AF65-F5344CB8AC3E}">
-        <p14:creationId xmlns:p14="http://schemas.microsoft.com/office/powerpoint/2010/main" val="3922982818"/>
+        <p14:creationId xmlns:p14="http://schemas.microsoft.com/office/powerpoint/2010/main" val="2191928386"/>
       </p:ext>
     </p:extLst>
   </p:cSld>
@@ -714,7 +713,7 @@
     </p:spTree>
     <p:extLst>
       <p:ext uri="{BB962C8B-B14F-4D97-AF65-F5344CB8AC3E}">
-        <p14:creationId xmlns:p14="http://schemas.microsoft.com/office/powerpoint/2010/main" val="4276371862"/>
+        <p14:creationId xmlns:p14="http://schemas.microsoft.com/office/powerpoint/2010/main" val="2765668876"/>
       </p:ext>
     </p:extLst>
   </p:cSld>
@@ -820,7 +819,7 @@
     </p:spTree>
     <p:extLst>
       <p:ext uri="{BB962C8B-B14F-4D97-AF65-F5344CB8AC3E}">
-        <p14:creationId xmlns:p14="http://schemas.microsoft.com/office/powerpoint/2010/main" val="2191928386"/>
+        <p14:creationId xmlns:p14="http://schemas.microsoft.com/office/powerpoint/2010/main" val="2541006004"/>
       </p:ext>
     </p:extLst>
   </p:cSld>
@@ -926,7 +925,7 @@
     </p:spTree>
     <p:extLst>
       <p:ext uri="{BB962C8B-B14F-4D97-AF65-F5344CB8AC3E}">
-        <p14:creationId xmlns:p14="http://schemas.microsoft.com/office/powerpoint/2010/main" val="2581242054"/>
+        <p14:creationId xmlns:p14="http://schemas.microsoft.com/office/powerpoint/2010/main" val="1461788760"/>
       </p:ext>
     </p:extLst>
   </p:cSld>
@@ -1032,7 +1031,7 @@
     </p:spTree>
     <p:extLst>
       <p:ext uri="{BB962C8B-B14F-4D97-AF65-F5344CB8AC3E}">
-        <p14:creationId xmlns:p14="http://schemas.microsoft.com/office/powerpoint/2010/main" val="136337698"/>
+        <p14:creationId xmlns:p14="http://schemas.microsoft.com/office/powerpoint/2010/main" val="2581242054"/>
       </p:ext>
     </p:extLst>
   </p:cSld>
@@ -1138,7 +1137,7 @@
     </p:spTree>
     <p:extLst>
       <p:ext uri="{BB962C8B-B14F-4D97-AF65-F5344CB8AC3E}">
-        <p14:creationId xmlns:p14="http://schemas.microsoft.com/office/powerpoint/2010/main" val="1461788760"/>
+        <p14:creationId xmlns:p14="http://schemas.microsoft.com/office/powerpoint/2010/main" val="136337698"/>
       </p:ext>
     </p:extLst>
   </p:cSld>
@@ -1244,7 +1243,7 @@
     </p:spTree>
     <p:extLst>
       <p:ext uri="{BB962C8B-B14F-4D97-AF65-F5344CB8AC3E}">
-        <p14:creationId xmlns:p14="http://schemas.microsoft.com/office/powerpoint/2010/main" val="2541006004"/>
+        <p14:creationId xmlns:p14="http://schemas.microsoft.com/office/powerpoint/2010/main" val="753030897"/>
       </p:ext>
     </p:extLst>
   </p:cSld>
@@ -1255,218 +1254,6 @@
 </file>
 
 <file path=ppt/notesSlides/notesSlide17.xml><?xml version="1.0" encoding="utf-8"?>
-<p:notes xmlns:a="http://schemas.openxmlformats.org/drawingml/2006/main" xmlns:r="http://schemas.openxmlformats.org/officeDocument/2006/relationships" xmlns:p="http://schemas.openxmlformats.org/presentationml/2006/main" showMasterSp="0" showMasterPhAnim="0">
-  <p:cSld>
-    <p:spTree>
-      <p:nvGrpSpPr>
-        <p:cNvPr id="1" name="Shape 79"/>
-        <p:cNvGrpSpPr/>
-        <p:nvPr/>
-      </p:nvGrpSpPr>
-      <p:grpSpPr>
-        <a:xfrm>
-          <a:off x="0" y="0"/>
-          <a:ext cx="0" cy="0"/>
-          <a:chOff x="0" y="0"/>
-          <a:chExt cx="0" cy="0"/>
-        </a:xfrm>
-      </p:grpSpPr>
-      <p:sp>
-        <p:nvSpPr>
-          <p:cNvPr id="80" name="Shape 80"/>
-          <p:cNvSpPr>
-            <a:spLocks noGrp="1" noRot="1" noChangeAspect="1"/>
-          </p:cNvSpPr>
-          <p:nvPr>
-            <p:ph type="sldImg" idx="2"/>
-          </p:nvPr>
-        </p:nvSpPr>
-        <p:spPr>
-          <a:xfrm>
-            <a:off x="381000" y="685800"/>
-            <a:ext cx="6096000" cy="3429000"/>
-          </a:xfrm>
-          <a:custGeom>
-            <a:avLst/>
-            <a:gdLst/>
-            <a:ahLst/>
-            <a:cxnLst/>
-            <a:rect l="0" t="0" r="0" b="0"/>
-            <a:pathLst>
-              <a:path w="120000" h="120000" extrusionOk="0">
-                <a:moveTo>
-                  <a:pt x="0" y="0"/>
-                </a:moveTo>
-                <a:lnTo>
-                  <a:pt x="120000" y="0"/>
-                </a:lnTo>
-                <a:lnTo>
-                  <a:pt x="120000" y="120000"/>
-                </a:lnTo>
-                <a:lnTo>
-                  <a:pt x="0" y="120000"/>
-                </a:lnTo>
-                <a:close/>
-              </a:path>
-            </a:pathLst>
-          </a:custGeom>
-        </p:spPr>
-      </p:sp>
-      <p:sp>
-        <p:nvSpPr>
-          <p:cNvPr id="81" name="Shape 81"/>
-          <p:cNvSpPr txBox="1">
-            <a:spLocks noGrp="1"/>
-          </p:cNvSpPr>
-          <p:nvPr>
-            <p:ph type="body" idx="1"/>
-          </p:nvPr>
-        </p:nvSpPr>
-        <p:spPr>
-          <a:xfrm>
-            <a:off x="685800" y="4343400"/>
-            <a:ext cx="5486400" cy="4114800"/>
-          </a:xfrm>
-          <a:prstGeom prst="rect">
-            <a:avLst/>
-          </a:prstGeom>
-        </p:spPr>
-        <p:txBody>
-          <a:bodyPr wrap="square" lIns="91425" tIns="91425" rIns="91425" bIns="91425" anchor="t" anchorCtr="0">
-            <a:noAutofit/>
-          </a:bodyPr>
-          <a:lstStyle/>
-          <a:p>
-            <a:pPr lvl="0">
-              <a:spcBef>
-                <a:spcPts val="0"/>
-              </a:spcBef>
-              <a:buNone/>
-            </a:pPr>
-            <a:endParaRPr/>
-          </a:p>
-        </p:txBody>
-      </p:sp>
-    </p:spTree>
-    <p:extLst>
-      <p:ext uri="{BB962C8B-B14F-4D97-AF65-F5344CB8AC3E}">
-        <p14:creationId xmlns:p14="http://schemas.microsoft.com/office/powerpoint/2010/main" val="753030897"/>
-      </p:ext>
-    </p:extLst>
-  </p:cSld>
-  <p:clrMapOvr>
-    <a:masterClrMapping/>
-  </p:clrMapOvr>
-</p:notes>
-</file>
-
-<file path=ppt/notesSlides/notesSlide18.xml><?xml version="1.0" encoding="utf-8"?>
-<p:notes xmlns:a="http://schemas.openxmlformats.org/drawingml/2006/main" xmlns:r="http://schemas.openxmlformats.org/officeDocument/2006/relationships" xmlns:p="http://schemas.openxmlformats.org/presentationml/2006/main" showMasterSp="0" showMasterPhAnim="0">
-  <p:cSld>
-    <p:spTree>
-      <p:nvGrpSpPr>
-        <p:cNvPr id="1" name="Shape 79"/>
-        <p:cNvGrpSpPr/>
-        <p:nvPr/>
-      </p:nvGrpSpPr>
-      <p:grpSpPr>
-        <a:xfrm>
-          <a:off x="0" y="0"/>
-          <a:ext cx="0" cy="0"/>
-          <a:chOff x="0" y="0"/>
-          <a:chExt cx="0" cy="0"/>
-        </a:xfrm>
-      </p:grpSpPr>
-      <p:sp>
-        <p:nvSpPr>
-          <p:cNvPr id="80" name="Shape 80"/>
-          <p:cNvSpPr>
-            <a:spLocks noGrp="1" noRot="1" noChangeAspect="1"/>
-          </p:cNvSpPr>
-          <p:nvPr>
-            <p:ph type="sldImg" idx="2"/>
-          </p:nvPr>
-        </p:nvSpPr>
-        <p:spPr>
-          <a:xfrm>
-            <a:off x="381000" y="685800"/>
-            <a:ext cx="6096000" cy="3429000"/>
-          </a:xfrm>
-          <a:custGeom>
-            <a:avLst/>
-            <a:gdLst/>
-            <a:ahLst/>
-            <a:cxnLst/>
-            <a:rect l="0" t="0" r="0" b="0"/>
-            <a:pathLst>
-              <a:path w="120000" h="120000" extrusionOk="0">
-                <a:moveTo>
-                  <a:pt x="0" y="0"/>
-                </a:moveTo>
-                <a:lnTo>
-                  <a:pt x="120000" y="0"/>
-                </a:lnTo>
-                <a:lnTo>
-                  <a:pt x="120000" y="120000"/>
-                </a:lnTo>
-                <a:lnTo>
-                  <a:pt x="0" y="120000"/>
-                </a:lnTo>
-                <a:close/>
-              </a:path>
-            </a:pathLst>
-          </a:custGeom>
-        </p:spPr>
-      </p:sp>
-      <p:sp>
-        <p:nvSpPr>
-          <p:cNvPr id="81" name="Shape 81"/>
-          <p:cNvSpPr txBox="1">
-            <a:spLocks noGrp="1"/>
-          </p:cNvSpPr>
-          <p:nvPr>
-            <p:ph type="body" idx="1"/>
-          </p:nvPr>
-        </p:nvSpPr>
-        <p:spPr>
-          <a:xfrm>
-            <a:off x="685800" y="4343400"/>
-            <a:ext cx="5486400" cy="4114800"/>
-          </a:xfrm>
-          <a:prstGeom prst="rect">
-            <a:avLst/>
-          </a:prstGeom>
-        </p:spPr>
-        <p:txBody>
-          <a:bodyPr wrap="square" lIns="91425" tIns="91425" rIns="91425" bIns="91425" anchor="t" anchorCtr="0">
-            <a:noAutofit/>
-          </a:bodyPr>
-          <a:lstStyle/>
-          <a:p>
-            <a:pPr lvl="0">
-              <a:spcBef>
-                <a:spcPts val="0"/>
-              </a:spcBef>
-              <a:buNone/>
-            </a:pPr>
-            <a:endParaRPr/>
-          </a:p>
-        </p:txBody>
-      </p:sp>
-    </p:spTree>
-    <p:extLst>
-      <p:ext uri="{BB962C8B-B14F-4D97-AF65-F5344CB8AC3E}">
-        <p14:creationId xmlns:p14="http://schemas.microsoft.com/office/powerpoint/2010/main" val="2765668876"/>
-      </p:ext>
-    </p:extLst>
-  </p:cSld>
-  <p:clrMapOvr>
-    <a:masterClrMapping/>
-  </p:clrMapOvr>
-</p:notes>
-</file>
-
-<file path=ppt/notesSlides/notesSlide19.xml><?xml version="1.0" encoding="utf-8"?>
 <p:notes xmlns:a="http://schemas.openxmlformats.org/drawingml/2006/main" xmlns:r="http://schemas.openxmlformats.org/officeDocument/2006/relationships" xmlns:p="http://schemas.openxmlformats.org/presentationml/2006/main" showMasterSp="0" showMasterPhAnim="0">
   <p:cSld>
     <p:spTree>
@@ -3631,7 +3418,7 @@
           <a:p>
             <a:fld id="{95831708-B7EC-472E-8C66-3209387C6512}" type="datetimeFigureOut">
               <a:rPr lang="en-US" smtClean="0"/>
-              <a:t>10/26/2017</a:t>
+              <a:t>11/14/2017</a:t>
             </a:fld>
             <a:endParaRPr lang="en-US"/>
           </a:p>
@@ -3899,7 +3686,7 @@
           <a:p>
             <a:fld id="{95831708-B7EC-472E-8C66-3209387C6512}" type="datetimeFigureOut">
               <a:rPr lang="en-US" smtClean="0"/>
-              <a:t>10/26/2017</a:t>
+              <a:t>11/14/2017</a:t>
             </a:fld>
             <a:endParaRPr lang="en-US"/>
           </a:p>
@@ -4109,7 +3896,7 @@
           <a:p>
             <a:fld id="{95831708-B7EC-472E-8C66-3209387C6512}" type="datetimeFigureOut">
               <a:rPr lang="en-US" smtClean="0"/>
-              <a:t>10/26/2017</a:t>
+              <a:t>11/14/2017</a:t>
             </a:fld>
             <a:endParaRPr lang="en-US"/>
           </a:p>
@@ -5005,7 +4792,7 @@
           <a:p>
             <a:fld id="{95831708-B7EC-472E-8C66-3209387C6512}" type="datetimeFigureOut">
               <a:rPr lang="en-US" smtClean="0"/>
-              <a:t>10/26/2017</a:t>
+              <a:t>11/14/2017</a:t>
             </a:fld>
             <a:endParaRPr lang="en-US"/>
           </a:p>
@@ -5311,7 +5098,7 @@
           <a:p>
             <a:fld id="{95831708-B7EC-472E-8C66-3209387C6512}" type="datetimeFigureOut">
               <a:rPr lang="en-US" smtClean="0"/>
-              <a:t>10/26/2017</a:t>
+              <a:t>11/14/2017</a:t>
             </a:fld>
             <a:endParaRPr lang="en-US"/>
           </a:p>
@@ -6542,7 +6329,7 @@
           <a:p>
             <a:fld id="{95831708-B7EC-472E-8C66-3209387C6512}" type="datetimeFigureOut">
               <a:rPr lang="en-US" smtClean="0"/>
-              <a:t>10/26/2017</a:t>
+              <a:t>11/14/2017</a:t>
             </a:fld>
             <a:endParaRPr lang="en-US"/>
           </a:p>
@@ -6962,7 +6749,7 @@
           <a:p>
             <a:fld id="{95831708-B7EC-472E-8C66-3209387C6512}" type="datetimeFigureOut">
               <a:rPr lang="en-US" smtClean="0"/>
-              <a:t>10/26/2017</a:t>
+              <a:t>11/14/2017</a:t>
             </a:fld>
             <a:endParaRPr lang="en-US"/>
           </a:p>
@@ -7115,7 +6902,7 @@
           <a:p>
             <a:fld id="{95831708-B7EC-472E-8C66-3209387C6512}" type="datetimeFigureOut">
               <a:rPr lang="en-US" smtClean="0"/>
-              <a:t>10/26/2017</a:t>
+              <a:t>11/14/2017</a:t>
             </a:fld>
             <a:endParaRPr lang="en-US"/>
           </a:p>
@@ -7240,7 +7027,7 @@
           <a:p>
             <a:fld id="{95831708-B7EC-472E-8C66-3209387C6512}" type="datetimeFigureOut">
               <a:rPr lang="en-US" smtClean="0"/>
-              <a:t>10/26/2017</a:t>
+              <a:t>11/14/2017</a:t>
             </a:fld>
             <a:endParaRPr lang="en-US"/>
           </a:p>
@@ -8016,7 +7803,7 @@
           <a:p>
             <a:fld id="{95831708-B7EC-472E-8C66-3209387C6512}" type="datetimeFigureOut">
               <a:rPr lang="en-US" smtClean="0"/>
-              <a:t>10/26/2017</a:t>
+              <a:t>11/14/2017</a:t>
             </a:fld>
             <a:endParaRPr lang="en-US"/>
           </a:p>
@@ -8886,7 +8673,7 @@
           <a:p>
             <a:fld id="{95831708-B7EC-472E-8C66-3209387C6512}" type="datetimeFigureOut">
               <a:rPr lang="en-US" smtClean="0"/>
-              <a:t>10/26/2017</a:t>
+              <a:t>11/14/2017</a:t>
             </a:fld>
             <a:endParaRPr lang="en-US"/>
           </a:p>
@@ -9143,7 +8930,7 @@
           <a:p>
             <a:fld id="{95831708-B7EC-472E-8C66-3209387C6512}" type="datetimeFigureOut">
               <a:rPr lang="en-US" smtClean="0"/>
-              <a:t>10/26/2017</a:t>
+              <a:t>11/14/2017</a:t>
             </a:fld>
             <a:endParaRPr lang="en-US"/>
           </a:p>
@@ -10441,20 +10228,12 @@
               <a:t>Trần Hà Hiếu Thuận – </a:t>
             </a:r>
             <a:r>
-              <a:rPr lang="en-US" smtClean="0">
-                <a:latin typeface="Tahoma" panose="020B0604030504040204" pitchFamily="34" charset="0"/>
-                <a:ea typeface="Tahoma" panose="020B0604030504040204" pitchFamily="34" charset="0"/>
-                <a:cs typeface="Tahoma" panose="020B0604030504040204" pitchFamily="34" charset="0"/>
-              </a:rPr>
-              <a:t>14DH11</a:t>
-            </a:r>
-            <a:r>
-              <a:rPr lang="en-US" smtClean="0">
-                <a:latin typeface="Tahoma" panose="020B0604030504040204" pitchFamily="34" charset="0"/>
-                <a:ea typeface="Tahoma" panose="020B0604030504040204" pitchFamily="34" charset="0"/>
-                <a:cs typeface="Tahoma" panose="020B0604030504040204" pitchFamily="34" charset="0"/>
-              </a:rPr>
-              <a:t>0221</a:t>
+              <a:rPr lang="en-US" dirty="0" err="1" smtClean="0">
+                <a:latin typeface="Tahoma" panose="020B0604030504040204" pitchFamily="34" charset="0"/>
+                <a:ea typeface="Tahoma" panose="020B0604030504040204" pitchFamily="34" charset="0"/>
+                <a:cs typeface="Tahoma" panose="020B0604030504040204" pitchFamily="34" charset="0"/>
+              </a:rPr>
+              <a:t>14DH110221</a:t>
             </a:r>
             <a:endParaRPr lang="en-US" dirty="0" smtClean="0">
               <a:latin typeface="Tahoma" panose="020B0604030504040204" pitchFamily="34" charset="0"/>
@@ -10468,12 +10247,52 @@
               <a:buChar char="•"/>
             </a:pPr>
             <a:r>
+              <a:rPr lang="en-US" dirty="0" err="1" smtClean="0">
+                <a:latin typeface="Tahoma" panose="020B0604030504040204" pitchFamily="34" charset="0"/>
+                <a:ea typeface="Tahoma" panose="020B0604030504040204" pitchFamily="34" charset="0"/>
+                <a:cs typeface="Tahoma" panose="020B0604030504040204" pitchFamily="34" charset="0"/>
+              </a:rPr>
+              <a:t>Vũ</a:t>
+            </a:r>
+            <a:r>
               <a:rPr lang="en-US" dirty="0" smtClean="0">
                 <a:latin typeface="Tahoma" panose="020B0604030504040204" pitchFamily="34" charset="0"/>
                 <a:ea typeface="Tahoma" panose="020B0604030504040204" pitchFamily="34" charset="0"/>
                 <a:cs typeface="Tahoma" panose="020B0604030504040204" pitchFamily="34" charset="0"/>
               </a:rPr>
-              <a:t>Min -</a:t>
+              <a:t> </a:t>
+            </a:r>
+            <a:r>
+              <a:rPr lang="en-US" dirty="0" err="1" smtClean="0">
+                <a:latin typeface="Tahoma" panose="020B0604030504040204" pitchFamily="34" charset="0"/>
+                <a:ea typeface="Tahoma" panose="020B0604030504040204" pitchFamily="34" charset="0"/>
+                <a:cs typeface="Tahoma" panose="020B0604030504040204" pitchFamily="34" charset="0"/>
+              </a:rPr>
+              <a:t>Hoàng</a:t>
+            </a:r>
+            <a:r>
+              <a:rPr lang="en-US" dirty="0" smtClean="0">
+                <a:latin typeface="Tahoma" panose="020B0604030504040204" pitchFamily="34" charset="0"/>
+                <a:ea typeface="Tahoma" panose="020B0604030504040204" pitchFamily="34" charset="0"/>
+                <a:cs typeface="Tahoma" panose="020B0604030504040204" pitchFamily="34" charset="0"/>
+              </a:rPr>
+              <a:t> Min</a:t>
+            </a:r>
+            <a:r>
+              <a:rPr lang="en-US" dirty="0" smtClean="0">
+                <a:latin typeface="Tahoma" panose="020B0604030504040204" pitchFamily="34" charset="0"/>
+                <a:ea typeface="Tahoma" panose="020B0604030504040204" pitchFamily="34" charset="0"/>
+                <a:cs typeface="Tahoma" panose="020B0604030504040204" pitchFamily="34" charset="0"/>
+              </a:rPr>
+              <a:t> </a:t>
+            </a:r>
+            <a:r>
+              <a:rPr lang="en-US" dirty="0" smtClean="0">
+                <a:latin typeface="Tahoma" panose="020B0604030504040204" pitchFamily="34" charset="0"/>
+                <a:ea typeface="Tahoma" panose="020B0604030504040204" pitchFamily="34" charset="0"/>
+                <a:cs typeface="Tahoma" panose="020B0604030504040204" pitchFamily="34" charset="0"/>
+              </a:rPr>
+              <a:t>-</a:t>
             </a:r>
             <a:r>
               <a:rPr lang="en-US" dirty="0" err="1" smtClean="0">
@@ -10500,6 +10319,22 @@
                 <a:ea typeface="Tahoma" panose="020B0604030504040204" pitchFamily="34" charset="0"/>
                 <a:cs typeface="Tahoma" panose="020B0604030504040204" pitchFamily="34" charset="0"/>
               </a:rPr>
+              <a:t>Dương</a:t>
+            </a:r>
+            <a:r>
+              <a:rPr lang="en-US" dirty="0" smtClean="0">
+                <a:latin typeface="Tahoma" panose="020B0604030504040204" pitchFamily="34" charset="0"/>
+                <a:ea typeface="Tahoma" panose="020B0604030504040204" pitchFamily="34" charset="0"/>
+                <a:cs typeface="Tahoma" panose="020B0604030504040204" pitchFamily="34" charset="0"/>
+              </a:rPr>
+              <a:t> Minh </a:t>
+            </a:r>
+            <a:r>
+              <a:rPr lang="en-US" dirty="0" err="1" smtClean="0">
+                <a:latin typeface="Tahoma" panose="020B0604030504040204" pitchFamily="34" charset="0"/>
+                <a:ea typeface="Tahoma" panose="020B0604030504040204" pitchFamily="34" charset="0"/>
+                <a:cs typeface="Tahoma" panose="020B0604030504040204" pitchFamily="34" charset="0"/>
+              </a:rPr>
               <a:t>Trung</a:t>
             </a:r>
             <a:r>
@@ -10508,7 +10343,15 @@
                 <a:ea typeface="Tahoma" panose="020B0604030504040204" pitchFamily="34" charset="0"/>
                 <a:cs typeface="Tahoma" panose="020B0604030504040204" pitchFamily="34" charset="0"/>
               </a:rPr>
-              <a:t> – </a:t>
+              <a:t> </a:t>
+            </a:r>
+            <a:r>
+              <a:rPr lang="en-US" dirty="0" smtClean="0">
+                <a:latin typeface="Tahoma" panose="020B0604030504040204" pitchFamily="34" charset="0"/>
+                <a:ea typeface="Tahoma" panose="020B0604030504040204" pitchFamily="34" charset="0"/>
+                <a:cs typeface="Tahoma" panose="020B0604030504040204" pitchFamily="34" charset="0"/>
+              </a:rPr>
+              <a:t>– </a:t>
             </a:r>
             <a:r>
               <a:rPr lang="en-US" dirty="0" err="1" smtClean="0">
@@ -10530,12 +10373,20 @@
               <a:buChar char="•"/>
             </a:pPr>
             <a:r>
+              <a:rPr lang="en-US" dirty="0" smtClean="0">
+                <a:latin typeface="Tahoma" panose="020B0604030504040204" pitchFamily="34" charset="0"/>
+                <a:ea typeface="Tahoma" panose="020B0604030504040204" pitchFamily="34" charset="0"/>
+                <a:cs typeface="Tahoma" panose="020B0604030504040204" pitchFamily="34" charset="0"/>
+              </a:rPr>
+              <a:t>Trần </a:t>
+            </a:r>
+            <a:r>
               <a:rPr lang="en-US" dirty="0" err="1" smtClean="0">
                 <a:latin typeface="Tahoma" panose="020B0604030504040204" pitchFamily="34" charset="0"/>
                 <a:ea typeface="Tahoma" panose="020B0604030504040204" pitchFamily="34" charset="0"/>
                 <a:cs typeface="Tahoma" panose="020B0604030504040204" pitchFamily="34" charset="0"/>
               </a:rPr>
-              <a:t>Nhan</a:t>
+              <a:t>Trọng</a:t>
             </a:r>
             <a:r>
               <a:rPr lang="en-US" dirty="0" smtClean="0">
@@ -10543,7 +10394,31 @@
                 <a:ea typeface="Tahoma" panose="020B0604030504040204" pitchFamily="34" charset="0"/>
                 <a:cs typeface="Tahoma" panose="020B0604030504040204" pitchFamily="34" charset="0"/>
               </a:rPr>
-              <a:t> – </a:t>
+              <a:t> </a:t>
+            </a:r>
+            <a:r>
+              <a:rPr lang="en-US" dirty="0" err="1" smtClean="0">
+                <a:latin typeface="Tahoma" panose="020B0604030504040204" pitchFamily="34" charset="0"/>
+                <a:ea typeface="Tahoma" panose="020B0604030504040204" pitchFamily="34" charset="0"/>
+                <a:cs typeface="Tahoma" panose="020B0604030504040204" pitchFamily="34" charset="0"/>
+              </a:rPr>
+              <a:t>Nhân</a:t>
+            </a:r>
+            <a:r>
+              <a:rPr lang="en-US" dirty="0" smtClean="0">
+                <a:latin typeface="Tahoma" panose="020B0604030504040204" pitchFamily="34" charset="0"/>
+                <a:ea typeface="Tahoma" panose="020B0604030504040204" pitchFamily="34" charset="0"/>
+                <a:cs typeface="Tahoma" panose="020B0604030504040204" pitchFamily="34" charset="0"/>
+              </a:rPr>
+              <a:t> </a:t>
+            </a:r>
+            <a:r>
+              <a:rPr lang="en-US" dirty="0" smtClean="0">
+                <a:latin typeface="Tahoma" panose="020B0604030504040204" pitchFamily="34" charset="0"/>
+                <a:ea typeface="Tahoma" panose="020B0604030504040204" pitchFamily="34" charset="0"/>
+                <a:cs typeface="Tahoma" panose="020B0604030504040204" pitchFamily="34" charset="0"/>
+              </a:rPr>
+              <a:t>– </a:t>
             </a:r>
             <a:r>
               <a:rPr lang="en-US" dirty="0" err="1" smtClean="0">
@@ -10877,35 +10752,25 @@
       </p:sp>
       <p:pic>
         <p:nvPicPr>
-          <p:cNvPr id="4" name="Picture 3"/>
-          <p:cNvPicPr/>
+          <p:cNvPr id="2" name="Picture 1"/>
+          <p:cNvPicPr>
+            <a:picLocks noChangeAspect="1"/>
+          </p:cNvPicPr>
           <p:nvPr/>
         </p:nvPicPr>
-        <p:blipFill>
-          <a:blip r:embed="rId3">
-            <a:extLst>
-              <a:ext uri="{28A0092B-C50C-407E-A947-70E740481C1C}">
-                <a14:useLocalDpi xmlns:a14="http://schemas.microsoft.com/office/drawing/2010/main" val="0"/>
-              </a:ext>
-            </a:extLst>
-          </a:blip>
-          <a:srcRect/>
-          <a:stretch>
-            <a:fillRect/>
-          </a:stretch>
+        <p:blipFill rotWithShape="1">
+          <a:blip r:embed="rId3"/>
+          <a:srcRect l="22361" t="10062" r="22847" b="5124"/>
+          <a:stretch/>
         </p:blipFill>
-        <p:spPr bwMode="auto">
+        <p:spPr>
           <a:xfrm>
-            <a:off x="952500" y="400050"/>
-            <a:ext cx="7793799" cy="4386828"/>
+            <a:off x="1315084" y="137160"/>
+            <a:ext cx="6937376" cy="4644599"/>
           </a:xfrm>
           <a:prstGeom prst="rect">
             <a:avLst/>
           </a:prstGeom>
-          <a:noFill/>
-          <a:ln>
-            <a:noFill/>
-          </a:ln>
         </p:spPr>
       </p:pic>
     </p:spTree>
@@ -11039,14 +10904,14 @@
                 <a:cs typeface="Tahoma" panose="020B0604030504040204" pitchFamily="34" charset="0"/>
                 <a:sym typeface="Arial"/>
               </a:rPr>
-              <a:t>LoaiGHE</a:t>
-            </a:r>
-            <a:r>
-              <a:rPr lang="en-US" sz="2000" dirty="0"/>
+              <a:t>TheLoai</a:t>
+            </a:r>
+            <a:r>
+              <a:rPr lang="en-US" sz="2000" dirty="0" smtClean="0"/>
               <a:t/>
             </a:r>
             <a:br>
-              <a:rPr lang="en-US" sz="2000" dirty="0"/>
+              <a:rPr lang="en-US" sz="2000" dirty="0" smtClean="0"/>
             </a:br>
             <a:endParaRPr lang="en" sz="2000" dirty="0"/>
           </a:p>
@@ -11060,8 +10925,8 @@
         </p:nvSpPr>
         <p:spPr>
           <a:xfrm>
-            <a:off x="934128" y="3008283"/>
-            <a:ext cx="4305926" cy="1200329"/>
+            <a:off x="934130" y="2667633"/>
+            <a:ext cx="3898900" cy="1200329"/>
           </a:xfrm>
           <a:prstGeom prst="rect">
             <a:avLst/>
@@ -11084,7 +10949,7 @@
               <a:rPr lang="en-US" sz="1200" dirty="0" err="1" smtClean="0">
                 <a:latin typeface="Consolas" panose="020B0609020204030204" pitchFamily="49" charset="0"/>
               </a:rPr>
-              <a:t>LoaiGhe</a:t>
+              <a:t>TheLoai</a:t>
             </a:r>
             <a:endParaRPr lang="en-US" sz="1200" dirty="0">
               <a:latin typeface="Consolas" panose="020B0609020204030204" pitchFamily="49" charset="0"/>
@@ -11092,68 +10957,58 @@
           </a:p>
           <a:p>
             <a:r>
+              <a:rPr lang="en-US" sz="1200" dirty="0">
+                <a:latin typeface="Consolas" panose="020B0609020204030204" pitchFamily="49" charset="0"/>
+              </a:rPr>
+              <a:t>(</a:t>
+            </a:r>
+          </a:p>
+          <a:p>
+            <a:pPr marL="174625"/>
+            <a:r>
+              <a:rPr lang="en-US" sz="1200" dirty="0" err="1" smtClean="0">
+                <a:latin typeface="Consolas" panose="020B0609020204030204" pitchFamily="49" charset="0"/>
+              </a:rPr>
+              <a:t>maloai</a:t>
+            </a:r>
+            <a:r>
               <a:rPr lang="en-US" sz="1200" dirty="0" smtClean="0">
                 <a:latin typeface="Consolas" panose="020B0609020204030204" pitchFamily="49" charset="0"/>
               </a:rPr>
-              <a:t>(</a:t>
-            </a:r>
-            <a:endParaRPr lang="en-US" sz="1200" dirty="0">
-              <a:latin typeface="Consolas" panose="020B0609020204030204" pitchFamily="49" charset="0"/>
-            </a:endParaRPr>
-          </a:p>
-          <a:p>
+              <a:t> 	INT </a:t>
+            </a:r>
+            <a:r>
+              <a:rPr lang="en-US" sz="1200" dirty="0">
+                <a:latin typeface="Consolas" panose="020B0609020204030204" pitchFamily="49" charset="0"/>
+              </a:rPr>
+              <a:t>IDENTITY(1,1) PRIMARY KEY,</a:t>
+            </a:r>
+          </a:p>
+          <a:p>
+            <a:pPr marL="174625"/>
+            <a:r>
+              <a:rPr lang="en-US" sz="1200" dirty="0" err="1" smtClean="0">
+                <a:latin typeface="Consolas" panose="020B0609020204030204" pitchFamily="49" charset="0"/>
+              </a:rPr>
+              <a:t>tenloai</a:t>
+            </a:r>
             <a:r>
               <a:rPr lang="en-US" sz="1200" dirty="0" smtClean="0">
                 <a:latin typeface="Consolas" panose="020B0609020204030204" pitchFamily="49" charset="0"/>
               </a:rPr>
-              <a:t>  </a:t>
+              <a:t> 	</a:t>
             </a:r>
             <a:r>
               <a:rPr lang="en-US" sz="1200" dirty="0" err="1" smtClean="0">
                 <a:latin typeface="Consolas" panose="020B0609020204030204" pitchFamily="49" charset="0"/>
               </a:rPr>
-              <a:t>maloai</a:t>
+              <a:t>NVARCHAR</a:t>
             </a:r>
             <a:r>
               <a:rPr lang="en-US" sz="1200" dirty="0" smtClean="0">
                 <a:latin typeface="Consolas" panose="020B0609020204030204" pitchFamily="49" charset="0"/>
               </a:rPr>
-              <a:t> 	INT </a:t>
-            </a:r>
-            <a:r>
-              <a:rPr lang="en-US" sz="1200" dirty="0">
-                <a:latin typeface="Consolas" panose="020B0609020204030204" pitchFamily="49" charset="0"/>
-              </a:rPr>
-              <a:t>IDENTITY(1,1) PRIMARY </a:t>
-            </a:r>
-            <a:r>
-              <a:rPr lang="en-US" sz="1200" dirty="0" smtClean="0">
-                <a:latin typeface="Consolas" panose="020B0609020204030204" pitchFamily="49" charset="0"/>
-              </a:rPr>
-              <a:t>KEY,</a:t>
-            </a:r>
-            <a:endParaRPr lang="en-US" sz="1200" dirty="0">
-              <a:latin typeface="Consolas" panose="020B0609020204030204" pitchFamily="49" charset="0"/>
-            </a:endParaRPr>
-          </a:p>
-          <a:p>
-            <a:r>
-              <a:rPr lang="en-US" sz="1200" dirty="0" smtClean="0">
-                <a:latin typeface="Consolas" panose="020B0609020204030204" pitchFamily="49" charset="0"/>
-              </a:rPr>
-              <a:t>  </a:t>
-            </a:r>
-            <a:r>
-              <a:rPr lang="en-US" sz="1200" dirty="0" err="1" smtClean="0">
-                <a:latin typeface="Consolas" panose="020B0609020204030204" pitchFamily="49" charset="0"/>
-              </a:rPr>
-              <a:t>tenloai</a:t>
-            </a:r>
-            <a:r>
-              <a:rPr lang="en-US" sz="1200" dirty="0" smtClean="0">
-                <a:latin typeface="Consolas" panose="020B0609020204030204" pitchFamily="49" charset="0"/>
-              </a:rPr>
-              <a:t> 	VARCHAR(50) not null,</a:t>
+              <a:t>(50) not null,</a:t>
             </a:r>
             <a:endParaRPr lang="en-US" sz="1200" dirty="0">
               <a:latin typeface="Consolas" panose="020B0609020204030204" pitchFamily="49" charset="0"/>
@@ -11190,13 +11045,13 @@
         </p:nvPicPr>
         <p:blipFill rotWithShape="1">
           <a:blip r:embed="rId3"/>
-          <a:srcRect l="17813" t="8055" r="63125" b="78333"/>
+          <a:srcRect l="17430" t="8334" r="61250" b="80185"/>
           <a:stretch/>
         </p:blipFill>
         <p:spPr>
           <a:xfrm>
-            <a:off x="934129" y="1306286"/>
-            <a:ext cx="4305925" cy="1729429"/>
+            <a:off x="934130" y="1219833"/>
+            <a:ext cx="3898900" cy="1181100"/>
           </a:xfrm>
           <a:prstGeom prst="rect">
             <a:avLst/>
@@ -11206,7 +11061,7 @@
     </p:spTree>
     <p:extLst>
       <p:ext uri="{BB962C8B-B14F-4D97-AF65-F5344CB8AC3E}">
-        <p14:creationId xmlns:p14="http://schemas.microsoft.com/office/powerpoint/2010/main" val="2146411195"/>
+        <p14:creationId xmlns:p14="http://schemas.microsoft.com/office/powerpoint/2010/main" val="2941757709"/>
       </p:ext>
     </p:extLst>
   </p:cSld>
@@ -11287,8 +11142,8 @@
         </p:nvSpPr>
         <p:spPr>
           <a:xfrm>
-            <a:off x="0" y="881063"/>
-            <a:ext cx="3471863" cy="425450"/>
+            <a:off x="0" y="555625"/>
+            <a:ext cx="3471863" cy="750888"/>
           </a:xfrm>
           <a:prstGeom prst="rect">
             <a:avLst/>
@@ -11334,7 +11189,7 @@
                 <a:cs typeface="Tahoma" panose="020B0604030504040204" pitchFamily="34" charset="0"/>
                 <a:sym typeface="Arial"/>
               </a:rPr>
-              <a:t>Ghe</a:t>
+              <a:t>KhuyenMai</a:t>
             </a:r>
             <a:r>
               <a:rPr lang="en-US" sz="2000" dirty="0"/>
@@ -11355,8 +11210,8 @@
         </p:nvSpPr>
         <p:spPr>
           <a:xfrm>
-            <a:off x="929946" y="2884714"/>
-            <a:ext cx="6137604" cy="1600438"/>
+            <a:off x="934130" y="2847886"/>
+            <a:ext cx="6022930" cy="1754326"/>
           </a:xfrm>
           <a:prstGeom prst="rect">
             <a:avLst/>
@@ -11370,162 +11225,155 @@
           <a:lstStyle/>
           <a:p>
             <a:r>
-              <a:rPr lang="en-US" dirty="0">
+              <a:rPr lang="en-US" sz="1200" dirty="0">
                 <a:latin typeface="Consolas" panose="020B0609020204030204" pitchFamily="49" charset="0"/>
               </a:rPr>
               <a:t>CREATE TABLE </a:t>
             </a:r>
             <a:r>
-              <a:rPr lang="en-US" dirty="0" err="1" smtClean="0">
-                <a:latin typeface="Consolas" panose="020B0609020204030204" pitchFamily="49" charset="0"/>
-              </a:rPr>
-              <a:t>Ghe</a:t>
-            </a:r>
-            <a:endParaRPr lang="en-US" dirty="0">
+              <a:rPr lang="en-US" sz="1200" dirty="0" err="1" smtClean="0">
+                <a:latin typeface="Consolas" panose="020B0609020204030204" pitchFamily="49" charset="0"/>
+              </a:rPr>
+              <a:t>KhuyenMai</a:t>
+            </a:r>
+            <a:endParaRPr lang="en-US" sz="1200" dirty="0">
               <a:latin typeface="Consolas" panose="020B0609020204030204" pitchFamily="49" charset="0"/>
             </a:endParaRPr>
           </a:p>
           <a:p>
             <a:r>
-              <a:rPr lang="en-US" dirty="0">
+              <a:rPr lang="en-US" sz="1200" dirty="0">
                 <a:latin typeface="Consolas" panose="020B0609020204030204" pitchFamily="49" charset="0"/>
               </a:rPr>
               <a:t>(</a:t>
             </a:r>
           </a:p>
           <a:p>
-            <a:pPr lvl="4" defTabSz="282575"/>
-            <a:r>
-              <a:rPr lang="en-US" dirty="0" smtClean="0">
-                <a:latin typeface="Consolas" panose="020B0609020204030204" pitchFamily="49" charset="0"/>
-              </a:rPr>
-              <a:t>	</a:t>
-            </a:r>
-            <a:r>
-              <a:rPr lang="en-US" dirty="0" err="1" smtClean="0">
-                <a:latin typeface="Consolas" panose="020B0609020204030204" pitchFamily="49" charset="0"/>
-              </a:rPr>
-              <a:t>maghe</a:t>
-            </a:r>
-            <a:r>
-              <a:rPr lang="en-US" dirty="0" smtClean="0">
-                <a:latin typeface="Consolas" panose="020B0609020204030204" pitchFamily="49" charset="0"/>
-              </a:rPr>
-              <a:t> 	INT </a:t>
-            </a:r>
-            <a:r>
-              <a:rPr lang="en-US" dirty="0">
-                <a:latin typeface="Consolas" panose="020B0609020204030204" pitchFamily="49" charset="0"/>
-              </a:rPr>
-              <a:t>IDENTITY(1,1) PRIMARY KEY,</a:t>
-            </a:r>
-          </a:p>
-          <a:p>
-            <a:pPr lvl="4" defTabSz="282575"/>
-            <a:r>
-              <a:rPr lang="en-US" dirty="0" smtClean="0">
-                <a:latin typeface="Consolas" panose="020B0609020204030204" pitchFamily="49" charset="0"/>
-              </a:rPr>
-              <a:t>	</a:t>
-            </a:r>
-            <a:r>
-              <a:rPr lang="en-US" dirty="0" err="1" smtClean="0">
-                <a:latin typeface="Consolas" panose="020B0609020204030204" pitchFamily="49" charset="0"/>
-              </a:rPr>
-              <a:t>tenghe</a:t>
-            </a:r>
-            <a:r>
-              <a:rPr lang="en-US" dirty="0" smtClean="0">
-                <a:latin typeface="Consolas" panose="020B0609020204030204" pitchFamily="49" charset="0"/>
-              </a:rPr>
-              <a:t> 	</a:t>
-            </a:r>
-            <a:r>
-              <a:rPr lang="en-US" dirty="0" err="1" smtClean="0">
-                <a:latin typeface="Consolas" panose="020B0609020204030204" pitchFamily="49" charset="0"/>
-              </a:rPr>
-              <a:t>NVARCHAR</a:t>
-            </a:r>
-            <a:r>
-              <a:rPr lang="en-US" dirty="0" smtClean="0">
-                <a:latin typeface="Consolas" panose="020B0609020204030204" pitchFamily="49" charset="0"/>
-              </a:rPr>
-              <a:t>(50) not null,</a:t>
-            </a:r>
-          </a:p>
-          <a:p>
-            <a:pPr lvl="4" defTabSz="282575"/>
-            <a:r>
-              <a:rPr lang="en-US" dirty="0" smtClean="0">
-                <a:latin typeface="Consolas" panose="020B0609020204030204" pitchFamily="49" charset="0"/>
-              </a:rPr>
-              <a:t>	</a:t>
-            </a:r>
-            <a:r>
-              <a:rPr lang="en-US" dirty="0" err="1" smtClean="0">
-                <a:latin typeface="Consolas" panose="020B0609020204030204" pitchFamily="49" charset="0"/>
-              </a:rPr>
-              <a:t>maloai</a:t>
-            </a:r>
-            <a:r>
-              <a:rPr lang="en-US" dirty="0" smtClean="0">
-                <a:latin typeface="Consolas" panose="020B0609020204030204" pitchFamily="49" charset="0"/>
-              </a:rPr>
-              <a:t> 	INT </a:t>
-            </a:r>
-            <a:r>
-              <a:rPr lang="en-US" dirty="0">
-                <a:latin typeface="Consolas" panose="020B0609020204030204" pitchFamily="49" charset="0"/>
-              </a:rPr>
-              <a:t>FOREIGN KEY </a:t>
-            </a:r>
-            <a:r>
-              <a:rPr lang="en-US" dirty="0" smtClean="0">
-                <a:latin typeface="Consolas" panose="020B0609020204030204" pitchFamily="49" charset="0"/>
-              </a:rPr>
-              <a:t>REFERENCES </a:t>
-            </a:r>
-            <a:r>
-              <a:rPr lang="en-US" dirty="0" err="1" smtClean="0">
-                <a:latin typeface="Consolas" panose="020B0609020204030204" pitchFamily="49" charset="0"/>
-              </a:rPr>
-              <a:t>dbo.LoaiGhe</a:t>
-            </a:r>
-            <a:r>
-              <a:rPr lang="en-US" dirty="0" smtClean="0">
-                <a:latin typeface="Consolas" panose="020B0609020204030204" pitchFamily="49" charset="0"/>
-              </a:rPr>
-              <a:t>(</a:t>
-            </a:r>
-            <a:r>
-              <a:rPr lang="en-US" dirty="0" err="1" smtClean="0">
-                <a:latin typeface="Consolas" panose="020B0609020204030204" pitchFamily="49" charset="0"/>
-              </a:rPr>
-              <a:t>maloai</a:t>
-            </a:r>
-            <a:r>
-              <a:rPr lang="en-US" dirty="0" smtClean="0">
-                <a:latin typeface="Consolas" panose="020B0609020204030204" pitchFamily="49" charset="0"/>
-              </a:rPr>
-              <a:t>),</a:t>
-            </a:r>
-            <a:endParaRPr lang="en-US" dirty="0" smtClean="0">
+            <a:pPr marL="119063"/>
+            <a:r>
+              <a:rPr lang="en-US" sz="1200" dirty="0" err="1" smtClean="0">
+                <a:latin typeface="Consolas" panose="020B0609020204030204" pitchFamily="49" charset="0"/>
+              </a:rPr>
+              <a:t>makm</a:t>
+            </a:r>
+            <a:r>
+              <a:rPr lang="en-US" sz="1200" dirty="0" smtClean="0">
+                <a:latin typeface="Consolas" panose="020B0609020204030204" pitchFamily="49" charset="0"/>
+              </a:rPr>
+              <a:t> 		INT </a:t>
+            </a:r>
+            <a:r>
+              <a:rPr lang="en-US" sz="1200" dirty="0">
+                <a:latin typeface="Consolas" panose="020B0609020204030204" pitchFamily="49" charset="0"/>
+              </a:rPr>
+              <a:t>IDENTITY(1,1) PRIMARY KEY</a:t>
+            </a:r>
+            <a:r>
+              <a:rPr lang="en-US" sz="1200" dirty="0" smtClean="0">
+                <a:latin typeface="Consolas" panose="020B0609020204030204" pitchFamily="49" charset="0"/>
+              </a:rPr>
+              <a:t>,</a:t>
+            </a:r>
+            <a:endParaRPr lang="en-US" sz="1200" dirty="0">
               <a:latin typeface="Consolas" panose="020B0609020204030204" pitchFamily="49" charset="0"/>
             </a:endParaRPr>
           </a:p>
           <a:p>
-            <a:r>
-              <a:rPr lang="en-US" dirty="0" smtClean="0">
-                <a:latin typeface="Consolas" panose="020B0609020204030204" pitchFamily="49" charset="0"/>
-              </a:rPr>
-              <a:t>)</a:t>
-            </a:r>
-            <a:endParaRPr lang="en-US" dirty="0">
+            <a:pPr marL="119063"/>
+            <a:r>
+              <a:rPr lang="en-US" sz="1200" dirty="0" err="1" smtClean="0">
+                <a:latin typeface="Consolas" panose="020B0609020204030204" pitchFamily="49" charset="0"/>
+              </a:rPr>
+              <a:t>ngaybatdau</a:t>
+            </a:r>
+            <a:r>
+              <a:rPr lang="en-US" sz="1200" dirty="0" smtClean="0">
+                <a:latin typeface="Consolas" panose="020B0609020204030204" pitchFamily="49" charset="0"/>
+              </a:rPr>
+              <a:t> 	</a:t>
+            </a:r>
+            <a:r>
+              <a:rPr lang="en-US" sz="1200" dirty="0" err="1" smtClean="0">
+                <a:latin typeface="Consolas" panose="020B0609020204030204" pitchFamily="49" charset="0"/>
+              </a:rPr>
+              <a:t>DATETIME</a:t>
+            </a:r>
+            <a:r>
+              <a:rPr lang="en-US" sz="1200" dirty="0" smtClean="0">
+                <a:latin typeface="Consolas" panose="020B0609020204030204" pitchFamily="49" charset="0"/>
+              </a:rPr>
+              <a:t> not null,</a:t>
+            </a:r>
+            <a:endParaRPr lang="en-US" sz="1200" dirty="0">
               <a:latin typeface="Consolas" panose="020B0609020204030204" pitchFamily="49" charset="0"/>
             </a:endParaRPr>
           </a:p>
           <a:p>
-            <a:endParaRPr lang="en-US" dirty="0">
+            <a:pPr marL="119063"/>
+            <a:r>
+              <a:rPr lang="en-US" sz="1200" dirty="0" err="1" smtClean="0">
+                <a:latin typeface="Consolas" panose="020B0609020204030204" pitchFamily="49" charset="0"/>
+              </a:rPr>
+              <a:t>ngayketthuc</a:t>
+            </a:r>
+            <a:r>
+              <a:rPr lang="en-US" sz="1200" dirty="0" smtClean="0">
+                <a:latin typeface="Consolas" panose="020B0609020204030204" pitchFamily="49" charset="0"/>
+              </a:rPr>
+              <a:t> 	</a:t>
+            </a:r>
+            <a:r>
+              <a:rPr lang="en-US" sz="1200" dirty="0" err="1" smtClean="0">
+                <a:latin typeface="Consolas" panose="020B0609020204030204" pitchFamily="49" charset="0"/>
+              </a:rPr>
+              <a:t>DATETIME</a:t>
+            </a:r>
+            <a:r>
+              <a:rPr lang="en-US" sz="1200" dirty="0" smtClean="0">
+                <a:latin typeface="Consolas" panose="020B0609020204030204" pitchFamily="49" charset="0"/>
+              </a:rPr>
+              <a:t> not null,</a:t>
+            </a:r>
+            <a:endParaRPr lang="en-US" sz="1200" dirty="0">
+              <a:latin typeface="Consolas" panose="020B0609020204030204" pitchFamily="49" charset="0"/>
+            </a:endParaRPr>
+          </a:p>
+          <a:p>
+            <a:pPr marL="119063"/>
+            <a:r>
+              <a:rPr lang="en-US" sz="1200" dirty="0" err="1" smtClean="0">
+                <a:latin typeface="Consolas" panose="020B0609020204030204" pitchFamily="49" charset="0"/>
+              </a:rPr>
+              <a:t>giatri</a:t>
+            </a:r>
+            <a:r>
+              <a:rPr lang="en-US" sz="1200" dirty="0" smtClean="0">
+                <a:latin typeface="Consolas" panose="020B0609020204030204" pitchFamily="49" charset="0"/>
+              </a:rPr>
+              <a:t> 		INT not null,</a:t>
+            </a:r>
+            <a:endParaRPr lang="en-US" sz="1200" dirty="0">
+              <a:latin typeface="Consolas" panose="020B0609020204030204" pitchFamily="49" charset="0"/>
+            </a:endParaRPr>
+          </a:p>
+          <a:p>
+            <a:r>
+              <a:rPr lang="en-US" sz="1200" dirty="0">
+                <a:latin typeface="Consolas" panose="020B0609020204030204" pitchFamily="49" charset="0"/>
+              </a:rPr>
+              <a:t>)</a:t>
+            </a:r>
+          </a:p>
+          <a:p>
+            <a:r>
+              <a:rPr lang="en-US" sz="1200" dirty="0">
+                <a:latin typeface="Consolas" panose="020B0609020204030204" pitchFamily="49" charset="0"/>
+              </a:rPr>
+              <a:t>GO</a:t>
+            </a:r>
+          </a:p>
+          <a:p>
+            <a:endParaRPr lang="en-US" sz="1200" dirty="0">
               <a:latin typeface="Consolas" panose="020B0609020204030204" pitchFamily="49" charset="0"/>
             </a:endParaRPr>
           </a:p>
@@ -11533,7 +11381,7 @@
       </p:sp>
       <p:pic>
         <p:nvPicPr>
-          <p:cNvPr id="5" name="Picture 4"/>
+          <p:cNvPr id="2" name="Picture 1"/>
           <p:cNvPicPr>
             <a:picLocks noChangeAspect="1"/>
           </p:cNvPicPr>
@@ -11541,13 +11389,36 @@
         </p:nvPicPr>
         <p:blipFill rotWithShape="1">
           <a:blip r:embed="rId3"/>
-          <a:srcRect l="17222" t="9480" r="62222" b="78951"/>
+          <a:srcRect l="17708" t="9629" r="62187" b="85858"/>
           <a:stretch/>
         </p:blipFill>
         <p:spPr>
           <a:xfrm>
-            <a:off x="929945" y="1157514"/>
-            <a:ext cx="4667485" cy="1477736"/>
+            <a:off x="1028700" y="1219833"/>
+            <a:ext cx="3676650" cy="464187"/>
+          </a:xfrm>
+          <a:prstGeom prst="rect">
+            <a:avLst/>
+          </a:prstGeom>
+        </p:spPr>
+      </p:pic>
+      <p:pic>
+        <p:nvPicPr>
+          <p:cNvPr id="6" name="Picture 5"/>
+          <p:cNvPicPr>
+            <a:picLocks noChangeAspect="1"/>
+          </p:cNvPicPr>
+          <p:nvPr/>
+        </p:nvPicPr>
+        <p:blipFill rotWithShape="1">
+          <a:blip r:embed="rId3"/>
+          <a:srcRect l="17708" t="16067" r="62187" b="74815"/>
+          <a:stretch/>
+        </p:blipFill>
+        <p:spPr>
+          <a:xfrm>
+            <a:off x="1028700" y="1684020"/>
+            <a:ext cx="3676650" cy="937893"/>
           </a:xfrm>
           <a:prstGeom prst="rect">
             <a:avLst/>
@@ -11557,7 +11428,7 @@
     </p:spTree>
     <p:extLst>
       <p:ext uri="{BB962C8B-B14F-4D97-AF65-F5344CB8AC3E}">
-        <p14:creationId xmlns:p14="http://schemas.microsoft.com/office/powerpoint/2010/main" val="2040038829"/>
+        <p14:creationId xmlns:p14="http://schemas.microsoft.com/office/powerpoint/2010/main" val="283221489"/>
       </p:ext>
     </p:extLst>
   </p:cSld>
@@ -11579,7 +11450,7 @@
   <p:cSld>
     <p:spTree>
       <p:nvGrpSpPr>
-        <p:cNvPr id="1" name="Shape 82"/>
+        <p:cNvPr id="1" name=""/>
         <p:cNvGrpSpPr/>
         <p:nvPr/>
       </p:nvGrpSpPr>
@@ -11593,23 +11464,17 @@
       </p:grpSpPr>
       <p:sp>
         <p:nvSpPr>
-          <p:cNvPr id="86" name="Shape 86"/>
-          <p:cNvSpPr txBox="1">
+          <p:cNvPr id="2" name="Slide Number Placeholder 1"/>
+          <p:cNvSpPr>
             <a:spLocks noGrp="1"/>
           </p:cNvSpPr>
           <p:nvPr>
             <p:ph type="sldNum" sz="quarter" idx="12"/>
           </p:nvPr>
         </p:nvSpPr>
-        <p:spPr>
-          <a:prstGeom prst="rect">
-            <a:avLst/>
-          </a:prstGeom>
-        </p:spPr>
+        <p:spPr/>
         <p:txBody>
-          <a:bodyPr wrap="square" lIns="91425" tIns="91425" rIns="91425" bIns="91425" anchor="ctr" anchorCtr="0">
-            <a:noAutofit/>
-          </a:bodyPr>
+          <a:bodyPr/>
           <a:lstStyle/>
           <a:p>
             <a:pPr lvl="0">
@@ -11619,22 +11484,202 @@
               <a:buNone/>
             </a:pPr>
             <a:fld id="{00000000-1234-1234-1234-123412341234}" type="slidenum">
-              <a:rPr lang="en"/>
+              <a:rPr lang="en" smtClean="0"/>
               <a:t>14</a:t>
             </a:fld>
             <a:endParaRPr lang="en"/>
+          </a:p>
+        </p:txBody>
+      </p:sp>
+      <p:pic>
+        <p:nvPicPr>
+          <p:cNvPr id="3" name="Picture 2"/>
+          <p:cNvPicPr>
+            <a:picLocks noChangeAspect="1"/>
+          </p:cNvPicPr>
+          <p:nvPr/>
+        </p:nvPicPr>
+        <p:blipFill rotWithShape="1">
+          <a:blip r:embed="rId2"/>
+          <a:srcRect l="22064" t="10185" r="59206" b="79374"/>
+          <a:stretch/>
+        </p:blipFill>
+        <p:spPr>
+          <a:xfrm>
+            <a:off x="1513114" y="1196911"/>
+            <a:ext cx="3425372" cy="1332398"/>
+          </a:xfrm>
+          <a:prstGeom prst="rect">
+            <a:avLst/>
+          </a:prstGeom>
+        </p:spPr>
+      </p:pic>
+      <p:sp>
+        <p:nvSpPr>
+          <p:cNvPr id="4" name="Rectangle 3"/>
+          <p:cNvSpPr/>
+          <p:nvPr/>
+        </p:nvSpPr>
+        <p:spPr>
+          <a:xfrm>
+            <a:off x="1462314" y="2948409"/>
+            <a:ext cx="5986236" cy="1384995"/>
+          </a:xfrm>
+          <a:prstGeom prst="rect">
+            <a:avLst/>
+          </a:prstGeom>
+        </p:spPr>
+        <p:txBody>
+          <a:bodyPr wrap="square">
+            <a:spAutoFit/>
+          </a:bodyPr>
+          <a:lstStyle/>
+          <a:p>
+            <a:r>
+              <a:rPr lang="en-US" sz="1200" dirty="0">
+                <a:latin typeface="Consolas" panose="020B0609020204030204" pitchFamily="49" charset="0"/>
+              </a:rPr>
+              <a:t>CREATE TABLE </a:t>
+            </a:r>
+            <a:r>
+              <a:rPr lang="en-US" sz="1200" dirty="0" err="1" smtClean="0">
+                <a:latin typeface="Consolas" panose="020B0609020204030204" pitchFamily="49" charset="0"/>
+              </a:rPr>
+              <a:t>LOAIVE</a:t>
+            </a:r>
+            <a:endParaRPr lang="en-US" sz="1200" dirty="0">
+              <a:latin typeface="Consolas" panose="020B0609020204030204" pitchFamily="49" charset="0"/>
+            </a:endParaRPr>
+          </a:p>
+          <a:p>
+            <a:r>
+              <a:rPr lang="en-US" sz="1200" dirty="0">
+                <a:latin typeface="Consolas" panose="020B0609020204030204" pitchFamily="49" charset="0"/>
+              </a:rPr>
+              <a:t>(</a:t>
+            </a:r>
+          </a:p>
+          <a:p>
+            <a:pPr marL="119063"/>
+            <a:r>
+              <a:rPr lang="en-US" sz="1200" dirty="0" err="1" smtClean="0">
+                <a:latin typeface="Consolas" panose="020B0609020204030204" pitchFamily="49" charset="0"/>
+              </a:rPr>
+              <a:t>maloaive</a:t>
+            </a:r>
+            <a:r>
+              <a:rPr lang="en-US" sz="1200" dirty="0" smtClean="0">
+                <a:latin typeface="Consolas" panose="020B0609020204030204" pitchFamily="49" charset="0"/>
+              </a:rPr>
+              <a:t> </a:t>
+            </a:r>
+            <a:r>
+              <a:rPr lang="en-US" sz="1200" dirty="0">
+                <a:latin typeface="Consolas" panose="020B0609020204030204" pitchFamily="49" charset="0"/>
+              </a:rPr>
+              <a:t>	</a:t>
+            </a:r>
+            <a:r>
+              <a:rPr lang="en-US" sz="1200" dirty="0" smtClean="0">
+                <a:latin typeface="Consolas" panose="020B0609020204030204" pitchFamily="49" charset="0"/>
+              </a:rPr>
+              <a:t>INT </a:t>
+            </a:r>
+            <a:r>
+              <a:rPr lang="en-US" sz="1200" dirty="0">
+                <a:latin typeface="Consolas" panose="020B0609020204030204" pitchFamily="49" charset="0"/>
+              </a:rPr>
+              <a:t>IDENTITY(1,1) PRIMARY KEY,</a:t>
+            </a:r>
+          </a:p>
+          <a:p>
+            <a:pPr marL="119063"/>
+            <a:r>
+              <a:rPr lang="en-US" sz="1200" dirty="0" err="1" smtClean="0">
+                <a:latin typeface="Consolas" panose="020B0609020204030204" pitchFamily="49" charset="0"/>
+              </a:rPr>
+              <a:t>tenloaive</a:t>
+            </a:r>
+            <a:r>
+              <a:rPr lang="en-US" sz="1200" dirty="0" smtClean="0">
+                <a:latin typeface="Consolas" panose="020B0609020204030204" pitchFamily="49" charset="0"/>
+              </a:rPr>
+              <a:t> </a:t>
+            </a:r>
+            <a:r>
+              <a:rPr lang="en-US" sz="1200" dirty="0">
+                <a:latin typeface="Consolas" panose="020B0609020204030204" pitchFamily="49" charset="0"/>
+              </a:rPr>
+              <a:t>	</a:t>
+            </a:r>
+            <a:r>
+              <a:rPr lang="en-US" sz="1200" dirty="0" err="1" smtClean="0">
+                <a:latin typeface="Consolas" panose="020B0609020204030204" pitchFamily="49" charset="0"/>
+              </a:rPr>
+              <a:t>NVARCHAR</a:t>
+            </a:r>
+            <a:r>
+              <a:rPr lang="en-US" sz="1200" dirty="0" smtClean="0">
+                <a:latin typeface="Consolas" panose="020B0609020204030204" pitchFamily="49" charset="0"/>
+              </a:rPr>
+              <a:t>(50) </a:t>
+            </a:r>
+            <a:r>
+              <a:rPr lang="en-US" sz="1200" dirty="0">
+                <a:latin typeface="Consolas" panose="020B0609020204030204" pitchFamily="49" charset="0"/>
+              </a:rPr>
+              <a:t>not null,</a:t>
+            </a:r>
+          </a:p>
+          <a:p>
+            <a:pPr marL="119063"/>
+            <a:r>
+              <a:rPr lang="en-US" sz="1200" dirty="0" err="1" smtClean="0">
+                <a:latin typeface="Consolas" panose="020B0609020204030204" pitchFamily="49" charset="0"/>
+              </a:rPr>
+              <a:t>giave</a:t>
+            </a:r>
+            <a:r>
+              <a:rPr lang="en-US" sz="1200" dirty="0" smtClean="0">
+                <a:latin typeface="Consolas" panose="020B0609020204030204" pitchFamily="49" charset="0"/>
+              </a:rPr>
+              <a:t> </a:t>
+            </a:r>
+            <a:r>
+              <a:rPr lang="en-US" sz="1200" dirty="0">
+                <a:latin typeface="Consolas" panose="020B0609020204030204" pitchFamily="49" charset="0"/>
+              </a:rPr>
+              <a:t>		INT not null,</a:t>
+            </a:r>
+          </a:p>
+          <a:p>
+            <a:r>
+              <a:rPr lang="en-US" sz="1200" dirty="0">
+                <a:latin typeface="Consolas" panose="020B0609020204030204" pitchFamily="49" charset="0"/>
+              </a:rPr>
+              <a:t>)</a:t>
+            </a:r>
+          </a:p>
+          <a:p>
+            <a:r>
+              <a:rPr lang="en-US" sz="1200" dirty="0">
+                <a:latin typeface="Consolas" panose="020B0609020204030204" pitchFamily="49" charset="0"/>
+              </a:rPr>
+              <a:t>GO</a:t>
+            </a:r>
+            <a:endParaRPr lang="en-US" sz="1200" dirty="0">
+              <a:latin typeface="Consolas" panose="020B0609020204030204" pitchFamily="49" charset="0"/>
+            </a:endParaRPr>
           </a:p>
         </p:txBody>
       </p:sp>
       <p:sp>
         <p:nvSpPr>
-          <p:cNvPr id="83" name="Shape 83"/>
+          <p:cNvPr id="5" name="Shape 83"/>
           <p:cNvSpPr txBox="1">
-            <a:spLocks noGrp="1"/>
+            <a:spLocks/>
           </p:cNvSpPr>
-          <p:nvPr>
-            <p:ph type="ctrTitle" idx="4294967295"/>
-          </p:nvPr>
+          <p:nvPr/>
         </p:nvSpPr>
         <p:spPr>
           <a:xfrm>
@@ -11646,13 +11691,31 @@
           </a:prstGeom>
         </p:spPr>
         <p:txBody>
-          <a:bodyPr wrap="square" lIns="91425" tIns="91425" rIns="91425" bIns="91425" anchor="b" anchorCtr="0">
+          <a:bodyPr vert="horz" wrap="square" lIns="91425" tIns="91425" rIns="91425" bIns="91425" rtlCol="0" anchor="b" anchorCtr="0">
             <a:noAutofit/>
           </a:bodyPr>
-          <a:lstStyle/>
-          <a:p>
-            <a:r>
-              <a:rPr lang="en-US" sz="1400" b="0" dirty="0" smtClean="0">
+          <a:lstStyle>
+            <a:lvl1pPr algn="l" defTabSz="685800" rtl="0" eaLnBrk="1" latinLnBrk="0" hangingPunct="1">
+              <a:lnSpc>
+                <a:spcPct val="90000"/>
+              </a:lnSpc>
+              <a:spcBef>
+                <a:spcPct val="0"/>
+              </a:spcBef>
+              <a:buNone/>
+              <a:defRPr sz="3825" kern="1200" cap="all" spc="150" baseline="0">
+                <a:solidFill>
+                  <a:schemeClr val="tx2"/>
+                </a:solidFill>
+                <a:latin typeface="+mj-lt"/>
+                <a:ea typeface="+mj-ea"/>
+                <a:cs typeface="+mj-cs"/>
+              </a:defRPr>
+            </a:lvl1pPr>
+          </a:lstStyle>
+          <a:p>
+            <a:r>
+              <a:rPr lang="en-US" sz="1400" dirty="0" smtClean="0">
                 <a:latin typeface="Tahoma" panose="020B0604030504040204" pitchFamily="34" charset="0"/>
                 <a:ea typeface="Tahoma" panose="020B0604030504040204" pitchFamily="34" charset="0"/>
                 <a:cs typeface="Tahoma" panose="020B0604030504040204" pitchFamily="34" charset="0"/>
@@ -11661,7 +11724,7 @@
               <a:t>	</a:t>
             </a:r>
             <a:r>
-              <a:rPr lang="en-US" sz="1400" b="0" dirty="0" err="1" smtClean="0">
+              <a:rPr lang="en-US" sz="1400" dirty="0" err="1" smtClean="0">
                 <a:latin typeface="Tahoma" panose="020B0604030504040204" pitchFamily="34" charset="0"/>
                 <a:ea typeface="Tahoma" panose="020B0604030504040204" pitchFamily="34" charset="0"/>
                 <a:cs typeface="Tahoma" panose="020B0604030504040204" pitchFamily="34" charset="0"/>
@@ -11670,7 +11733,7 @@
               <a:t>Bảng</a:t>
             </a:r>
             <a:r>
-              <a:rPr lang="en-US" sz="1400" b="0" dirty="0" smtClean="0">
+              <a:rPr lang="en-US" sz="1400" dirty="0" smtClean="0">
                 <a:latin typeface="Tahoma" panose="020B0604030504040204" pitchFamily="34" charset="0"/>
                 <a:ea typeface="Tahoma" panose="020B0604030504040204" pitchFamily="34" charset="0"/>
                 <a:cs typeface="Tahoma" panose="020B0604030504040204" pitchFamily="34" charset="0"/>
@@ -11685,7 +11748,7 @@
                 <a:cs typeface="Tahoma" panose="020B0604030504040204" pitchFamily="34" charset="0"/>
                 <a:sym typeface="Arial"/>
               </a:rPr>
-              <a:t>TheLoai</a:t>
+              <a:t>LOAIVE</a:t>
             </a:r>
             <a:r>
               <a:rPr lang="en-US" sz="2000" dirty="0" smtClean="0"/>
@@ -11698,164 +11761,16 @@
           </a:p>
         </p:txBody>
       </p:sp>
-      <p:sp>
-        <p:nvSpPr>
-          <p:cNvPr id="3" name="TextBox 2"/>
-          <p:cNvSpPr txBox="1"/>
-          <p:nvPr/>
-        </p:nvSpPr>
-        <p:spPr>
-          <a:xfrm>
-            <a:off x="934130" y="2667633"/>
-            <a:ext cx="3898900" cy="1200329"/>
-          </a:xfrm>
-          <a:prstGeom prst="rect">
-            <a:avLst/>
-          </a:prstGeom>
-          <a:noFill/>
-        </p:spPr>
-        <p:txBody>
-          <a:bodyPr wrap="square" rtlCol="0">
-            <a:spAutoFit/>
-          </a:bodyPr>
-          <a:lstStyle/>
-          <a:p>
-            <a:r>
-              <a:rPr lang="en-US" sz="1200" dirty="0">
-                <a:latin typeface="Consolas" panose="020B0609020204030204" pitchFamily="49" charset="0"/>
-              </a:rPr>
-              <a:t>CREATE TABLE </a:t>
-            </a:r>
-            <a:r>
-              <a:rPr lang="en-US" sz="1200" dirty="0" err="1" smtClean="0">
-                <a:latin typeface="Consolas" panose="020B0609020204030204" pitchFamily="49" charset="0"/>
-              </a:rPr>
-              <a:t>TheLoai</a:t>
-            </a:r>
-            <a:endParaRPr lang="en-US" sz="1200" dirty="0">
-              <a:latin typeface="Consolas" panose="020B0609020204030204" pitchFamily="49" charset="0"/>
-            </a:endParaRPr>
-          </a:p>
-          <a:p>
-            <a:r>
-              <a:rPr lang="en-US" sz="1200" dirty="0">
-                <a:latin typeface="Consolas" panose="020B0609020204030204" pitchFamily="49" charset="0"/>
-              </a:rPr>
-              <a:t>(</a:t>
-            </a:r>
-          </a:p>
-          <a:p>
-            <a:pPr marL="174625"/>
-            <a:r>
-              <a:rPr lang="en-US" sz="1200" dirty="0" err="1" smtClean="0">
-                <a:latin typeface="Consolas" panose="020B0609020204030204" pitchFamily="49" charset="0"/>
-              </a:rPr>
-              <a:t>maloai</a:t>
-            </a:r>
-            <a:r>
-              <a:rPr lang="en-US" sz="1200" dirty="0" smtClean="0">
-                <a:latin typeface="Consolas" panose="020B0609020204030204" pitchFamily="49" charset="0"/>
-              </a:rPr>
-              <a:t> 	INT </a:t>
-            </a:r>
-            <a:r>
-              <a:rPr lang="en-US" sz="1200" dirty="0">
-                <a:latin typeface="Consolas" panose="020B0609020204030204" pitchFamily="49" charset="0"/>
-              </a:rPr>
-              <a:t>IDENTITY(1,1) PRIMARY KEY,</a:t>
-            </a:r>
-          </a:p>
-          <a:p>
-            <a:pPr marL="174625"/>
-            <a:r>
-              <a:rPr lang="en-US" sz="1200" dirty="0" err="1" smtClean="0">
-                <a:latin typeface="Consolas" panose="020B0609020204030204" pitchFamily="49" charset="0"/>
-              </a:rPr>
-              <a:t>tenloai</a:t>
-            </a:r>
-            <a:r>
-              <a:rPr lang="en-US" sz="1200" dirty="0" smtClean="0">
-                <a:latin typeface="Consolas" panose="020B0609020204030204" pitchFamily="49" charset="0"/>
-              </a:rPr>
-              <a:t> 	</a:t>
-            </a:r>
-            <a:r>
-              <a:rPr lang="en-US" sz="1200" dirty="0" err="1" smtClean="0">
-                <a:latin typeface="Consolas" panose="020B0609020204030204" pitchFamily="49" charset="0"/>
-              </a:rPr>
-              <a:t>NVARCHAR</a:t>
-            </a:r>
-            <a:r>
-              <a:rPr lang="en-US" sz="1200" dirty="0" smtClean="0">
-                <a:latin typeface="Consolas" panose="020B0609020204030204" pitchFamily="49" charset="0"/>
-              </a:rPr>
-              <a:t>(50) not null,</a:t>
-            </a:r>
-            <a:endParaRPr lang="en-US" sz="1200" dirty="0">
-              <a:latin typeface="Consolas" panose="020B0609020204030204" pitchFamily="49" charset="0"/>
-            </a:endParaRPr>
-          </a:p>
-          <a:p>
-            <a:r>
-              <a:rPr lang="en-US" sz="1200" dirty="0" smtClean="0">
-                <a:latin typeface="Consolas" panose="020B0609020204030204" pitchFamily="49" charset="0"/>
-              </a:rPr>
-              <a:t>)</a:t>
-            </a:r>
-            <a:endParaRPr lang="en-US" sz="1200" dirty="0">
-              <a:latin typeface="Consolas" panose="020B0609020204030204" pitchFamily="49" charset="0"/>
-            </a:endParaRPr>
-          </a:p>
-          <a:p>
-            <a:r>
-              <a:rPr lang="en-US" sz="1200" dirty="0">
-                <a:latin typeface="Consolas" panose="020B0609020204030204" pitchFamily="49" charset="0"/>
-              </a:rPr>
-              <a:t>GO </a:t>
-            </a:r>
-          </a:p>
-        </p:txBody>
-      </p:sp>
-      <p:pic>
-        <p:nvPicPr>
-          <p:cNvPr id="2" name="Picture 1"/>
-          <p:cNvPicPr>
-            <a:picLocks noChangeAspect="1"/>
-          </p:cNvPicPr>
-          <p:nvPr/>
-        </p:nvPicPr>
-        <p:blipFill rotWithShape="1">
-          <a:blip r:embed="rId3"/>
-          <a:srcRect l="17430" t="8334" r="61250" b="80185"/>
-          <a:stretch/>
-        </p:blipFill>
-        <p:spPr>
-          <a:xfrm>
-            <a:off x="934130" y="1219833"/>
-            <a:ext cx="3898900" cy="1181100"/>
-          </a:xfrm>
-          <a:prstGeom prst="rect">
-            <a:avLst/>
-          </a:prstGeom>
-        </p:spPr>
-      </p:pic>
     </p:spTree>
     <p:extLst>
       <p:ext uri="{BB962C8B-B14F-4D97-AF65-F5344CB8AC3E}">
-        <p14:creationId xmlns:p14="http://schemas.microsoft.com/office/powerpoint/2010/main" val="2941757709"/>
+        <p14:creationId xmlns:p14="http://schemas.microsoft.com/office/powerpoint/2010/main" val="2452665779"/>
       </p:ext>
     </p:extLst>
   </p:cSld>
   <p:clrMapOvr>
     <a:masterClrMapping/>
   </p:clrMapOvr>
-  <p:timing>
-    <p:tnLst>
-      <p:par>
-        <p:cTn id="1" dur="indefinite" restart="never" nodeType="tmRoot"/>
-      </p:par>
-    </p:tnLst>
-  </p:timing>
 </p:sld>
 </file>
 
@@ -11970,14 +11885,24 @@
                 <a:cs typeface="Tahoma" panose="020B0604030504040204" pitchFamily="34" charset="0"/>
                 <a:sym typeface="Arial"/>
               </a:rPr>
-              <a:t>Phim</a:t>
-            </a:r>
-            <a:r>
-              <a:rPr lang="en-US" sz="2000" dirty="0"/>
+              <a:t>PhongChieu</a:t>
+            </a:r>
+            <a:r>
+              <a:rPr lang="en-US" sz="1400" dirty="0" smtClean="0">
+                <a:latin typeface="Tahoma" panose="020B0604030504040204" pitchFamily="34" charset="0"/>
+                <a:ea typeface="Tahoma" panose="020B0604030504040204" pitchFamily="34" charset="0"/>
+                <a:cs typeface="Tahoma" panose="020B0604030504040204" pitchFamily="34" charset="0"/>
+                <a:sym typeface="Arial"/>
+              </a:rPr>
               <a:t/>
             </a:r>
             <a:br>
-              <a:rPr lang="en-US" sz="2000" dirty="0"/>
+              <a:rPr lang="en-US" sz="1400" dirty="0" smtClean="0">
+                <a:latin typeface="Tahoma" panose="020B0604030504040204" pitchFamily="34" charset="0"/>
+                <a:ea typeface="Tahoma" panose="020B0604030504040204" pitchFamily="34" charset="0"/>
+                <a:cs typeface="Tahoma" panose="020B0604030504040204" pitchFamily="34" charset="0"/>
+                <a:sym typeface="Arial"/>
+              </a:rPr>
             </a:br>
             <a:endParaRPr lang="en" sz="2000" dirty="0"/>
           </a:p>
@@ -11991,8 +11916,8 @@
         </p:nvSpPr>
         <p:spPr>
           <a:xfrm>
-            <a:off x="4555433" y="1133475"/>
-            <a:ext cx="4152766" cy="3046988"/>
+            <a:off x="934130" y="2801103"/>
+            <a:ext cx="4869770" cy="1569660"/>
           </a:xfrm>
           <a:prstGeom prst="rect">
             <a:avLst/>
@@ -12015,354 +11940,108 @@
               <a:rPr lang="en-US" sz="1200" dirty="0" err="1" smtClean="0">
                 <a:latin typeface="Consolas" panose="020B0609020204030204" pitchFamily="49" charset="0"/>
               </a:rPr>
-              <a:t>Phim</a:t>
-            </a:r>
-            <a:r>
-              <a:rPr lang="en-US" sz="1200" dirty="0" smtClean="0">
-                <a:latin typeface="Consolas" panose="020B0609020204030204" pitchFamily="49" charset="0"/>
-              </a:rPr>
-              <a:t> </a:t>
-            </a:r>
-          </a:p>
-          <a:p>
-            <a:r>
-              <a:rPr lang="en-US" sz="1200" dirty="0" smtClean="0">
-                <a:latin typeface="Consolas" panose="020B0609020204030204" pitchFamily="49" charset="0"/>
-              </a:rPr>
-              <a:t>(</a:t>
+              <a:t>PhongChieu</a:t>
             </a:r>
             <a:endParaRPr lang="en-US" sz="1200" dirty="0">
               <a:latin typeface="Consolas" panose="020B0609020204030204" pitchFamily="49" charset="0"/>
             </a:endParaRPr>
           </a:p>
           <a:p>
-            <a:pPr marL="119063"/>
+            <a:r>
+              <a:rPr lang="en-US" sz="1200" dirty="0">
+                <a:latin typeface="Consolas" panose="020B0609020204030204" pitchFamily="49" charset="0"/>
+              </a:rPr>
+              <a:t>(</a:t>
+            </a:r>
+          </a:p>
+          <a:p>
+            <a:pPr marL="174625" lvl="1"/>
             <a:r>
               <a:rPr lang="en-US" sz="1200" dirty="0" err="1" smtClean="0">
                 <a:latin typeface="Consolas" panose="020B0609020204030204" pitchFamily="49" charset="0"/>
               </a:rPr>
-              <a:t>Maphim</a:t>
+              <a:t>maphong</a:t>
             </a:r>
             <a:r>
               <a:rPr lang="en-US" sz="1200" dirty="0" smtClean="0">
                 <a:latin typeface="Consolas" panose="020B0609020204030204" pitchFamily="49" charset="0"/>
               </a:rPr>
-              <a:t>    </a:t>
+              <a:t> 		INT </a:t>
+            </a:r>
+            <a:r>
+              <a:rPr lang="en-US" sz="1200" dirty="0">
+                <a:latin typeface="Consolas" panose="020B0609020204030204" pitchFamily="49" charset="0"/>
+              </a:rPr>
+              <a:t>IDENTITY(1,1) PRIMARY KEY,</a:t>
+            </a:r>
+          </a:p>
+          <a:p>
+            <a:pPr marL="174625" lvl="1"/>
+            <a:r>
+              <a:rPr lang="en-US" sz="1200" dirty="0" err="1" smtClean="0">
+                <a:latin typeface="Consolas" panose="020B0609020204030204" pitchFamily="49" charset="0"/>
+              </a:rPr>
+              <a:t>tenphong</a:t>
             </a:r>
             <a:r>
               <a:rPr lang="en-US" sz="1200" dirty="0" smtClean="0">
                 <a:latin typeface="Consolas" panose="020B0609020204030204" pitchFamily="49" charset="0"/>
               </a:rPr>
-              <a:t>INT </a:t>
-            </a:r>
-            <a:r>
-              <a:rPr lang="en-US" sz="1200" dirty="0">
-                <a:latin typeface="Consolas" panose="020B0609020204030204" pitchFamily="49" charset="0"/>
-              </a:rPr>
-              <a:t>IDENTITY(1,1) PRIMARY KEY,</a:t>
-            </a:r>
-          </a:p>
-          <a:p>
-            <a:pPr marL="119063"/>
+              <a:t> 	</a:t>
+            </a:r>
             <a:r>
               <a:rPr lang="en-US" sz="1200" dirty="0" err="1" smtClean="0">
                 <a:latin typeface="Consolas" panose="020B0609020204030204" pitchFamily="49" charset="0"/>
               </a:rPr>
-              <a:t>matheloai</a:t>
+              <a:t>NVARCHAR</a:t>
             </a:r>
             <a:r>
               <a:rPr lang="en-US" sz="1200" dirty="0" smtClean="0">
                 <a:latin typeface="Consolas" panose="020B0609020204030204" pitchFamily="49" charset="0"/>
               </a:rPr>
-              <a:t> INT </a:t>
-            </a:r>
-            <a:r>
-              <a:rPr lang="en-US" sz="1200" dirty="0">
-                <a:latin typeface="Consolas" panose="020B0609020204030204" pitchFamily="49" charset="0"/>
-              </a:rPr>
-              <a:t>FOREIGN KEY REFERENCES </a:t>
-            </a:r>
+              <a:t>(50),</a:t>
+            </a:r>
+          </a:p>
+          <a:p>
+            <a:pPr marL="174625" lvl="1"/>
             <a:r>
               <a:rPr lang="en-US" sz="1200" dirty="0" err="1" smtClean="0">
                 <a:latin typeface="Consolas" panose="020B0609020204030204" pitchFamily="49" charset="0"/>
               </a:rPr>
-              <a:t>dbo.TheLoai</a:t>
+              <a:t>soghecontrong</a:t>
             </a:r>
             <a:r>
               <a:rPr lang="en-US" sz="1200" dirty="0" smtClean="0">
                 <a:latin typeface="Consolas" panose="020B0609020204030204" pitchFamily="49" charset="0"/>
               </a:rPr>
-              <a:t>(</a:t>
-            </a:r>
-            <a:r>
-              <a:rPr lang="en-US" sz="1200" dirty="0" err="1">
-                <a:latin typeface="Consolas" panose="020B0609020204030204" pitchFamily="49" charset="0"/>
-              </a:rPr>
-              <a:t>matheloai</a:t>
+              <a:t> 	INT not null,</a:t>
+            </a:r>
+          </a:p>
+          <a:p>
+            <a:pPr marL="174625" lvl="1"/>
+            <a:r>
+              <a:rPr lang="en-US" sz="1200" dirty="0" err="1" smtClean="0">
+                <a:latin typeface="Consolas" panose="020B0609020204030204" pitchFamily="49" charset="0"/>
+              </a:rPr>
+              <a:t>soghebandau</a:t>
             </a:r>
             <a:r>
               <a:rPr lang="en-US" sz="1200" dirty="0" smtClean="0">
                 <a:latin typeface="Consolas" panose="020B0609020204030204" pitchFamily="49" charset="0"/>
               </a:rPr>
-              <a:t>)</a:t>
+              <a:t> 	INT not null,</a:t>
             </a:r>
             <a:endParaRPr lang="en-US" sz="1200" dirty="0">
               <a:latin typeface="Consolas" panose="020B0609020204030204" pitchFamily="49" charset="0"/>
             </a:endParaRPr>
           </a:p>
           <a:p>
-            <a:pPr marL="119063"/>
-            <a:endParaRPr lang="en-US" sz="1200" dirty="0">
-              <a:latin typeface="Consolas" panose="020B0609020204030204" pitchFamily="49" charset="0"/>
-            </a:endParaRPr>
-          </a:p>
-          <a:p>
-            <a:pPr marL="119063"/>
-            <a:r>
-              <a:rPr lang="en-US" sz="1200" dirty="0" err="1" smtClean="0">
-                <a:latin typeface="Consolas" panose="020B0609020204030204" pitchFamily="49" charset="0"/>
-              </a:rPr>
-              <a:t>daodien</a:t>
-            </a:r>
-            <a:r>
-              <a:rPr lang="en-US" sz="1200" dirty="0" smtClean="0">
-                <a:latin typeface="Consolas" panose="020B0609020204030204" pitchFamily="49" charset="0"/>
-              </a:rPr>
-              <a:t> 		</a:t>
-            </a:r>
-            <a:r>
-              <a:rPr lang="en-US" sz="1200" dirty="0" err="1" smtClean="0">
-                <a:latin typeface="Consolas" panose="020B0609020204030204" pitchFamily="49" charset="0"/>
-              </a:rPr>
-              <a:t>NVARCHAR</a:t>
-            </a:r>
-            <a:r>
-              <a:rPr lang="en-US" sz="1200" dirty="0" smtClean="0">
-                <a:latin typeface="Consolas" panose="020B0609020204030204" pitchFamily="49" charset="0"/>
-              </a:rPr>
-              <a:t>(50) not null,</a:t>
-            </a:r>
-            <a:endParaRPr lang="en-US" sz="1200" dirty="0">
-              <a:latin typeface="Consolas" panose="020B0609020204030204" pitchFamily="49" charset="0"/>
-            </a:endParaRPr>
-          </a:p>
-          <a:p>
-            <a:pPr marL="119063"/>
-            <a:r>
-              <a:rPr lang="en-US" sz="1200" dirty="0" err="1" smtClean="0">
-                <a:latin typeface="Consolas" panose="020B0609020204030204" pitchFamily="49" charset="0"/>
-              </a:rPr>
-              <a:t>tenphim</a:t>
-            </a:r>
-            <a:r>
-              <a:rPr lang="en-US" sz="1200" dirty="0" smtClean="0">
-                <a:latin typeface="Consolas" panose="020B0609020204030204" pitchFamily="49" charset="0"/>
-              </a:rPr>
-              <a:t> 		</a:t>
-            </a:r>
-            <a:r>
-              <a:rPr lang="en-US" sz="1200" dirty="0" err="1" smtClean="0">
-                <a:latin typeface="Consolas" panose="020B0609020204030204" pitchFamily="49" charset="0"/>
-              </a:rPr>
-              <a:t>NVARCHAR</a:t>
-            </a:r>
             <a:r>
               <a:rPr lang="en-US" sz="1200" dirty="0">
                 <a:latin typeface="Consolas" panose="020B0609020204030204" pitchFamily="49" charset="0"/>
               </a:rPr>
-              <a:t>(50) not null,</a:t>
-            </a:r>
-            <a:endParaRPr lang="en-US" sz="1200" dirty="0" smtClean="0">
-              <a:latin typeface="Consolas" panose="020B0609020204030204" pitchFamily="49" charset="0"/>
-            </a:endParaRPr>
-          </a:p>
-          <a:p>
-            <a:pPr marL="119063"/>
-            <a:r>
-              <a:rPr lang="en-US" sz="1200" dirty="0" err="1" smtClean="0">
-                <a:latin typeface="Consolas" panose="020B0609020204030204" pitchFamily="49" charset="0"/>
-              </a:rPr>
-              <a:t>ngaykhoichieu</a:t>
-            </a:r>
-            <a:r>
-              <a:rPr lang="en-US" sz="1200" dirty="0" smtClean="0">
-                <a:latin typeface="Consolas" panose="020B0609020204030204" pitchFamily="49" charset="0"/>
-              </a:rPr>
-              <a:t> 	DATE not </a:t>
-            </a:r>
-            <a:r>
-              <a:rPr lang="en-US" sz="1200" dirty="0">
-                <a:latin typeface="Consolas" panose="020B0609020204030204" pitchFamily="49" charset="0"/>
-              </a:rPr>
-              <a:t>null</a:t>
-            </a:r>
-            <a:r>
-              <a:rPr lang="en-US" sz="1200" dirty="0" smtClean="0">
-                <a:latin typeface="Consolas" panose="020B0609020204030204" pitchFamily="49" charset="0"/>
-              </a:rPr>
-              <a:t>,</a:t>
-            </a:r>
-          </a:p>
-          <a:p>
-            <a:pPr marL="119063"/>
-            <a:r>
-              <a:rPr lang="en-US" sz="1200" dirty="0" err="1" smtClean="0">
-                <a:latin typeface="Consolas" panose="020B0609020204030204" pitchFamily="49" charset="0"/>
-              </a:rPr>
-              <a:t>Ngayketthuc</a:t>
-            </a:r>
-            <a:r>
-              <a:rPr lang="en-US" sz="1200" dirty="0">
-                <a:latin typeface="Consolas" panose="020B0609020204030204" pitchFamily="49" charset="0"/>
-              </a:rPr>
-              <a:t> </a:t>
-            </a:r>
-            <a:r>
-              <a:rPr lang="en-US" sz="1200" dirty="0" smtClean="0">
-                <a:latin typeface="Consolas" panose="020B0609020204030204" pitchFamily="49" charset="0"/>
-              </a:rPr>
-              <a:t>	DATE </a:t>
-            </a:r>
-            <a:r>
-              <a:rPr lang="en-US" sz="1200" dirty="0">
-                <a:latin typeface="Consolas" panose="020B0609020204030204" pitchFamily="49" charset="0"/>
-              </a:rPr>
-              <a:t>not null</a:t>
-            </a:r>
-            <a:r>
-              <a:rPr lang="en-US" sz="1200" dirty="0" smtClean="0">
-                <a:latin typeface="Consolas" panose="020B0609020204030204" pitchFamily="49" charset="0"/>
-              </a:rPr>
-              <a:t>,</a:t>
-            </a:r>
-            <a:endParaRPr lang="en-US" sz="1200" dirty="0" smtClean="0">
-              <a:latin typeface="Consolas" panose="020B0609020204030204" pitchFamily="49" charset="0"/>
-            </a:endParaRPr>
-          </a:p>
-          <a:p>
-            <a:pPr marL="119063"/>
-            <a:r>
-              <a:rPr lang="en-US" sz="1200" dirty="0" err="1" smtClean="0">
-                <a:latin typeface="Consolas" panose="020B0609020204030204" pitchFamily="49" charset="0"/>
-              </a:rPr>
-              <a:t>Mota</a:t>
-            </a:r>
-            <a:r>
-              <a:rPr lang="en-US" sz="1200" dirty="0" smtClean="0">
-                <a:latin typeface="Consolas" panose="020B0609020204030204" pitchFamily="49" charset="0"/>
-              </a:rPr>
-              <a:t> 		</a:t>
-            </a:r>
-            <a:r>
-              <a:rPr lang="en-US" sz="1200" dirty="0" err="1" smtClean="0">
-                <a:latin typeface="Consolas" panose="020B0609020204030204" pitchFamily="49" charset="0"/>
-              </a:rPr>
-              <a:t>NVARCHAR</a:t>
-            </a:r>
-            <a:r>
-              <a:rPr lang="en-US" sz="1200" dirty="0">
-                <a:latin typeface="Consolas" panose="020B0609020204030204" pitchFamily="49" charset="0"/>
-              </a:rPr>
-              <a:t>(200) not null,</a:t>
-            </a:r>
-            <a:endParaRPr lang="en-US" sz="1200" dirty="0" smtClean="0">
-              <a:latin typeface="Consolas" panose="020B0609020204030204" pitchFamily="49" charset="0"/>
-            </a:endParaRPr>
-          </a:p>
-          <a:p>
-            <a:pPr marL="119063"/>
-            <a:r>
-              <a:rPr lang="en-US" sz="1200" dirty="0" err="1" smtClean="0">
-                <a:latin typeface="Consolas" panose="020B0609020204030204" pitchFamily="49" charset="0"/>
-              </a:rPr>
-              <a:t>Hinh</a:t>
-            </a:r>
-            <a:r>
-              <a:rPr lang="en-US" sz="1200" dirty="0" smtClean="0">
-                <a:latin typeface="Consolas" panose="020B0609020204030204" pitchFamily="49" charset="0"/>
-              </a:rPr>
-              <a:t> 		</a:t>
-            </a:r>
-            <a:r>
-              <a:rPr lang="en-US" sz="1200" dirty="0" err="1" smtClean="0">
-                <a:latin typeface="Consolas" panose="020B0609020204030204" pitchFamily="49" charset="0"/>
-              </a:rPr>
-              <a:t>NVARCHAR</a:t>
-            </a:r>
-            <a:r>
-              <a:rPr lang="en-US" sz="1200" dirty="0">
-                <a:latin typeface="Consolas" panose="020B0609020204030204" pitchFamily="49" charset="0"/>
-              </a:rPr>
-              <a:t>(100) not null,</a:t>
-            </a:r>
-            <a:endParaRPr lang="en-US" sz="1200" dirty="0" smtClean="0">
-              <a:latin typeface="Consolas" panose="020B0609020204030204" pitchFamily="49" charset="0"/>
-            </a:endParaRPr>
-          </a:p>
-          <a:p>
-            <a:pPr marL="119063"/>
-            <a:r>
-              <a:rPr lang="en-US" sz="1200" dirty="0" err="1" smtClean="0">
-                <a:latin typeface="Consolas" panose="020B0609020204030204" pitchFamily="49" charset="0"/>
-              </a:rPr>
-              <a:t>Nhasanxuat</a:t>
-            </a:r>
-            <a:r>
-              <a:rPr lang="en-US" sz="1200" dirty="0" smtClean="0">
-                <a:latin typeface="Consolas" panose="020B0609020204030204" pitchFamily="49" charset="0"/>
-              </a:rPr>
-              <a:t> 	</a:t>
-            </a:r>
-            <a:r>
-              <a:rPr lang="en-US" sz="1200" dirty="0" err="1" smtClean="0">
-                <a:latin typeface="Consolas" panose="020B0609020204030204" pitchFamily="49" charset="0"/>
-              </a:rPr>
-              <a:t>NVARCHAR</a:t>
-            </a:r>
-            <a:r>
-              <a:rPr lang="en-US" sz="1200" dirty="0">
-                <a:latin typeface="Consolas" panose="020B0609020204030204" pitchFamily="49" charset="0"/>
-              </a:rPr>
-              <a:t>(50) not null,</a:t>
-            </a:r>
-            <a:endParaRPr lang="en-US" sz="1200" dirty="0" smtClean="0">
-              <a:latin typeface="Consolas" panose="020B0609020204030204" pitchFamily="49" charset="0"/>
-            </a:endParaRPr>
-          </a:p>
-          <a:p>
-            <a:pPr marL="119063"/>
-            <a:r>
-              <a:rPr lang="en-US" sz="1200" dirty="0" err="1" smtClean="0">
-                <a:latin typeface="Consolas" panose="020B0609020204030204" pitchFamily="49" charset="0"/>
-              </a:rPr>
-              <a:t>Thoiluong</a:t>
-            </a:r>
-            <a:r>
-              <a:rPr lang="en-US" sz="1200" dirty="0" smtClean="0">
-                <a:latin typeface="Consolas" panose="020B0609020204030204" pitchFamily="49" charset="0"/>
-              </a:rPr>
-              <a:t> </a:t>
-            </a:r>
-            <a:r>
-              <a:rPr lang="en-US" sz="1200" dirty="0">
-                <a:latin typeface="Consolas" panose="020B0609020204030204" pitchFamily="49" charset="0"/>
-              </a:rPr>
-              <a:t>	INT not null,</a:t>
-            </a:r>
-            <a:endParaRPr lang="en-US" sz="1200" dirty="0" smtClean="0">
-              <a:latin typeface="Consolas" panose="020B0609020204030204" pitchFamily="49" charset="0"/>
-            </a:endParaRPr>
-          </a:p>
-          <a:p>
-            <a:r>
-              <a:rPr lang="en-US" sz="1200" dirty="0" smtClean="0">
-                <a:latin typeface="Consolas" panose="020B0609020204030204" pitchFamily="49" charset="0"/>
-              </a:rPr>
               <a:t>)</a:t>
             </a:r>
-            <a:endParaRPr lang="en-US" sz="1200" dirty="0">
-              <a:latin typeface="Consolas" panose="020B0609020204030204" pitchFamily="49" charset="0"/>
-            </a:endParaRPr>
           </a:p>
           <a:p>
             <a:r>
@@ -12384,13 +12063,13 @@
         </p:nvPicPr>
         <p:blipFill rotWithShape="1">
           <a:blip r:embed="rId3"/>
-          <a:srcRect l="17761" t="9815" r="61613" b="62957"/>
+          <a:srcRect l="17553" t="8988" r="62604" b="76481"/>
           <a:stretch/>
         </p:blipFill>
         <p:spPr>
           <a:xfrm>
-            <a:off x="783226" y="1133475"/>
-            <a:ext cx="3772207" cy="2800965"/>
+            <a:off x="934130" y="1306286"/>
+            <a:ext cx="3628822" cy="1494817"/>
           </a:xfrm>
           <a:prstGeom prst="rect">
             <a:avLst/>
@@ -12400,7 +12079,7 @@
     </p:spTree>
     <p:extLst>
       <p:ext uri="{BB962C8B-B14F-4D97-AF65-F5344CB8AC3E}">
-        <p14:creationId xmlns:p14="http://schemas.microsoft.com/office/powerpoint/2010/main" val="2729016733"/>
+        <p14:creationId xmlns:p14="http://schemas.microsoft.com/office/powerpoint/2010/main" val="4141535044"/>
       </p:ext>
     </p:extLst>
   </p:cSld>
@@ -12501,7 +12180,7 @@
                 <a:cs typeface="Tahoma" panose="020B0604030504040204" pitchFamily="34" charset="0"/>
                 <a:sym typeface="Arial"/>
               </a:rPr>
-              <a:t>	</a:t>
+              <a:t>\	</a:t>
             </a:r>
             <a:r>
               <a:rPr lang="en-US" sz="1400" b="0" dirty="0" err="1" smtClean="0">
@@ -12528,7 +12207,7 @@
                 <a:cs typeface="Tahoma" panose="020B0604030504040204" pitchFamily="34" charset="0"/>
                 <a:sym typeface="Arial"/>
               </a:rPr>
-              <a:t>SuatChieu</a:t>
+              <a:t>KhachHang</a:t>
             </a:r>
             <a:r>
               <a:rPr lang="en-US" sz="2000" dirty="0"/>
@@ -12549,8 +12228,8 @@
         </p:nvSpPr>
         <p:spPr>
           <a:xfrm>
-            <a:off x="698500" y="2847886"/>
-            <a:ext cx="6616700" cy="1754326"/>
+            <a:off x="4521200" y="1219833"/>
+            <a:ext cx="4186999" cy="3231654"/>
           </a:xfrm>
           <a:prstGeom prst="rect">
             <a:avLst/>
@@ -12573,7 +12252,7 @@
               <a:rPr lang="en-US" sz="1200" dirty="0" err="1" smtClean="0">
                 <a:latin typeface="Consolas" panose="020B0609020204030204" pitchFamily="49" charset="0"/>
               </a:rPr>
-              <a:t>SuatChieu</a:t>
+              <a:t>KhachHang</a:t>
             </a:r>
             <a:endParaRPr lang="en-US" sz="1200" dirty="0">
               <a:latin typeface="Consolas" panose="020B0609020204030204" pitchFamily="49" charset="0"/>
@@ -12588,156 +12267,474 @@
             </a:r>
           </a:p>
           <a:p>
-            <a:pPr marL="119063" lvl="1"/>
+            <a:pPr indent="174625"/>
             <a:r>
               <a:rPr lang="en-US" sz="1200" dirty="0" err="1" smtClean="0">
                 <a:latin typeface="Consolas" panose="020B0609020204030204" pitchFamily="49" charset="0"/>
               </a:rPr>
-              <a:t>masuatchieu</a:t>
+              <a:t>makhachhang</a:t>
             </a:r>
             <a:r>
               <a:rPr lang="en-US" sz="1200" dirty="0" smtClean="0">
                 <a:latin typeface="Consolas" panose="020B0609020204030204" pitchFamily="49" charset="0"/>
               </a:rPr>
-              <a:t> 	INT </a:t>
+              <a:t> </a:t>
             </a:r>
             <a:r>
               <a:rPr lang="en-US" sz="1200" dirty="0">
                 <a:latin typeface="Consolas" panose="020B0609020204030204" pitchFamily="49" charset="0"/>
               </a:rPr>
-              <a:t>IDENTITY(1,1) PRIMARY KEY,</a:t>
-            </a:r>
-          </a:p>
-          <a:p>
-            <a:pPr marL="119063" lvl="1"/>
+              <a:t>INT IDENTITY(1,1) PRIMARY KEY,</a:t>
+            </a:r>
+          </a:p>
+          <a:p>
+            <a:pPr indent="174625"/>
+            <a:r>
+              <a:rPr lang="en-US" sz="1200" dirty="0" smtClean="0">
+                <a:latin typeface="Consolas" panose="020B0609020204030204" pitchFamily="49" charset="0"/>
+              </a:rPr>
+              <a:t>ho 		</a:t>
+            </a:r>
             <a:r>
               <a:rPr lang="en-US" sz="1200" dirty="0" err="1" smtClean="0">
                 <a:latin typeface="Consolas" panose="020B0609020204030204" pitchFamily="49" charset="0"/>
               </a:rPr>
-              <a:t>maphim</a:t>
+              <a:t>NVARCHAR</a:t>
             </a:r>
             <a:r>
               <a:rPr lang="en-US" sz="1200" dirty="0" smtClean="0">
                 <a:latin typeface="Consolas" panose="020B0609020204030204" pitchFamily="49" charset="0"/>
               </a:rPr>
-              <a:t> 		INT </a:t>
+              <a:t>(50) not </a:t>
             </a:r>
             <a:r>
               <a:rPr lang="en-US" sz="1200" dirty="0">
                 <a:latin typeface="Consolas" panose="020B0609020204030204" pitchFamily="49" charset="0"/>
               </a:rPr>
-              <a:t>FOREIGN KEY REFERENCES </a:t>
-            </a:r>
+              <a:t>null</a:t>
+            </a:r>
+            <a:r>
+              <a:rPr lang="en-US" sz="1200" dirty="0" smtClean="0">
+                <a:latin typeface="Consolas" panose="020B0609020204030204" pitchFamily="49" charset="0"/>
+              </a:rPr>
+              <a:t>, </a:t>
+            </a:r>
+          </a:p>
+          <a:p>
+            <a:pPr indent="174625"/>
             <a:r>
               <a:rPr lang="en-US" sz="1200" dirty="0" err="1" smtClean="0">
                 <a:latin typeface="Consolas" panose="020B0609020204030204" pitchFamily="49" charset="0"/>
               </a:rPr>
-              <a:t>dbo.Phim</a:t>
+              <a:t>tenlot</a:t>
             </a:r>
             <a:r>
               <a:rPr lang="en-US" sz="1200" dirty="0" smtClean="0">
                 <a:latin typeface="Consolas" panose="020B0609020204030204" pitchFamily="49" charset="0"/>
               </a:rPr>
-              <a:t>(</a:t>
+              <a:t> 		</a:t>
             </a:r>
             <a:r>
               <a:rPr lang="en-US" sz="1200" dirty="0" err="1" smtClean="0">
                 <a:latin typeface="Consolas" panose="020B0609020204030204" pitchFamily="49" charset="0"/>
               </a:rPr>
-              <a:t>maphim</a:t>
+              <a:t>NVARCHAR</a:t>
             </a:r>
             <a:r>
               <a:rPr lang="en-US" sz="1200" dirty="0" smtClean="0">
                 <a:latin typeface="Consolas" panose="020B0609020204030204" pitchFamily="49" charset="0"/>
               </a:rPr>
-              <a:t>),</a:t>
+              <a:t>(50) not </a:t>
+            </a:r>
+            <a:r>
+              <a:rPr lang="en-US" sz="1200" dirty="0">
+                <a:latin typeface="Consolas" panose="020B0609020204030204" pitchFamily="49" charset="0"/>
+              </a:rPr>
+              <a:t>null</a:t>
+            </a:r>
+            <a:r>
+              <a:rPr lang="en-US" sz="1200" dirty="0" smtClean="0">
+                <a:latin typeface="Consolas" panose="020B0609020204030204" pitchFamily="49" charset="0"/>
+              </a:rPr>
+              <a:t>,</a:t>
             </a:r>
             <a:endParaRPr lang="en-US" sz="1200" dirty="0">
               <a:latin typeface="Consolas" panose="020B0609020204030204" pitchFamily="49" charset="0"/>
             </a:endParaRPr>
           </a:p>
           <a:p>
-            <a:pPr marL="119063" lvl="1"/>
+            <a:pPr indent="174625"/>
+            <a:r>
+              <a:rPr lang="en-US" sz="1200" dirty="0" smtClean="0">
+                <a:latin typeface="Consolas" panose="020B0609020204030204" pitchFamily="49" charset="0"/>
+              </a:rPr>
+              <a:t>ten 		</a:t>
+            </a:r>
             <a:r>
               <a:rPr lang="en-US" sz="1200" dirty="0" err="1" smtClean="0">
                 <a:latin typeface="Consolas" panose="020B0609020204030204" pitchFamily="49" charset="0"/>
               </a:rPr>
-              <a:t>maphong</a:t>
+              <a:t>NVARCHAR</a:t>
             </a:r>
             <a:r>
               <a:rPr lang="en-US" sz="1200" dirty="0" smtClean="0">
                 <a:latin typeface="Consolas" panose="020B0609020204030204" pitchFamily="49" charset="0"/>
               </a:rPr>
-              <a:t> 		INT </a:t>
+              <a:t>(50) not </a:t>
             </a:r>
             <a:r>
               <a:rPr lang="en-US" sz="1200" dirty="0">
                 <a:latin typeface="Consolas" panose="020B0609020204030204" pitchFamily="49" charset="0"/>
               </a:rPr>
-              <a:t>FOREIGN KEY REFERENCES </a:t>
-            </a:r>
-            <a:r>
-              <a:rPr lang="en-US" sz="1200" dirty="0" err="1" smtClean="0">
-                <a:latin typeface="Consolas" panose="020B0609020204030204" pitchFamily="49" charset="0"/>
-              </a:rPr>
-              <a:t>dbo.PhongChieu</a:t>
+              <a:t>null</a:t>
             </a:r>
             <a:r>
               <a:rPr lang="en-US" sz="1200" dirty="0" smtClean="0">
                 <a:latin typeface="Consolas" panose="020B0609020204030204" pitchFamily="49" charset="0"/>
               </a:rPr>
-              <a:t>(</a:t>
-            </a:r>
-            <a:r>
-              <a:rPr lang="en-US" sz="1200" dirty="0" err="1" smtClean="0">
-                <a:latin typeface="Consolas" panose="020B0609020204030204" pitchFamily="49" charset="0"/>
-              </a:rPr>
-              <a:t>maphong</a:t>
-            </a:r>
-            <a:r>
-              <a:rPr lang="en-US" sz="1200" dirty="0" smtClean="0">
-                <a:latin typeface="Consolas" panose="020B0609020204030204" pitchFamily="49" charset="0"/>
-              </a:rPr>
-              <a:t>),</a:t>
+              <a:t>,</a:t>
             </a:r>
             <a:endParaRPr lang="en-US" sz="1200" dirty="0">
               <a:latin typeface="Consolas" panose="020B0609020204030204" pitchFamily="49" charset="0"/>
             </a:endParaRPr>
           </a:p>
           <a:p>
-            <a:pPr marL="119063" lvl="1"/>
+            <a:pPr indent="174625"/>
             <a:r>
               <a:rPr lang="en-US" sz="1200" dirty="0" err="1" smtClean="0">
                 <a:latin typeface="Consolas" panose="020B0609020204030204" pitchFamily="49" charset="0"/>
               </a:rPr>
-              <a:t>giochieu</a:t>
+              <a:t>ngaysinh</a:t>
+            </a:r>
+            <a:r>
+              <a:rPr lang="en-US" sz="1200" dirty="0">
+                <a:latin typeface="Consolas" panose="020B0609020204030204" pitchFamily="49" charset="0"/>
+              </a:rPr>
+              <a:t> 	</a:t>
             </a:r>
             <a:r>
               <a:rPr lang="en-US" sz="1200" dirty="0" smtClean="0">
                 <a:latin typeface="Consolas" panose="020B0609020204030204" pitchFamily="49" charset="0"/>
               </a:rPr>
-              <a:t> 		TIME(7) not null, </a:t>
-            </a:r>
-          </a:p>
-          <a:p>
-            <a:pPr marL="119063" lvl="1"/>
+              <a:t>DATE 	  not </a:t>
+            </a:r>
+            <a:r>
+              <a:rPr lang="en-US" sz="1200" dirty="0">
+                <a:latin typeface="Consolas" panose="020B0609020204030204" pitchFamily="49" charset="0"/>
+              </a:rPr>
+              <a:t>null,</a:t>
+            </a:r>
+          </a:p>
+          <a:p>
+            <a:pPr indent="174625"/>
             <a:r>
               <a:rPr lang="en-US" sz="1200" dirty="0" err="1" smtClean="0">
                 <a:latin typeface="Consolas" panose="020B0609020204030204" pitchFamily="49" charset="0"/>
               </a:rPr>
-              <a:t>Gioketthuc</a:t>
+              <a:t>gioitinh</a:t>
             </a:r>
             <a:r>
               <a:rPr lang="en-US" sz="1200" dirty="0" smtClean="0">
                 <a:latin typeface="Consolas" panose="020B0609020204030204" pitchFamily="49" charset="0"/>
               </a:rPr>
-              <a:t> 	TIME(7) </a:t>
+              <a:t> 	CHAR(2</a:t>
             </a:r>
             <a:r>
               <a:rPr lang="en-US" sz="1200" dirty="0">
                 <a:latin typeface="Consolas" panose="020B0609020204030204" pitchFamily="49" charset="0"/>
               </a:rPr>
-              <a:t>not null, </a:t>
+              <a:t>) </a:t>
+            </a:r>
+            <a:r>
+              <a:rPr lang="en-US" sz="1200" dirty="0" smtClean="0">
+                <a:latin typeface="Consolas" panose="020B0609020204030204" pitchFamily="49" charset="0"/>
+              </a:rPr>
+              <a:t>	  not </a:t>
+            </a:r>
+            <a:r>
+              <a:rPr lang="en-US" sz="1200" dirty="0">
+                <a:latin typeface="Consolas" panose="020B0609020204030204" pitchFamily="49" charset="0"/>
+              </a:rPr>
+              <a:t>null,</a:t>
+            </a:r>
+          </a:p>
+          <a:p>
+            <a:pPr indent="174625"/>
+            <a:r>
+              <a:rPr lang="en-US" sz="1200" dirty="0" err="1" smtClean="0">
+                <a:latin typeface="Consolas" panose="020B0609020204030204" pitchFamily="49" charset="0"/>
+              </a:rPr>
+              <a:t>sonha</a:t>
+            </a:r>
+            <a:r>
+              <a:rPr lang="en-US" sz="1200" dirty="0" smtClean="0">
+                <a:latin typeface="Consolas" panose="020B0609020204030204" pitchFamily="49" charset="0"/>
+              </a:rPr>
+              <a:t> 		</a:t>
+            </a:r>
+            <a:r>
+              <a:rPr lang="en-US" sz="1200" dirty="0" err="1" smtClean="0">
+                <a:latin typeface="Consolas" panose="020B0609020204030204" pitchFamily="49" charset="0"/>
+              </a:rPr>
+              <a:t>NVARCHAR</a:t>
+            </a:r>
+            <a:r>
+              <a:rPr lang="en-US" sz="1200" dirty="0" smtClean="0">
+                <a:latin typeface="Consolas" panose="020B0609020204030204" pitchFamily="49" charset="0"/>
+              </a:rPr>
+              <a:t>(15</a:t>
+            </a:r>
+            <a:r>
+              <a:rPr lang="en-US" sz="1200" dirty="0">
+                <a:latin typeface="Consolas" panose="020B0609020204030204" pitchFamily="49" charset="0"/>
+              </a:rPr>
+              <a:t>) </a:t>
+            </a:r>
+            <a:r>
+              <a:rPr lang="en-US" sz="1200" dirty="0" smtClean="0">
+                <a:latin typeface="Consolas" panose="020B0609020204030204" pitchFamily="49" charset="0"/>
+              </a:rPr>
+              <a:t>not </a:t>
+            </a:r>
+            <a:r>
+              <a:rPr lang="en-US" sz="1200" dirty="0">
+                <a:latin typeface="Consolas" panose="020B0609020204030204" pitchFamily="49" charset="0"/>
+              </a:rPr>
+              <a:t>null,</a:t>
+            </a:r>
+          </a:p>
+          <a:p>
+            <a:pPr indent="174625"/>
+            <a:r>
+              <a:rPr lang="en-US" sz="1200" dirty="0" err="1" smtClean="0">
+                <a:latin typeface="Consolas" panose="020B0609020204030204" pitchFamily="49" charset="0"/>
+              </a:rPr>
+              <a:t>tenduong</a:t>
+            </a:r>
+            <a:r>
+              <a:rPr lang="en-US" sz="1200" dirty="0" smtClean="0">
+                <a:latin typeface="Consolas" panose="020B0609020204030204" pitchFamily="49" charset="0"/>
+              </a:rPr>
+              <a:t> 	</a:t>
+            </a:r>
+            <a:r>
+              <a:rPr lang="en-US" sz="1200" dirty="0" err="1" smtClean="0">
+                <a:latin typeface="Consolas" panose="020B0609020204030204" pitchFamily="49" charset="0"/>
+              </a:rPr>
+              <a:t>NVARCHAR</a:t>
+            </a:r>
+            <a:r>
+              <a:rPr lang="en-US" sz="1200" dirty="0" smtClean="0">
+                <a:latin typeface="Consolas" panose="020B0609020204030204" pitchFamily="49" charset="0"/>
+              </a:rPr>
+              <a:t>(50</a:t>
+            </a:r>
+            <a:r>
+              <a:rPr lang="en-US" sz="1200" dirty="0">
+                <a:latin typeface="Consolas" panose="020B0609020204030204" pitchFamily="49" charset="0"/>
+              </a:rPr>
+              <a:t>) </a:t>
+            </a:r>
+            <a:r>
+              <a:rPr lang="en-US" sz="1200" dirty="0" smtClean="0">
+                <a:latin typeface="Consolas" panose="020B0609020204030204" pitchFamily="49" charset="0"/>
+              </a:rPr>
+              <a:t>not </a:t>
+            </a:r>
+            <a:r>
+              <a:rPr lang="en-US" sz="1200" dirty="0">
+                <a:latin typeface="Consolas" panose="020B0609020204030204" pitchFamily="49" charset="0"/>
+              </a:rPr>
+              <a:t>null,</a:t>
+            </a:r>
+          </a:p>
+          <a:p>
+            <a:pPr indent="174625"/>
+            <a:r>
+              <a:rPr lang="en-US" sz="1200" dirty="0" err="1" smtClean="0">
+                <a:latin typeface="Consolas" panose="020B0609020204030204" pitchFamily="49" charset="0"/>
+              </a:rPr>
+              <a:t>quan</a:t>
+            </a:r>
+            <a:r>
+              <a:rPr lang="en-US" sz="1200" dirty="0" smtClean="0">
+                <a:latin typeface="Consolas" panose="020B0609020204030204" pitchFamily="49" charset="0"/>
+              </a:rPr>
+              <a:t> 		</a:t>
+            </a:r>
+            <a:r>
+              <a:rPr lang="en-US" sz="1200" dirty="0" err="1" smtClean="0">
+                <a:latin typeface="Consolas" panose="020B0609020204030204" pitchFamily="49" charset="0"/>
+              </a:rPr>
+              <a:t>NVARCHAR</a:t>
+            </a:r>
+            <a:r>
+              <a:rPr lang="en-US" sz="1200" dirty="0" smtClean="0">
+                <a:latin typeface="Consolas" panose="020B0609020204030204" pitchFamily="49" charset="0"/>
+              </a:rPr>
+              <a:t>(50</a:t>
+            </a:r>
+            <a:r>
+              <a:rPr lang="en-US" sz="1200" dirty="0">
+                <a:latin typeface="Consolas" panose="020B0609020204030204" pitchFamily="49" charset="0"/>
+              </a:rPr>
+              <a:t>) </a:t>
+            </a:r>
+            <a:r>
+              <a:rPr lang="en-US" sz="1200" dirty="0" smtClean="0">
+                <a:latin typeface="Consolas" panose="020B0609020204030204" pitchFamily="49" charset="0"/>
+              </a:rPr>
+              <a:t>not null</a:t>
+            </a:r>
+            <a:r>
+              <a:rPr lang="en-US" sz="1200" dirty="0">
+                <a:latin typeface="Consolas" panose="020B0609020204030204" pitchFamily="49" charset="0"/>
+              </a:rPr>
+              <a:t>,</a:t>
+            </a:r>
+          </a:p>
+          <a:p>
+            <a:pPr indent="174625"/>
+            <a:r>
+              <a:rPr lang="en-US" sz="1200" dirty="0" err="1" smtClean="0">
+                <a:latin typeface="Consolas" panose="020B0609020204030204" pitchFamily="49" charset="0"/>
+              </a:rPr>
+              <a:t>thanhpho</a:t>
+            </a:r>
+            <a:r>
+              <a:rPr lang="en-US" sz="1200" dirty="0" smtClean="0">
+                <a:latin typeface="Consolas" panose="020B0609020204030204" pitchFamily="49" charset="0"/>
+              </a:rPr>
+              <a:t> 	</a:t>
+            </a:r>
+            <a:r>
+              <a:rPr lang="en-US" sz="1200" dirty="0" err="1" smtClean="0">
+                <a:latin typeface="Consolas" panose="020B0609020204030204" pitchFamily="49" charset="0"/>
+              </a:rPr>
+              <a:t>NVARCHAR</a:t>
+            </a:r>
+            <a:r>
+              <a:rPr lang="en-US" sz="1200" dirty="0" smtClean="0">
+                <a:latin typeface="Consolas" panose="020B0609020204030204" pitchFamily="49" charset="0"/>
+              </a:rPr>
+              <a:t>(50</a:t>
+            </a:r>
+            <a:r>
+              <a:rPr lang="en-US" sz="1200" dirty="0">
+                <a:latin typeface="Consolas" panose="020B0609020204030204" pitchFamily="49" charset="0"/>
+              </a:rPr>
+              <a:t>) </a:t>
+            </a:r>
+            <a:r>
+              <a:rPr lang="en-US" sz="1200" dirty="0" smtClean="0">
+                <a:latin typeface="Consolas" panose="020B0609020204030204" pitchFamily="49" charset="0"/>
+              </a:rPr>
+              <a:t>not </a:t>
+            </a:r>
+            <a:r>
+              <a:rPr lang="en-US" sz="1200" dirty="0">
+                <a:latin typeface="Consolas" panose="020B0609020204030204" pitchFamily="49" charset="0"/>
+              </a:rPr>
+              <a:t>null,</a:t>
+            </a:r>
+          </a:p>
+          <a:p>
+            <a:pPr indent="174625"/>
+            <a:r>
+              <a:rPr lang="en-US" sz="1200" dirty="0" err="1" smtClean="0">
+                <a:latin typeface="Consolas" panose="020B0609020204030204" pitchFamily="49" charset="0"/>
+              </a:rPr>
+              <a:t>dienthoai</a:t>
+            </a:r>
+            <a:r>
+              <a:rPr lang="en-US" sz="1200" dirty="0" smtClean="0">
+                <a:latin typeface="Consolas" panose="020B0609020204030204" pitchFamily="49" charset="0"/>
+              </a:rPr>
+              <a:t> 	</a:t>
+            </a:r>
+            <a:r>
+              <a:rPr lang="en-US" sz="1200" dirty="0" err="1" smtClean="0">
+                <a:latin typeface="Consolas" panose="020B0609020204030204" pitchFamily="49" charset="0"/>
+              </a:rPr>
+              <a:t>NVARCHAR</a:t>
+            </a:r>
+            <a:r>
+              <a:rPr lang="en-US" sz="1200" dirty="0" smtClean="0">
+                <a:latin typeface="Consolas" panose="020B0609020204030204" pitchFamily="49" charset="0"/>
+              </a:rPr>
+              <a:t>(50) not null,</a:t>
+            </a:r>
+          </a:p>
+          <a:p>
+            <a:pPr indent="174625"/>
+            <a:r>
+              <a:rPr lang="en-US" sz="1200" dirty="0" smtClean="0">
+                <a:latin typeface="Consolas" panose="020B0609020204030204" pitchFamily="49" charset="0"/>
+              </a:rPr>
+              <a:t>Email 		</a:t>
+            </a:r>
+            <a:r>
+              <a:rPr lang="en-US" sz="1200" dirty="0" err="1" smtClean="0">
+                <a:latin typeface="Consolas" panose="020B0609020204030204" pitchFamily="49" charset="0"/>
+              </a:rPr>
+              <a:t>NVARCHAR</a:t>
+            </a:r>
+            <a:r>
+              <a:rPr lang="en-US" sz="1200" dirty="0" smtClean="0">
+                <a:latin typeface="Consolas" panose="020B0609020204030204" pitchFamily="49" charset="0"/>
+              </a:rPr>
+              <a:t>(50) not </a:t>
+            </a:r>
+            <a:r>
+              <a:rPr lang="en-US" sz="1200" dirty="0">
+                <a:latin typeface="Consolas" panose="020B0609020204030204" pitchFamily="49" charset="0"/>
+              </a:rPr>
+              <a:t>null</a:t>
+            </a:r>
+            <a:r>
+              <a:rPr lang="en-US" sz="1200" dirty="0" smtClean="0">
+                <a:latin typeface="Consolas" panose="020B0609020204030204" pitchFamily="49" charset="0"/>
+              </a:rPr>
+              <a:t>,</a:t>
+            </a:r>
+          </a:p>
+          <a:p>
+            <a:pPr indent="174625"/>
+            <a:r>
+              <a:rPr lang="en-US" sz="1200" dirty="0" err="1" smtClean="0">
+                <a:latin typeface="Consolas" panose="020B0609020204030204" pitchFamily="49" charset="0"/>
+              </a:rPr>
+              <a:t>Matkhau</a:t>
+            </a:r>
+            <a:r>
+              <a:rPr lang="en-US" sz="1200" dirty="0" smtClean="0">
+                <a:latin typeface="Consolas" panose="020B0609020204030204" pitchFamily="49" charset="0"/>
+              </a:rPr>
+              <a:t> 		</a:t>
+            </a:r>
+            <a:r>
+              <a:rPr lang="en-US" sz="1200" dirty="0" err="1" smtClean="0">
+                <a:latin typeface="Consolas" panose="020B0609020204030204" pitchFamily="49" charset="0"/>
+              </a:rPr>
+              <a:t>NVARCHAR</a:t>
+            </a:r>
+            <a:r>
+              <a:rPr lang="en-US" sz="1200" dirty="0" smtClean="0">
+                <a:latin typeface="Consolas" panose="020B0609020204030204" pitchFamily="49" charset="0"/>
+              </a:rPr>
+              <a:t>(50) not </a:t>
+            </a:r>
+            <a:r>
+              <a:rPr lang="en-US" sz="1200" dirty="0">
+                <a:latin typeface="Consolas" panose="020B0609020204030204" pitchFamily="49" charset="0"/>
+              </a:rPr>
+              <a:t>null</a:t>
+            </a:r>
+            <a:r>
+              <a:rPr lang="en-US" sz="1200" dirty="0" smtClean="0">
+                <a:latin typeface="Consolas" panose="020B0609020204030204" pitchFamily="49" charset="0"/>
+              </a:rPr>
+              <a:t>,</a:t>
             </a:r>
             <a:endParaRPr lang="en-US" sz="1200" dirty="0">
               <a:latin typeface="Consolas" panose="020B0609020204030204" pitchFamily="49" charset="0"/>
@@ -12752,18 +12749,15 @@
             </a:r>
           </a:p>
           <a:p>
-            <a:r>
-              <a:rPr lang="en-US" sz="1200" dirty="0">
-                <a:latin typeface="Consolas" panose="020B0609020204030204" pitchFamily="49" charset="0"/>
-              </a:rPr>
-              <a:t>GO </a:t>
-            </a:r>
+            <a:endParaRPr lang="en-US" sz="1200" dirty="0">
+              <a:latin typeface="Consolas" panose="020B0609020204030204" pitchFamily="49" charset="0"/>
+            </a:endParaRPr>
           </a:p>
         </p:txBody>
       </p:sp>
       <p:pic>
         <p:nvPicPr>
-          <p:cNvPr id="6" name="Picture 5"/>
+          <p:cNvPr id="2" name="Picture 1"/>
           <p:cNvPicPr>
             <a:picLocks noChangeAspect="1"/>
           </p:cNvPicPr>
@@ -12771,13 +12765,13 @@
         </p:nvPicPr>
         <p:blipFill rotWithShape="1">
           <a:blip r:embed="rId3"/>
-          <a:srcRect l="17552" t="9537" r="62258" b="74140"/>
+          <a:srcRect l="17857" t="9135" r="62143" b="59057"/>
           <a:stretch/>
         </p:blipFill>
         <p:spPr>
           <a:xfrm>
-            <a:off x="934130" y="1045936"/>
-            <a:ext cx="3301320" cy="1754414"/>
+            <a:off x="746930" y="1121215"/>
+            <a:ext cx="3657600" cy="3272063"/>
           </a:xfrm>
           <a:prstGeom prst="rect">
             <a:avLst/>
@@ -12787,7 +12781,7 @@
     </p:spTree>
     <p:extLst>
       <p:ext uri="{BB962C8B-B14F-4D97-AF65-F5344CB8AC3E}">
-        <p14:creationId xmlns:p14="http://schemas.microsoft.com/office/powerpoint/2010/main" val="171373154"/>
+        <p14:creationId xmlns:p14="http://schemas.microsoft.com/office/powerpoint/2010/main" val="2992834025"/>
       </p:ext>
     </p:extLst>
   </p:cSld>
@@ -12888,7 +12882,7 @@
                 <a:cs typeface="Tahoma" panose="020B0604030504040204" pitchFamily="34" charset="0"/>
                 <a:sym typeface="Arial"/>
               </a:rPr>
-              <a:t>\	</a:t>
+              <a:t>	</a:t>
             </a:r>
             <a:r>
               <a:rPr lang="en-US" sz="1400" b="0" dirty="0" err="1" smtClean="0">
@@ -12915,7 +12909,7 @@
                 <a:cs typeface="Tahoma" panose="020B0604030504040204" pitchFamily="34" charset="0"/>
                 <a:sym typeface="Arial"/>
               </a:rPr>
-              <a:t>KhachHang</a:t>
+              <a:t>Phim</a:t>
             </a:r>
             <a:r>
               <a:rPr lang="en-US" sz="2000" dirty="0"/>
@@ -12936,8 +12930,8 @@
         </p:nvSpPr>
         <p:spPr>
           <a:xfrm>
-            <a:off x="4521200" y="1219833"/>
-            <a:ext cx="4186999" cy="3231654"/>
+            <a:off x="4555433" y="1133475"/>
+            <a:ext cx="4152766" cy="3231654"/>
           </a:xfrm>
           <a:prstGeom prst="rect">
             <a:avLst/>
@@ -12960,545 +12954,410 @@
               <a:rPr lang="en-US" sz="1200" dirty="0" err="1" smtClean="0">
                 <a:latin typeface="Consolas" panose="020B0609020204030204" pitchFamily="49" charset="0"/>
               </a:rPr>
-              <a:t>KhachHang</a:t>
+              <a:t>Phim</a:t>
+            </a:r>
+            <a:r>
+              <a:rPr lang="en-US" sz="1200" dirty="0" smtClean="0">
+                <a:latin typeface="Consolas" panose="020B0609020204030204" pitchFamily="49" charset="0"/>
+              </a:rPr>
+              <a:t> </a:t>
+            </a:r>
+          </a:p>
+          <a:p>
+            <a:r>
+              <a:rPr lang="en-US" sz="1200" dirty="0" smtClean="0">
+                <a:latin typeface="Consolas" panose="020B0609020204030204" pitchFamily="49" charset="0"/>
+              </a:rPr>
+              <a:t>(</a:t>
             </a:r>
             <a:endParaRPr lang="en-US" sz="1200" dirty="0">
               <a:latin typeface="Consolas" panose="020B0609020204030204" pitchFamily="49" charset="0"/>
             </a:endParaRPr>
           </a:p>
           <a:p>
+            <a:pPr marL="119063"/>
+            <a:r>
+              <a:rPr lang="en-US" sz="1200" dirty="0" err="1" smtClean="0">
+                <a:latin typeface="Consolas" panose="020B0609020204030204" pitchFamily="49" charset="0"/>
+              </a:rPr>
+              <a:t>Maphim</a:t>
+            </a:r>
+            <a:r>
+              <a:rPr lang="en-US" sz="1200" dirty="0" smtClean="0">
+                <a:latin typeface="Consolas" panose="020B0609020204030204" pitchFamily="49" charset="0"/>
+              </a:rPr>
+              <a:t>    INT </a:t>
+            </a:r>
             <a:r>
               <a:rPr lang="en-US" sz="1200" dirty="0">
                 <a:latin typeface="Consolas" panose="020B0609020204030204" pitchFamily="49" charset="0"/>
               </a:rPr>
+              <a:t>IDENTITY(1,1) PRIMARY KEY,</a:t>
+            </a:r>
+          </a:p>
+          <a:p>
+            <a:pPr marL="119063"/>
+            <a:r>
+              <a:rPr lang="en-US" sz="1200" dirty="0" err="1" smtClean="0">
+                <a:latin typeface="Consolas" panose="020B0609020204030204" pitchFamily="49" charset="0"/>
+              </a:rPr>
+              <a:t>matheloai</a:t>
+            </a:r>
+            <a:r>
+              <a:rPr lang="en-US" sz="1200" dirty="0" smtClean="0">
+                <a:latin typeface="Consolas" panose="020B0609020204030204" pitchFamily="49" charset="0"/>
+              </a:rPr>
+              <a:t> INT </a:t>
+            </a:r>
+            <a:r>
+              <a:rPr lang="en-US" sz="1200" dirty="0">
+                <a:latin typeface="Consolas" panose="020B0609020204030204" pitchFamily="49" charset="0"/>
+              </a:rPr>
+              <a:t>FOREIGN KEY REFERENCES </a:t>
+            </a:r>
+            <a:r>
+              <a:rPr lang="en-US" sz="1200" dirty="0" err="1" smtClean="0">
+                <a:latin typeface="Consolas" panose="020B0609020204030204" pitchFamily="49" charset="0"/>
+              </a:rPr>
+              <a:t>dbo.TheLoai</a:t>
+            </a:r>
+            <a:r>
+              <a:rPr lang="en-US" sz="1200" dirty="0" smtClean="0">
+                <a:latin typeface="Consolas" panose="020B0609020204030204" pitchFamily="49" charset="0"/>
+              </a:rPr>
               <a:t>(</a:t>
             </a:r>
-          </a:p>
-          <a:p>
-            <a:pPr indent="174625"/>
-            <a:r>
-              <a:rPr lang="en-US" sz="1200" dirty="0" err="1" smtClean="0">
-                <a:latin typeface="Consolas" panose="020B0609020204030204" pitchFamily="49" charset="0"/>
-              </a:rPr>
-              <a:t>makhachhang</a:t>
+            <a:r>
+              <a:rPr lang="en-US" sz="1200" dirty="0" err="1">
+                <a:latin typeface="Consolas" panose="020B0609020204030204" pitchFamily="49" charset="0"/>
+              </a:rPr>
+              <a:t>matheloai</a:t>
             </a:r>
             <a:r>
               <a:rPr lang="en-US" sz="1200" dirty="0" smtClean="0">
                 <a:latin typeface="Consolas" panose="020B0609020204030204" pitchFamily="49" charset="0"/>
               </a:rPr>
-              <a:t> </a:t>
-            </a:r>
-            <a:r>
-              <a:rPr lang="en-US" sz="1200" dirty="0">
-                <a:latin typeface="Consolas" panose="020B0609020204030204" pitchFamily="49" charset="0"/>
-              </a:rPr>
-              <a:t>INT IDENTITY(1,1) PRIMARY KEY,</a:t>
-            </a:r>
-          </a:p>
-          <a:p>
-            <a:pPr indent="174625"/>
-            <a:r>
-              <a:rPr lang="en-US" sz="1200" dirty="0" smtClean="0">
-                <a:latin typeface="Consolas" panose="020B0609020204030204" pitchFamily="49" charset="0"/>
-              </a:rPr>
-              <a:t>ho 		</a:t>
-            </a:r>
-            <a:r>
-              <a:rPr lang="en-US" sz="1200" dirty="0" err="1" smtClean="0">
-                <a:latin typeface="Consolas" panose="020B0609020204030204" pitchFamily="49" charset="0"/>
-              </a:rPr>
-              <a:t>NVARCHAR</a:t>
-            </a:r>
-            <a:r>
-              <a:rPr lang="en-US" sz="1200" dirty="0" smtClean="0">
-                <a:latin typeface="Consolas" panose="020B0609020204030204" pitchFamily="49" charset="0"/>
-              </a:rPr>
-              <a:t>(50</a:t>
-            </a:r>
-            <a:r>
-              <a:rPr lang="en-US" sz="1200" dirty="0" smtClean="0">
-                <a:latin typeface="Consolas" panose="020B0609020204030204" pitchFamily="49" charset="0"/>
-              </a:rPr>
-              <a:t>) not </a:t>
-            </a:r>
-            <a:r>
-              <a:rPr lang="en-US" sz="1200" dirty="0">
-                <a:latin typeface="Consolas" panose="020B0609020204030204" pitchFamily="49" charset="0"/>
-              </a:rPr>
-              <a:t>null</a:t>
-            </a:r>
-            <a:r>
-              <a:rPr lang="en-US" sz="1200" dirty="0" smtClean="0">
-                <a:latin typeface="Consolas" panose="020B0609020204030204" pitchFamily="49" charset="0"/>
-              </a:rPr>
-              <a:t>, </a:t>
-            </a:r>
-          </a:p>
-          <a:p>
-            <a:pPr indent="174625"/>
-            <a:r>
-              <a:rPr lang="en-US" sz="1200" dirty="0" err="1" smtClean="0">
-                <a:latin typeface="Consolas" panose="020B0609020204030204" pitchFamily="49" charset="0"/>
-              </a:rPr>
-              <a:t>tenlot</a:t>
-            </a:r>
-            <a:r>
-              <a:rPr lang="en-US" sz="1200" dirty="0" smtClean="0">
-                <a:latin typeface="Consolas" panose="020B0609020204030204" pitchFamily="49" charset="0"/>
-              </a:rPr>
-              <a:t> 		</a:t>
-            </a:r>
-            <a:r>
-              <a:rPr lang="en-US" sz="1200" dirty="0" err="1" smtClean="0">
-                <a:latin typeface="Consolas" panose="020B0609020204030204" pitchFamily="49" charset="0"/>
-              </a:rPr>
-              <a:t>NVARCHAR</a:t>
-            </a:r>
-            <a:r>
-              <a:rPr lang="en-US" sz="1200" dirty="0" smtClean="0">
-                <a:latin typeface="Consolas" panose="020B0609020204030204" pitchFamily="49" charset="0"/>
-              </a:rPr>
-              <a:t>(50) not </a:t>
-            </a:r>
-            <a:r>
-              <a:rPr lang="en-US" sz="1200" dirty="0">
-                <a:latin typeface="Consolas" panose="020B0609020204030204" pitchFamily="49" charset="0"/>
-              </a:rPr>
-              <a:t>null</a:t>
-            </a:r>
-            <a:r>
-              <a:rPr lang="en-US" sz="1200" dirty="0" smtClean="0">
-                <a:latin typeface="Consolas" panose="020B0609020204030204" pitchFamily="49" charset="0"/>
-              </a:rPr>
-              <a:t>,</a:t>
+              <a:t>)</a:t>
             </a:r>
             <a:endParaRPr lang="en-US" sz="1200" dirty="0">
               <a:latin typeface="Consolas" panose="020B0609020204030204" pitchFamily="49" charset="0"/>
             </a:endParaRPr>
           </a:p>
           <a:p>
-            <a:pPr indent="174625"/>
-            <a:r>
-              <a:rPr lang="en-US" sz="1200" dirty="0" smtClean="0">
-                <a:latin typeface="Consolas" panose="020B0609020204030204" pitchFamily="49" charset="0"/>
-              </a:rPr>
-              <a:t>ten 		</a:t>
-            </a:r>
-            <a:r>
-              <a:rPr lang="en-US" sz="1200" dirty="0" err="1" smtClean="0">
-                <a:latin typeface="Consolas" panose="020B0609020204030204" pitchFamily="49" charset="0"/>
-              </a:rPr>
-              <a:t>NVARCHAR</a:t>
-            </a:r>
-            <a:r>
-              <a:rPr lang="en-US" sz="1200" dirty="0" smtClean="0">
-                <a:latin typeface="Consolas" panose="020B0609020204030204" pitchFamily="49" charset="0"/>
-              </a:rPr>
-              <a:t>(50) not </a:t>
-            </a:r>
-            <a:r>
-              <a:rPr lang="en-US" sz="1200" dirty="0">
-                <a:latin typeface="Consolas" panose="020B0609020204030204" pitchFamily="49" charset="0"/>
-              </a:rPr>
-              <a:t>null</a:t>
-            </a:r>
-            <a:r>
-              <a:rPr lang="en-US" sz="1200" dirty="0" smtClean="0">
-                <a:latin typeface="Consolas" panose="020B0609020204030204" pitchFamily="49" charset="0"/>
-              </a:rPr>
-              <a:t>,</a:t>
-            </a:r>
+            <a:pPr marL="119063"/>
             <a:endParaRPr lang="en-US" sz="1200" dirty="0">
               <a:latin typeface="Consolas" panose="020B0609020204030204" pitchFamily="49" charset="0"/>
             </a:endParaRPr>
           </a:p>
           <a:p>
-            <a:pPr indent="174625"/>
+            <a:pPr marL="119063"/>
             <a:r>
               <a:rPr lang="en-US" sz="1200" dirty="0" err="1" smtClean="0">
                 <a:latin typeface="Consolas" panose="020B0609020204030204" pitchFamily="49" charset="0"/>
               </a:rPr>
-              <a:t>ngaysinh</a:t>
-            </a:r>
-            <a:r>
-              <a:rPr lang="en-US" sz="1200" dirty="0">
-                <a:latin typeface="Consolas" panose="020B0609020204030204" pitchFamily="49" charset="0"/>
-              </a:rPr>
-              <a:t> 	</a:t>
+              <a:t>daodien</a:t>
             </a:r>
             <a:r>
               <a:rPr lang="en-US" sz="1200" dirty="0" smtClean="0">
                 <a:latin typeface="Consolas" panose="020B0609020204030204" pitchFamily="49" charset="0"/>
               </a:rPr>
-              <a:t>DATE 	  not </a:t>
-            </a:r>
-            <a:r>
-              <a:rPr lang="en-US" sz="1200" dirty="0">
-                <a:latin typeface="Consolas" panose="020B0609020204030204" pitchFamily="49" charset="0"/>
-              </a:rPr>
-              <a:t>null,</a:t>
+              <a:t> 		</a:t>
+            </a:r>
+            <a:r>
+              <a:rPr lang="en-US" sz="1200" dirty="0" err="1" smtClean="0">
+                <a:latin typeface="Consolas" panose="020B0609020204030204" pitchFamily="49" charset="0"/>
+              </a:rPr>
+              <a:t>NVARCHAR</a:t>
+            </a:r>
+            <a:r>
+              <a:rPr lang="en-US" sz="1200" dirty="0" smtClean="0">
+                <a:latin typeface="Consolas" panose="020B0609020204030204" pitchFamily="49" charset="0"/>
+              </a:rPr>
+              <a:t>(50) not null,</a:t>
             </a:r>
             <a:endParaRPr lang="en-US" sz="1200" dirty="0">
               <a:latin typeface="Consolas" panose="020B0609020204030204" pitchFamily="49" charset="0"/>
             </a:endParaRPr>
           </a:p>
           <a:p>
-            <a:pPr indent="174625"/>
+            <a:pPr marL="119063"/>
             <a:r>
               <a:rPr lang="en-US" sz="1200" dirty="0" err="1" smtClean="0">
                 <a:latin typeface="Consolas" panose="020B0609020204030204" pitchFamily="49" charset="0"/>
               </a:rPr>
-              <a:t>gioitinh</a:t>
+              <a:t>tenphim</a:t>
             </a:r>
             <a:r>
               <a:rPr lang="en-US" sz="1200" dirty="0" smtClean="0">
                 <a:latin typeface="Consolas" panose="020B0609020204030204" pitchFamily="49" charset="0"/>
               </a:rPr>
+              <a:t> 		</a:t>
+            </a:r>
+            <a:r>
+              <a:rPr lang="en-US" sz="1200" dirty="0" err="1" smtClean="0">
+                <a:latin typeface="Consolas" panose="020B0609020204030204" pitchFamily="49" charset="0"/>
+              </a:rPr>
+              <a:t>NVARCHAR</a:t>
+            </a:r>
+            <a:r>
+              <a:rPr lang="en-US" sz="1200" dirty="0">
+                <a:latin typeface="Consolas" panose="020B0609020204030204" pitchFamily="49" charset="0"/>
+              </a:rPr>
+              <a:t>(50) not null,</a:t>
+            </a:r>
+            <a:endParaRPr lang="en-US" sz="1200" dirty="0" smtClean="0">
+              <a:latin typeface="Consolas" panose="020B0609020204030204" pitchFamily="49" charset="0"/>
+            </a:endParaRPr>
+          </a:p>
+          <a:p>
+            <a:pPr marL="119063"/>
+            <a:r>
+              <a:rPr lang="en-US" sz="1200" dirty="0" err="1" smtClean="0">
+                <a:latin typeface="Consolas" panose="020B0609020204030204" pitchFamily="49" charset="0"/>
+              </a:rPr>
+              <a:t>ngaykhoichieu</a:t>
+            </a:r>
+            <a:r>
+              <a:rPr lang="en-US" sz="1200" dirty="0" smtClean="0">
+                <a:latin typeface="Consolas" panose="020B0609020204030204" pitchFamily="49" charset="0"/>
+              </a:rPr>
+              <a:t> 	DATE not </a:t>
+            </a:r>
+            <a:r>
+              <a:rPr lang="en-US" sz="1200" dirty="0">
+                <a:latin typeface="Consolas" panose="020B0609020204030204" pitchFamily="49" charset="0"/>
+              </a:rPr>
+              <a:t>null</a:t>
+            </a:r>
+            <a:r>
+              <a:rPr lang="en-US" sz="1200" dirty="0" smtClean="0">
+                <a:latin typeface="Consolas" panose="020B0609020204030204" pitchFamily="49" charset="0"/>
+              </a:rPr>
+              <a:t>,</a:t>
+            </a:r>
+          </a:p>
+          <a:p>
+            <a:pPr marL="119063"/>
+            <a:r>
+              <a:rPr lang="en-US" sz="1200" dirty="0" err="1" smtClean="0">
+                <a:latin typeface="Consolas" panose="020B0609020204030204" pitchFamily="49" charset="0"/>
+              </a:rPr>
+              <a:t>Ngayketthuc</a:t>
+            </a:r>
+            <a:r>
+              <a:rPr lang="en-US" sz="1200" dirty="0">
+                <a:latin typeface="Consolas" panose="020B0609020204030204" pitchFamily="49" charset="0"/>
+              </a:rPr>
+              <a:t> </a:t>
+            </a:r>
+            <a:r>
+              <a:rPr lang="en-US" sz="1200" dirty="0" smtClean="0">
+                <a:latin typeface="Consolas" panose="020B0609020204030204" pitchFamily="49" charset="0"/>
+              </a:rPr>
+              <a:t>	DATE </a:t>
+            </a:r>
+            <a:r>
+              <a:rPr lang="en-US" sz="1200" dirty="0">
+                <a:latin typeface="Consolas" panose="020B0609020204030204" pitchFamily="49" charset="0"/>
+              </a:rPr>
+              <a:t>not null</a:t>
+            </a:r>
+            <a:r>
+              <a:rPr lang="en-US" sz="1200" dirty="0" smtClean="0">
+                <a:latin typeface="Consolas" panose="020B0609020204030204" pitchFamily="49" charset="0"/>
+              </a:rPr>
+              <a:t>,</a:t>
+            </a:r>
+          </a:p>
+          <a:p>
+            <a:pPr marL="119063"/>
+            <a:r>
+              <a:rPr lang="en-US" sz="1200" dirty="0" err="1" smtClean="0">
+                <a:latin typeface="Consolas" panose="020B0609020204030204" pitchFamily="49" charset="0"/>
+              </a:rPr>
+              <a:t>Mota</a:t>
+            </a:r>
+            <a:r>
+              <a:rPr lang="en-US" sz="1200" dirty="0" smtClean="0">
+                <a:latin typeface="Consolas" panose="020B0609020204030204" pitchFamily="49" charset="0"/>
+              </a:rPr>
+              <a:t> 		</a:t>
+            </a:r>
+            <a:r>
+              <a:rPr lang="en-US" sz="1200" dirty="0" err="1" smtClean="0">
+                <a:latin typeface="Consolas" panose="020B0609020204030204" pitchFamily="49" charset="0"/>
+              </a:rPr>
+              <a:t>NVARCHAR</a:t>
+            </a:r>
+            <a:r>
+              <a:rPr lang="en-US" sz="1200" dirty="0">
+                <a:latin typeface="Consolas" panose="020B0609020204030204" pitchFamily="49" charset="0"/>
+              </a:rPr>
+              <a:t>(200) not null,</a:t>
+            </a:r>
+            <a:endParaRPr lang="en-US" sz="1200" dirty="0" smtClean="0">
+              <a:latin typeface="Consolas" panose="020B0609020204030204" pitchFamily="49" charset="0"/>
+            </a:endParaRPr>
+          </a:p>
+          <a:p>
+            <a:pPr marL="119063"/>
+            <a:r>
+              <a:rPr lang="en-US" sz="1200" dirty="0" err="1" smtClean="0">
+                <a:latin typeface="Consolas" panose="020B0609020204030204" pitchFamily="49" charset="0"/>
+              </a:rPr>
+              <a:t>Hinh</a:t>
+            </a:r>
+            <a:r>
+              <a:rPr lang="en-US" sz="1200" dirty="0" smtClean="0">
+                <a:latin typeface="Consolas" panose="020B0609020204030204" pitchFamily="49" charset="0"/>
+              </a:rPr>
+              <a:t> 		</a:t>
+            </a:r>
+            <a:r>
+              <a:rPr lang="en-US" sz="1200" dirty="0" err="1" smtClean="0">
+                <a:latin typeface="Consolas" panose="020B0609020204030204" pitchFamily="49" charset="0"/>
+              </a:rPr>
+              <a:t>NVARCHAR</a:t>
+            </a:r>
+            <a:r>
+              <a:rPr lang="en-US" sz="1200" dirty="0">
+                <a:latin typeface="Consolas" panose="020B0609020204030204" pitchFamily="49" charset="0"/>
+              </a:rPr>
+              <a:t>(100) not null,</a:t>
+            </a:r>
+            <a:endParaRPr lang="en-US" sz="1200" dirty="0" smtClean="0">
+              <a:latin typeface="Consolas" panose="020B0609020204030204" pitchFamily="49" charset="0"/>
+            </a:endParaRPr>
+          </a:p>
+          <a:p>
+            <a:pPr marL="119063"/>
+            <a:r>
+              <a:rPr lang="en-US" sz="1200" dirty="0" err="1" smtClean="0">
+                <a:latin typeface="Consolas" panose="020B0609020204030204" pitchFamily="49" charset="0"/>
+              </a:rPr>
+              <a:t>Nhasanxuat</a:t>
+            </a:r>
+            <a:r>
+              <a:rPr lang="en-US" sz="1200" dirty="0" smtClean="0">
+                <a:latin typeface="Consolas" panose="020B0609020204030204" pitchFamily="49" charset="0"/>
+              </a:rPr>
               <a:t> 	</a:t>
             </a:r>
             <a:r>
+              <a:rPr lang="en-US" sz="1200" dirty="0" err="1" smtClean="0">
+                <a:latin typeface="Consolas" panose="020B0609020204030204" pitchFamily="49" charset="0"/>
+              </a:rPr>
+              <a:t>NVARCHAR</a:t>
+            </a:r>
+            <a:r>
+              <a:rPr lang="en-US" sz="1200" dirty="0">
+                <a:latin typeface="Consolas" panose="020B0609020204030204" pitchFamily="49" charset="0"/>
+              </a:rPr>
+              <a:t>(50) not null,</a:t>
+            </a:r>
+            <a:endParaRPr lang="en-US" sz="1200" dirty="0" smtClean="0">
+              <a:latin typeface="Consolas" panose="020B0609020204030204" pitchFamily="49" charset="0"/>
+            </a:endParaRPr>
+          </a:p>
+          <a:p>
+            <a:pPr marL="119063"/>
+            <a:r>
+              <a:rPr lang="en-US" sz="1200" dirty="0" err="1" smtClean="0">
+                <a:latin typeface="Consolas" panose="020B0609020204030204" pitchFamily="49" charset="0"/>
+              </a:rPr>
+              <a:t>Thoiluong</a:t>
+            </a:r>
+            <a:r>
               <a:rPr lang="en-US" sz="1200" dirty="0" smtClean="0">
                 <a:latin typeface="Consolas" panose="020B0609020204030204" pitchFamily="49" charset="0"/>
               </a:rPr>
-              <a:t>CHAR(2</a:t>
+              <a:t> </a:t>
             </a:r>
             <a:r>
               <a:rPr lang="en-US" sz="1200" dirty="0">
                 <a:latin typeface="Consolas" panose="020B0609020204030204" pitchFamily="49" charset="0"/>
               </a:rPr>
+              <a:t>	INT not null</a:t>
+            </a:r>
+            <a:r>
+              <a:rPr lang="en-US" sz="1200" dirty="0" smtClean="0">
+                <a:latin typeface="Consolas" panose="020B0609020204030204" pitchFamily="49" charset="0"/>
+              </a:rPr>
+              <a:t>,</a:t>
+            </a:r>
+          </a:p>
+          <a:p>
+            <a:pPr marL="119063"/>
+            <a:r>
+              <a:rPr lang="en-US" sz="1200" dirty="0" smtClean="0">
+                <a:latin typeface="Consolas" panose="020B0609020204030204" pitchFamily="49" charset="0"/>
+              </a:rPr>
+              <a:t>Trailer	 </a:t>
+            </a:r>
+            <a:r>
+              <a:rPr lang="en-US" sz="1200" dirty="0">
+                <a:latin typeface="Consolas" panose="020B0609020204030204" pitchFamily="49" charset="0"/>
+              </a:rPr>
+              <a:t>	</a:t>
+            </a:r>
+            <a:r>
+              <a:rPr lang="en-US" sz="1200" dirty="0" err="1">
+                <a:latin typeface="Consolas" panose="020B0609020204030204" pitchFamily="49" charset="0"/>
+              </a:rPr>
+              <a:t>nvarchar</a:t>
+            </a:r>
+            <a:r>
+              <a:rPr lang="en-US" sz="1200" dirty="0">
+                <a:latin typeface="Consolas" panose="020B0609020204030204" pitchFamily="49" charset="0"/>
+              </a:rPr>
+              <a:t>(150</a:t>
+            </a:r>
+            <a:r>
+              <a:rPr lang="en-US" sz="1200" dirty="0" smtClean="0">
+                <a:latin typeface="Consolas" panose="020B0609020204030204" pitchFamily="49" charset="0"/>
+              </a:rPr>
               <a:t>) </a:t>
             </a:r>
             <a:r>
+              <a:rPr lang="en-US" sz="1200" dirty="0">
+                <a:latin typeface="Consolas" panose="020B0609020204030204" pitchFamily="49" charset="0"/>
+              </a:rPr>
+              <a:t>not null</a:t>
+            </a:r>
+            <a:r>
               <a:rPr lang="en-US" sz="1200" dirty="0" smtClean="0">
                 <a:latin typeface="Consolas" panose="020B0609020204030204" pitchFamily="49" charset="0"/>
               </a:rPr>
-              <a:t>	  not </a:t>
-            </a:r>
-            <a:r>
-              <a:rPr lang="en-US" sz="1200" dirty="0">
-                <a:latin typeface="Consolas" panose="020B0609020204030204" pitchFamily="49" charset="0"/>
-              </a:rPr>
-              <a:t>null,</a:t>
+              <a:t>,</a:t>
+            </a:r>
+            <a:endParaRPr lang="en-US" sz="1200" dirty="0" smtClean="0">
+              <a:latin typeface="Consolas" panose="020B0609020204030204" pitchFamily="49" charset="0"/>
+            </a:endParaRPr>
+          </a:p>
+          <a:p>
+            <a:r>
+              <a:rPr lang="en-US" sz="1200" dirty="0" smtClean="0">
+                <a:latin typeface="Consolas" panose="020B0609020204030204" pitchFamily="49" charset="0"/>
+              </a:rPr>
+              <a:t>)</a:t>
             </a:r>
             <a:endParaRPr lang="en-US" sz="1200" dirty="0">
               <a:latin typeface="Consolas" panose="020B0609020204030204" pitchFamily="49" charset="0"/>
             </a:endParaRPr>
           </a:p>
           <a:p>
-            <a:pPr indent="174625"/>
-            <a:r>
-              <a:rPr lang="en-US" sz="1200" dirty="0" err="1" smtClean="0">
-                <a:latin typeface="Consolas" panose="020B0609020204030204" pitchFamily="49" charset="0"/>
-              </a:rPr>
-              <a:t>sonha</a:t>
-            </a:r>
-            <a:r>
-              <a:rPr lang="en-US" sz="1200" dirty="0" smtClean="0">
-                <a:latin typeface="Consolas" panose="020B0609020204030204" pitchFamily="49" charset="0"/>
-              </a:rPr>
-              <a:t> 		</a:t>
-            </a:r>
-            <a:r>
-              <a:rPr lang="en-US" sz="1200" dirty="0" err="1" smtClean="0">
-                <a:latin typeface="Consolas" panose="020B0609020204030204" pitchFamily="49" charset="0"/>
-              </a:rPr>
-              <a:t>NVARCHAR</a:t>
-            </a:r>
-            <a:r>
-              <a:rPr lang="en-US" sz="1200" dirty="0" smtClean="0">
-                <a:latin typeface="Consolas" panose="020B0609020204030204" pitchFamily="49" charset="0"/>
-              </a:rPr>
-              <a:t>(15</a:t>
-            </a:r>
             <a:r>
               <a:rPr lang="en-US" sz="1200" dirty="0">
                 <a:latin typeface="Consolas" panose="020B0609020204030204" pitchFamily="49" charset="0"/>
               </a:rPr>
-              <a:t>) </a:t>
-            </a:r>
-            <a:r>
-              <a:rPr lang="en-US" sz="1200" dirty="0" smtClean="0">
-                <a:latin typeface="Consolas" panose="020B0609020204030204" pitchFamily="49" charset="0"/>
-              </a:rPr>
-              <a:t>not </a:t>
-            </a:r>
-            <a:r>
-              <a:rPr lang="en-US" sz="1200" dirty="0">
-                <a:latin typeface="Consolas" panose="020B0609020204030204" pitchFamily="49" charset="0"/>
-              </a:rPr>
-              <a:t>null,</a:t>
-            </a:r>
-            <a:endParaRPr lang="en-US" sz="1200" dirty="0">
-              <a:latin typeface="Consolas" panose="020B0609020204030204" pitchFamily="49" charset="0"/>
-            </a:endParaRPr>
-          </a:p>
-          <a:p>
-            <a:pPr indent="174625"/>
-            <a:r>
-              <a:rPr lang="en-US" sz="1200" dirty="0" err="1" smtClean="0">
-                <a:latin typeface="Consolas" panose="020B0609020204030204" pitchFamily="49" charset="0"/>
-              </a:rPr>
-              <a:t>tenduong</a:t>
-            </a:r>
-            <a:r>
-              <a:rPr lang="en-US" sz="1200" dirty="0" smtClean="0">
-                <a:latin typeface="Consolas" panose="020B0609020204030204" pitchFamily="49" charset="0"/>
-              </a:rPr>
-              <a:t> 	</a:t>
-            </a:r>
-            <a:r>
-              <a:rPr lang="en-US" sz="1200" dirty="0" err="1" smtClean="0">
-                <a:latin typeface="Consolas" panose="020B0609020204030204" pitchFamily="49" charset="0"/>
-              </a:rPr>
-              <a:t>NVARCHAR</a:t>
-            </a:r>
-            <a:r>
-              <a:rPr lang="en-US" sz="1200" dirty="0" smtClean="0">
-                <a:latin typeface="Consolas" panose="020B0609020204030204" pitchFamily="49" charset="0"/>
-              </a:rPr>
-              <a:t>(50</a:t>
-            </a:r>
-            <a:r>
-              <a:rPr lang="en-US" sz="1200" dirty="0">
-                <a:latin typeface="Consolas" panose="020B0609020204030204" pitchFamily="49" charset="0"/>
-              </a:rPr>
-              <a:t>) </a:t>
-            </a:r>
-            <a:r>
-              <a:rPr lang="en-US" sz="1200" dirty="0" smtClean="0">
-                <a:latin typeface="Consolas" panose="020B0609020204030204" pitchFamily="49" charset="0"/>
-              </a:rPr>
-              <a:t>not </a:t>
-            </a:r>
-            <a:r>
-              <a:rPr lang="en-US" sz="1200" dirty="0">
-                <a:latin typeface="Consolas" panose="020B0609020204030204" pitchFamily="49" charset="0"/>
-              </a:rPr>
-              <a:t>null,</a:t>
-            </a:r>
-            <a:endParaRPr lang="en-US" sz="1200" dirty="0">
-              <a:latin typeface="Consolas" panose="020B0609020204030204" pitchFamily="49" charset="0"/>
-            </a:endParaRPr>
-          </a:p>
-          <a:p>
-            <a:pPr indent="174625"/>
-            <a:r>
-              <a:rPr lang="en-US" sz="1200" dirty="0" err="1" smtClean="0">
-                <a:latin typeface="Consolas" panose="020B0609020204030204" pitchFamily="49" charset="0"/>
-              </a:rPr>
-              <a:t>quan</a:t>
-            </a:r>
-            <a:r>
-              <a:rPr lang="en-US" sz="1200" dirty="0" smtClean="0">
-                <a:latin typeface="Consolas" panose="020B0609020204030204" pitchFamily="49" charset="0"/>
-              </a:rPr>
-              <a:t> 		</a:t>
-            </a:r>
-            <a:r>
-              <a:rPr lang="en-US" sz="1200" dirty="0" err="1" smtClean="0">
-                <a:latin typeface="Consolas" panose="020B0609020204030204" pitchFamily="49" charset="0"/>
-              </a:rPr>
-              <a:t>NVARCHAR</a:t>
-            </a:r>
-            <a:r>
-              <a:rPr lang="en-US" sz="1200" dirty="0" smtClean="0">
-                <a:latin typeface="Consolas" panose="020B0609020204030204" pitchFamily="49" charset="0"/>
-              </a:rPr>
-              <a:t>(50</a:t>
-            </a:r>
-            <a:r>
-              <a:rPr lang="en-US" sz="1200" dirty="0">
-                <a:latin typeface="Consolas" panose="020B0609020204030204" pitchFamily="49" charset="0"/>
-              </a:rPr>
-              <a:t>) </a:t>
-            </a:r>
-            <a:r>
-              <a:rPr lang="en-US" sz="1200" dirty="0" smtClean="0">
-                <a:latin typeface="Consolas" panose="020B0609020204030204" pitchFamily="49" charset="0"/>
-              </a:rPr>
-              <a:t>not null</a:t>
-            </a:r>
-            <a:r>
-              <a:rPr lang="en-US" sz="1200" dirty="0">
-                <a:latin typeface="Consolas" panose="020B0609020204030204" pitchFamily="49" charset="0"/>
-              </a:rPr>
-              <a:t>,</a:t>
-            </a:r>
-            <a:endParaRPr lang="en-US" sz="1200" dirty="0">
-              <a:latin typeface="Consolas" panose="020B0609020204030204" pitchFamily="49" charset="0"/>
-            </a:endParaRPr>
-          </a:p>
-          <a:p>
-            <a:pPr indent="174625"/>
-            <a:r>
-              <a:rPr lang="en-US" sz="1200" dirty="0" err="1" smtClean="0">
-                <a:latin typeface="Consolas" panose="020B0609020204030204" pitchFamily="49" charset="0"/>
-              </a:rPr>
-              <a:t>thanhpho</a:t>
-            </a:r>
-            <a:r>
-              <a:rPr lang="en-US" sz="1200" dirty="0" smtClean="0">
-                <a:latin typeface="Consolas" panose="020B0609020204030204" pitchFamily="49" charset="0"/>
-              </a:rPr>
-              <a:t> 	</a:t>
-            </a:r>
-            <a:r>
-              <a:rPr lang="en-US" sz="1200" dirty="0" err="1" smtClean="0">
-                <a:latin typeface="Consolas" panose="020B0609020204030204" pitchFamily="49" charset="0"/>
-              </a:rPr>
-              <a:t>NVARCHAR</a:t>
-            </a:r>
-            <a:r>
-              <a:rPr lang="en-US" sz="1200" dirty="0" smtClean="0">
-                <a:latin typeface="Consolas" panose="020B0609020204030204" pitchFamily="49" charset="0"/>
-              </a:rPr>
-              <a:t>(50</a:t>
-            </a:r>
-            <a:r>
-              <a:rPr lang="en-US" sz="1200" dirty="0">
-                <a:latin typeface="Consolas" panose="020B0609020204030204" pitchFamily="49" charset="0"/>
-              </a:rPr>
-              <a:t>) </a:t>
-            </a:r>
-            <a:r>
-              <a:rPr lang="en-US" sz="1200" dirty="0" smtClean="0">
-                <a:latin typeface="Consolas" panose="020B0609020204030204" pitchFamily="49" charset="0"/>
-              </a:rPr>
-              <a:t>not </a:t>
-            </a:r>
-            <a:r>
-              <a:rPr lang="en-US" sz="1200" dirty="0">
-                <a:latin typeface="Consolas" panose="020B0609020204030204" pitchFamily="49" charset="0"/>
-              </a:rPr>
-              <a:t>null,</a:t>
-            </a:r>
-            <a:endParaRPr lang="en-US" sz="1200" dirty="0">
-              <a:latin typeface="Consolas" panose="020B0609020204030204" pitchFamily="49" charset="0"/>
-            </a:endParaRPr>
-          </a:p>
-          <a:p>
-            <a:pPr indent="174625"/>
-            <a:r>
-              <a:rPr lang="en-US" sz="1200" dirty="0" err="1" smtClean="0">
-                <a:latin typeface="Consolas" panose="020B0609020204030204" pitchFamily="49" charset="0"/>
-              </a:rPr>
-              <a:t>dienthoai</a:t>
-            </a:r>
-            <a:r>
-              <a:rPr lang="en-US" sz="1200" dirty="0" smtClean="0">
-                <a:latin typeface="Consolas" panose="020B0609020204030204" pitchFamily="49" charset="0"/>
-              </a:rPr>
-              <a:t> 	</a:t>
-            </a:r>
-            <a:r>
-              <a:rPr lang="en-US" sz="1200" dirty="0" err="1" smtClean="0">
-                <a:latin typeface="Consolas" panose="020B0609020204030204" pitchFamily="49" charset="0"/>
-              </a:rPr>
-              <a:t>NVARCHAR</a:t>
-            </a:r>
-            <a:r>
-              <a:rPr lang="en-US" sz="1200" dirty="0" smtClean="0">
-                <a:latin typeface="Consolas" panose="020B0609020204030204" pitchFamily="49" charset="0"/>
-              </a:rPr>
-              <a:t>(50) not null,</a:t>
-            </a:r>
-            <a:endParaRPr lang="en-US" sz="1200" dirty="0" smtClean="0">
-              <a:latin typeface="Consolas" panose="020B0609020204030204" pitchFamily="49" charset="0"/>
-            </a:endParaRPr>
-          </a:p>
-          <a:p>
-            <a:pPr indent="174625"/>
-            <a:r>
-              <a:rPr lang="en-US" sz="1200" dirty="0" smtClean="0">
-                <a:latin typeface="Consolas" panose="020B0609020204030204" pitchFamily="49" charset="0"/>
-              </a:rPr>
-              <a:t>Email 		</a:t>
-            </a:r>
-            <a:r>
-              <a:rPr lang="en-US" sz="1200" dirty="0" err="1" smtClean="0">
-                <a:latin typeface="Consolas" panose="020B0609020204030204" pitchFamily="49" charset="0"/>
-              </a:rPr>
-              <a:t>NVARCHAR</a:t>
-            </a:r>
-            <a:r>
-              <a:rPr lang="en-US" sz="1200" dirty="0" smtClean="0">
-                <a:latin typeface="Consolas" panose="020B0609020204030204" pitchFamily="49" charset="0"/>
-              </a:rPr>
-              <a:t>(50) not </a:t>
-            </a:r>
-            <a:r>
-              <a:rPr lang="en-US" sz="1200" dirty="0">
-                <a:latin typeface="Consolas" panose="020B0609020204030204" pitchFamily="49" charset="0"/>
-              </a:rPr>
-              <a:t>null</a:t>
-            </a:r>
-            <a:r>
-              <a:rPr lang="en-US" sz="1200" dirty="0" smtClean="0">
-                <a:latin typeface="Consolas" panose="020B0609020204030204" pitchFamily="49" charset="0"/>
-              </a:rPr>
-              <a:t>,</a:t>
-            </a:r>
-          </a:p>
-          <a:p>
-            <a:pPr indent="174625"/>
-            <a:r>
-              <a:rPr lang="en-US" sz="1200" dirty="0" err="1" smtClean="0">
-                <a:latin typeface="Consolas" panose="020B0609020204030204" pitchFamily="49" charset="0"/>
-              </a:rPr>
-              <a:t>Matkhau</a:t>
-            </a:r>
-            <a:r>
-              <a:rPr lang="en-US" sz="1200" dirty="0" smtClean="0">
-                <a:latin typeface="Consolas" panose="020B0609020204030204" pitchFamily="49" charset="0"/>
-              </a:rPr>
-              <a:t> 		</a:t>
-            </a:r>
-            <a:r>
-              <a:rPr lang="en-US" sz="1200" dirty="0" err="1" smtClean="0">
-                <a:latin typeface="Consolas" panose="020B0609020204030204" pitchFamily="49" charset="0"/>
-              </a:rPr>
-              <a:t>NVARCHAR</a:t>
-            </a:r>
-            <a:r>
-              <a:rPr lang="en-US" sz="1200" dirty="0" smtClean="0">
-                <a:latin typeface="Consolas" panose="020B0609020204030204" pitchFamily="49" charset="0"/>
-              </a:rPr>
-              <a:t>(50) not </a:t>
-            </a:r>
-            <a:r>
-              <a:rPr lang="en-US" sz="1200" dirty="0">
-                <a:latin typeface="Consolas" panose="020B0609020204030204" pitchFamily="49" charset="0"/>
-              </a:rPr>
-              <a:t>null</a:t>
-            </a:r>
-            <a:r>
-              <a:rPr lang="en-US" sz="1200" dirty="0" smtClean="0">
-                <a:latin typeface="Consolas" panose="020B0609020204030204" pitchFamily="49" charset="0"/>
-              </a:rPr>
-              <a:t>,</a:t>
-            </a:r>
-            <a:endParaRPr lang="en-US" sz="1200" dirty="0">
-              <a:latin typeface="Consolas" panose="020B0609020204030204" pitchFamily="49" charset="0"/>
-            </a:endParaRPr>
-          </a:p>
-          <a:p>
-            <a:r>
-              <a:rPr lang="en-US" sz="1200" dirty="0">
-                <a:latin typeface="Consolas" panose="020B0609020204030204" pitchFamily="49" charset="0"/>
-              </a:rPr>
-              <a:t>)</a:t>
-            </a:r>
-          </a:p>
-          <a:p>
-            <a:endParaRPr lang="en-US" sz="1200" dirty="0">
-              <a:latin typeface="Consolas" panose="020B0609020204030204" pitchFamily="49" charset="0"/>
-            </a:endParaRPr>
+              <a:t>GO </a:t>
+            </a:r>
           </a:p>
         </p:txBody>
       </p:sp>
       <p:pic>
         <p:nvPicPr>
-          <p:cNvPr id="2" name="Picture 1"/>
+          <p:cNvPr id="4" name="Picture 3"/>
           <p:cNvPicPr>
             <a:picLocks noChangeAspect="1"/>
           </p:cNvPicPr>
@@ -13506,13 +13365,13 @@
         </p:nvPicPr>
         <p:blipFill rotWithShape="1">
           <a:blip r:embed="rId3"/>
-          <a:srcRect l="17857" t="9135" r="62143" b="59057"/>
+          <a:srcRect l="22064" t="10185" r="57301" b="63148"/>
           <a:stretch/>
         </p:blipFill>
         <p:spPr>
           <a:xfrm>
-            <a:off x="746930" y="1121215"/>
-            <a:ext cx="3657600" cy="3272063"/>
+            <a:off x="781718" y="1133474"/>
+            <a:ext cx="3773715" cy="3164205"/>
           </a:xfrm>
           <a:prstGeom prst="rect">
             <a:avLst/>
@@ -13522,7 +13381,7 @@
     </p:spTree>
     <p:extLst>
       <p:ext uri="{BB962C8B-B14F-4D97-AF65-F5344CB8AC3E}">
-        <p14:creationId xmlns:p14="http://schemas.microsoft.com/office/powerpoint/2010/main" val="2992834025"/>
+        <p14:creationId xmlns:p14="http://schemas.microsoft.com/office/powerpoint/2010/main" val="2729016733"/>
       </p:ext>
     </p:extLst>
   </p:cSld>
@@ -13650,24 +13509,14 @@
                 <a:cs typeface="Tahoma" panose="020B0604030504040204" pitchFamily="34" charset="0"/>
                 <a:sym typeface="Arial"/>
               </a:rPr>
-              <a:t>PhongChieu</a:t>
-            </a:r>
-            <a:r>
-              <a:rPr lang="en-US" sz="1400" dirty="0" smtClean="0">
-                <a:latin typeface="Tahoma" panose="020B0604030504040204" pitchFamily="34" charset="0"/>
-                <a:ea typeface="Tahoma" panose="020B0604030504040204" pitchFamily="34" charset="0"/>
-                <a:cs typeface="Tahoma" panose="020B0604030504040204" pitchFamily="34" charset="0"/>
-                <a:sym typeface="Arial"/>
-              </a:rPr>
+              <a:t>SuatChieu</a:t>
+            </a:r>
+            <a:r>
+              <a:rPr lang="en-US" sz="2000" dirty="0"/>
               <a:t/>
             </a:r>
             <a:br>
-              <a:rPr lang="en-US" sz="1400" dirty="0" smtClean="0">
-                <a:latin typeface="Tahoma" panose="020B0604030504040204" pitchFamily="34" charset="0"/>
-                <a:ea typeface="Tahoma" panose="020B0604030504040204" pitchFamily="34" charset="0"/>
-                <a:cs typeface="Tahoma" panose="020B0604030504040204" pitchFamily="34" charset="0"/>
-                <a:sym typeface="Arial"/>
-              </a:rPr>
+              <a:rPr lang="en-US" sz="2000" dirty="0"/>
             </a:br>
             <a:endParaRPr lang="en" sz="2000" dirty="0"/>
           </a:p>
@@ -13681,8 +13530,8 @@
         </p:nvSpPr>
         <p:spPr>
           <a:xfrm>
-            <a:off x="934130" y="2801103"/>
-            <a:ext cx="4869770" cy="1569660"/>
+            <a:off x="698500" y="2847886"/>
+            <a:ext cx="6616700" cy="1938992"/>
           </a:xfrm>
           <a:prstGeom prst="rect">
             <a:avLst/>
@@ -13705,7 +13554,7 @@
               <a:rPr lang="en-US" sz="1200" dirty="0" err="1" smtClean="0">
                 <a:latin typeface="Consolas" panose="020B0609020204030204" pitchFamily="49" charset="0"/>
               </a:rPr>
-              <a:t>PhongChieu</a:t>
+              <a:t>SuatChieu</a:t>
             </a:r>
             <a:endParaRPr lang="en-US" sz="1200" dirty="0">
               <a:latin typeface="Consolas" panose="020B0609020204030204" pitchFamily="49" charset="0"/>
@@ -13720,11 +13569,80 @@
             </a:r>
           </a:p>
           <a:p>
-            <a:pPr marL="174625" lvl="1"/>
+            <a:pPr marL="119063" lvl="1"/>
             <a:r>
               <a:rPr lang="en-US" sz="1200" dirty="0" err="1" smtClean="0">
                 <a:latin typeface="Consolas" panose="020B0609020204030204" pitchFamily="49" charset="0"/>
               </a:rPr>
+              <a:t>masuatchieu</a:t>
+            </a:r>
+            <a:r>
+              <a:rPr lang="en-US" sz="1200" dirty="0" smtClean="0">
+                <a:latin typeface="Consolas" panose="020B0609020204030204" pitchFamily="49" charset="0"/>
+              </a:rPr>
+              <a:t> 	INT </a:t>
+            </a:r>
+            <a:r>
+              <a:rPr lang="en-US" sz="1200" dirty="0">
+                <a:latin typeface="Consolas" panose="020B0609020204030204" pitchFamily="49" charset="0"/>
+              </a:rPr>
+              <a:t>IDENTITY(1,1) PRIMARY KEY,</a:t>
+            </a:r>
+          </a:p>
+          <a:p>
+            <a:pPr marL="119063" lvl="1"/>
+            <a:r>
+              <a:rPr lang="en-US" sz="1200" dirty="0" err="1" smtClean="0">
+                <a:latin typeface="Consolas" panose="020B0609020204030204" pitchFamily="49" charset="0"/>
+              </a:rPr>
+              <a:t>maphim</a:t>
+            </a:r>
+            <a:r>
+              <a:rPr lang="en-US" sz="1200" dirty="0" smtClean="0">
+                <a:latin typeface="Consolas" panose="020B0609020204030204" pitchFamily="49" charset="0"/>
+              </a:rPr>
+              <a:t> 		INT </a:t>
+            </a:r>
+            <a:r>
+              <a:rPr lang="en-US" sz="1200" dirty="0">
+                <a:latin typeface="Consolas" panose="020B0609020204030204" pitchFamily="49" charset="0"/>
+              </a:rPr>
+              <a:t>FOREIGN KEY REFERENCES </a:t>
+            </a:r>
+            <a:r>
+              <a:rPr lang="en-US" sz="1200" dirty="0" err="1" smtClean="0">
+                <a:latin typeface="Consolas" panose="020B0609020204030204" pitchFamily="49" charset="0"/>
+              </a:rPr>
+              <a:t>dbo.Phim</a:t>
+            </a:r>
+            <a:r>
+              <a:rPr lang="en-US" sz="1200" dirty="0" smtClean="0">
+                <a:latin typeface="Consolas" panose="020B0609020204030204" pitchFamily="49" charset="0"/>
+              </a:rPr>
+              <a:t>(</a:t>
+            </a:r>
+            <a:r>
+              <a:rPr lang="en-US" sz="1200" dirty="0" err="1" smtClean="0">
+                <a:latin typeface="Consolas" panose="020B0609020204030204" pitchFamily="49" charset="0"/>
+              </a:rPr>
+              <a:t>maphim</a:t>
+            </a:r>
+            <a:r>
+              <a:rPr lang="en-US" sz="1200" dirty="0" smtClean="0">
+                <a:latin typeface="Consolas" panose="020B0609020204030204" pitchFamily="49" charset="0"/>
+              </a:rPr>
+              <a:t>),</a:t>
+            </a:r>
+            <a:endParaRPr lang="en-US" sz="1200" dirty="0">
+              <a:latin typeface="Consolas" panose="020B0609020204030204" pitchFamily="49" charset="0"/>
+            </a:endParaRPr>
+          </a:p>
+          <a:p>
+            <a:pPr marL="119063" lvl="1"/>
+            <a:r>
+              <a:rPr lang="en-US" sz="1200" dirty="0" err="1" smtClean="0">
+                <a:latin typeface="Consolas" panose="020B0609020204030204" pitchFamily="49" charset="0"/>
+              </a:rPr>
               <a:t>maphong</a:t>
             </a:r>
             <a:r>
@@ -13737,64 +13655,94 @@
               <a:rPr lang="en-US" sz="1200" dirty="0">
                 <a:latin typeface="Consolas" panose="020B0609020204030204" pitchFamily="49" charset="0"/>
               </a:rPr>
-              <a:t>IDENTITY(1,1) PRIMARY KEY,</a:t>
-            </a:r>
-          </a:p>
-          <a:p>
-            <a:pPr marL="174625" lvl="1"/>
+              <a:t>FOREIGN KEY REFERENCES </a:t>
+            </a:r>
             <a:r>
               <a:rPr lang="en-US" sz="1200" dirty="0" err="1" smtClean="0">
                 <a:latin typeface="Consolas" panose="020B0609020204030204" pitchFamily="49" charset="0"/>
               </a:rPr>
-              <a:t>tenphong</a:t>
+              <a:t>dbo.PhongChieu</a:t>
             </a:r>
             <a:r>
               <a:rPr lang="en-US" sz="1200" dirty="0" smtClean="0">
                 <a:latin typeface="Consolas" panose="020B0609020204030204" pitchFamily="49" charset="0"/>
               </a:rPr>
-              <a:t> 	</a:t>
+              <a:t>(</a:t>
             </a:r>
             <a:r>
               <a:rPr lang="en-US" sz="1200" dirty="0" err="1" smtClean="0">
                 <a:latin typeface="Consolas" panose="020B0609020204030204" pitchFamily="49" charset="0"/>
               </a:rPr>
-              <a:t>NVARCHAR</a:t>
+              <a:t>maphong</a:t>
             </a:r>
             <a:r>
               <a:rPr lang="en-US" sz="1200" dirty="0" smtClean="0">
                 <a:latin typeface="Consolas" panose="020B0609020204030204" pitchFamily="49" charset="0"/>
               </a:rPr>
-              <a:t>(50),</a:t>
-            </a:r>
-          </a:p>
-          <a:p>
-            <a:pPr marL="174625" lvl="1"/>
+              <a:t>),</a:t>
+            </a:r>
+            <a:endParaRPr lang="en-US" sz="1200" dirty="0">
+              <a:latin typeface="Consolas" panose="020B0609020204030204" pitchFamily="49" charset="0"/>
+            </a:endParaRPr>
+          </a:p>
+          <a:p>
+            <a:pPr marL="119063" lvl="1"/>
             <a:r>
               <a:rPr lang="en-US" sz="1200" dirty="0" err="1" smtClean="0">
                 <a:latin typeface="Consolas" panose="020B0609020204030204" pitchFamily="49" charset="0"/>
               </a:rPr>
-              <a:t>soghecontrong</a:t>
+              <a:t>giochieu</a:t>
             </a:r>
             <a:r>
               <a:rPr lang="en-US" sz="1200" dirty="0" smtClean="0">
                 <a:latin typeface="Consolas" panose="020B0609020204030204" pitchFamily="49" charset="0"/>
               </a:rPr>
-              <a:t> 	INT not null,</a:t>
-            </a:r>
-          </a:p>
-          <a:p>
-            <a:pPr marL="174625" lvl="1"/>
+              <a:t> 		TIME(7) not null, </a:t>
+            </a:r>
+          </a:p>
+          <a:p>
+            <a:pPr marL="119063" lvl="1"/>
             <a:r>
               <a:rPr lang="en-US" sz="1200" dirty="0" err="1" smtClean="0">
                 <a:latin typeface="Consolas" panose="020B0609020204030204" pitchFamily="49" charset="0"/>
               </a:rPr>
-              <a:t>soghebandau</a:t>
+              <a:t>Gioketthuc</a:t>
             </a:r>
             <a:r>
               <a:rPr lang="en-US" sz="1200" dirty="0" smtClean="0">
                 <a:latin typeface="Consolas" panose="020B0609020204030204" pitchFamily="49" charset="0"/>
               </a:rPr>
-              <a:t> 	INT not null,</a:t>
+              <a:t> 	TIME(7) </a:t>
+            </a:r>
+            <a:r>
+              <a:rPr lang="en-US" sz="1200" dirty="0">
+                <a:latin typeface="Consolas" panose="020B0609020204030204" pitchFamily="49" charset="0"/>
+              </a:rPr>
+              <a:t>not null, </a:t>
+            </a:r>
+            <a:endParaRPr lang="en-US" sz="1200" dirty="0" smtClean="0">
+              <a:latin typeface="Consolas" panose="020B0609020204030204" pitchFamily="49" charset="0"/>
+            </a:endParaRPr>
+          </a:p>
+          <a:p>
+            <a:pPr marL="119063" lvl="1"/>
+            <a:r>
+              <a:rPr lang="en-US" sz="1200" dirty="0" err="1" smtClean="0">
+                <a:latin typeface="Consolas" panose="020B0609020204030204" pitchFamily="49" charset="0"/>
+              </a:rPr>
+              <a:t>Ngaychieu</a:t>
+            </a:r>
+            <a:r>
+              <a:rPr lang="en-US" sz="1200" dirty="0">
+                <a:latin typeface="Consolas" panose="020B0609020204030204" pitchFamily="49" charset="0"/>
+              </a:rPr>
+              <a:t>	</a:t>
+            </a:r>
+            <a:r>
+              <a:rPr lang="en-US" sz="1200" dirty="0" smtClean="0">
+                <a:latin typeface="Consolas" panose="020B0609020204030204" pitchFamily="49" charset="0"/>
+              </a:rPr>
+              <a:t>	DATE not null</a:t>
             </a:r>
             <a:endParaRPr lang="en-US" sz="1200" dirty="0">
               <a:latin typeface="Consolas" panose="020B0609020204030204" pitchFamily="49" charset="0"/>
@@ -13828,13 +13776,13 @@
         </p:nvPicPr>
         <p:blipFill rotWithShape="1">
           <a:blip r:embed="rId3"/>
-          <a:srcRect l="17553" t="8988" r="62604" b="76481"/>
+          <a:srcRect l="22143" t="9594" r="58016" b="73025"/>
           <a:stretch/>
         </p:blipFill>
         <p:spPr>
           <a:xfrm>
-            <a:off x="934130" y="1306286"/>
-            <a:ext cx="3628822" cy="1494817"/>
+            <a:off x="698500" y="1059908"/>
+            <a:ext cx="3628571" cy="1787978"/>
           </a:xfrm>
           <a:prstGeom prst="rect">
             <a:avLst/>
@@ -13844,7 +13792,7 @@
     </p:spTree>
     <p:extLst>
       <p:ext uri="{BB962C8B-B14F-4D97-AF65-F5344CB8AC3E}">
-        <p14:creationId xmlns:p14="http://schemas.microsoft.com/office/powerpoint/2010/main" val="4141535044"/>
+        <p14:creationId xmlns:p14="http://schemas.microsoft.com/office/powerpoint/2010/main" val="171373154"/>
       </p:ext>
     </p:extLst>
   </p:cSld>
@@ -14049,194 +13997,17 @@
               <a:rPr lang="en-US" sz="1200" dirty="0">
                 <a:latin typeface="Consolas" panose="020B0609020204030204" pitchFamily="49" charset="0"/>
               </a:rPr>
-              <a:t>INT IDENTITY(1,1) PRIMARY KEY,</a:t>
+              <a:t>INT IDENTITY(1,1) PRIMARY KEY</a:t>
+            </a:r>
+            <a:r>
+              <a:rPr lang="en-US" sz="1200" dirty="0" smtClean="0">
+                <a:latin typeface="Consolas" panose="020B0609020204030204" pitchFamily="49" charset="0"/>
+              </a:rPr>
+              <a:t>,</a:t>
             </a:r>
           </a:p>
           <a:p>
             <a:pPr marL="119063"/>
-            <a:r>
-              <a:rPr lang="en-US" sz="1200" dirty="0" err="1" smtClean="0">
-                <a:latin typeface="Consolas" panose="020B0609020204030204" pitchFamily="49" charset="0"/>
-              </a:rPr>
-              <a:t>masuatchieu</a:t>
-            </a:r>
-            <a:r>
-              <a:rPr lang="en-US" sz="1200" dirty="0" smtClean="0">
-                <a:latin typeface="Consolas" panose="020B0609020204030204" pitchFamily="49" charset="0"/>
-              </a:rPr>
-              <a:t> </a:t>
-            </a:r>
-            <a:r>
-              <a:rPr lang="en-US" sz="1200" dirty="0">
-                <a:latin typeface="Consolas" panose="020B0609020204030204" pitchFamily="49" charset="0"/>
-              </a:rPr>
-              <a:t>INT FOREIGN KEY REFERENCES </a:t>
-            </a:r>
-            <a:r>
-              <a:rPr lang="en-US" sz="1200" dirty="0" err="1">
-                <a:latin typeface="Consolas" panose="020B0609020204030204" pitchFamily="49" charset="0"/>
-              </a:rPr>
-              <a:t>dbo.SuatChieu</a:t>
-            </a:r>
-            <a:r>
-              <a:rPr lang="en-US" sz="1200" dirty="0">
-                <a:latin typeface="Consolas" panose="020B0609020204030204" pitchFamily="49" charset="0"/>
-              </a:rPr>
-              <a:t>(</a:t>
-            </a:r>
-            <a:r>
-              <a:rPr lang="en-US" sz="1200" dirty="0" err="1">
-                <a:latin typeface="Consolas" panose="020B0609020204030204" pitchFamily="49" charset="0"/>
-              </a:rPr>
-              <a:t>masuatchieu</a:t>
-            </a:r>
-            <a:r>
-              <a:rPr lang="en-US" sz="1200" dirty="0" smtClean="0">
-                <a:latin typeface="Consolas" panose="020B0609020204030204" pitchFamily="49" charset="0"/>
-              </a:rPr>
-              <a:t>),</a:t>
-            </a:r>
-          </a:p>
-          <a:p>
-            <a:pPr marL="119063"/>
-            <a:r>
-              <a:rPr lang="en-US" sz="1200" dirty="0" err="1" smtClean="0">
-                <a:latin typeface="Consolas" panose="020B0609020204030204" pitchFamily="49" charset="0"/>
-              </a:rPr>
-              <a:t>makhachhang</a:t>
-            </a:r>
-            <a:r>
-              <a:rPr lang="en-US" sz="1200" dirty="0" smtClean="0">
-                <a:latin typeface="Consolas" panose="020B0609020204030204" pitchFamily="49" charset="0"/>
-              </a:rPr>
-              <a:t> </a:t>
-            </a:r>
-            <a:r>
-              <a:rPr lang="en-US" sz="1200" dirty="0">
-                <a:latin typeface="Consolas" panose="020B0609020204030204" pitchFamily="49" charset="0"/>
-              </a:rPr>
-              <a:t>INT FOREIGN KEY REFERENCES </a:t>
-            </a:r>
-            <a:r>
-              <a:rPr lang="en-US" sz="1200" dirty="0" err="1" smtClean="0">
-                <a:latin typeface="Consolas" panose="020B0609020204030204" pitchFamily="49" charset="0"/>
-              </a:rPr>
-              <a:t>dbo.KhachHang</a:t>
-            </a:r>
-            <a:r>
-              <a:rPr lang="en-US" sz="1200" dirty="0" smtClean="0">
-                <a:latin typeface="Consolas" panose="020B0609020204030204" pitchFamily="49" charset="0"/>
-              </a:rPr>
-              <a:t> (</a:t>
-            </a:r>
-            <a:r>
-              <a:rPr lang="en-US" sz="1200" dirty="0" err="1" smtClean="0">
-                <a:latin typeface="Consolas" panose="020B0609020204030204" pitchFamily="49" charset="0"/>
-              </a:rPr>
-              <a:t>makhachhang</a:t>
-            </a:r>
-            <a:r>
-              <a:rPr lang="en-US" sz="1200" dirty="0" smtClean="0">
-                <a:latin typeface="Consolas" panose="020B0609020204030204" pitchFamily="49" charset="0"/>
-              </a:rPr>
-              <a:t>),</a:t>
-            </a:r>
-          </a:p>
-          <a:p>
-            <a:pPr marL="119063"/>
-            <a:r>
-              <a:rPr lang="en-US" sz="1200" dirty="0" err="1" smtClean="0">
-                <a:latin typeface="Consolas" panose="020B0609020204030204" pitchFamily="49" charset="0"/>
-              </a:rPr>
-              <a:t>maghe</a:t>
-            </a:r>
-            <a:r>
-              <a:rPr lang="en-US" sz="1200" dirty="0" smtClean="0">
-                <a:latin typeface="Consolas" panose="020B0609020204030204" pitchFamily="49" charset="0"/>
-              </a:rPr>
-              <a:t> </a:t>
-            </a:r>
-            <a:r>
-              <a:rPr lang="en-US" sz="1200" dirty="0">
-                <a:latin typeface="Consolas" panose="020B0609020204030204" pitchFamily="49" charset="0"/>
-              </a:rPr>
-              <a:t>INT FOREIGN KEY REFERENCES </a:t>
-            </a:r>
-            <a:r>
-              <a:rPr lang="en-US" sz="1200" dirty="0" err="1" smtClean="0">
-                <a:latin typeface="Consolas" panose="020B0609020204030204" pitchFamily="49" charset="0"/>
-              </a:rPr>
-              <a:t>dbo.Ghe</a:t>
-            </a:r>
-            <a:r>
-              <a:rPr lang="en-US" sz="1200" dirty="0" smtClean="0">
-                <a:latin typeface="Consolas" panose="020B0609020204030204" pitchFamily="49" charset="0"/>
-              </a:rPr>
-              <a:t> (</a:t>
-            </a:r>
-            <a:r>
-              <a:rPr lang="en-US" sz="1200" dirty="0" err="1" smtClean="0">
-                <a:latin typeface="Consolas" panose="020B0609020204030204" pitchFamily="49" charset="0"/>
-              </a:rPr>
-              <a:t>maghe</a:t>
-            </a:r>
-            <a:r>
-              <a:rPr lang="en-US" sz="1200" dirty="0" smtClean="0">
-                <a:latin typeface="Consolas" panose="020B0609020204030204" pitchFamily="49" charset="0"/>
-              </a:rPr>
-              <a:t>),</a:t>
-            </a:r>
-          </a:p>
-          <a:p>
-            <a:pPr marL="119063"/>
-            <a:r>
-              <a:rPr lang="en-US" sz="1200" dirty="0" err="1" smtClean="0">
-                <a:latin typeface="Consolas" panose="020B0609020204030204" pitchFamily="49" charset="0"/>
-              </a:rPr>
-              <a:t>makm</a:t>
-            </a:r>
-            <a:r>
-              <a:rPr lang="en-US" sz="1200" dirty="0" smtClean="0">
-                <a:latin typeface="Consolas" panose="020B0609020204030204" pitchFamily="49" charset="0"/>
-              </a:rPr>
-              <a:t> </a:t>
-            </a:r>
-            <a:r>
-              <a:rPr lang="en-US" sz="1200" dirty="0">
-                <a:latin typeface="Consolas" panose="020B0609020204030204" pitchFamily="49" charset="0"/>
-              </a:rPr>
-              <a:t>INT FOREIGN KEY REFERENCES </a:t>
-            </a:r>
-            <a:r>
-              <a:rPr lang="en-US" sz="1200" dirty="0" err="1" smtClean="0">
-                <a:latin typeface="Consolas" panose="020B0609020204030204" pitchFamily="49" charset="0"/>
-              </a:rPr>
-              <a:t>dbo.KhuyenMai</a:t>
-            </a:r>
-            <a:r>
-              <a:rPr lang="en-US" sz="1200" dirty="0" smtClean="0">
-                <a:latin typeface="Consolas" panose="020B0609020204030204" pitchFamily="49" charset="0"/>
-              </a:rPr>
-              <a:t> </a:t>
-            </a:r>
-            <a:r>
-              <a:rPr lang="en-US" sz="1200" dirty="0">
-                <a:latin typeface="Consolas" panose="020B0609020204030204" pitchFamily="49" charset="0"/>
-              </a:rPr>
-              <a:t>(</a:t>
-            </a:r>
-            <a:r>
-              <a:rPr lang="en-US" sz="1200" dirty="0" err="1" smtClean="0">
-                <a:latin typeface="Consolas" panose="020B0609020204030204" pitchFamily="49" charset="0"/>
-              </a:rPr>
-              <a:t>makm</a:t>
-            </a:r>
-            <a:r>
-              <a:rPr lang="en-US" sz="1200" dirty="0" smtClean="0">
-                <a:latin typeface="Consolas" panose="020B0609020204030204" pitchFamily="49" charset="0"/>
-              </a:rPr>
-              <a:t>),</a:t>
-            </a:r>
             <a:endParaRPr lang="en-US" sz="1200" dirty="0">
               <a:latin typeface="Consolas" panose="020B0609020204030204" pitchFamily="49" charset="0"/>
             </a:endParaRPr>
@@ -14247,14 +14018,155 @@
               <a:rPr lang="en-US" sz="1200" dirty="0" err="1" smtClean="0">
                 <a:latin typeface="Consolas" panose="020B0609020204030204" pitchFamily="49" charset="0"/>
               </a:rPr>
-              <a:t>giave</a:t>
+              <a:t>masuatchieu</a:t>
             </a:r>
             <a:r>
               <a:rPr lang="en-US" sz="1200" dirty="0" smtClean="0">
                 <a:latin typeface="Consolas" panose="020B0609020204030204" pitchFamily="49" charset="0"/>
               </a:rPr>
-              <a:t> 		INT not null,</a:t>
-            </a:r>
+              <a:t> </a:t>
+            </a:r>
+            <a:r>
+              <a:rPr lang="en-US" sz="1200" dirty="0">
+                <a:latin typeface="Consolas" panose="020B0609020204030204" pitchFamily="49" charset="0"/>
+              </a:rPr>
+              <a:t>INT FOREIGN KEY REFERENCES </a:t>
+            </a:r>
+            <a:r>
+              <a:rPr lang="en-US" sz="1200" dirty="0" err="1">
+                <a:latin typeface="Consolas" panose="020B0609020204030204" pitchFamily="49" charset="0"/>
+              </a:rPr>
+              <a:t>dbo.SuatChieu</a:t>
+            </a:r>
+            <a:r>
+              <a:rPr lang="en-US" sz="1200" dirty="0">
+                <a:latin typeface="Consolas" panose="020B0609020204030204" pitchFamily="49" charset="0"/>
+              </a:rPr>
+              <a:t>(</a:t>
+            </a:r>
+            <a:r>
+              <a:rPr lang="en-US" sz="1200" dirty="0" err="1">
+                <a:latin typeface="Consolas" panose="020B0609020204030204" pitchFamily="49" charset="0"/>
+              </a:rPr>
+              <a:t>masuatchieu</a:t>
+            </a:r>
+            <a:r>
+              <a:rPr lang="en-US" sz="1200" dirty="0" smtClean="0">
+                <a:latin typeface="Consolas" panose="020B0609020204030204" pitchFamily="49" charset="0"/>
+              </a:rPr>
+              <a:t>),</a:t>
+            </a:r>
+          </a:p>
+          <a:p>
+            <a:pPr marL="119063"/>
+            <a:endParaRPr lang="en-US" sz="1200" dirty="0" smtClean="0">
+              <a:latin typeface="Consolas" panose="020B0609020204030204" pitchFamily="49" charset="0"/>
+            </a:endParaRPr>
+          </a:p>
+          <a:p>
+            <a:pPr marL="119063"/>
+            <a:r>
+              <a:rPr lang="en-US" sz="1200" dirty="0" err="1" smtClean="0">
+                <a:latin typeface="Consolas" panose="020B0609020204030204" pitchFamily="49" charset="0"/>
+              </a:rPr>
+              <a:t>makhachhang</a:t>
+            </a:r>
+            <a:r>
+              <a:rPr lang="en-US" sz="1200" dirty="0" smtClean="0">
+                <a:latin typeface="Consolas" panose="020B0609020204030204" pitchFamily="49" charset="0"/>
+              </a:rPr>
+              <a:t> </a:t>
+            </a:r>
+            <a:r>
+              <a:rPr lang="en-US" sz="1200" dirty="0">
+                <a:latin typeface="Consolas" panose="020B0609020204030204" pitchFamily="49" charset="0"/>
+              </a:rPr>
+              <a:t>INT FOREIGN KEY REFERENCES </a:t>
+            </a:r>
+            <a:r>
+              <a:rPr lang="en-US" sz="1200" dirty="0" err="1" smtClean="0">
+                <a:latin typeface="Consolas" panose="020B0609020204030204" pitchFamily="49" charset="0"/>
+              </a:rPr>
+              <a:t>dbo.KhachHang</a:t>
+            </a:r>
+            <a:r>
+              <a:rPr lang="en-US" sz="1200" dirty="0" smtClean="0">
+                <a:latin typeface="Consolas" panose="020B0609020204030204" pitchFamily="49" charset="0"/>
+              </a:rPr>
+              <a:t> (</a:t>
+            </a:r>
+            <a:r>
+              <a:rPr lang="en-US" sz="1200" dirty="0" err="1" smtClean="0">
+                <a:latin typeface="Consolas" panose="020B0609020204030204" pitchFamily="49" charset="0"/>
+              </a:rPr>
+              <a:t>makhachhang</a:t>
+            </a:r>
+            <a:r>
+              <a:rPr lang="en-US" sz="1200" dirty="0" smtClean="0">
+                <a:latin typeface="Consolas" panose="020B0609020204030204" pitchFamily="49" charset="0"/>
+              </a:rPr>
+              <a:t>),</a:t>
+            </a:r>
+          </a:p>
+          <a:p>
+            <a:pPr marL="119063"/>
+            <a:endParaRPr lang="en-US" sz="1200" dirty="0" smtClean="0">
+              <a:latin typeface="Consolas" panose="020B0609020204030204" pitchFamily="49" charset="0"/>
+            </a:endParaRPr>
+          </a:p>
+          <a:p>
+            <a:pPr marL="119063"/>
+            <a:r>
+              <a:rPr lang="en-US" sz="1200" dirty="0" err="1" smtClean="0">
+                <a:latin typeface="Consolas" panose="020B0609020204030204" pitchFamily="49" charset="0"/>
+              </a:rPr>
+              <a:t>makm</a:t>
+            </a:r>
+            <a:r>
+              <a:rPr lang="en-US" sz="1200" dirty="0" smtClean="0">
+                <a:latin typeface="Consolas" panose="020B0609020204030204" pitchFamily="49" charset="0"/>
+              </a:rPr>
+              <a:t> </a:t>
+            </a:r>
+            <a:r>
+              <a:rPr lang="en-US" sz="1200" dirty="0">
+                <a:latin typeface="Consolas" panose="020B0609020204030204" pitchFamily="49" charset="0"/>
+              </a:rPr>
+              <a:t>INT FOREIGN KEY REFERENCES </a:t>
+            </a:r>
+            <a:r>
+              <a:rPr lang="en-US" sz="1200" dirty="0" err="1" smtClean="0">
+                <a:latin typeface="Consolas" panose="020B0609020204030204" pitchFamily="49" charset="0"/>
+              </a:rPr>
+              <a:t>dbo.KhuyenMai</a:t>
+            </a:r>
+            <a:r>
+              <a:rPr lang="en-US" sz="1200" dirty="0" smtClean="0">
+                <a:latin typeface="Consolas" panose="020B0609020204030204" pitchFamily="49" charset="0"/>
+              </a:rPr>
+              <a:t> </a:t>
+            </a:r>
+            <a:r>
+              <a:rPr lang="en-US" sz="1200" dirty="0">
+                <a:latin typeface="Consolas" panose="020B0609020204030204" pitchFamily="49" charset="0"/>
+              </a:rPr>
+              <a:t>(</a:t>
+            </a:r>
+            <a:r>
+              <a:rPr lang="en-US" sz="1200" dirty="0" err="1" smtClean="0">
+                <a:latin typeface="Consolas" panose="020B0609020204030204" pitchFamily="49" charset="0"/>
+              </a:rPr>
+              <a:t>makm</a:t>
+            </a:r>
+            <a:r>
+              <a:rPr lang="en-US" sz="1200" dirty="0" smtClean="0">
+                <a:latin typeface="Consolas" panose="020B0609020204030204" pitchFamily="49" charset="0"/>
+              </a:rPr>
+              <a:t>),</a:t>
+            </a:r>
+          </a:p>
+          <a:p>
+            <a:pPr marL="119063"/>
             <a:endParaRPr lang="en-US" sz="1200" dirty="0">
               <a:latin typeface="Consolas" panose="020B0609020204030204" pitchFamily="49" charset="0"/>
             </a:endParaRPr>
@@ -14265,31 +14177,13 @@
               <a:rPr lang="en-US" sz="1200" dirty="0" err="1" smtClean="0">
                 <a:latin typeface="Consolas" panose="020B0609020204030204" pitchFamily="49" charset="0"/>
               </a:rPr>
-              <a:t>tenghe</a:t>
+              <a:t>giave</a:t>
             </a:r>
             <a:r>
               <a:rPr lang="en-US" sz="1200" dirty="0" smtClean="0">
                 <a:latin typeface="Consolas" panose="020B0609020204030204" pitchFamily="49" charset="0"/>
               </a:rPr>
-              <a:t> 		</a:t>
-            </a:r>
-            <a:r>
-              <a:rPr lang="en-US" sz="1200" dirty="0" err="1" smtClean="0">
-                <a:latin typeface="Consolas" panose="020B0609020204030204" pitchFamily="49" charset="0"/>
-              </a:rPr>
-              <a:t>NVARCHAR</a:t>
-            </a:r>
-            <a:r>
-              <a:rPr lang="en-US" sz="1200" dirty="0" smtClean="0">
-                <a:latin typeface="Consolas" panose="020B0609020204030204" pitchFamily="49" charset="0"/>
-              </a:rPr>
-              <a:t>(50</a:t>
-            </a:r>
-            <a:r>
-              <a:rPr lang="en-US" sz="1200" dirty="0">
-                <a:latin typeface="Consolas" panose="020B0609020204030204" pitchFamily="49" charset="0"/>
-              </a:rPr>
-              <a:t>) not null,</a:t>
+              <a:t> 		INT not null,</a:t>
             </a:r>
             <a:endParaRPr lang="en-US" sz="1200" dirty="0">
               <a:latin typeface="Consolas" panose="020B0609020204030204" pitchFamily="49" charset="0"/>
@@ -14301,71 +14195,38 @@
               <a:rPr lang="en-US" sz="1200" dirty="0" err="1" smtClean="0">
                 <a:latin typeface="Consolas" panose="020B0609020204030204" pitchFamily="49" charset="0"/>
               </a:rPr>
-              <a:t>tenphong</a:t>
+              <a:t>giochieu</a:t>
             </a:r>
             <a:r>
               <a:rPr lang="en-US" sz="1200" dirty="0" smtClean="0">
                 <a:latin typeface="Consolas" panose="020B0609020204030204" pitchFamily="49" charset="0"/>
               </a:rPr>
-              <a:t> 		</a:t>
+              <a:t> </a:t>
+            </a:r>
+            <a:r>
+              <a:rPr lang="en-US" sz="1200" dirty="0" smtClean="0">
+                <a:latin typeface="Consolas" panose="020B0609020204030204" pitchFamily="49" charset="0"/>
+              </a:rPr>
+              <a:t>		</a:t>
             </a:r>
             <a:r>
               <a:rPr lang="en-US" sz="1200" dirty="0" err="1" smtClean="0">
                 <a:latin typeface="Consolas" panose="020B0609020204030204" pitchFamily="49" charset="0"/>
               </a:rPr>
-              <a:t>NVARCHAR</a:t>
+              <a:t>DATETIME</a:t>
             </a:r>
             <a:r>
               <a:rPr lang="en-US" sz="1200" dirty="0" smtClean="0">
                 <a:latin typeface="Consolas" panose="020B0609020204030204" pitchFamily="49" charset="0"/>
               </a:rPr>
-              <a:t>(50</a:t>
+              <a:t> </a:t>
             </a:r>
             <a:r>
               <a:rPr lang="en-US" sz="1200" dirty="0">
                 <a:latin typeface="Consolas" panose="020B0609020204030204" pitchFamily="49" charset="0"/>
               </a:rPr>
-              <a:t>) not null,</a:t>
-            </a:r>
-            <a:endParaRPr lang="en-US" sz="1200" dirty="0">
-              <a:latin typeface="Consolas" panose="020B0609020204030204" pitchFamily="49" charset="0"/>
-            </a:endParaRPr>
-          </a:p>
-          <a:p>
-            <a:pPr marL="119063"/>
-            <a:r>
-              <a:rPr lang="en-US" sz="1200" dirty="0" err="1" smtClean="0">
-                <a:latin typeface="Consolas" panose="020B0609020204030204" pitchFamily="49" charset="0"/>
-              </a:rPr>
-              <a:t>giochieu</a:t>
-            </a:r>
-            <a:r>
-              <a:rPr lang="en-US" sz="1200" dirty="0" smtClean="0">
-                <a:latin typeface="Consolas" panose="020B0609020204030204" pitchFamily="49" charset="0"/>
-              </a:rPr>
-              <a:t> 		</a:t>
-            </a:r>
-            <a:r>
-              <a:rPr lang="en-US" sz="1200" dirty="0" err="1" smtClean="0">
-                <a:latin typeface="Consolas" panose="020B0609020204030204" pitchFamily="49" charset="0"/>
-              </a:rPr>
-              <a:t>DATETIME</a:t>
-            </a:r>
-            <a:r>
-              <a:rPr lang="en-US" sz="1200" dirty="0" smtClean="0">
-                <a:latin typeface="Consolas" panose="020B0609020204030204" pitchFamily="49" charset="0"/>
-              </a:rPr>
-              <a:t> </a:t>
-            </a:r>
-            <a:r>
-              <a:rPr lang="en-US" sz="1200" dirty="0">
-                <a:latin typeface="Consolas" panose="020B0609020204030204" pitchFamily="49" charset="0"/>
-              </a:rPr>
               <a:t>not null,</a:t>
             </a:r>
-            <a:endParaRPr lang="en-US" sz="1200" dirty="0">
-              <a:latin typeface="Consolas" panose="020B0609020204030204" pitchFamily="49" charset="0"/>
-            </a:endParaRPr>
           </a:p>
           <a:p>
             <a:pPr marL="119063"/>
@@ -14409,29 +14270,26 @@
               <a:rPr lang="en-US" sz="1200" dirty="0" err="1" smtClean="0">
                 <a:latin typeface="Consolas" panose="020B0609020204030204" pitchFamily="49" charset="0"/>
               </a:rPr>
-              <a:t>Tinhtrang</a:t>
+              <a:t>tinhtrang</a:t>
+            </a:r>
+            <a:r>
+              <a:rPr lang="en-US" sz="1200" dirty="0" smtClean="0">
+                <a:latin typeface="Consolas" panose="020B0609020204030204" pitchFamily="49" charset="0"/>
+              </a:rPr>
+              <a:t> </a:t>
+            </a:r>
+            <a:r>
+              <a:rPr lang="en-US" sz="1200" dirty="0" smtClean="0">
+                <a:latin typeface="Consolas" panose="020B0609020204030204" pitchFamily="49" charset="0"/>
+              </a:rPr>
+              <a:t>	BIT </a:t>
             </a:r>
             <a:r>
               <a:rPr lang="en-US" sz="1200" dirty="0">
                 <a:latin typeface="Consolas" panose="020B0609020204030204" pitchFamily="49" charset="0"/>
               </a:rPr>
-              <a:t> </a:t>
-            </a:r>
-            <a:r>
-              <a:rPr lang="en-US" sz="1200" dirty="0" smtClean="0">
-                <a:latin typeface="Consolas" panose="020B0609020204030204" pitchFamily="49" charset="0"/>
-              </a:rPr>
-              <a:t>	BIT </a:t>
-            </a:r>
-            <a:r>
-              <a:rPr lang="en-US" sz="1200" dirty="0">
-                <a:latin typeface="Consolas" panose="020B0609020204030204" pitchFamily="49" charset="0"/>
-              </a:rPr>
               <a:t>not null,</a:t>
             </a:r>
-            <a:endParaRPr lang="en-US" sz="1200" dirty="0">
-              <a:latin typeface="Consolas" panose="020B0609020204030204" pitchFamily="49" charset="0"/>
-            </a:endParaRPr>
           </a:p>
           <a:p>
             <a:r>
@@ -14453,7 +14311,7 @@
       </p:sp>
       <p:pic>
         <p:nvPicPr>
-          <p:cNvPr id="2" name="Picture 1"/>
+          <p:cNvPr id="4" name="Picture 3"/>
           <p:cNvPicPr>
             <a:picLocks noChangeAspect="1"/>
           </p:cNvPicPr>
@@ -14461,13 +14319,13 @@
         </p:nvPicPr>
         <p:blipFill rotWithShape="1">
           <a:blip r:embed="rId3"/>
-          <a:srcRect l="17569" t="9568" r="62222" b="64630"/>
+          <a:srcRect l="21984" t="9762" r="57301" b="66958"/>
           <a:stretch/>
         </p:blipFill>
         <p:spPr>
           <a:xfrm>
-            <a:off x="934130" y="1219833"/>
-            <a:ext cx="3561670" cy="2654300"/>
+            <a:off x="707571" y="1219833"/>
+            <a:ext cx="3788229" cy="3336927"/>
           </a:xfrm>
           <a:prstGeom prst="rect">
             <a:avLst/>
@@ -14674,371 +14532,6 @@
   <p:cSld>
     <p:spTree>
       <p:nvGrpSpPr>
-        <p:cNvPr id="1" name="Shape 82"/>
-        <p:cNvGrpSpPr/>
-        <p:nvPr/>
-      </p:nvGrpSpPr>
-      <p:grpSpPr>
-        <a:xfrm>
-          <a:off x="0" y="0"/>
-          <a:ext cx="0" cy="0"/>
-          <a:chOff x="0" y="0"/>
-          <a:chExt cx="0" cy="0"/>
-        </a:xfrm>
-      </p:grpSpPr>
-      <p:sp>
-        <p:nvSpPr>
-          <p:cNvPr id="86" name="Shape 86"/>
-          <p:cNvSpPr txBox="1">
-            <a:spLocks noGrp="1"/>
-          </p:cNvSpPr>
-          <p:nvPr>
-            <p:ph type="sldNum" sz="quarter" idx="12"/>
-          </p:nvPr>
-        </p:nvSpPr>
-        <p:spPr>
-          <a:prstGeom prst="rect">
-            <a:avLst/>
-          </a:prstGeom>
-        </p:spPr>
-        <p:txBody>
-          <a:bodyPr wrap="square" lIns="91425" tIns="91425" rIns="91425" bIns="91425" anchor="ctr" anchorCtr="0">
-            <a:noAutofit/>
-          </a:bodyPr>
-          <a:lstStyle/>
-          <a:p>
-            <a:pPr lvl="0">
-              <a:spcBef>
-                <a:spcPts val="0"/>
-              </a:spcBef>
-              <a:buNone/>
-            </a:pPr>
-            <a:fld id="{00000000-1234-1234-1234-123412341234}" type="slidenum">
-              <a:rPr lang="en"/>
-              <a:t>20</a:t>
-            </a:fld>
-            <a:endParaRPr lang="en"/>
-          </a:p>
-        </p:txBody>
-      </p:sp>
-      <p:sp>
-        <p:nvSpPr>
-          <p:cNvPr id="83" name="Shape 83"/>
-          <p:cNvSpPr txBox="1">
-            <a:spLocks noGrp="1"/>
-          </p:cNvSpPr>
-          <p:nvPr>
-            <p:ph type="ctrTitle" idx="4294967295"/>
-          </p:nvPr>
-        </p:nvSpPr>
-        <p:spPr>
-          <a:xfrm>
-            <a:off x="0" y="555625"/>
-            <a:ext cx="3471863" cy="750888"/>
-          </a:xfrm>
-          <a:prstGeom prst="rect">
-            <a:avLst/>
-          </a:prstGeom>
-        </p:spPr>
-        <p:txBody>
-          <a:bodyPr wrap="square" lIns="91425" tIns="91425" rIns="91425" bIns="91425" anchor="b" anchorCtr="0">
-            <a:noAutofit/>
-          </a:bodyPr>
-          <a:lstStyle/>
-          <a:p>
-            <a:r>
-              <a:rPr lang="en-US" sz="1400" b="0" dirty="0" smtClean="0">
-                <a:latin typeface="Tahoma" panose="020B0604030504040204" pitchFamily="34" charset="0"/>
-                <a:ea typeface="Tahoma" panose="020B0604030504040204" pitchFamily="34" charset="0"/>
-                <a:cs typeface="Tahoma" panose="020B0604030504040204" pitchFamily="34" charset="0"/>
-                <a:sym typeface="Arial"/>
-              </a:rPr>
-              <a:t>	</a:t>
-            </a:r>
-            <a:r>
-              <a:rPr lang="en-US" sz="1400" b="0" dirty="0" err="1" smtClean="0">
-                <a:latin typeface="Tahoma" panose="020B0604030504040204" pitchFamily="34" charset="0"/>
-                <a:ea typeface="Tahoma" panose="020B0604030504040204" pitchFamily="34" charset="0"/>
-                <a:cs typeface="Tahoma" panose="020B0604030504040204" pitchFamily="34" charset="0"/>
-                <a:sym typeface="Arial"/>
-              </a:rPr>
-              <a:t>Bảng</a:t>
-            </a:r>
-            <a:r>
-              <a:rPr lang="en-US" sz="1400" b="0" dirty="0" smtClean="0">
-                <a:latin typeface="Tahoma" panose="020B0604030504040204" pitchFamily="34" charset="0"/>
-                <a:ea typeface="Tahoma" panose="020B0604030504040204" pitchFamily="34" charset="0"/>
-                <a:cs typeface="Tahoma" panose="020B0604030504040204" pitchFamily="34" charset="0"/>
-                <a:sym typeface="Arial"/>
-              </a:rPr>
-              <a:t> </a:t>
-            </a:r>
-            <a:r>
-              <a:rPr lang="en-US" sz="1400" dirty="0" err="1" smtClean="0">
-                <a:latin typeface="Tahoma" panose="020B0604030504040204" pitchFamily="34" charset="0"/>
-                <a:ea typeface="Tahoma" panose="020B0604030504040204" pitchFamily="34" charset="0"/>
-                <a:cs typeface="Tahoma" panose="020B0604030504040204" pitchFamily="34" charset="0"/>
-                <a:sym typeface="Arial"/>
-              </a:rPr>
-              <a:t>KhuyenMai</a:t>
-            </a:r>
-            <a:r>
-              <a:rPr lang="en-US" sz="2000" dirty="0"/>
-              <a:t/>
-            </a:r>
-            <a:br>
-              <a:rPr lang="en-US" sz="2000" dirty="0"/>
-            </a:br>
-            <a:endParaRPr lang="en" sz="2000" dirty="0"/>
-          </a:p>
-        </p:txBody>
-      </p:sp>
-      <p:sp>
-        <p:nvSpPr>
-          <p:cNvPr id="3" name="TextBox 2"/>
-          <p:cNvSpPr txBox="1"/>
-          <p:nvPr/>
-        </p:nvSpPr>
-        <p:spPr>
-          <a:xfrm>
-            <a:off x="934130" y="2847886"/>
-            <a:ext cx="6022930" cy="1938992"/>
-          </a:xfrm>
-          <a:prstGeom prst="rect">
-            <a:avLst/>
-          </a:prstGeom>
-          <a:noFill/>
-        </p:spPr>
-        <p:txBody>
-          <a:bodyPr wrap="square" rtlCol="0">
-            <a:spAutoFit/>
-          </a:bodyPr>
-          <a:lstStyle/>
-          <a:p>
-            <a:r>
-              <a:rPr lang="en-US" sz="1200" dirty="0">
-                <a:latin typeface="Consolas" panose="020B0609020204030204" pitchFamily="49" charset="0"/>
-              </a:rPr>
-              <a:t>CREATE TABLE </a:t>
-            </a:r>
-            <a:r>
-              <a:rPr lang="en-US" sz="1200" dirty="0" err="1" smtClean="0">
-                <a:latin typeface="Consolas" panose="020B0609020204030204" pitchFamily="49" charset="0"/>
-              </a:rPr>
-              <a:t>KhuyenMai</a:t>
-            </a:r>
-            <a:endParaRPr lang="en-US" sz="1200" dirty="0">
-              <a:latin typeface="Consolas" panose="020B0609020204030204" pitchFamily="49" charset="0"/>
-            </a:endParaRPr>
-          </a:p>
-          <a:p>
-            <a:r>
-              <a:rPr lang="en-US" sz="1200" dirty="0">
-                <a:latin typeface="Consolas" panose="020B0609020204030204" pitchFamily="49" charset="0"/>
-              </a:rPr>
-              <a:t>(</a:t>
-            </a:r>
-          </a:p>
-          <a:p>
-            <a:pPr marL="119063"/>
-            <a:r>
-              <a:rPr lang="en-US" sz="1200" dirty="0" err="1" smtClean="0">
-                <a:latin typeface="Consolas" panose="020B0609020204030204" pitchFamily="49" charset="0"/>
-              </a:rPr>
-              <a:t>makm</a:t>
-            </a:r>
-            <a:r>
-              <a:rPr lang="en-US" sz="1200" dirty="0" smtClean="0">
-                <a:latin typeface="Consolas" panose="020B0609020204030204" pitchFamily="49" charset="0"/>
-              </a:rPr>
-              <a:t> 		INT </a:t>
-            </a:r>
-            <a:r>
-              <a:rPr lang="en-US" sz="1200" dirty="0">
-                <a:latin typeface="Consolas" panose="020B0609020204030204" pitchFamily="49" charset="0"/>
-              </a:rPr>
-              <a:t>IDENTITY(1,1) PRIMARY KEY,</a:t>
-            </a:r>
-          </a:p>
-          <a:p>
-            <a:pPr marL="119063"/>
-            <a:r>
-              <a:rPr lang="en-US" sz="1200" dirty="0" err="1" smtClean="0">
-                <a:latin typeface="Consolas" panose="020B0609020204030204" pitchFamily="49" charset="0"/>
-              </a:rPr>
-              <a:t>maseri</a:t>
-            </a:r>
-            <a:r>
-              <a:rPr lang="en-US" sz="1200" dirty="0" smtClean="0">
-                <a:latin typeface="Consolas" panose="020B0609020204030204" pitchFamily="49" charset="0"/>
-              </a:rPr>
-              <a:t> 		</a:t>
-            </a:r>
-            <a:r>
-              <a:rPr lang="en-US" sz="1200" dirty="0" err="1" smtClean="0">
-                <a:latin typeface="Consolas" panose="020B0609020204030204" pitchFamily="49" charset="0"/>
-              </a:rPr>
-              <a:t>NCHAR</a:t>
-            </a:r>
-            <a:r>
-              <a:rPr lang="en-US" sz="1200" dirty="0" smtClean="0">
-                <a:latin typeface="Consolas" panose="020B0609020204030204" pitchFamily="49" charset="0"/>
-              </a:rPr>
-              <a:t>(10) not null,</a:t>
-            </a:r>
-            <a:endParaRPr lang="en-US" sz="1200" dirty="0">
-              <a:latin typeface="Consolas" panose="020B0609020204030204" pitchFamily="49" charset="0"/>
-            </a:endParaRPr>
-          </a:p>
-          <a:p>
-            <a:pPr marL="119063"/>
-            <a:r>
-              <a:rPr lang="en-US" sz="1200" dirty="0" err="1" smtClean="0">
-                <a:latin typeface="Consolas" panose="020B0609020204030204" pitchFamily="49" charset="0"/>
-              </a:rPr>
-              <a:t>ngaybatdau</a:t>
-            </a:r>
-            <a:r>
-              <a:rPr lang="en-US" sz="1200" dirty="0" smtClean="0">
-                <a:latin typeface="Consolas" panose="020B0609020204030204" pitchFamily="49" charset="0"/>
-              </a:rPr>
-              <a:t> 	</a:t>
-            </a:r>
-            <a:r>
-              <a:rPr lang="en-US" sz="1200" dirty="0" err="1" smtClean="0">
-                <a:latin typeface="Consolas" panose="020B0609020204030204" pitchFamily="49" charset="0"/>
-              </a:rPr>
-              <a:t>DATETIME</a:t>
-            </a:r>
-            <a:r>
-              <a:rPr lang="en-US" sz="1200" dirty="0" smtClean="0">
-                <a:latin typeface="Consolas" panose="020B0609020204030204" pitchFamily="49" charset="0"/>
-              </a:rPr>
-              <a:t> not null,</a:t>
-            </a:r>
-            <a:endParaRPr lang="en-US" sz="1200" dirty="0">
-              <a:latin typeface="Consolas" panose="020B0609020204030204" pitchFamily="49" charset="0"/>
-            </a:endParaRPr>
-          </a:p>
-          <a:p>
-            <a:pPr marL="119063"/>
-            <a:r>
-              <a:rPr lang="en-US" sz="1200" dirty="0" err="1" smtClean="0">
-                <a:latin typeface="Consolas" panose="020B0609020204030204" pitchFamily="49" charset="0"/>
-              </a:rPr>
-              <a:t>ngayketthuc</a:t>
-            </a:r>
-            <a:r>
-              <a:rPr lang="en-US" sz="1200" dirty="0" smtClean="0">
-                <a:latin typeface="Consolas" panose="020B0609020204030204" pitchFamily="49" charset="0"/>
-              </a:rPr>
-              <a:t> 	</a:t>
-            </a:r>
-            <a:r>
-              <a:rPr lang="en-US" sz="1200" dirty="0" err="1" smtClean="0">
-                <a:latin typeface="Consolas" panose="020B0609020204030204" pitchFamily="49" charset="0"/>
-              </a:rPr>
-              <a:t>DATETIME</a:t>
-            </a:r>
-            <a:r>
-              <a:rPr lang="en-US" sz="1200" dirty="0" smtClean="0">
-                <a:latin typeface="Consolas" panose="020B0609020204030204" pitchFamily="49" charset="0"/>
-              </a:rPr>
-              <a:t> not null,</a:t>
-            </a:r>
-            <a:endParaRPr lang="en-US" sz="1200" dirty="0">
-              <a:latin typeface="Consolas" panose="020B0609020204030204" pitchFamily="49" charset="0"/>
-            </a:endParaRPr>
-          </a:p>
-          <a:p>
-            <a:pPr marL="119063"/>
-            <a:r>
-              <a:rPr lang="en-US" sz="1200" dirty="0" err="1" smtClean="0">
-                <a:latin typeface="Consolas" panose="020B0609020204030204" pitchFamily="49" charset="0"/>
-              </a:rPr>
-              <a:t>giatri</a:t>
-            </a:r>
-            <a:r>
-              <a:rPr lang="en-US" sz="1200" dirty="0" smtClean="0">
-                <a:latin typeface="Consolas" panose="020B0609020204030204" pitchFamily="49" charset="0"/>
-              </a:rPr>
-              <a:t> 		INT not null,</a:t>
-            </a:r>
-            <a:endParaRPr lang="en-US" sz="1200" dirty="0">
-              <a:latin typeface="Consolas" panose="020B0609020204030204" pitchFamily="49" charset="0"/>
-            </a:endParaRPr>
-          </a:p>
-          <a:p>
-            <a:r>
-              <a:rPr lang="en-US" sz="1200" dirty="0">
-                <a:latin typeface="Consolas" panose="020B0609020204030204" pitchFamily="49" charset="0"/>
-              </a:rPr>
-              <a:t>)</a:t>
-            </a:r>
-          </a:p>
-          <a:p>
-            <a:r>
-              <a:rPr lang="en-US" sz="1200" dirty="0">
-                <a:latin typeface="Consolas" panose="020B0609020204030204" pitchFamily="49" charset="0"/>
-              </a:rPr>
-              <a:t>GO</a:t>
-            </a:r>
-          </a:p>
-          <a:p>
-            <a:endParaRPr lang="en-US" sz="1200" dirty="0">
-              <a:latin typeface="Consolas" panose="020B0609020204030204" pitchFamily="49" charset="0"/>
-            </a:endParaRPr>
-          </a:p>
-        </p:txBody>
-      </p:sp>
-      <p:pic>
-        <p:nvPicPr>
-          <p:cNvPr id="2" name="Picture 1"/>
-          <p:cNvPicPr>
-            <a:picLocks noChangeAspect="1"/>
-          </p:cNvPicPr>
-          <p:nvPr/>
-        </p:nvPicPr>
-        <p:blipFill rotWithShape="1">
-          <a:blip r:embed="rId3"/>
-          <a:srcRect l="17708" t="9629" r="62187" b="74815"/>
-          <a:stretch/>
-        </p:blipFill>
-        <p:spPr>
-          <a:xfrm>
-            <a:off x="1028700" y="1219833"/>
-            <a:ext cx="3676650" cy="1600200"/>
-          </a:xfrm>
-          <a:prstGeom prst="rect">
-            <a:avLst/>
-          </a:prstGeom>
-        </p:spPr>
-      </p:pic>
-    </p:spTree>
-    <p:extLst>
-      <p:ext uri="{BB962C8B-B14F-4D97-AF65-F5344CB8AC3E}">
-        <p14:creationId xmlns:p14="http://schemas.microsoft.com/office/powerpoint/2010/main" val="283221489"/>
-      </p:ext>
-    </p:extLst>
-  </p:cSld>
-  <p:clrMapOvr>
-    <a:masterClrMapping/>
-  </p:clrMapOvr>
-  <p:timing>
-    <p:tnLst>
-      <p:par>
-        <p:cTn id="1" dur="indefinite" restart="never" nodeType="tmRoot"/>
-      </p:par>
-    </p:tnLst>
-  </p:timing>
-</p:sld>
-</file>
-
-<file path=ppt/slides/slide21.xml><?xml version="1.0" encoding="utf-8"?>
-<p:sld xmlns:a="http://schemas.openxmlformats.org/drawingml/2006/main" xmlns:r="http://schemas.openxmlformats.org/officeDocument/2006/relationships" xmlns:p="http://schemas.openxmlformats.org/presentationml/2006/main">
-  <p:cSld>
-    <p:spTree>
-      <p:nvGrpSpPr>
         <p:cNvPr id="1" name="Shape 317"/>
         <p:cNvGrpSpPr/>
         <p:nvPr/>
@@ -15080,7 +14573,7 @@
             </a:pPr>
             <a:fld id="{00000000-1234-1234-1234-123412341234}" type="slidenum">
               <a:rPr lang="en"/>
-              <a:t>21</a:t>
+              <a:t>20</a:t>
             </a:fld>
             <a:endParaRPr lang="en"/>
           </a:p>
@@ -15124,16 +14617,7 @@
                 <a:cs typeface="Tahoma" panose="020B0604030504040204" pitchFamily="34" charset="0"/>
                 <a:sym typeface="Arial"/>
               </a:rPr>
-              <a:t>	Xin </a:t>
-            </a:r>
-            <a:r>
-              <a:rPr lang="en" sz="4800" dirty="0" smtClean="0">
-                <a:latin typeface="Tahoma" panose="020B0604030504040204" pitchFamily="34" charset="0"/>
-                <a:ea typeface="Tahoma" panose="020B0604030504040204" pitchFamily="34" charset="0"/>
-                <a:cs typeface="Tahoma" panose="020B0604030504040204" pitchFamily="34" charset="0"/>
-                <a:sym typeface="Arial"/>
-              </a:rPr>
-              <a:t>cảm </a:t>
+              <a:t>	Xin cảm </a:t>
             </a:r>
             <a:r>
               <a:rPr lang="en" sz="4800" dirty="0">
@@ -16164,7 +15648,7 @@
         <p:spPr>
           <a:xfrm>
             <a:off x="1013386" y="2233789"/>
-            <a:ext cx="5590161" cy="1938992"/>
+            <a:ext cx="5590161" cy="2308324"/>
           </a:xfrm>
           <a:prstGeom prst="rect">
             <a:avLst/>
@@ -16434,6 +15918,54 @@
                 <a:cs typeface="Tahoma" panose="020B0604030504040204" pitchFamily="34" charset="0"/>
                 <a:sym typeface="Work Sans Light"/>
               </a:rPr>
+              <a:t>, </a:t>
+            </a:r>
+            <a:r>
+              <a:rPr lang="en-US" sz="1600" dirty="0" err="1" smtClean="0">
+                <a:solidFill>
+                  <a:schemeClr val="dk1"/>
+                </a:solidFill>
+                <a:latin typeface="Tahoma" panose="020B0604030504040204" pitchFamily="34" charset="0"/>
+                <a:ea typeface="Tahoma" panose="020B0604030504040204" pitchFamily="34" charset="0"/>
+                <a:cs typeface="Tahoma" panose="020B0604030504040204" pitchFamily="34" charset="0"/>
+                <a:sym typeface="Work Sans Light"/>
+              </a:rPr>
+              <a:t>hủy</a:t>
+            </a:r>
+            <a:r>
+              <a:rPr lang="en-US" sz="1600" dirty="0" smtClean="0">
+                <a:solidFill>
+                  <a:schemeClr val="dk1"/>
+                </a:solidFill>
+                <a:latin typeface="Tahoma" panose="020B0604030504040204" pitchFamily="34" charset="0"/>
+                <a:ea typeface="Tahoma" panose="020B0604030504040204" pitchFamily="34" charset="0"/>
+                <a:cs typeface="Tahoma" panose="020B0604030504040204" pitchFamily="34" charset="0"/>
+                <a:sym typeface="Work Sans Light"/>
+              </a:rPr>
+              <a:t> </a:t>
+            </a:r>
+            <a:r>
+              <a:rPr lang="en-US" sz="1600" dirty="0" err="1" smtClean="0">
+                <a:solidFill>
+                  <a:schemeClr val="dk1"/>
+                </a:solidFill>
+                <a:latin typeface="Tahoma" panose="020B0604030504040204" pitchFamily="34" charset="0"/>
+                <a:ea typeface="Tahoma" panose="020B0604030504040204" pitchFamily="34" charset="0"/>
+                <a:cs typeface="Tahoma" panose="020B0604030504040204" pitchFamily="34" charset="0"/>
+                <a:sym typeface="Work Sans Light"/>
+              </a:rPr>
+              <a:t>vé</a:t>
+            </a:r>
+            <a:r>
+              <a:rPr lang="en-US" sz="1600" dirty="0" smtClean="0">
+                <a:solidFill>
+                  <a:schemeClr val="dk1"/>
+                </a:solidFill>
+                <a:latin typeface="Tahoma" panose="020B0604030504040204" pitchFamily="34" charset="0"/>
+                <a:ea typeface="Tahoma" panose="020B0604030504040204" pitchFamily="34" charset="0"/>
+                <a:cs typeface="Tahoma" panose="020B0604030504040204" pitchFamily="34" charset="0"/>
+                <a:sym typeface="Work Sans Light"/>
+              </a:rPr>
               <a:t> </a:t>
             </a:r>
             <a:r>
@@ -16747,6 +16279,108 @@
                 <a:sym typeface="Work Sans Light"/>
               </a:rPr>
               <a:t>thu</a:t>
+            </a:r>
+            <a:endParaRPr lang="en-US" sz="1600" dirty="0" smtClean="0">
+              <a:solidFill>
+                <a:schemeClr val="dk1"/>
+              </a:solidFill>
+              <a:latin typeface="Tahoma" panose="020B0604030504040204" pitchFamily="34" charset="0"/>
+              <a:ea typeface="Tahoma" panose="020B0604030504040204" pitchFamily="34" charset="0"/>
+              <a:cs typeface="Tahoma" panose="020B0604030504040204" pitchFamily="34" charset="0"/>
+              <a:sym typeface="Work Sans Light"/>
+            </a:endParaRPr>
+          </a:p>
+          <a:p>
+            <a:pPr marL="285750" indent="-285750">
+              <a:lnSpc>
+                <a:spcPct val="150000"/>
+              </a:lnSpc>
+              <a:buFont typeface="Arial" panose="020B0604020202020204" pitchFamily="34" charset="0"/>
+              <a:buChar char="•"/>
+            </a:pPr>
+            <a:r>
+              <a:rPr lang="en-US" sz="1600" dirty="0" err="1" smtClean="0">
+                <a:solidFill>
+                  <a:schemeClr val="dk1"/>
+                </a:solidFill>
+                <a:latin typeface="Tahoma" panose="020B0604030504040204" pitchFamily="34" charset="0"/>
+                <a:ea typeface="Tahoma" panose="020B0604030504040204" pitchFamily="34" charset="0"/>
+                <a:cs typeface="Tahoma" panose="020B0604030504040204" pitchFamily="34" charset="0"/>
+                <a:sym typeface="Work Sans Light"/>
+              </a:rPr>
+              <a:t>Quản</a:t>
+            </a:r>
+            <a:r>
+              <a:rPr lang="en-US" sz="1600" dirty="0" smtClean="0">
+                <a:solidFill>
+                  <a:schemeClr val="dk1"/>
+                </a:solidFill>
+                <a:latin typeface="Tahoma" panose="020B0604030504040204" pitchFamily="34" charset="0"/>
+                <a:ea typeface="Tahoma" panose="020B0604030504040204" pitchFamily="34" charset="0"/>
+                <a:cs typeface="Tahoma" panose="020B0604030504040204" pitchFamily="34" charset="0"/>
+                <a:sym typeface="Work Sans Light"/>
+              </a:rPr>
+              <a:t> </a:t>
+            </a:r>
+            <a:r>
+              <a:rPr lang="en-US" sz="1600" dirty="0" err="1" smtClean="0">
+                <a:solidFill>
+                  <a:schemeClr val="dk1"/>
+                </a:solidFill>
+                <a:latin typeface="Tahoma" panose="020B0604030504040204" pitchFamily="34" charset="0"/>
+                <a:ea typeface="Tahoma" panose="020B0604030504040204" pitchFamily="34" charset="0"/>
+                <a:cs typeface="Tahoma" panose="020B0604030504040204" pitchFamily="34" charset="0"/>
+                <a:sym typeface="Work Sans Light"/>
+              </a:rPr>
+              <a:t>lí</a:t>
+            </a:r>
+            <a:r>
+              <a:rPr lang="en-US" sz="1600" dirty="0" smtClean="0">
+                <a:solidFill>
+                  <a:schemeClr val="dk1"/>
+                </a:solidFill>
+                <a:latin typeface="Tahoma" panose="020B0604030504040204" pitchFamily="34" charset="0"/>
+                <a:ea typeface="Tahoma" panose="020B0604030504040204" pitchFamily="34" charset="0"/>
+                <a:cs typeface="Tahoma" panose="020B0604030504040204" pitchFamily="34" charset="0"/>
+                <a:sym typeface="Work Sans Light"/>
+              </a:rPr>
+              <a:t> </a:t>
+            </a:r>
+            <a:r>
+              <a:rPr lang="en-US" sz="1600" dirty="0" err="1" smtClean="0">
+                <a:solidFill>
+                  <a:schemeClr val="dk1"/>
+                </a:solidFill>
+                <a:latin typeface="Tahoma" panose="020B0604030504040204" pitchFamily="34" charset="0"/>
+                <a:ea typeface="Tahoma" panose="020B0604030504040204" pitchFamily="34" charset="0"/>
+                <a:cs typeface="Tahoma" panose="020B0604030504040204" pitchFamily="34" charset="0"/>
+                <a:sym typeface="Work Sans Light"/>
+              </a:rPr>
+              <a:t>rạp</a:t>
+            </a:r>
+            <a:r>
+              <a:rPr lang="en-US" sz="1600" dirty="0" smtClean="0">
+                <a:solidFill>
+                  <a:schemeClr val="dk1"/>
+                </a:solidFill>
+                <a:latin typeface="Tahoma" panose="020B0604030504040204" pitchFamily="34" charset="0"/>
+                <a:ea typeface="Tahoma" panose="020B0604030504040204" pitchFamily="34" charset="0"/>
+                <a:cs typeface="Tahoma" panose="020B0604030504040204" pitchFamily="34" charset="0"/>
+                <a:sym typeface="Work Sans Light"/>
+              </a:rPr>
+              <a:t> </a:t>
+            </a:r>
+            <a:r>
+              <a:rPr lang="en-US" sz="1600" dirty="0" err="1" smtClean="0">
+                <a:solidFill>
+                  <a:schemeClr val="dk1"/>
+                </a:solidFill>
+                <a:latin typeface="Tahoma" panose="020B0604030504040204" pitchFamily="34" charset="0"/>
+                <a:ea typeface="Tahoma" panose="020B0604030504040204" pitchFamily="34" charset="0"/>
+                <a:cs typeface="Tahoma" panose="020B0604030504040204" pitchFamily="34" charset="0"/>
+                <a:sym typeface="Work Sans Light"/>
+              </a:rPr>
+              <a:t>phim</a:t>
             </a:r>
             <a:endParaRPr lang="en-US" sz="1600" dirty="0">
               <a:solidFill>
@@ -18723,7 +18357,7 @@
                 <a:cs typeface="Tahoma" panose="020B0604030504040204" pitchFamily="34" charset="0"/>
                 <a:sym typeface="Work Sans Light"/>
               </a:rPr>
-              <a:t>ghế</a:t>
+              <a:t>thường</a:t>
             </a:r>
             <a:r>
               <a:rPr lang="en-US" dirty="0" smtClean="0">
@@ -18738,18 +18372,6 @@
               <a:t> </a:t>
             </a:r>
             <a:r>
-              <a:rPr lang="en-US" dirty="0" err="1" smtClean="0">
-                <a:solidFill>
-                  <a:schemeClr val="dk1"/>
-                </a:solidFill>
-                <a:latin typeface="Tahoma" panose="020B0604030504040204" pitchFamily="34" charset="0"/>
-                <a:ea typeface="Tahoma" panose="020B0604030504040204" pitchFamily="34" charset="0"/>
-                <a:cs typeface="Tahoma" panose="020B0604030504040204" pitchFamily="34" charset="0"/>
-                <a:sym typeface="Work Sans Light"/>
-              </a:rPr>
-              <a:t>thường</a:t>
-            </a:r>
-            <a:r>
               <a:rPr lang="en-US" dirty="0" smtClean="0">
                 <a:solidFill>
                   <a:schemeClr val="dk1"/>
@@ -18759,7 +18381,7 @@
                 <a:cs typeface="Tahoma" panose="020B0604030504040204" pitchFamily="34" charset="0"/>
                 <a:sym typeface="Work Sans Light"/>
               </a:rPr>
-              <a:t> – </a:t>
+              <a:t>– </a:t>
             </a:r>
             <a:r>
               <a:rPr lang="en-US" dirty="0" err="1" smtClean="0">
@@ -18809,18 +18431,6 @@
               <a:t> </a:t>
             </a:r>
             <a:r>
-              <a:rPr lang="en-US" dirty="0" err="1" smtClean="0">
-                <a:solidFill>
-                  <a:schemeClr val="dk1"/>
-                </a:solidFill>
-                <a:latin typeface="Tahoma" panose="020B0604030504040204" pitchFamily="34" charset="0"/>
-                <a:ea typeface="Tahoma" panose="020B0604030504040204" pitchFamily="34" charset="0"/>
-                <a:cs typeface="Tahoma" panose="020B0604030504040204" pitchFamily="34" charset="0"/>
-                <a:sym typeface="Work Sans Light"/>
-              </a:rPr>
-              <a:t>ghế</a:t>
-            </a:r>
-            <a:r>
               <a:rPr lang="en-US" dirty="0" smtClean="0">
                 <a:solidFill>
                   <a:schemeClr val="dk1"/>
@@ -18830,7 +18440,19 @@
                 <a:cs typeface="Tahoma" panose="020B0604030504040204" pitchFamily="34" charset="0"/>
                 <a:sym typeface="Work Sans Light"/>
               </a:rPr>
-              <a:t> VIP – </a:t>
+              <a:t>VIP </a:t>
+            </a:r>
+            <a:r>
+              <a:rPr lang="en-US" dirty="0" smtClean="0">
+                <a:solidFill>
+                  <a:schemeClr val="dk1"/>
+                </a:solidFill>
+                <a:latin typeface="Tahoma" panose="020B0604030504040204" pitchFamily="34" charset="0"/>
+                <a:ea typeface="Tahoma" panose="020B0604030504040204" pitchFamily="34" charset="0"/>
+                <a:cs typeface="Tahoma" panose="020B0604030504040204" pitchFamily="34" charset="0"/>
+                <a:sym typeface="Work Sans Light"/>
+              </a:rPr>
+              <a:t>– </a:t>
             </a:r>
             <a:r>
               <a:rPr lang="en-US" dirty="0" err="1" smtClean="0">
@@ -18864,8 +18486,8 @@
         </p:nvSpPr>
         <p:spPr>
           <a:xfrm>
-            <a:off x="3680460" y="758508"/>
-            <a:ext cx="5175415" cy="4508927"/>
+            <a:off x="3403600" y="758508"/>
+            <a:ext cx="5452275" cy="4231928"/>
           </a:xfrm>
           <a:prstGeom prst="rect">
             <a:avLst/>
@@ -19139,7 +18761,7 @@
                 <a:cs typeface="Tahoma" panose="020B0604030504040204" pitchFamily="34" charset="0"/>
                 <a:sym typeface="Work Sans Light"/>
               </a:rPr>
-              <a:t>ghế</a:t>
+              <a:t>vé</a:t>
             </a:r>
             <a:r>
               <a:rPr lang="en-US" b="1" dirty="0" smtClean="0">
@@ -19256,7 +18878,7 @@
               <a:t> online </a:t>
             </a:r>
             <a:r>
-              <a:rPr lang="en-US" dirty="0" err="1" smtClean="0">
+              <a:rPr lang="en-US" b="1" dirty="0" err="1" smtClean="0">
                 <a:solidFill>
                   <a:schemeClr val="dk1"/>
                 </a:solidFill>
@@ -19268,7 +18890,7 @@
               <a:t>thanh</a:t>
             </a:r>
             <a:r>
-              <a:rPr lang="en-US" dirty="0" smtClean="0">
+              <a:rPr lang="en-US" b="1" dirty="0" smtClean="0">
                 <a:solidFill>
                   <a:schemeClr val="dk1"/>
                 </a:solidFill>
@@ -19280,7 +18902,7 @@
               <a:t> </a:t>
             </a:r>
             <a:r>
-              <a:rPr lang="en-US" dirty="0" err="1" smtClean="0">
+              <a:rPr lang="en-US" b="1" dirty="0" err="1" smtClean="0">
                 <a:solidFill>
                   <a:schemeClr val="dk1"/>
                 </a:solidFill>
@@ -19292,7 +18914,7 @@
               <a:t>toán</a:t>
             </a:r>
             <a:r>
-              <a:rPr lang="en-US" dirty="0" smtClean="0">
+              <a:rPr lang="en-US" b="1" dirty="0" smtClean="0">
                 <a:solidFill>
                   <a:schemeClr val="dk1"/>
                 </a:solidFill>
@@ -19883,19 +19505,7 @@
                 <a:cs typeface="Tahoma" panose="020B0604030504040204" pitchFamily="34" charset="0"/>
                 <a:sym typeface="Work Sans Light"/>
               </a:rPr>
-              <a:t> </a:t>
-            </a:r>
-            <a:r>
-              <a:rPr lang="en-US" dirty="0" smtClean="0">
-                <a:solidFill>
-                  <a:schemeClr val="dk1"/>
-                </a:solidFill>
-                <a:latin typeface="Tahoma" panose="020B0604030504040204" pitchFamily="34" charset="0"/>
-                <a:ea typeface="Tahoma" panose="020B0604030504040204" pitchFamily="34" charset="0"/>
-                <a:cs typeface="Tahoma" panose="020B0604030504040204" pitchFamily="34" charset="0"/>
-                <a:sym typeface="Work Sans Light"/>
-              </a:rPr>
-              <a:t>available </a:t>
+              <a:t> available </a:t>
             </a:r>
             <a:r>
               <a:rPr lang="en-US" dirty="0" err="1" smtClean="0">
@@ -22003,7 +21613,7 @@
         </p:nvSpPr>
         <p:spPr>
           <a:xfrm>
-            <a:off x="5676894" y="2352032"/>
+            <a:off x="5662896" y="2232942"/>
             <a:ext cx="1527982" cy="307777"/>
           </a:xfrm>
           <a:prstGeom prst="rect">
@@ -22049,7 +21659,7 @@
         </p:nvSpPr>
         <p:spPr>
           <a:xfrm>
-            <a:off x="7709227" y="2363166"/>
+            <a:off x="7631138" y="2377563"/>
             <a:ext cx="400110" cy="1216039"/>
           </a:xfrm>
           <a:prstGeom prst="rect">
@@ -22504,7 +22114,7 @@
         <p:spPr>
           <a:xfrm>
             <a:off x="731126" y="1707155"/>
-            <a:ext cx="6649388" cy="411459"/>
+            <a:ext cx="6649388" cy="461665"/>
           </a:xfrm>
           <a:prstGeom prst="rect">
             <a:avLst/>
@@ -22602,7 +22212,55 @@
                 <a:ea typeface="Tahoma" panose="020B0604030504040204" pitchFamily="34" charset="0"/>
                 <a:cs typeface="Tahoma" panose="020B0604030504040204" pitchFamily="34" charset="0"/>
               </a:rPr>
-              <a:t> username </a:t>
+              <a:t> </a:t>
+            </a:r>
+            <a:r>
+              <a:rPr lang="en-US" sz="1600" dirty="0" err="1" smtClean="0">
+                <a:latin typeface="Tahoma" panose="020B0604030504040204" pitchFamily="34" charset="0"/>
+                <a:ea typeface="Tahoma" panose="020B0604030504040204" pitchFamily="34" charset="0"/>
+                <a:cs typeface="Tahoma" panose="020B0604030504040204" pitchFamily="34" charset="0"/>
+              </a:rPr>
+              <a:t>số</a:t>
+            </a:r>
+            <a:r>
+              <a:rPr lang="en-US" sz="1600" dirty="0" smtClean="0">
+                <a:latin typeface="Tahoma" panose="020B0604030504040204" pitchFamily="34" charset="0"/>
+                <a:ea typeface="Tahoma" panose="020B0604030504040204" pitchFamily="34" charset="0"/>
+                <a:cs typeface="Tahoma" panose="020B0604030504040204" pitchFamily="34" charset="0"/>
+              </a:rPr>
+              <a:t> </a:t>
+            </a:r>
+            <a:r>
+              <a:rPr lang="en-US" sz="1600" dirty="0" err="1" smtClean="0">
+                <a:latin typeface="Tahoma" panose="020B0604030504040204" pitchFamily="34" charset="0"/>
+                <a:ea typeface="Tahoma" panose="020B0604030504040204" pitchFamily="34" charset="0"/>
+                <a:cs typeface="Tahoma" panose="020B0604030504040204" pitchFamily="34" charset="0"/>
+              </a:rPr>
+              <a:t>điện</a:t>
+            </a:r>
+            <a:r>
+              <a:rPr lang="en-US" sz="1600" dirty="0" smtClean="0">
+                <a:latin typeface="Tahoma" panose="020B0604030504040204" pitchFamily="34" charset="0"/>
+                <a:ea typeface="Tahoma" panose="020B0604030504040204" pitchFamily="34" charset="0"/>
+                <a:cs typeface="Tahoma" panose="020B0604030504040204" pitchFamily="34" charset="0"/>
+              </a:rPr>
+              <a:t> </a:t>
+            </a:r>
+            <a:r>
+              <a:rPr lang="en-US" sz="1600" dirty="0" err="1" smtClean="0">
+                <a:latin typeface="Tahoma" panose="020B0604030504040204" pitchFamily="34" charset="0"/>
+                <a:ea typeface="Tahoma" panose="020B0604030504040204" pitchFamily="34" charset="0"/>
+                <a:cs typeface="Tahoma" panose="020B0604030504040204" pitchFamily="34" charset="0"/>
+              </a:rPr>
+              <a:t>thoại</a:t>
+            </a:r>
+            <a:r>
+              <a:rPr lang="en-US" sz="1600" dirty="0" smtClean="0">
+                <a:latin typeface="Tahoma" panose="020B0604030504040204" pitchFamily="34" charset="0"/>
+                <a:ea typeface="Tahoma" panose="020B0604030504040204" pitchFamily="34" charset="0"/>
+                <a:cs typeface="Tahoma" panose="020B0604030504040204" pitchFamily="34" charset="0"/>
+              </a:rPr>
+              <a:t> </a:t>
             </a:r>
             <a:r>
               <a:rPr lang="en-US" sz="1600" dirty="0" err="1" smtClean="0">

--- a/Database/Report/CSDL.pptx
+++ b/Database/Report/CSDL.pptx
@@ -5,7 +5,7 @@
     <p:sldMasterId id="2147483689" r:id="rId1"/>
   </p:sldMasterIdLst>
   <p:notesMasterIdLst>
-    <p:notesMasterId r:id="rId22"/>
+    <p:notesMasterId r:id="rId28"/>
   </p:notesMasterIdLst>
   <p:sldIdLst>
     <p:sldId id="256" r:id="rId2"/>
@@ -27,7 +27,13 @@
     <p:sldId id="308" r:id="rId18"/>
     <p:sldId id="307" r:id="rId19"/>
     <p:sldId id="312" r:id="rId20"/>
-    <p:sldId id="296" r:id="rId21"/>
+    <p:sldId id="322" r:id="rId21"/>
+    <p:sldId id="324" r:id="rId22"/>
+    <p:sldId id="326" r:id="rId23"/>
+    <p:sldId id="327" r:id="rId24"/>
+    <p:sldId id="328" r:id="rId25"/>
+    <p:sldId id="329" r:id="rId26"/>
+    <p:sldId id="296" r:id="rId27"/>
   </p:sldIdLst>
   <p:sldSz cx="9144000" cy="5143500" type="screen16x9"/>
   <p:notesSz cx="6858000" cy="9144000"/>
@@ -1258,7 +1264,7 @@
   <p:cSld>
     <p:spTree>
       <p:nvGrpSpPr>
-        <p:cNvPr id="1" name="Shape 314"/>
+        <p:cNvPr id="1" name="Shape 65"/>
         <p:cNvGrpSpPr/>
         <p:nvPr/>
       </p:nvGrpSpPr>
@@ -1272,7 +1278,7 @@
       </p:grpSpPr>
       <p:sp>
         <p:nvSpPr>
-          <p:cNvPr id="315" name="Shape 315"/>
+          <p:cNvPr id="66" name="Shape 66"/>
           <p:cNvSpPr>
             <a:spLocks noGrp="1" noRot="1" noChangeAspect="1"/>
           </p:cNvSpPr>
@@ -1313,7 +1319,7 @@
       </p:sp>
       <p:sp>
         <p:nvSpPr>
-          <p:cNvPr id="316" name="Shape 316"/>
+          <p:cNvPr id="67" name="Shape 67"/>
           <p:cNvSpPr txBox="1">
             <a:spLocks noGrp="1"/>
           </p:cNvSpPr>
@@ -1349,7 +1355,219 @@
     </p:spTree>
     <p:extLst>
       <p:ext uri="{BB962C8B-B14F-4D97-AF65-F5344CB8AC3E}">
-        <p14:creationId xmlns:p14="http://schemas.microsoft.com/office/powerpoint/2010/main" val="2961563621"/>
+        <p14:creationId xmlns:p14="http://schemas.microsoft.com/office/powerpoint/2010/main" val="125980429"/>
+      </p:ext>
+    </p:extLst>
+  </p:cSld>
+  <p:clrMapOvr>
+    <a:masterClrMapping/>
+  </p:clrMapOvr>
+</p:notes>
+</file>
+
+<file path=ppt/notesSlides/notesSlide18.xml><?xml version="1.0" encoding="utf-8"?>
+<p:notes xmlns:a="http://schemas.openxmlformats.org/drawingml/2006/main" xmlns:r="http://schemas.openxmlformats.org/officeDocument/2006/relationships" xmlns:p="http://schemas.openxmlformats.org/presentationml/2006/main" showMasterSp="0" showMasterPhAnim="0">
+  <p:cSld>
+    <p:spTree>
+      <p:nvGrpSpPr>
+        <p:cNvPr id="1" name="Shape 65"/>
+        <p:cNvGrpSpPr/>
+        <p:nvPr/>
+      </p:nvGrpSpPr>
+      <p:grpSpPr>
+        <a:xfrm>
+          <a:off x="0" y="0"/>
+          <a:ext cx="0" cy="0"/>
+          <a:chOff x="0" y="0"/>
+          <a:chExt cx="0" cy="0"/>
+        </a:xfrm>
+      </p:grpSpPr>
+      <p:sp>
+        <p:nvSpPr>
+          <p:cNvPr id="66" name="Shape 66"/>
+          <p:cNvSpPr>
+            <a:spLocks noGrp="1" noRot="1" noChangeAspect="1"/>
+          </p:cNvSpPr>
+          <p:nvPr>
+            <p:ph type="sldImg" idx="2"/>
+          </p:nvPr>
+        </p:nvSpPr>
+        <p:spPr>
+          <a:xfrm>
+            <a:off x="381000" y="685800"/>
+            <a:ext cx="6096000" cy="3429000"/>
+          </a:xfrm>
+          <a:custGeom>
+            <a:avLst/>
+            <a:gdLst/>
+            <a:ahLst/>
+            <a:cxnLst/>
+            <a:rect l="0" t="0" r="0" b="0"/>
+            <a:pathLst>
+              <a:path w="120000" h="120000" extrusionOk="0">
+                <a:moveTo>
+                  <a:pt x="0" y="0"/>
+                </a:moveTo>
+                <a:lnTo>
+                  <a:pt x="120000" y="0"/>
+                </a:lnTo>
+                <a:lnTo>
+                  <a:pt x="120000" y="120000"/>
+                </a:lnTo>
+                <a:lnTo>
+                  <a:pt x="0" y="120000"/>
+                </a:lnTo>
+                <a:close/>
+              </a:path>
+            </a:pathLst>
+          </a:custGeom>
+        </p:spPr>
+      </p:sp>
+      <p:sp>
+        <p:nvSpPr>
+          <p:cNvPr id="67" name="Shape 67"/>
+          <p:cNvSpPr txBox="1">
+            <a:spLocks noGrp="1"/>
+          </p:cNvSpPr>
+          <p:nvPr>
+            <p:ph type="body" idx="1"/>
+          </p:nvPr>
+        </p:nvSpPr>
+        <p:spPr>
+          <a:xfrm>
+            <a:off x="685800" y="4343400"/>
+            <a:ext cx="5486400" cy="4114800"/>
+          </a:xfrm>
+          <a:prstGeom prst="rect">
+            <a:avLst/>
+          </a:prstGeom>
+        </p:spPr>
+        <p:txBody>
+          <a:bodyPr wrap="square" lIns="91425" tIns="91425" rIns="91425" bIns="91425" anchor="t" anchorCtr="0">
+            <a:noAutofit/>
+          </a:bodyPr>
+          <a:lstStyle/>
+          <a:p>
+            <a:pPr lvl="0">
+              <a:spcBef>
+                <a:spcPts val="0"/>
+              </a:spcBef>
+              <a:buNone/>
+            </a:pPr>
+            <a:endParaRPr/>
+          </a:p>
+        </p:txBody>
+      </p:sp>
+    </p:spTree>
+    <p:extLst>
+      <p:ext uri="{BB962C8B-B14F-4D97-AF65-F5344CB8AC3E}">
+        <p14:creationId xmlns:p14="http://schemas.microsoft.com/office/powerpoint/2010/main" val="2943280659"/>
+      </p:ext>
+    </p:extLst>
+  </p:cSld>
+  <p:clrMapOvr>
+    <a:masterClrMapping/>
+  </p:clrMapOvr>
+</p:notes>
+</file>
+
+<file path=ppt/notesSlides/notesSlide19.xml><?xml version="1.0" encoding="utf-8"?>
+<p:notes xmlns:a="http://schemas.openxmlformats.org/drawingml/2006/main" xmlns:r="http://schemas.openxmlformats.org/officeDocument/2006/relationships" xmlns:p="http://schemas.openxmlformats.org/presentationml/2006/main" showMasterSp="0" showMasterPhAnim="0">
+  <p:cSld>
+    <p:spTree>
+      <p:nvGrpSpPr>
+        <p:cNvPr id="1" name="Shape 65"/>
+        <p:cNvGrpSpPr/>
+        <p:nvPr/>
+      </p:nvGrpSpPr>
+      <p:grpSpPr>
+        <a:xfrm>
+          <a:off x="0" y="0"/>
+          <a:ext cx="0" cy="0"/>
+          <a:chOff x="0" y="0"/>
+          <a:chExt cx="0" cy="0"/>
+        </a:xfrm>
+      </p:grpSpPr>
+      <p:sp>
+        <p:nvSpPr>
+          <p:cNvPr id="66" name="Shape 66"/>
+          <p:cNvSpPr>
+            <a:spLocks noGrp="1" noRot="1" noChangeAspect="1"/>
+          </p:cNvSpPr>
+          <p:nvPr>
+            <p:ph type="sldImg" idx="2"/>
+          </p:nvPr>
+        </p:nvSpPr>
+        <p:spPr>
+          <a:xfrm>
+            <a:off x="381000" y="685800"/>
+            <a:ext cx="6096000" cy="3429000"/>
+          </a:xfrm>
+          <a:custGeom>
+            <a:avLst/>
+            <a:gdLst/>
+            <a:ahLst/>
+            <a:cxnLst/>
+            <a:rect l="0" t="0" r="0" b="0"/>
+            <a:pathLst>
+              <a:path w="120000" h="120000" extrusionOk="0">
+                <a:moveTo>
+                  <a:pt x="0" y="0"/>
+                </a:moveTo>
+                <a:lnTo>
+                  <a:pt x="120000" y="0"/>
+                </a:lnTo>
+                <a:lnTo>
+                  <a:pt x="120000" y="120000"/>
+                </a:lnTo>
+                <a:lnTo>
+                  <a:pt x="0" y="120000"/>
+                </a:lnTo>
+                <a:close/>
+              </a:path>
+            </a:pathLst>
+          </a:custGeom>
+        </p:spPr>
+      </p:sp>
+      <p:sp>
+        <p:nvSpPr>
+          <p:cNvPr id="67" name="Shape 67"/>
+          <p:cNvSpPr txBox="1">
+            <a:spLocks noGrp="1"/>
+          </p:cNvSpPr>
+          <p:nvPr>
+            <p:ph type="body" idx="1"/>
+          </p:nvPr>
+        </p:nvSpPr>
+        <p:spPr>
+          <a:xfrm>
+            <a:off x="685800" y="4343400"/>
+            <a:ext cx="5486400" cy="4114800"/>
+          </a:xfrm>
+          <a:prstGeom prst="rect">
+            <a:avLst/>
+          </a:prstGeom>
+        </p:spPr>
+        <p:txBody>
+          <a:bodyPr wrap="square" lIns="91425" tIns="91425" rIns="91425" bIns="91425" anchor="t" anchorCtr="0">
+            <a:noAutofit/>
+          </a:bodyPr>
+          <a:lstStyle/>
+          <a:p>
+            <a:pPr lvl="0">
+              <a:spcBef>
+                <a:spcPts val="0"/>
+              </a:spcBef>
+              <a:buNone/>
+            </a:pPr>
+            <a:endParaRPr/>
+          </a:p>
+        </p:txBody>
+      </p:sp>
+    </p:spTree>
+    <p:extLst>
+      <p:ext uri="{BB962C8B-B14F-4D97-AF65-F5344CB8AC3E}">
+        <p14:creationId xmlns:p14="http://schemas.microsoft.com/office/powerpoint/2010/main" val="2098003977"/>
       </p:ext>
     </p:extLst>
   </p:cSld>
@@ -1456,6 +1674,324 @@
     <p:extLst>
       <p:ext uri="{BB962C8B-B14F-4D97-AF65-F5344CB8AC3E}">
         <p14:creationId xmlns:p14="http://schemas.microsoft.com/office/powerpoint/2010/main" val="3397361895"/>
+      </p:ext>
+    </p:extLst>
+  </p:cSld>
+  <p:clrMapOvr>
+    <a:masterClrMapping/>
+  </p:clrMapOvr>
+</p:notes>
+</file>
+
+<file path=ppt/notesSlides/notesSlide20.xml><?xml version="1.0" encoding="utf-8"?>
+<p:notes xmlns:a="http://schemas.openxmlformats.org/drawingml/2006/main" xmlns:r="http://schemas.openxmlformats.org/officeDocument/2006/relationships" xmlns:p="http://schemas.openxmlformats.org/presentationml/2006/main" showMasterSp="0" showMasterPhAnim="0">
+  <p:cSld>
+    <p:spTree>
+      <p:nvGrpSpPr>
+        <p:cNvPr id="1" name="Shape 65"/>
+        <p:cNvGrpSpPr/>
+        <p:nvPr/>
+      </p:nvGrpSpPr>
+      <p:grpSpPr>
+        <a:xfrm>
+          <a:off x="0" y="0"/>
+          <a:ext cx="0" cy="0"/>
+          <a:chOff x="0" y="0"/>
+          <a:chExt cx="0" cy="0"/>
+        </a:xfrm>
+      </p:grpSpPr>
+      <p:sp>
+        <p:nvSpPr>
+          <p:cNvPr id="66" name="Shape 66"/>
+          <p:cNvSpPr>
+            <a:spLocks noGrp="1" noRot="1" noChangeAspect="1"/>
+          </p:cNvSpPr>
+          <p:nvPr>
+            <p:ph type="sldImg" idx="2"/>
+          </p:nvPr>
+        </p:nvSpPr>
+        <p:spPr>
+          <a:xfrm>
+            <a:off x="381000" y="685800"/>
+            <a:ext cx="6096000" cy="3429000"/>
+          </a:xfrm>
+          <a:custGeom>
+            <a:avLst/>
+            <a:gdLst/>
+            <a:ahLst/>
+            <a:cxnLst/>
+            <a:rect l="0" t="0" r="0" b="0"/>
+            <a:pathLst>
+              <a:path w="120000" h="120000" extrusionOk="0">
+                <a:moveTo>
+                  <a:pt x="0" y="0"/>
+                </a:moveTo>
+                <a:lnTo>
+                  <a:pt x="120000" y="0"/>
+                </a:lnTo>
+                <a:lnTo>
+                  <a:pt x="120000" y="120000"/>
+                </a:lnTo>
+                <a:lnTo>
+                  <a:pt x="0" y="120000"/>
+                </a:lnTo>
+                <a:close/>
+              </a:path>
+            </a:pathLst>
+          </a:custGeom>
+        </p:spPr>
+      </p:sp>
+      <p:sp>
+        <p:nvSpPr>
+          <p:cNvPr id="67" name="Shape 67"/>
+          <p:cNvSpPr txBox="1">
+            <a:spLocks noGrp="1"/>
+          </p:cNvSpPr>
+          <p:nvPr>
+            <p:ph type="body" idx="1"/>
+          </p:nvPr>
+        </p:nvSpPr>
+        <p:spPr>
+          <a:xfrm>
+            <a:off x="685800" y="4343400"/>
+            <a:ext cx="5486400" cy="4114800"/>
+          </a:xfrm>
+          <a:prstGeom prst="rect">
+            <a:avLst/>
+          </a:prstGeom>
+        </p:spPr>
+        <p:txBody>
+          <a:bodyPr wrap="square" lIns="91425" tIns="91425" rIns="91425" bIns="91425" anchor="t" anchorCtr="0">
+            <a:noAutofit/>
+          </a:bodyPr>
+          <a:lstStyle/>
+          <a:p>
+            <a:pPr lvl="0">
+              <a:spcBef>
+                <a:spcPts val="0"/>
+              </a:spcBef>
+              <a:buNone/>
+            </a:pPr>
+            <a:endParaRPr dirty="0"/>
+          </a:p>
+        </p:txBody>
+      </p:sp>
+    </p:spTree>
+    <p:extLst>
+      <p:ext uri="{BB962C8B-B14F-4D97-AF65-F5344CB8AC3E}">
+        <p14:creationId xmlns:p14="http://schemas.microsoft.com/office/powerpoint/2010/main" val="1163282813"/>
+      </p:ext>
+    </p:extLst>
+  </p:cSld>
+  <p:clrMapOvr>
+    <a:masterClrMapping/>
+  </p:clrMapOvr>
+</p:notes>
+</file>
+
+<file path=ppt/notesSlides/notesSlide21.xml><?xml version="1.0" encoding="utf-8"?>
+<p:notes xmlns:a="http://schemas.openxmlformats.org/drawingml/2006/main" xmlns:r="http://schemas.openxmlformats.org/officeDocument/2006/relationships" xmlns:p="http://schemas.openxmlformats.org/presentationml/2006/main" showMasterSp="0" showMasterPhAnim="0">
+  <p:cSld>
+    <p:spTree>
+      <p:nvGrpSpPr>
+        <p:cNvPr id="1" name="Shape 65"/>
+        <p:cNvGrpSpPr/>
+        <p:nvPr/>
+      </p:nvGrpSpPr>
+      <p:grpSpPr>
+        <a:xfrm>
+          <a:off x="0" y="0"/>
+          <a:ext cx="0" cy="0"/>
+          <a:chOff x="0" y="0"/>
+          <a:chExt cx="0" cy="0"/>
+        </a:xfrm>
+      </p:grpSpPr>
+      <p:sp>
+        <p:nvSpPr>
+          <p:cNvPr id="66" name="Shape 66"/>
+          <p:cNvSpPr>
+            <a:spLocks noGrp="1" noRot="1" noChangeAspect="1"/>
+          </p:cNvSpPr>
+          <p:nvPr>
+            <p:ph type="sldImg" idx="2"/>
+          </p:nvPr>
+        </p:nvSpPr>
+        <p:spPr>
+          <a:xfrm>
+            <a:off x="381000" y="685800"/>
+            <a:ext cx="6096000" cy="3429000"/>
+          </a:xfrm>
+          <a:custGeom>
+            <a:avLst/>
+            <a:gdLst/>
+            <a:ahLst/>
+            <a:cxnLst/>
+            <a:rect l="0" t="0" r="0" b="0"/>
+            <a:pathLst>
+              <a:path w="120000" h="120000" extrusionOk="0">
+                <a:moveTo>
+                  <a:pt x="0" y="0"/>
+                </a:moveTo>
+                <a:lnTo>
+                  <a:pt x="120000" y="0"/>
+                </a:lnTo>
+                <a:lnTo>
+                  <a:pt x="120000" y="120000"/>
+                </a:lnTo>
+                <a:lnTo>
+                  <a:pt x="0" y="120000"/>
+                </a:lnTo>
+                <a:close/>
+              </a:path>
+            </a:pathLst>
+          </a:custGeom>
+        </p:spPr>
+      </p:sp>
+      <p:sp>
+        <p:nvSpPr>
+          <p:cNvPr id="67" name="Shape 67"/>
+          <p:cNvSpPr txBox="1">
+            <a:spLocks noGrp="1"/>
+          </p:cNvSpPr>
+          <p:nvPr>
+            <p:ph type="body" idx="1"/>
+          </p:nvPr>
+        </p:nvSpPr>
+        <p:spPr>
+          <a:xfrm>
+            <a:off x="685800" y="4343400"/>
+            <a:ext cx="5486400" cy="4114800"/>
+          </a:xfrm>
+          <a:prstGeom prst="rect">
+            <a:avLst/>
+          </a:prstGeom>
+        </p:spPr>
+        <p:txBody>
+          <a:bodyPr wrap="square" lIns="91425" tIns="91425" rIns="91425" bIns="91425" anchor="t" anchorCtr="0">
+            <a:noAutofit/>
+          </a:bodyPr>
+          <a:lstStyle/>
+          <a:p>
+            <a:pPr lvl="0">
+              <a:spcBef>
+                <a:spcPts val="0"/>
+              </a:spcBef>
+              <a:buNone/>
+            </a:pPr>
+            <a:endParaRPr dirty="0"/>
+          </a:p>
+        </p:txBody>
+      </p:sp>
+    </p:spTree>
+    <p:extLst>
+      <p:ext uri="{BB962C8B-B14F-4D97-AF65-F5344CB8AC3E}">
+        <p14:creationId xmlns:p14="http://schemas.microsoft.com/office/powerpoint/2010/main" val="3582963876"/>
+      </p:ext>
+    </p:extLst>
+  </p:cSld>
+  <p:clrMapOvr>
+    <a:masterClrMapping/>
+  </p:clrMapOvr>
+</p:notes>
+</file>
+
+<file path=ppt/notesSlides/notesSlide22.xml><?xml version="1.0" encoding="utf-8"?>
+<p:notes xmlns:a="http://schemas.openxmlformats.org/drawingml/2006/main" xmlns:r="http://schemas.openxmlformats.org/officeDocument/2006/relationships" xmlns:p="http://schemas.openxmlformats.org/presentationml/2006/main" showMasterSp="0" showMasterPhAnim="0">
+  <p:cSld>
+    <p:spTree>
+      <p:nvGrpSpPr>
+        <p:cNvPr id="1" name="Shape 314"/>
+        <p:cNvGrpSpPr/>
+        <p:nvPr/>
+      </p:nvGrpSpPr>
+      <p:grpSpPr>
+        <a:xfrm>
+          <a:off x="0" y="0"/>
+          <a:ext cx="0" cy="0"/>
+          <a:chOff x="0" y="0"/>
+          <a:chExt cx="0" cy="0"/>
+        </a:xfrm>
+      </p:grpSpPr>
+      <p:sp>
+        <p:nvSpPr>
+          <p:cNvPr id="315" name="Shape 315"/>
+          <p:cNvSpPr>
+            <a:spLocks noGrp="1" noRot="1" noChangeAspect="1"/>
+          </p:cNvSpPr>
+          <p:nvPr>
+            <p:ph type="sldImg" idx="2"/>
+          </p:nvPr>
+        </p:nvSpPr>
+        <p:spPr>
+          <a:xfrm>
+            <a:off x="381000" y="685800"/>
+            <a:ext cx="6096000" cy="3429000"/>
+          </a:xfrm>
+          <a:custGeom>
+            <a:avLst/>
+            <a:gdLst/>
+            <a:ahLst/>
+            <a:cxnLst/>
+            <a:rect l="0" t="0" r="0" b="0"/>
+            <a:pathLst>
+              <a:path w="120000" h="120000" extrusionOk="0">
+                <a:moveTo>
+                  <a:pt x="0" y="0"/>
+                </a:moveTo>
+                <a:lnTo>
+                  <a:pt x="120000" y="0"/>
+                </a:lnTo>
+                <a:lnTo>
+                  <a:pt x="120000" y="120000"/>
+                </a:lnTo>
+                <a:lnTo>
+                  <a:pt x="0" y="120000"/>
+                </a:lnTo>
+                <a:close/>
+              </a:path>
+            </a:pathLst>
+          </a:custGeom>
+        </p:spPr>
+      </p:sp>
+      <p:sp>
+        <p:nvSpPr>
+          <p:cNvPr id="316" name="Shape 316"/>
+          <p:cNvSpPr txBox="1">
+            <a:spLocks noGrp="1"/>
+          </p:cNvSpPr>
+          <p:nvPr>
+            <p:ph type="body" idx="1"/>
+          </p:nvPr>
+        </p:nvSpPr>
+        <p:spPr>
+          <a:xfrm>
+            <a:off x="685800" y="4343400"/>
+            <a:ext cx="5486400" cy="4114800"/>
+          </a:xfrm>
+          <a:prstGeom prst="rect">
+            <a:avLst/>
+          </a:prstGeom>
+        </p:spPr>
+        <p:txBody>
+          <a:bodyPr wrap="square" lIns="91425" tIns="91425" rIns="91425" bIns="91425" anchor="t" anchorCtr="0">
+            <a:noAutofit/>
+          </a:bodyPr>
+          <a:lstStyle/>
+          <a:p>
+            <a:pPr lvl="0">
+              <a:spcBef>
+                <a:spcPts val="0"/>
+              </a:spcBef>
+              <a:buNone/>
+            </a:pPr>
+            <a:endParaRPr dirty="0"/>
+          </a:p>
+        </p:txBody>
+      </p:sp>
+    </p:spTree>
+    <p:extLst>
+      <p:ext uri="{BB962C8B-B14F-4D97-AF65-F5344CB8AC3E}">
+        <p14:creationId xmlns:p14="http://schemas.microsoft.com/office/powerpoint/2010/main" val="2961563621"/>
       </p:ext>
     </p:extLst>
   </p:cSld>
@@ -3418,9 +3954,9 @@
           <a:p>
             <a:fld id="{95831708-B7EC-472E-8C66-3209387C6512}" type="datetimeFigureOut">
               <a:rPr lang="en-US" smtClean="0"/>
-              <a:t>11/14/2017</a:t>
+              <a:t>11/30/2017</a:t>
             </a:fld>
-            <a:endParaRPr lang="en-US"/>
+            <a:endParaRPr lang="en-US" dirty="0"/>
           </a:p>
         </p:txBody>
       </p:sp>
@@ -3454,7 +3990,7 @@
             </a:lvl1pPr>
           </a:lstStyle>
           <a:p>
-            <a:endParaRPr lang="en-US"/>
+            <a:endParaRPr lang="en-US" dirty="0"/>
           </a:p>
         </p:txBody>
       </p:sp>
@@ -3686,9 +4222,9 @@
           <a:p>
             <a:fld id="{95831708-B7EC-472E-8C66-3209387C6512}" type="datetimeFigureOut">
               <a:rPr lang="en-US" smtClean="0"/>
-              <a:t>11/14/2017</a:t>
+              <a:t>11/30/2017</a:t>
             </a:fld>
-            <a:endParaRPr lang="en-US"/>
+            <a:endParaRPr lang="en-US" dirty="0"/>
           </a:p>
         </p:txBody>
       </p:sp>
@@ -3707,7 +4243,7 @@
           <a:bodyPr/>
           <a:lstStyle/>
           <a:p>
-            <a:endParaRPr lang="en-US"/>
+            <a:endParaRPr lang="en-US" dirty="0"/>
           </a:p>
         </p:txBody>
       </p:sp>
@@ -3896,9 +4432,9 @@
           <a:p>
             <a:fld id="{95831708-B7EC-472E-8C66-3209387C6512}" type="datetimeFigureOut">
               <a:rPr lang="en-US" smtClean="0"/>
-              <a:t>11/14/2017</a:t>
+              <a:t>11/30/2017</a:t>
             </a:fld>
-            <a:endParaRPr lang="en-US"/>
+            <a:endParaRPr lang="en-US" dirty="0"/>
           </a:p>
         </p:txBody>
       </p:sp>
@@ -3917,7 +4453,7 @@
           <a:bodyPr/>
           <a:lstStyle/>
           <a:p>
-            <a:endParaRPr lang="en-US"/>
+            <a:endParaRPr lang="en-US" dirty="0"/>
           </a:p>
         </p:txBody>
       </p:sp>
@@ -4792,9 +5328,9 @@
           <a:p>
             <a:fld id="{95831708-B7EC-472E-8C66-3209387C6512}" type="datetimeFigureOut">
               <a:rPr lang="en-US" smtClean="0"/>
-              <a:t>11/14/2017</a:t>
+              <a:t>11/30/2017</a:t>
             </a:fld>
-            <a:endParaRPr lang="en-US"/>
+            <a:endParaRPr lang="en-US" dirty="0"/>
           </a:p>
         </p:txBody>
       </p:sp>
@@ -4813,7 +5349,7 @@
           <a:bodyPr/>
           <a:lstStyle/>
           <a:p>
-            <a:endParaRPr lang="en-US"/>
+            <a:endParaRPr lang="en-US" dirty="0"/>
           </a:p>
         </p:txBody>
       </p:sp>
@@ -5098,9 +5634,9 @@
           <a:p>
             <a:fld id="{95831708-B7EC-472E-8C66-3209387C6512}" type="datetimeFigureOut">
               <a:rPr lang="en-US" smtClean="0"/>
-              <a:t>11/14/2017</a:t>
+              <a:t>11/30/2017</a:t>
             </a:fld>
-            <a:endParaRPr lang="en-US"/>
+            <a:endParaRPr lang="en-US" dirty="0"/>
           </a:p>
         </p:txBody>
       </p:sp>
@@ -5132,7 +5668,7 @@
             </a:lvl1pPr>
           </a:lstStyle>
           <a:p>
-            <a:endParaRPr lang="en-US"/>
+            <a:endParaRPr lang="en-US" dirty="0"/>
           </a:p>
         </p:txBody>
       </p:sp>
@@ -6329,9 +6865,9 @@
           <a:p>
             <a:fld id="{95831708-B7EC-472E-8C66-3209387C6512}" type="datetimeFigureOut">
               <a:rPr lang="en-US" smtClean="0"/>
-              <a:t>11/14/2017</a:t>
+              <a:t>11/30/2017</a:t>
             </a:fld>
-            <a:endParaRPr lang="en-US"/>
+            <a:endParaRPr lang="en-US" dirty="0"/>
           </a:p>
         </p:txBody>
       </p:sp>
@@ -6350,7 +6886,7 @@
           <a:bodyPr/>
           <a:lstStyle/>
           <a:p>
-            <a:endParaRPr lang="en-US"/>
+            <a:endParaRPr lang="en-US" dirty="0"/>
           </a:p>
         </p:txBody>
       </p:sp>
@@ -6749,9 +7285,9 @@
           <a:p>
             <a:fld id="{95831708-B7EC-472E-8C66-3209387C6512}" type="datetimeFigureOut">
               <a:rPr lang="en-US" smtClean="0"/>
-              <a:t>11/14/2017</a:t>
+              <a:t>11/30/2017</a:t>
             </a:fld>
-            <a:endParaRPr lang="en-US"/>
+            <a:endParaRPr lang="en-US" dirty="0"/>
           </a:p>
         </p:txBody>
       </p:sp>
@@ -6770,7 +7306,7 @@
           <a:bodyPr/>
           <a:lstStyle/>
           <a:p>
-            <a:endParaRPr lang="en-US"/>
+            <a:endParaRPr lang="en-US" dirty="0"/>
           </a:p>
         </p:txBody>
       </p:sp>
@@ -6902,9 +7438,9 @@
           <a:p>
             <a:fld id="{95831708-B7EC-472E-8C66-3209387C6512}" type="datetimeFigureOut">
               <a:rPr lang="en-US" smtClean="0"/>
-              <a:t>11/14/2017</a:t>
+              <a:t>11/30/2017</a:t>
             </a:fld>
-            <a:endParaRPr lang="en-US"/>
+            <a:endParaRPr lang="en-US" dirty="0"/>
           </a:p>
         </p:txBody>
       </p:sp>
@@ -6923,7 +7459,7 @@
           <a:bodyPr/>
           <a:lstStyle/>
           <a:p>
-            <a:endParaRPr lang="en-US"/>
+            <a:endParaRPr lang="en-US" dirty="0"/>
           </a:p>
         </p:txBody>
       </p:sp>
@@ -7027,9 +7563,9 @@
           <a:p>
             <a:fld id="{95831708-B7EC-472E-8C66-3209387C6512}" type="datetimeFigureOut">
               <a:rPr lang="en-US" smtClean="0"/>
-              <a:t>11/14/2017</a:t>
+              <a:t>11/30/2017</a:t>
             </a:fld>
-            <a:endParaRPr lang="en-US"/>
+            <a:endParaRPr lang="en-US" dirty="0"/>
           </a:p>
         </p:txBody>
       </p:sp>
@@ -7048,7 +7584,7 @@
           <a:bodyPr/>
           <a:lstStyle/>
           <a:p>
-            <a:endParaRPr lang="en-US"/>
+            <a:endParaRPr lang="en-US" dirty="0"/>
           </a:p>
         </p:txBody>
       </p:sp>
@@ -7803,9 +8339,9 @@
           <a:p>
             <a:fld id="{95831708-B7EC-472E-8C66-3209387C6512}" type="datetimeFigureOut">
               <a:rPr lang="en-US" smtClean="0"/>
-              <a:t>11/14/2017</a:t>
+              <a:t>11/30/2017</a:t>
             </a:fld>
-            <a:endParaRPr lang="en-US"/>
+            <a:endParaRPr lang="en-US" dirty="0"/>
           </a:p>
         </p:txBody>
       </p:sp>
@@ -7829,7 +8365,7 @@
           <a:bodyPr/>
           <a:lstStyle/>
           <a:p>
-            <a:endParaRPr lang="en-US"/>
+            <a:endParaRPr lang="en-US" dirty="0"/>
           </a:p>
         </p:txBody>
       </p:sp>
@@ -8028,7 +8564,7 @@
           </a:lstStyle>
           <a:p>
             <a:r>
-              <a:rPr lang="en-US" smtClean="0"/>
+              <a:rPr lang="en-US" dirty="0" smtClean="0"/>
               <a:t>Click icon to add picture</a:t>
             </a:r>
             <a:endParaRPr lang="en-US" dirty="0"/>
@@ -8673,9 +9209,9 @@
           <a:p>
             <a:fld id="{95831708-B7EC-472E-8C66-3209387C6512}" type="datetimeFigureOut">
               <a:rPr lang="en-US" smtClean="0"/>
-              <a:t>11/14/2017</a:t>
+              <a:t>11/30/2017</a:t>
             </a:fld>
-            <a:endParaRPr lang="en-US"/>
+            <a:endParaRPr lang="en-US" dirty="0"/>
           </a:p>
         </p:txBody>
       </p:sp>
@@ -8699,7 +9235,7 @@
           <a:bodyPr/>
           <a:lstStyle/>
           <a:p>
-            <a:endParaRPr lang="en-US"/>
+            <a:endParaRPr lang="en-US" dirty="0"/>
           </a:p>
         </p:txBody>
       </p:sp>
@@ -8930,9 +9466,9 @@
           <a:p>
             <a:fld id="{95831708-B7EC-472E-8C66-3209387C6512}" type="datetimeFigureOut">
               <a:rPr lang="en-US" smtClean="0"/>
-              <a:t>11/14/2017</a:t>
+              <a:t>11/30/2017</a:t>
             </a:fld>
-            <a:endParaRPr lang="en-US"/>
+            <a:endParaRPr lang="en-US" dirty="0"/>
           </a:p>
         </p:txBody>
       </p:sp>
@@ -8970,7 +9506,7 @@
             </a:lvl1pPr>
           </a:lstStyle>
           <a:p>
-            <a:endParaRPr lang="en-US"/>
+            <a:endParaRPr lang="en-US" dirty="0"/>
           </a:p>
         </p:txBody>
       </p:sp>
@@ -10263,7 +10799,7 @@
               <a:t> </a:t>
             </a:r>
             <a:r>
-              <a:rPr lang="en-US" dirty="0" err="1" smtClean="0">
+              <a:rPr lang="en-US" err="1" smtClean="0">
                 <a:latin typeface="Tahoma" panose="020B0604030504040204" pitchFamily="34" charset="0"/>
                 <a:ea typeface="Tahoma" panose="020B0604030504040204" pitchFamily="34" charset="0"/>
                 <a:cs typeface="Tahoma" panose="020B0604030504040204" pitchFamily="34" charset="0"/>
@@ -10271,20 +10807,20 @@
               <a:t>Hoàng</a:t>
             </a:r>
             <a:r>
-              <a:rPr lang="en-US" dirty="0" smtClean="0">
-                <a:latin typeface="Tahoma" panose="020B0604030504040204" pitchFamily="34" charset="0"/>
-                <a:ea typeface="Tahoma" panose="020B0604030504040204" pitchFamily="34" charset="0"/>
-                <a:cs typeface="Tahoma" panose="020B0604030504040204" pitchFamily="34" charset="0"/>
-              </a:rPr>
-              <a:t> Min</a:t>
-            </a:r>
-            <a:r>
-              <a:rPr lang="en-US" dirty="0" smtClean="0">
+              <a:rPr lang="en-US" smtClean="0">
                 <a:latin typeface="Tahoma" panose="020B0604030504040204" pitchFamily="34" charset="0"/>
                 <a:ea typeface="Tahoma" panose="020B0604030504040204" pitchFamily="34" charset="0"/>
                 <a:cs typeface="Tahoma" panose="020B0604030504040204" pitchFamily="34" charset="0"/>
               </a:rPr>
               <a:t> </a:t>
+            </a:r>
+            <a:r>
+              <a:rPr lang="en-US" smtClean="0">
+                <a:latin typeface="Tahoma" panose="020B0604030504040204" pitchFamily="34" charset="0"/>
+                <a:ea typeface="Tahoma" panose="020B0604030504040204" pitchFamily="34" charset="0"/>
+                <a:cs typeface="Tahoma" panose="020B0604030504040204" pitchFamily="34" charset="0"/>
+              </a:rPr>
+              <a:t>Min </a:t>
             </a:r>
             <a:r>
               <a:rPr lang="en-US" dirty="0" smtClean="0">
@@ -10314,36 +10850,12 @@
               <a:buChar char="•"/>
             </a:pPr>
             <a:r>
-              <a:rPr lang="en-US" dirty="0" err="1" smtClean="0">
-                <a:latin typeface="Tahoma" panose="020B0604030504040204" pitchFamily="34" charset="0"/>
-                <a:ea typeface="Tahoma" panose="020B0604030504040204" pitchFamily="34" charset="0"/>
-                <a:cs typeface="Tahoma" panose="020B0604030504040204" pitchFamily="34" charset="0"/>
-              </a:rPr>
-              <a:t>Dương</a:t>
-            </a:r>
-            <a:r>
-              <a:rPr lang="en-US" dirty="0" smtClean="0">
-                <a:latin typeface="Tahoma" panose="020B0604030504040204" pitchFamily="34" charset="0"/>
-                <a:ea typeface="Tahoma" panose="020B0604030504040204" pitchFamily="34" charset="0"/>
-                <a:cs typeface="Tahoma" panose="020B0604030504040204" pitchFamily="34" charset="0"/>
-              </a:rPr>
-              <a:t> Minh </a:t>
-            </a:r>
-            <a:r>
-              <a:rPr lang="en-US" dirty="0" err="1" smtClean="0">
-                <a:latin typeface="Tahoma" panose="020B0604030504040204" pitchFamily="34" charset="0"/>
-                <a:ea typeface="Tahoma" panose="020B0604030504040204" pitchFamily="34" charset="0"/>
-                <a:cs typeface="Tahoma" panose="020B0604030504040204" pitchFamily="34" charset="0"/>
-              </a:rPr>
-              <a:t>Trung</a:t>
-            </a:r>
-            <a:r>
-              <a:rPr lang="en-US" dirty="0" smtClean="0">
-                <a:latin typeface="Tahoma" panose="020B0604030504040204" pitchFamily="34" charset="0"/>
-                <a:ea typeface="Tahoma" panose="020B0604030504040204" pitchFamily="34" charset="0"/>
-                <a:cs typeface="Tahoma" panose="020B0604030504040204" pitchFamily="34" charset="0"/>
-              </a:rPr>
-              <a:t> </a:t>
+              <a:rPr lang="en-US" smtClean="0">
+                <a:latin typeface="Tahoma" panose="020B0604030504040204" pitchFamily="34" charset="0"/>
+                <a:ea typeface="Tahoma" panose="020B0604030504040204" pitchFamily="34" charset="0"/>
+                <a:cs typeface="Tahoma" panose="020B0604030504040204" pitchFamily="34" charset="0"/>
+              </a:rPr>
+              <a:t>Dương Minh Trung </a:t>
             </a:r>
             <a:r>
               <a:rPr lang="en-US" dirty="0" smtClean="0">
@@ -10410,15 +10922,7 @@
                 <a:ea typeface="Tahoma" panose="020B0604030504040204" pitchFamily="34" charset="0"/>
                 <a:cs typeface="Tahoma" panose="020B0604030504040204" pitchFamily="34" charset="0"/>
               </a:rPr>
-              <a:t> </a:t>
-            </a:r>
-            <a:r>
-              <a:rPr lang="en-US" dirty="0" smtClean="0">
-                <a:latin typeface="Tahoma" panose="020B0604030504040204" pitchFamily="34" charset="0"/>
-                <a:ea typeface="Tahoma" panose="020B0604030504040204" pitchFamily="34" charset="0"/>
-                <a:cs typeface="Tahoma" panose="020B0604030504040204" pitchFamily="34" charset="0"/>
-              </a:rPr>
-              <a:t>– </a:t>
+              <a:t> – </a:t>
             </a:r>
             <a:r>
               <a:rPr lang="en-US" dirty="0" err="1" smtClean="0">
@@ -11667,9 +12171,6 @@
               </a:rPr>
               <a:t>GO</a:t>
             </a:r>
-            <a:endParaRPr lang="en-US" sz="1200" dirty="0">
-              <a:latin typeface="Consolas" panose="020B0609020204030204" pitchFamily="49" charset="0"/>
-            </a:endParaRPr>
           </a:p>
         </p:txBody>
       </p:sp>
@@ -13330,9 +13831,6 @@
               </a:rPr>
               <a:t>,</a:t>
             </a:r>
-            <a:endParaRPr lang="en-US" sz="1200" dirty="0" smtClean="0">
-              <a:latin typeface="Consolas" panose="020B0609020204030204" pitchFamily="49" charset="0"/>
-            </a:endParaRPr>
           </a:p>
           <a:p>
             <a:r>
@@ -14201,13 +14699,7 @@
               <a:rPr lang="en-US" sz="1200" dirty="0" smtClean="0">
                 <a:latin typeface="Consolas" panose="020B0609020204030204" pitchFamily="49" charset="0"/>
               </a:rPr>
-              <a:t> </a:t>
-            </a:r>
-            <a:r>
-              <a:rPr lang="en-US" sz="1200" dirty="0" smtClean="0">
-                <a:latin typeface="Consolas" panose="020B0609020204030204" pitchFamily="49" charset="0"/>
-              </a:rPr>
-              <a:t>		</a:t>
+              <a:t> 		</a:t>
             </a:r>
             <a:r>
               <a:rPr lang="en-US" sz="1200" dirty="0" err="1" smtClean="0">
@@ -14276,13 +14768,7 @@
               <a:rPr lang="en-US" sz="1200" dirty="0" smtClean="0">
                 <a:latin typeface="Consolas" panose="020B0609020204030204" pitchFamily="49" charset="0"/>
               </a:rPr>
-              <a:t> </a:t>
-            </a:r>
-            <a:r>
-              <a:rPr lang="en-US" sz="1200" dirty="0" smtClean="0">
-                <a:latin typeface="Consolas" panose="020B0609020204030204" pitchFamily="49" charset="0"/>
-              </a:rPr>
-              <a:t>	BIT </a:t>
+              <a:t> 	BIT </a:t>
             </a:r>
             <a:r>
               <a:rPr lang="en-US" sz="1200" dirty="0">
@@ -14532,6 +15018,1200 @@
   <p:cSld>
     <p:spTree>
       <p:nvGrpSpPr>
+        <p:cNvPr id="1" name="Shape 68"/>
+        <p:cNvGrpSpPr/>
+        <p:nvPr/>
+      </p:nvGrpSpPr>
+      <p:grpSpPr>
+        <a:xfrm>
+          <a:off x="0" y="0"/>
+          <a:ext cx="0" cy="0"/>
+          <a:chOff x="0" y="0"/>
+          <a:chExt cx="0" cy="0"/>
+        </a:xfrm>
+      </p:grpSpPr>
+      <p:sp>
+        <p:nvSpPr>
+          <p:cNvPr id="69" name="Shape 69"/>
+          <p:cNvSpPr txBox="1">
+            <a:spLocks noGrp="1"/>
+          </p:cNvSpPr>
+          <p:nvPr>
+            <p:ph type="title"/>
+          </p:nvPr>
+        </p:nvSpPr>
+        <p:spPr>
+          <a:xfrm>
+            <a:off x="869150" y="0"/>
+            <a:ext cx="7839049" cy="396005"/>
+          </a:xfrm>
+          <a:prstGeom prst="rect">
+            <a:avLst/>
+          </a:prstGeom>
+        </p:spPr>
+        <p:txBody>
+          <a:bodyPr wrap="square" lIns="91425" tIns="91425" rIns="91425" bIns="91425" anchor="b" anchorCtr="0">
+            <a:noAutofit/>
+          </a:bodyPr>
+          <a:lstStyle/>
+          <a:p>
+            <a:pPr lvl="0" rtl="0">
+              <a:spcBef>
+                <a:spcPts val="0"/>
+              </a:spcBef>
+              <a:buNone/>
+            </a:pPr>
+            <a:r>
+              <a:rPr lang="en" sz="2000" smtClean="0">
+                <a:latin typeface="Tahoma" panose="020B0604030504040204" pitchFamily="34" charset="0"/>
+                <a:ea typeface="Tahoma" panose="020B0604030504040204" pitchFamily="34" charset="0"/>
+                <a:cs typeface="Tahoma" panose="020B0604030504040204" pitchFamily="34" charset="0"/>
+              </a:rPr>
+              <a:t>Backup</a:t>
+            </a:r>
+            <a:endParaRPr lang="en" sz="2000" dirty="0">
+              <a:latin typeface="Tahoma" panose="020B0604030504040204" pitchFamily="34" charset="0"/>
+              <a:ea typeface="Tahoma" panose="020B0604030504040204" pitchFamily="34" charset="0"/>
+              <a:cs typeface="Tahoma" panose="020B0604030504040204" pitchFamily="34" charset="0"/>
+            </a:endParaRPr>
+          </a:p>
+        </p:txBody>
+      </p:sp>
+      <p:sp>
+        <p:nvSpPr>
+          <p:cNvPr id="72" name="Shape 72"/>
+          <p:cNvSpPr txBox="1">
+            <a:spLocks noGrp="1"/>
+          </p:cNvSpPr>
+          <p:nvPr>
+            <p:ph type="body" idx="1"/>
+          </p:nvPr>
+        </p:nvSpPr>
+        <p:spPr>
+          <a:xfrm>
+            <a:off x="869150" y="2094275"/>
+            <a:ext cx="3594600" cy="1553400"/>
+          </a:xfrm>
+          <a:prstGeom prst="rect">
+            <a:avLst/>
+          </a:prstGeom>
+        </p:spPr>
+        <p:txBody>
+          <a:bodyPr wrap="square" lIns="91425" tIns="91425" rIns="91425" bIns="91425" anchor="t" anchorCtr="0">
+            <a:noAutofit/>
+          </a:bodyPr>
+          <a:lstStyle/>
+          <a:p>
+            <a:pPr lvl="0" rtl="0">
+              <a:spcBef>
+                <a:spcPts val="0"/>
+              </a:spcBef>
+              <a:spcAft>
+                <a:spcPts val="1000"/>
+              </a:spcAft>
+              <a:buNone/>
+            </a:pPr>
+            <a:r>
+              <a:rPr lang="en" sz="1000" dirty="0">
+                <a:solidFill>
+                  <a:srgbClr val="000000"/>
+                </a:solidFill>
+                <a:latin typeface="Work Sans Medium"/>
+                <a:ea typeface="Work Sans Medium"/>
+                <a:cs typeface="Work Sans Medium"/>
+                <a:sym typeface="Work Sans Medium"/>
+              </a:rPr>
+              <a:t/>
+            </a:r>
+            <a:br>
+              <a:rPr lang="en" sz="1000" dirty="0">
+                <a:solidFill>
+                  <a:srgbClr val="000000"/>
+                </a:solidFill>
+                <a:latin typeface="Work Sans Medium"/>
+                <a:ea typeface="Work Sans Medium"/>
+                <a:cs typeface="Work Sans Medium"/>
+                <a:sym typeface="Work Sans Medium"/>
+              </a:rPr>
+            </a:br>
+            <a:endParaRPr lang="en" sz="1000" dirty="0">
+              <a:solidFill>
+                <a:srgbClr val="000000"/>
+              </a:solidFill>
+              <a:latin typeface="Work Sans Medium"/>
+              <a:ea typeface="Work Sans Medium"/>
+              <a:cs typeface="Work Sans Medium"/>
+              <a:sym typeface="Work Sans Medium"/>
+            </a:endParaRPr>
+          </a:p>
+        </p:txBody>
+      </p:sp>
+      <p:sp>
+        <p:nvSpPr>
+          <p:cNvPr id="78" name="Shape 78"/>
+          <p:cNvSpPr txBox="1">
+            <a:spLocks noGrp="1"/>
+          </p:cNvSpPr>
+          <p:nvPr>
+            <p:ph type="sldNum" idx="12"/>
+          </p:nvPr>
+        </p:nvSpPr>
+        <p:spPr>
+          <a:prstGeom prst="rect">
+            <a:avLst/>
+          </a:prstGeom>
+        </p:spPr>
+        <p:txBody>
+          <a:bodyPr wrap="square" lIns="91425" tIns="91425" rIns="91425" bIns="91425" anchor="ctr" anchorCtr="0">
+            <a:noAutofit/>
+          </a:bodyPr>
+          <a:lstStyle/>
+          <a:p>
+            <a:pPr lvl="0">
+              <a:spcBef>
+                <a:spcPts val="0"/>
+              </a:spcBef>
+              <a:buNone/>
+            </a:pPr>
+            <a:fld id="{00000000-1234-1234-1234-123412341234}" type="slidenum">
+              <a:rPr lang="en"/>
+              <a:t>20</a:t>
+            </a:fld>
+            <a:endParaRPr lang="en"/>
+          </a:p>
+        </p:txBody>
+      </p:sp>
+      <p:pic>
+        <p:nvPicPr>
+          <p:cNvPr id="2" name="Picture 1"/>
+          <p:cNvPicPr>
+            <a:picLocks noChangeAspect="1"/>
+          </p:cNvPicPr>
+          <p:nvPr/>
+        </p:nvPicPr>
+        <p:blipFill rotWithShape="1">
+          <a:blip r:embed="rId3"/>
+          <a:srcRect l="18730" t="14559" r="63413" b="48898"/>
+          <a:stretch/>
+        </p:blipFill>
+        <p:spPr>
+          <a:xfrm>
+            <a:off x="1033592" y="396005"/>
+            <a:ext cx="4768572" cy="4563032"/>
+          </a:xfrm>
+          <a:prstGeom prst="rect">
+            <a:avLst/>
+          </a:prstGeom>
+        </p:spPr>
+      </p:pic>
+    </p:spTree>
+    <p:extLst>
+      <p:ext uri="{BB962C8B-B14F-4D97-AF65-F5344CB8AC3E}">
+        <p14:creationId xmlns:p14="http://schemas.microsoft.com/office/powerpoint/2010/main" val="1792161394"/>
+      </p:ext>
+    </p:extLst>
+  </p:cSld>
+  <p:clrMapOvr>
+    <a:masterClrMapping/>
+  </p:clrMapOvr>
+  <p:timing>
+    <p:tnLst>
+      <p:par>
+        <p:cTn id="1" dur="indefinite" restart="never" nodeType="tmRoot"/>
+      </p:par>
+    </p:tnLst>
+  </p:timing>
+</p:sld>
+</file>
+
+<file path=ppt/slides/slide21.xml><?xml version="1.0" encoding="utf-8"?>
+<p:sld xmlns:a="http://schemas.openxmlformats.org/drawingml/2006/main" xmlns:r="http://schemas.openxmlformats.org/officeDocument/2006/relationships" xmlns:p="http://schemas.openxmlformats.org/presentationml/2006/main">
+  <p:cSld>
+    <p:spTree>
+      <p:nvGrpSpPr>
+        <p:cNvPr id="1" name="Shape 68"/>
+        <p:cNvGrpSpPr/>
+        <p:nvPr/>
+      </p:nvGrpSpPr>
+      <p:grpSpPr>
+        <a:xfrm>
+          <a:off x="0" y="0"/>
+          <a:ext cx="0" cy="0"/>
+          <a:chOff x="0" y="0"/>
+          <a:chExt cx="0" cy="0"/>
+        </a:xfrm>
+      </p:grpSpPr>
+      <p:sp>
+        <p:nvSpPr>
+          <p:cNvPr id="69" name="Shape 69"/>
+          <p:cNvSpPr txBox="1">
+            <a:spLocks noGrp="1"/>
+          </p:cNvSpPr>
+          <p:nvPr>
+            <p:ph type="title"/>
+          </p:nvPr>
+        </p:nvSpPr>
+        <p:spPr>
+          <a:xfrm>
+            <a:off x="869150" y="0"/>
+            <a:ext cx="7839049" cy="396005"/>
+          </a:xfrm>
+          <a:prstGeom prst="rect">
+            <a:avLst/>
+          </a:prstGeom>
+        </p:spPr>
+        <p:txBody>
+          <a:bodyPr wrap="square" lIns="91425" tIns="91425" rIns="91425" bIns="91425" anchor="b" anchorCtr="0">
+            <a:noAutofit/>
+          </a:bodyPr>
+          <a:lstStyle/>
+          <a:p>
+            <a:pPr lvl="0" rtl="0">
+              <a:spcBef>
+                <a:spcPts val="0"/>
+              </a:spcBef>
+              <a:buNone/>
+            </a:pPr>
+            <a:r>
+              <a:rPr lang="en" sz="2000" smtClean="0">
+                <a:latin typeface="Tahoma" panose="020B0604030504040204" pitchFamily="34" charset="0"/>
+                <a:ea typeface="Tahoma" panose="020B0604030504040204" pitchFamily="34" charset="0"/>
+                <a:cs typeface="Tahoma" panose="020B0604030504040204" pitchFamily="34" charset="0"/>
+              </a:rPr>
+              <a:t>Procedure</a:t>
+            </a:r>
+            <a:endParaRPr lang="en" sz="2000" dirty="0">
+              <a:latin typeface="Tahoma" panose="020B0604030504040204" pitchFamily="34" charset="0"/>
+              <a:ea typeface="Tahoma" panose="020B0604030504040204" pitchFamily="34" charset="0"/>
+              <a:cs typeface="Tahoma" panose="020B0604030504040204" pitchFamily="34" charset="0"/>
+            </a:endParaRPr>
+          </a:p>
+        </p:txBody>
+      </p:sp>
+      <p:sp>
+        <p:nvSpPr>
+          <p:cNvPr id="72" name="Shape 72"/>
+          <p:cNvSpPr txBox="1">
+            <a:spLocks noGrp="1"/>
+          </p:cNvSpPr>
+          <p:nvPr>
+            <p:ph type="body" idx="1"/>
+          </p:nvPr>
+        </p:nvSpPr>
+        <p:spPr>
+          <a:xfrm>
+            <a:off x="869150" y="2094275"/>
+            <a:ext cx="3594600" cy="1553400"/>
+          </a:xfrm>
+          <a:prstGeom prst="rect">
+            <a:avLst/>
+          </a:prstGeom>
+        </p:spPr>
+        <p:txBody>
+          <a:bodyPr wrap="square" lIns="91425" tIns="91425" rIns="91425" bIns="91425" anchor="t" anchorCtr="0">
+            <a:noAutofit/>
+          </a:bodyPr>
+          <a:lstStyle/>
+          <a:p>
+            <a:pPr lvl="0" rtl="0">
+              <a:spcBef>
+                <a:spcPts val="0"/>
+              </a:spcBef>
+              <a:spcAft>
+                <a:spcPts val="1000"/>
+              </a:spcAft>
+              <a:buNone/>
+            </a:pPr>
+            <a:r>
+              <a:rPr lang="en" sz="1000" dirty="0">
+                <a:solidFill>
+                  <a:srgbClr val="000000"/>
+                </a:solidFill>
+                <a:latin typeface="Work Sans Medium"/>
+                <a:ea typeface="Work Sans Medium"/>
+                <a:cs typeface="Work Sans Medium"/>
+                <a:sym typeface="Work Sans Medium"/>
+              </a:rPr>
+              <a:t/>
+            </a:r>
+            <a:br>
+              <a:rPr lang="en" sz="1000" dirty="0">
+                <a:solidFill>
+                  <a:srgbClr val="000000"/>
+                </a:solidFill>
+                <a:latin typeface="Work Sans Medium"/>
+                <a:ea typeface="Work Sans Medium"/>
+                <a:cs typeface="Work Sans Medium"/>
+                <a:sym typeface="Work Sans Medium"/>
+              </a:rPr>
+            </a:br>
+            <a:endParaRPr lang="en" sz="1000" dirty="0">
+              <a:solidFill>
+                <a:srgbClr val="000000"/>
+              </a:solidFill>
+              <a:latin typeface="Work Sans Medium"/>
+              <a:ea typeface="Work Sans Medium"/>
+              <a:cs typeface="Work Sans Medium"/>
+              <a:sym typeface="Work Sans Medium"/>
+            </a:endParaRPr>
+          </a:p>
+        </p:txBody>
+      </p:sp>
+      <p:sp>
+        <p:nvSpPr>
+          <p:cNvPr id="78" name="Shape 78"/>
+          <p:cNvSpPr txBox="1">
+            <a:spLocks noGrp="1"/>
+          </p:cNvSpPr>
+          <p:nvPr>
+            <p:ph type="sldNum" idx="12"/>
+          </p:nvPr>
+        </p:nvSpPr>
+        <p:spPr>
+          <a:prstGeom prst="rect">
+            <a:avLst/>
+          </a:prstGeom>
+        </p:spPr>
+        <p:txBody>
+          <a:bodyPr wrap="square" lIns="91425" tIns="91425" rIns="91425" bIns="91425" anchor="ctr" anchorCtr="0">
+            <a:noAutofit/>
+          </a:bodyPr>
+          <a:lstStyle/>
+          <a:p>
+            <a:pPr lvl="0">
+              <a:spcBef>
+                <a:spcPts val="0"/>
+              </a:spcBef>
+              <a:buNone/>
+            </a:pPr>
+            <a:fld id="{00000000-1234-1234-1234-123412341234}" type="slidenum">
+              <a:rPr lang="en"/>
+              <a:t>21</a:t>
+            </a:fld>
+            <a:endParaRPr lang="en"/>
+          </a:p>
+        </p:txBody>
+      </p:sp>
+      <p:pic>
+        <p:nvPicPr>
+          <p:cNvPr id="3" name="Picture 2"/>
+          <p:cNvPicPr>
+            <a:picLocks noChangeAspect="1"/>
+          </p:cNvPicPr>
+          <p:nvPr/>
+        </p:nvPicPr>
+        <p:blipFill rotWithShape="1">
+          <a:blip r:embed="rId3"/>
+          <a:srcRect l="2858" t="26839" r="58412" b="20494"/>
+          <a:stretch/>
+        </p:blipFill>
+        <p:spPr>
+          <a:xfrm>
+            <a:off x="869149" y="396005"/>
+            <a:ext cx="7290350" cy="4664862"/>
+          </a:xfrm>
+          <a:prstGeom prst="rect">
+            <a:avLst/>
+          </a:prstGeom>
+        </p:spPr>
+      </p:pic>
+    </p:spTree>
+    <p:extLst>
+      <p:ext uri="{BB962C8B-B14F-4D97-AF65-F5344CB8AC3E}">
+        <p14:creationId xmlns:p14="http://schemas.microsoft.com/office/powerpoint/2010/main" val="2329586865"/>
+      </p:ext>
+    </p:extLst>
+  </p:cSld>
+  <p:clrMapOvr>
+    <a:masterClrMapping/>
+  </p:clrMapOvr>
+  <p:timing>
+    <p:tnLst>
+      <p:par>
+        <p:cTn id="1" dur="indefinite" restart="never" nodeType="tmRoot"/>
+      </p:par>
+    </p:tnLst>
+  </p:timing>
+</p:sld>
+</file>
+
+<file path=ppt/slides/slide22.xml><?xml version="1.0" encoding="utf-8"?>
+<p:sld xmlns:a="http://schemas.openxmlformats.org/drawingml/2006/main" xmlns:r="http://schemas.openxmlformats.org/officeDocument/2006/relationships" xmlns:p="http://schemas.openxmlformats.org/presentationml/2006/main">
+  <p:cSld>
+    <p:spTree>
+      <p:nvGrpSpPr>
+        <p:cNvPr id="1" name="Shape 68"/>
+        <p:cNvGrpSpPr/>
+        <p:nvPr/>
+      </p:nvGrpSpPr>
+      <p:grpSpPr>
+        <a:xfrm>
+          <a:off x="0" y="0"/>
+          <a:ext cx="0" cy="0"/>
+          <a:chOff x="0" y="0"/>
+          <a:chExt cx="0" cy="0"/>
+        </a:xfrm>
+      </p:grpSpPr>
+      <p:sp>
+        <p:nvSpPr>
+          <p:cNvPr id="69" name="Shape 69"/>
+          <p:cNvSpPr txBox="1">
+            <a:spLocks noGrp="1"/>
+          </p:cNvSpPr>
+          <p:nvPr>
+            <p:ph type="title"/>
+          </p:nvPr>
+        </p:nvSpPr>
+        <p:spPr>
+          <a:xfrm>
+            <a:off x="869150" y="0"/>
+            <a:ext cx="7839049" cy="396005"/>
+          </a:xfrm>
+          <a:prstGeom prst="rect">
+            <a:avLst/>
+          </a:prstGeom>
+        </p:spPr>
+        <p:txBody>
+          <a:bodyPr wrap="square" lIns="91425" tIns="91425" rIns="91425" bIns="91425" anchor="b" anchorCtr="0">
+            <a:noAutofit/>
+          </a:bodyPr>
+          <a:lstStyle/>
+          <a:p>
+            <a:pPr lvl="0" rtl="0">
+              <a:spcBef>
+                <a:spcPts val="0"/>
+              </a:spcBef>
+              <a:buNone/>
+            </a:pPr>
+            <a:r>
+              <a:rPr lang="en" sz="2000" smtClean="0">
+                <a:latin typeface="Tahoma" panose="020B0604030504040204" pitchFamily="34" charset="0"/>
+                <a:ea typeface="Tahoma" panose="020B0604030504040204" pitchFamily="34" charset="0"/>
+                <a:cs typeface="Tahoma" panose="020B0604030504040204" pitchFamily="34" charset="0"/>
+              </a:rPr>
+              <a:t>Function</a:t>
+            </a:r>
+            <a:endParaRPr lang="en" sz="2000" dirty="0">
+              <a:latin typeface="Tahoma" panose="020B0604030504040204" pitchFamily="34" charset="0"/>
+              <a:ea typeface="Tahoma" panose="020B0604030504040204" pitchFamily="34" charset="0"/>
+              <a:cs typeface="Tahoma" panose="020B0604030504040204" pitchFamily="34" charset="0"/>
+            </a:endParaRPr>
+          </a:p>
+        </p:txBody>
+      </p:sp>
+      <p:sp>
+        <p:nvSpPr>
+          <p:cNvPr id="72" name="Shape 72"/>
+          <p:cNvSpPr txBox="1">
+            <a:spLocks noGrp="1"/>
+          </p:cNvSpPr>
+          <p:nvPr>
+            <p:ph type="body" idx="1"/>
+          </p:nvPr>
+        </p:nvSpPr>
+        <p:spPr>
+          <a:xfrm>
+            <a:off x="869150" y="2094275"/>
+            <a:ext cx="3594600" cy="1553400"/>
+          </a:xfrm>
+          <a:prstGeom prst="rect">
+            <a:avLst/>
+          </a:prstGeom>
+        </p:spPr>
+        <p:txBody>
+          <a:bodyPr wrap="square" lIns="91425" tIns="91425" rIns="91425" bIns="91425" anchor="t" anchorCtr="0">
+            <a:noAutofit/>
+          </a:bodyPr>
+          <a:lstStyle/>
+          <a:p>
+            <a:pPr lvl="0" rtl="0">
+              <a:spcBef>
+                <a:spcPts val="0"/>
+              </a:spcBef>
+              <a:spcAft>
+                <a:spcPts val="1000"/>
+              </a:spcAft>
+              <a:buNone/>
+            </a:pPr>
+            <a:r>
+              <a:rPr lang="en" sz="1000" dirty="0">
+                <a:solidFill>
+                  <a:srgbClr val="000000"/>
+                </a:solidFill>
+                <a:latin typeface="Work Sans Medium"/>
+                <a:ea typeface="Work Sans Medium"/>
+                <a:cs typeface="Work Sans Medium"/>
+                <a:sym typeface="Work Sans Medium"/>
+              </a:rPr>
+              <a:t/>
+            </a:r>
+            <a:br>
+              <a:rPr lang="en" sz="1000" dirty="0">
+                <a:solidFill>
+                  <a:srgbClr val="000000"/>
+                </a:solidFill>
+                <a:latin typeface="Work Sans Medium"/>
+                <a:ea typeface="Work Sans Medium"/>
+                <a:cs typeface="Work Sans Medium"/>
+                <a:sym typeface="Work Sans Medium"/>
+              </a:rPr>
+            </a:br>
+            <a:endParaRPr lang="en" sz="1000" dirty="0">
+              <a:solidFill>
+                <a:srgbClr val="000000"/>
+              </a:solidFill>
+              <a:latin typeface="Work Sans Medium"/>
+              <a:ea typeface="Work Sans Medium"/>
+              <a:cs typeface="Work Sans Medium"/>
+              <a:sym typeface="Work Sans Medium"/>
+            </a:endParaRPr>
+          </a:p>
+        </p:txBody>
+      </p:sp>
+      <p:sp>
+        <p:nvSpPr>
+          <p:cNvPr id="78" name="Shape 78"/>
+          <p:cNvSpPr txBox="1">
+            <a:spLocks noGrp="1"/>
+          </p:cNvSpPr>
+          <p:nvPr>
+            <p:ph type="sldNum" idx="12"/>
+          </p:nvPr>
+        </p:nvSpPr>
+        <p:spPr>
+          <a:prstGeom prst="rect">
+            <a:avLst/>
+          </a:prstGeom>
+        </p:spPr>
+        <p:txBody>
+          <a:bodyPr wrap="square" lIns="91425" tIns="91425" rIns="91425" bIns="91425" anchor="ctr" anchorCtr="0">
+            <a:noAutofit/>
+          </a:bodyPr>
+          <a:lstStyle/>
+          <a:p>
+            <a:pPr lvl="0">
+              <a:spcBef>
+                <a:spcPts val="0"/>
+              </a:spcBef>
+              <a:buNone/>
+            </a:pPr>
+            <a:fld id="{00000000-1234-1234-1234-123412341234}" type="slidenum">
+              <a:rPr lang="en"/>
+              <a:t>22</a:t>
+            </a:fld>
+            <a:endParaRPr lang="en"/>
+          </a:p>
+        </p:txBody>
+      </p:sp>
+      <p:pic>
+        <p:nvPicPr>
+          <p:cNvPr id="2" name="Picture 1"/>
+          <p:cNvPicPr>
+            <a:picLocks noChangeAspect="1"/>
+          </p:cNvPicPr>
+          <p:nvPr/>
+        </p:nvPicPr>
+        <p:blipFill rotWithShape="1">
+          <a:blip r:embed="rId3"/>
+          <a:srcRect l="3396" t="19896" r="63305" b="25711"/>
+          <a:stretch/>
+        </p:blipFill>
+        <p:spPr>
+          <a:xfrm>
+            <a:off x="869149" y="396005"/>
+            <a:ext cx="7290350" cy="4603593"/>
+          </a:xfrm>
+          <a:prstGeom prst="rect">
+            <a:avLst/>
+          </a:prstGeom>
+        </p:spPr>
+      </p:pic>
+    </p:spTree>
+    <p:extLst>
+      <p:ext uri="{BB962C8B-B14F-4D97-AF65-F5344CB8AC3E}">
+        <p14:creationId xmlns:p14="http://schemas.microsoft.com/office/powerpoint/2010/main" val="767592935"/>
+      </p:ext>
+    </p:extLst>
+  </p:cSld>
+  <p:clrMapOvr>
+    <a:masterClrMapping/>
+  </p:clrMapOvr>
+  <p:timing>
+    <p:tnLst>
+      <p:par>
+        <p:cTn id="1" dur="indefinite" restart="never" nodeType="tmRoot"/>
+      </p:par>
+    </p:tnLst>
+  </p:timing>
+</p:sld>
+</file>
+
+<file path=ppt/slides/slide23.xml><?xml version="1.0" encoding="utf-8"?>
+<p:sld xmlns:a="http://schemas.openxmlformats.org/drawingml/2006/main" xmlns:r="http://schemas.openxmlformats.org/officeDocument/2006/relationships" xmlns:p="http://schemas.openxmlformats.org/presentationml/2006/main">
+  <p:cSld>
+    <p:spTree>
+      <p:nvGrpSpPr>
+        <p:cNvPr id="1" name="Shape 68"/>
+        <p:cNvGrpSpPr/>
+        <p:nvPr/>
+      </p:nvGrpSpPr>
+      <p:grpSpPr>
+        <a:xfrm>
+          <a:off x="0" y="0"/>
+          <a:ext cx="0" cy="0"/>
+          <a:chOff x="0" y="0"/>
+          <a:chExt cx="0" cy="0"/>
+        </a:xfrm>
+      </p:grpSpPr>
+      <p:sp>
+        <p:nvSpPr>
+          <p:cNvPr id="69" name="Shape 69"/>
+          <p:cNvSpPr txBox="1">
+            <a:spLocks noGrp="1"/>
+          </p:cNvSpPr>
+          <p:nvPr>
+            <p:ph type="title"/>
+          </p:nvPr>
+        </p:nvSpPr>
+        <p:spPr>
+          <a:xfrm>
+            <a:off x="869150" y="0"/>
+            <a:ext cx="7839049" cy="396005"/>
+          </a:xfrm>
+          <a:prstGeom prst="rect">
+            <a:avLst/>
+          </a:prstGeom>
+        </p:spPr>
+        <p:txBody>
+          <a:bodyPr wrap="square" lIns="91425" tIns="91425" rIns="91425" bIns="91425" anchor="b" anchorCtr="0">
+            <a:noAutofit/>
+          </a:bodyPr>
+          <a:lstStyle/>
+          <a:p>
+            <a:pPr lvl="0" rtl="0">
+              <a:spcBef>
+                <a:spcPts val="0"/>
+              </a:spcBef>
+              <a:buNone/>
+            </a:pPr>
+            <a:r>
+              <a:rPr lang="en" sz="2000" smtClean="0">
+                <a:latin typeface="Tahoma" panose="020B0604030504040204" pitchFamily="34" charset="0"/>
+                <a:ea typeface="Tahoma" panose="020B0604030504040204" pitchFamily="34" charset="0"/>
+                <a:cs typeface="Tahoma" panose="020B0604030504040204" pitchFamily="34" charset="0"/>
+              </a:rPr>
+              <a:t>Encryption</a:t>
+            </a:r>
+            <a:endParaRPr lang="en" sz="2000" dirty="0">
+              <a:latin typeface="Tahoma" panose="020B0604030504040204" pitchFamily="34" charset="0"/>
+              <a:ea typeface="Tahoma" panose="020B0604030504040204" pitchFamily="34" charset="0"/>
+              <a:cs typeface="Tahoma" panose="020B0604030504040204" pitchFamily="34" charset="0"/>
+            </a:endParaRPr>
+          </a:p>
+        </p:txBody>
+      </p:sp>
+      <p:sp>
+        <p:nvSpPr>
+          <p:cNvPr id="72" name="Shape 72"/>
+          <p:cNvSpPr txBox="1">
+            <a:spLocks noGrp="1"/>
+          </p:cNvSpPr>
+          <p:nvPr>
+            <p:ph type="body" idx="1"/>
+          </p:nvPr>
+        </p:nvSpPr>
+        <p:spPr>
+          <a:xfrm>
+            <a:off x="869150" y="2094275"/>
+            <a:ext cx="3594600" cy="1553400"/>
+          </a:xfrm>
+          <a:prstGeom prst="rect">
+            <a:avLst/>
+          </a:prstGeom>
+        </p:spPr>
+        <p:txBody>
+          <a:bodyPr wrap="square" lIns="91425" tIns="91425" rIns="91425" bIns="91425" anchor="t" anchorCtr="0">
+            <a:noAutofit/>
+          </a:bodyPr>
+          <a:lstStyle/>
+          <a:p>
+            <a:pPr lvl="0" rtl="0">
+              <a:spcBef>
+                <a:spcPts val="0"/>
+              </a:spcBef>
+              <a:spcAft>
+                <a:spcPts val="1000"/>
+              </a:spcAft>
+              <a:buNone/>
+            </a:pPr>
+            <a:r>
+              <a:rPr lang="en" sz="1000" dirty="0">
+                <a:solidFill>
+                  <a:srgbClr val="000000"/>
+                </a:solidFill>
+                <a:latin typeface="Work Sans Medium"/>
+                <a:ea typeface="Work Sans Medium"/>
+                <a:cs typeface="Work Sans Medium"/>
+                <a:sym typeface="Work Sans Medium"/>
+              </a:rPr>
+              <a:t/>
+            </a:r>
+            <a:br>
+              <a:rPr lang="en" sz="1000" dirty="0">
+                <a:solidFill>
+                  <a:srgbClr val="000000"/>
+                </a:solidFill>
+                <a:latin typeface="Work Sans Medium"/>
+                <a:ea typeface="Work Sans Medium"/>
+                <a:cs typeface="Work Sans Medium"/>
+                <a:sym typeface="Work Sans Medium"/>
+              </a:rPr>
+            </a:br>
+            <a:endParaRPr lang="en" sz="1000" dirty="0">
+              <a:solidFill>
+                <a:srgbClr val="000000"/>
+              </a:solidFill>
+              <a:latin typeface="Work Sans Medium"/>
+              <a:ea typeface="Work Sans Medium"/>
+              <a:cs typeface="Work Sans Medium"/>
+              <a:sym typeface="Work Sans Medium"/>
+            </a:endParaRPr>
+          </a:p>
+        </p:txBody>
+      </p:sp>
+      <p:sp>
+        <p:nvSpPr>
+          <p:cNvPr id="78" name="Shape 78"/>
+          <p:cNvSpPr txBox="1">
+            <a:spLocks noGrp="1"/>
+          </p:cNvSpPr>
+          <p:nvPr>
+            <p:ph type="sldNum" idx="12"/>
+          </p:nvPr>
+        </p:nvSpPr>
+        <p:spPr>
+          <a:prstGeom prst="rect">
+            <a:avLst/>
+          </a:prstGeom>
+        </p:spPr>
+        <p:txBody>
+          <a:bodyPr wrap="square" lIns="91425" tIns="91425" rIns="91425" bIns="91425" anchor="ctr" anchorCtr="0">
+            <a:noAutofit/>
+          </a:bodyPr>
+          <a:lstStyle/>
+          <a:p>
+            <a:pPr lvl="0">
+              <a:spcBef>
+                <a:spcPts val="0"/>
+              </a:spcBef>
+              <a:buNone/>
+            </a:pPr>
+            <a:fld id="{00000000-1234-1234-1234-123412341234}" type="slidenum">
+              <a:rPr lang="en"/>
+              <a:t>23</a:t>
+            </a:fld>
+            <a:endParaRPr lang="en"/>
+          </a:p>
+        </p:txBody>
+      </p:sp>
+      <p:pic>
+        <p:nvPicPr>
+          <p:cNvPr id="3" name="Picture 2"/>
+          <p:cNvPicPr>
+            <a:picLocks noChangeAspect="1"/>
+          </p:cNvPicPr>
+          <p:nvPr/>
+        </p:nvPicPr>
+        <p:blipFill rotWithShape="1">
+          <a:blip r:embed="rId3"/>
+          <a:srcRect l="3489" t="21944" r="56563" b="63704"/>
+          <a:stretch/>
+        </p:blipFill>
+        <p:spPr>
+          <a:xfrm>
+            <a:off x="869150" y="396004"/>
+            <a:ext cx="7290349" cy="2309095"/>
+          </a:xfrm>
+          <a:prstGeom prst="rect">
+            <a:avLst/>
+          </a:prstGeom>
+        </p:spPr>
+      </p:pic>
+    </p:spTree>
+    <p:extLst>
+      <p:ext uri="{BB962C8B-B14F-4D97-AF65-F5344CB8AC3E}">
+        <p14:creationId xmlns:p14="http://schemas.microsoft.com/office/powerpoint/2010/main" val="3802371247"/>
+      </p:ext>
+    </p:extLst>
+  </p:cSld>
+  <p:clrMapOvr>
+    <a:masterClrMapping/>
+  </p:clrMapOvr>
+  <p:timing>
+    <p:tnLst>
+      <p:par>
+        <p:cTn id="1" dur="indefinite" restart="never" nodeType="tmRoot"/>
+      </p:par>
+    </p:tnLst>
+  </p:timing>
+</p:sld>
+</file>
+
+<file path=ppt/slides/slide24.xml><?xml version="1.0" encoding="utf-8"?>
+<p:sld xmlns:a="http://schemas.openxmlformats.org/drawingml/2006/main" xmlns:r="http://schemas.openxmlformats.org/officeDocument/2006/relationships" xmlns:p="http://schemas.openxmlformats.org/presentationml/2006/main">
+  <p:cSld>
+    <p:spTree>
+      <p:nvGrpSpPr>
+        <p:cNvPr id="1" name="Shape 68"/>
+        <p:cNvGrpSpPr/>
+        <p:nvPr/>
+      </p:nvGrpSpPr>
+      <p:grpSpPr>
+        <a:xfrm>
+          <a:off x="0" y="0"/>
+          <a:ext cx="0" cy="0"/>
+          <a:chOff x="0" y="0"/>
+          <a:chExt cx="0" cy="0"/>
+        </a:xfrm>
+      </p:grpSpPr>
+      <p:sp>
+        <p:nvSpPr>
+          <p:cNvPr id="69" name="Shape 69"/>
+          <p:cNvSpPr txBox="1">
+            <a:spLocks noGrp="1"/>
+          </p:cNvSpPr>
+          <p:nvPr>
+            <p:ph type="title"/>
+          </p:nvPr>
+        </p:nvSpPr>
+        <p:spPr>
+          <a:xfrm>
+            <a:off x="869150" y="0"/>
+            <a:ext cx="7839049" cy="396005"/>
+          </a:xfrm>
+          <a:prstGeom prst="rect">
+            <a:avLst/>
+          </a:prstGeom>
+        </p:spPr>
+        <p:txBody>
+          <a:bodyPr wrap="square" lIns="91425" tIns="91425" rIns="91425" bIns="91425" anchor="b" anchorCtr="0">
+            <a:noAutofit/>
+          </a:bodyPr>
+          <a:lstStyle/>
+          <a:p>
+            <a:pPr lvl="0" rtl="0">
+              <a:spcBef>
+                <a:spcPts val="0"/>
+              </a:spcBef>
+              <a:buNone/>
+            </a:pPr>
+            <a:r>
+              <a:rPr lang="en" sz="2000" smtClean="0">
+                <a:latin typeface="Tahoma" panose="020B0604030504040204" pitchFamily="34" charset="0"/>
+                <a:ea typeface="Tahoma" panose="020B0604030504040204" pitchFamily="34" charset="0"/>
+                <a:cs typeface="Tahoma" panose="020B0604030504040204" pitchFamily="34" charset="0"/>
+              </a:rPr>
+              <a:t>Encryption</a:t>
+            </a:r>
+            <a:endParaRPr lang="en" sz="2000" dirty="0">
+              <a:latin typeface="Tahoma" panose="020B0604030504040204" pitchFamily="34" charset="0"/>
+              <a:ea typeface="Tahoma" panose="020B0604030504040204" pitchFamily="34" charset="0"/>
+              <a:cs typeface="Tahoma" panose="020B0604030504040204" pitchFamily="34" charset="0"/>
+            </a:endParaRPr>
+          </a:p>
+        </p:txBody>
+      </p:sp>
+      <p:sp>
+        <p:nvSpPr>
+          <p:cNvPr id="72" name="Shape 72"/>
+          <p:cNvSpPr txBox="1">
+            <a:spLocks noGrp="1"/>
+          </p:cNvSpPr>
+          <p:nvPr>
+            <p:ph type="body" idx="1"/>
+          </p:nvPr>
+        </p:nvSpPr>
+        <p:spPr>
+          <a:xfrm>
+            <a:off x="869150" y="2094275"/>
+            <a:ext cx="3594600" cy="1553400"/>
+          </a:xfrm>
+          <a:prstGeom prst="rect">
+            <a:avLst/>
+          </a:prstGeom>
+        </p:spPr>
+        <p:txBody>
+          <a:bodyPr wrap="square" lIns="91425" tIns="91425" rIns="91425" bIns="91425" anchor="t" anchorCtr="0">
+            <a:noAutofit/>
+          </a:bodyPr>
+          <a:lstStyle/>
+          <a:p>
+            <a:pPr lvl="0" rtl="0">
+              <a:spcBef>
+                <a:spcPts val="0"/>
+              </a:spcBef>
+              <a:spcAft>
+                <a:spcPts val="1000"/>
+              </a:spcAft>
+              <a:buNone/>
+            </a:pPr>
+            <a:r>
+              <a:rPr lang="en" sz="1000" dirty="0">
+                <a:solidFill>
+                  <a:srgbClr val="000000"/>
+                </a:solidFill>
+                <a:latin typeface="Work Sans Medium"/>
+                <a:ea typeface="Work Sans Medium"/>
+                <a:cs typeface="Work Sans Medium"/>
+                <a:sym typeface="Work Sans Medium"/>
+              </a:rPr>
+              <a:t/>
+            </a:r>
+            <a:br>
+              <a:rPr lang="en" sz="1000" dirty="0">
+                <a:solidFill>
+                  <a:srgbClr val="000000"/>
+                </a:solidFill>
+                <a:latin typeface="Work Sans Medium"/>
+                <a:ea typeface="Work Sans Medium"/>
+                <a:cs typeface="Work Sans Medium"/>
+                <a:sym typeface="Work Sans Medium"/>
+              </a:rPr>
+            </a:br>
+            <a:endParaRPr lang="en" sz="1000" dirty="0">
+              <a:solidFill>
+                <a:srgbClr val="000000"/>
+              </a:solidFill>
+              <a:latin typeface="Work Sans Medium"/>
+              <a:ea typeface="Work Sans Medium"/>
+              <a:cs typeface="Work Sans Medium"/>
+              <a:sym typeface="Work Sans Medium"/>
+            </a:endParaRPr>
+          </a:p>
+        </p:txBody>
+      </p:sp>
+      <p:sp>
+        <p:nvSpPr>
+          <p:cNvPr id="78" name="Shape 78"/>
+          <p:cNvSpPr txBox="1">
+            <a:spLocks noGrp="1"/>
+          </p:cNvSpPr>
+          <p:nvPr>
+            <p:ph type="sldNum" idx="12"/>
+          </p:nvPr>
+        </p:nvSpPr>
+        <p:spPr>
+          <a:prstGeom prst="rect">
+            <a:avLst/>
+          </a:prstGeom>
+        </p:spPr>
+        <p:txBody>
+          <a:bodyPr wrap="square" lIns="91425" tIns="91425" rIns="91425" bIns="91425" anchor="ctr" anchorCtr="0">
+            <a:noAutofit/>
+          </a:bodyPr>
+          <a:lstStyle/>
+          <a:p>
+            <a:pPr lvl="0">
+              <a:spcBef>
+                <a:spcPts val="0"/>
+              </a:spcBef>
+              <a:buNone/>
+            </a:pPr>
+            <a:fld id="{00000000-1234-1234-1234-123412341234}" type="slidenum">
+              <a:rPr lang="en"/>
+              <a:t>24</a:t>
+            </a:fld>
+            <a:endParaRPr lang="en"/>
+          </a:p>
+        </p:txBody>
+      </p:sp>
+      <p:pic>
+        <p:nvPicPr>
+          <p:cNvPr id="3" name="Picture 2"/>
+          <p:cNvPicPr>
+            <a:picLocks noChangeAspect="1"/>
+          </p:cNvPicPr>
+          <p:nvPr/>
+        </p:nvPicPr>
+        <p:blipFill rotWithShape="1">
+          <a:blip r:embed="rId3"/>
+          <a:srcRect l="3489" t="21944" r="56563" b="63704"/>
+          <a:stretch/>
+        </p:blipFill>
+        <p:spPr>
+          <a:xfrm>
+            <a:off x="869150" y="1615440"/>
+            <a:ext cx="6692703" cy="1903095"/>
+          </a:xfrm>
+          <a:prstGeom prst="rect">
+            <a:avLst/>
+          </a:prstGeom>
+        </p:spPr>
+      </p:pic>
+    </p:spTree>
+    <p:extLst>
+      <p:ext uri="{BB962C8B-B14F-4D97-AF65-F5344CB8AC3E}">
+        <p14:creationId xmlns:p14="http://schemas.microsoft.com/office/powerpoint/2010/main" val="874619100"/>
+      </p:ext>
+    </p:extLst>
+  </p:cSld>
+  <p:clrMapOvr>
+    <a:masterClrMapping/>
+  </p:clrMapOvr>
+  <p:timing>
+    <p:tnLst>
+      <p:par>
+        <p:cTn id="1" dur="indefinite" restart="never" nodeType="tmRoot"/>
+      </p:par>
+    </p:tnLst>
+  </p:timing>
+</p:sld>
+</file>
+
+<file path=ppt/slides/slide25.xml><?xml version="1.0" encoding="utf-8"?>
+<p:sld xmlns:a="http://schemas.openxmlformats.org/drawingml/2006/main" xmlns:r="http://schemas.openxmlformats.org/officeDocument/2006/relationships" xmlns:p="http://schemas.openxmlformats.org/presentationml/2006/main">
+  <p:cSld>
+    <p:spTree>
+      <p:nvGrpSpPr>
+        <p:cNvPr id="1" name=""/>
+        <p:cNvGrpSpPr/>
+        <p:nvPr/>
+      </p:nvGrpSpPr>
+      <p:grpSpPr>
+        <a:xfrm>
+          <a:off x="0" y="0"/>
+          <a:ext cx="0" cy="0"/>
+          <a:chOff x="0" y="0"/>
+          <a:chExt cx="0" cy="0"/>
+        </a:xfrm>
+      </p:grpSpPr>
+      <p:sp>
+        <p:nvSpPr>
+          <p:cNvPr id="2" name="Title 1"/>
+          <p:cNvSpPr>
+            <a:spLocks noGrp="1"/>
+          </p:cNvSpPr>
+          <p:nvPr>
+            <p:ph type="title"/>
+          </p:nvPr>
+        </p:nvSpPr>
+        <p:spPr/>
+        <p:txBody>
+          <a:bodyPr/>
+          <a:lstStyle/>
+          <a:p>
+            <a:endParaRPr lang="en-US"/>
+          </a:p>
+        </p:txBody>
+      </p:sp>
+      <p:sp>
+        <p:nvSpPr>
+          <p:cNvPr id="3" name="Text Placeholder 2"/>
+          <p:cNvSpPr>
+            <a:spLocks noGrp="1"/>
+          </p:cNvSpPr>
+          <p:nvPr>
+            <p:ph type="body" idx="1"/>
+          </p:nvPr>
+        </p:nvSpPr>
+        <p:spPr/>
+        <p:txBody>
+          <a:bodyPr/>
+          <a:lstStyle/>
+          <a:p>
+            <a:endParaRPr lang="en-US"/>
+          </a:p>
+        </p:txBody>
+      </p:sp>
+      <p:sp>
+        <p:nvSpPr>
+          <p:cNvPr id="4" name="Text Placeholder 3"/>
+          <p:cNvSpPr>
+            <a:spLocks noGrp="1"/>
+          </p:cNvSpPr>
+          <p:nvPr>
+            <p:ph type="body" idx="2"/>
+          </p:nvPr>
+        </p:nvSpPr>
+        <p:spPr/>
+        <p:txBody>
+          <a:bodyPr/>
+          <a:lstStyle/>
+          <a:p>
+            <a:endParaRPr lang="en-US"/>
+          </a:p>
+        </p:txBody>
+      </p:sp>
+      <p:sp>
+        <p:nvSpPr>
+          <p:cNvPr id="5" name="Slide Number Placeholder 4"/>
+          <p:cNvSpPr>
+            <a:spLocks noGrp="1"/>
+          </p:cNvSpPr>
+          <p:nvPr>
+            <p:ph type="sldNum" idx="12"/>
+          </p:nvPr>
+        </p:nvSpPr>
+        <p:spPr/>
+        <p:txBody>
+          <a:bodyPr/>
+          <a:lstStyle/>
+          <a:p>
+            <a:pPr lvl="0">
+              <a:spcBef>
+                <a:spcPts val="0"/>
+              </a:spcBef>
+              <a:buNone/>
+            </a:pPr>
+            <a:fld id="{00000000-1234-1234-1234-123412341234}" type="slidenum">
+              <a:rPr lang="en" smtClean="0"/>
+              <a:t>25</a:t>
+            </a:fld>
+            <a:endParaRPr lang="en"/>
+          </a:p>
+        </p:txBody>
+      </p:sp>
+      <p:pic>
+        <p:nvPicPr>
+          <p:cNvPr id="6" name="Picture 5"/>
+          <p:cNvPicPr>
+            <a:picLocks noChangeAspect="1"/>
+          </p:cNvPicPr>
+          <p:nvPr/>
+        </p:nvPicPr>
+        <p:blipFill rotWithShape="1">
+          <a:blip r:embed="rId2"/>
+          <a:srcRect l="4285" t="20485" r="51270" b="15458"/>
+          <a:stretch/>
+        </p:blipFill>
+        <p:spPr>
+          <a:xfrm>
+            <a:off x="952970" y="356399"/>
+            <a:ext cx="5752630" cy="4663740"/>
+          </a:xfrm>
+          <a:prstGeom prst="rect">
+            <a:avLst/>
+          </a:prstGeom>
+        </p:spPr>
+      </p:pic>
+    </p:spTree>
+    <p:extLst>
+      <p:ext uri="{BB962C8B-B14F-4D97-AF65-F5344CB8AC3E}">
+        <p14:creationId xmlns:p14="http://schemas.microsoft.com/office/powerpoint/2010/main" val="4116037036"/>
+      </p:ext>
+    </p:extLst>
+  </p:cSld>
+  <p:clrMapOvr>
+    <a:masterClrMapping/>
+  </p:clrMapOvr>
+</p:sld>
+</file>
+
+<file path=ppt/slides/slide26.xml><?xml version="1.0" encoding="utf-8"?>
+<p:sld xmlns:a="http://schemas.openxmlformats.org/drawingml/2006/main" xmlns:r="http://schemas.openxmlformats.org/officeDocument/2006/relationships" xmlns:p="http://schemas.openxmlformats.org/presentationml/2006/main">
+  <p:cSld>
+    <p:spTree>
+      <p:nvGrpSpPr>
         <p:cNvPr id="1" name="Shape 317"/>
         <p:cNvGrpSpPr/>
         <p:nvPr/>
@@ -14573,7 +16253,7 @@
             </a:pPr>
             <a:fld id="{00000000-1234-1234-1234-123412341234}" type="slidenum">
               <a:rPr lang="en"/>
-              <a:t>20</a:t>
+              <a:t>26</a:t>
             </a:fld>
             <a:endParaRPr lang="en"/>
           </a:p>
@@ -15447,7 +17127,7 @@
               </a:spcBef>
               <a:buNone/>
             </a:pPr>
-            <a:endParaRPr/>
+            <a:endParaRPr dirty="0"/>
           </a:p>
         </p:txBody>
       </p:sp>
@@ -18369,19 +20049,7 @@
                 <a:cs typeface="Tahoma" panose="020B0604030504040204" pitchFamily="34" charset="0"/>
                 <a:sym typeface="Work Sans Light"/>
               </a:rPr>
-              <a:t> </a:t>
-            </a:r>
-            <a:r>
-              <a:rPr lang="en-US" dirty="0" smtClean="0">
-                <a:solidFill>
-                  <a:schemeClr val="dk1"/>
-                </a:solidFill>
-                <a:latin typeface="Tahoma" panose="020B0604030504040204" pitchFamily="34" charset="0"/>
-                <a:ea typeface="Tahoma" panose="020B0604030504040204" pitchFamily="34" charset="0"/>
-                <a:cs typeface="Tahoma" panose="020B0604030504040204" pitchFamily="34" charset="0"/>
-                <a:sym typeface="Work Sans Light"/>
-              </a:rPr>
-              <a:t>– </a:t>
+              <a:t> – </a:t>
             </a:r>
             <a:r>
               <a:rPr lang="en-US" dirty="0" err="1" smtClean="0">
@@ -18428,31 +20096,7 @@
                 <a:cs typeface="Tahoma" panose="020B0604030504040204" pitchFamily="34" charset="0"/>
                 <a:sym typeface="Work Sans Light"/>
               </a:rPr>
-              <a:t> </a:t>
-            </a:r>
-            <a:r>
-              <a:rPr lang="en-US" dirty="0" smtClean="0">
-                <a:solidFill>
-                  <a:schemeClr val="dk1"/>
-                </a:solidFill>
-                <a:latin typeface="Tahoma" panose="020B0604030504040204" pitchFamily="34" charset="0"/>
-                <a:ea typeface="Tahoma" panose="020B0604030504040204" pitchFamily="34" charset="0"/>
-                <a:cs typeface="Tahoma" panose="020B0604030504040204" pitchFamily="34" charset="0"/>
-                <a:sym typeface="Work Sans Light"/>
-              </a:rPr>
-              <a:t>VIP </a:t>
-            </a:r>
-            <a:r>
-              <a:rPr lang="en-US" dirty="0" smtClean="0">
-                <a:solidFill>
-                  <a:schemeClr val="dk1"/>
-                </a:solidFill>
-                <a:latin typeface="Tahoma" panose="020B0604030504040204" pitchFamily="34" charset="0"/>
-                <a:ea typeface="Tahoma" panose="020B0604030504040204" pitchFamily="34" charset="0"/>
-                <a:cs typeface="Tahoma" panose="020B0604030504040204" pitchFamily="34" charset="0"/>
-                <a:sym typeface="Work Sans Light"/>
-              </a:rPr>
-              <a:t>– </a:t>
+              <a:t> VIP – </a:t>
             </a:r>
             <a:r>
               <a:rPr lang="en-US" dirty="0" err="1" smtClean="0">

--- a/Database/Report/CSDL.pptx
+++ b/Database/Report/CSDL.pptx
@@ -5,7 +5,7 @@
     <p:sldMasterId id="2147483689" r:id="rId1"/>
   </p:sldMasterIdLst>
   <p:notesMasterIdLst>
-    <p:notesMasterId r:id="rId28"/>
+    <p:notesMasterId r:id="rId33"/>
   </p:notesMasterIdLst>
   <p:sldIdLst>
     <p:sldId id="256" r:id="rId2"/>
@@ -33,7 +33,12 @@
     <p:sldId id="327" r:id="rId24"/>
     <p:sldId id="328" r:id="rId25"/>
     <p:sldId id="329" r:id="rId26"/>
-    <p:sldId id="296" r:id="rId27"/>
+    <p:sldId id="331" r:id="rId27"/>
+    <p:sldId id="332" r:id="rId28"/>
+    <p:sldId id="333" r:id="rId29"/>
+    <p:sldId id="334" r:id="rId30"/>
+    <p:sldId id="335" r:id="rId31"/>
+    <p:sldId id="296" r:id="rId32"/>
   </p:sldIdLst>
   <p:sldSz cx="9144000" cy="5143500" type="screen16x9"/>
   <p:notesSz cx="6858000" cy="9144000"/>
@@ -1900,6 +1905,218 @@
   <p:cSld>
     <p:spTree>
       <p:nvGrpSpPr>
+        <p:cNvPr id="1" name="Shape 65"/>
+        <p:cNvGrpSpPr/>
+        <p:nvPr/>
+      </p:nvGrpSpPr>
+      <p:grpSpPr>
+        <a:xfrm>
+          <a:off x="0" y="0"/>
+          <a:ext cx="0" cy="0"/>
+          <a:chOff x="0" y="0"/>
+          <a:chExt cx="0" cy="0"/>
+        </a:xfrm>
+      </p:grpSpPr>
+      <p:sp>
+        <p:nvSpPr>
+          <p:cNvPr id="66" name="Shape 66"/>
+          <p:cNvSpPr>
+            <a:spLocks noGrp="1" noRot="1" noChangeAspect="1"/>
+          </p:cNvSpPr>
+          <p:nvPr>
+            <p:ph type="sldImg" idx="2"/>
+          </p:nvPr>
+        </p:nvSpPr>
+        <p:spPr>
+          <a:xfrm>
+            <a:off x="381000" y="685800"/>
+            <a:ext cx="6096000" cy="3429000"/>
+          </a:xfrm>
+          <a:custGeom>
+            <a:avLst/>
+            <a:gdLst/>
+            <a:ahLst/>
+            <a:cxnLst/>
+            <a:rect l="0" t="0" r="0" b="0"/>
+            <a:pathLst>
+              <a:path w="120000" h="120000" extrusionOk="0">
+                <a:moveTo>
+                  <a:pt x="0" y="0"/>
+                </a:moveTo>
+                <a:lnTo>
+                  <a:pt x="120000" y="0"/>
+                </a:lnTo>
+                <a:lnTo>
+                  <a:pt x="120000" y="120000"/>
+                </a:lnTo>
+                <a:lnTo>
+                  <a:pt x="0" y="120000"/>
+                </a:lnTo>
+                <a:close/>
+              </a:path>
+            </a:pathLst>
+          </a:custGeom>
+        </p:spPr>
+      </p:sp>
+      <p:sp>
+        <p:nvSpPr>
+          <p:cNvPr id="67" name="Shape 67"/>
+          <p:cNvSpPr txBox="1">
+            <a:spLocks noGrp="1"/>
+          </p:cNvSpPr>
+          <p:nvPr>
+            <p:ph type="body" idx="1"/>
+          </p:nvPr>
+        </p:nvSpPr>
+        <p:spPr>
+          <a:xfrm>
+            <a:off x="685800" y="4343400"/>
+            <a:ext cx="5486400" cy="4114800"/>
+          </a:xfrm>
+          <a:prstGeom prst="rect">
+            <a:avLst/>
+          </a:prstGeom>
+        </p:spPr>
+        <p:txBody>
+          <a:bodyPr wrap="square" lIns="91425" tIns="91425" rIns="91425" bIns="91425" anchor="t" anchorCtr="0">
+            <a:noAutofit/>
+          </a:bodyPr>
+          <a:lstStyle/>
+          <a:p>
+            <a:pPr lvl="0">
+              <a:spcBef>
+                <a:spcPts val="0"/>
+              </a:spcBef>
+              <a:buNone/>
+            </a:pPr>
+            <a:endParaRPr dirty="0"/>
+          </a:p>
+        </p:txBody>
+      </p:sp>
+    </p:spTree>
+    <p:extLst>
+      <p:ext uri="{BB962C8B-B14F-4D97-AF65-F5344CB8AC3E}">
+        <p14:creationId xmlns:p14="http://schemas.microsoft.com/office/powerpoint/2010/main" val="1136194871"/>
+      </p:ext>
+    </p:extLst>
+  </p:cSld>
+  <p:clrMapOvr>
+    <a:masterClrMapping/>
+  </p:clrMapOvr>
+</p:notes>
+</file>
+
+<file path=ppt/notesSlides/notesSlide23.xml><?xml version="1.0" encoding="utf-8"?>
+<p:notes xmlns:a="http://schemas.openxmlformats.org/drawingml/2006/main" xmlns:r="http://schemas.openxmlformats.org/officeDocument/2006/relationships" xmlns:p="http://schemas.openxmlformats.org/presentationml/2006/main" showMasterSp="0" showMasterPhAnim="0">
+  <p:cSld>
+    <p:spTree>
+      <p:nvGrpSpPr>
+        <p:cNvPr id="1" name="Shape 65"/>
+        <p:cNvGrpSpPr/>
+        <p:nvPr/>
+      </p:nvGrpSpPr>
+      <p:grpSpPr>
+        <a:xfrm>
+          <a:off x="0" y="0"/>
+          <a:ext cx="0" cy="0"/>
+          <a:chOff x="0" y="0"/>
+          <a:chExt cx="0" cy="0"/>
+        </a:xfrm>
+      </p:grpSpPr>
+      <p:sp>
+        <p:nvSpPr>
+          <p:cNvPr id="66" name="Shape 66"/>
+          <p:cNvSpPr>
+            <a:spLocks noGrp="1" noRot="1" noChangeAspect="1"/>
+          </p:cNvSpPr>
+          <p:nvPr>
+            <p:ph type="sldImg" idx="2"/>
+          </p:nvPr>
+        </p:nvSpPr>
+        <p:spPr>
+          <a:xfrm>
+            <a:off x="381000" y="685800"/>
+            <a:ext cx="6096000" cy="3429000"/>
+          </a:xfrm>
+          <a:custGeom>
+            <a:avLst/>
+            <a:gdLst/>
+            <a:ahLst/>
+            <a:cxnLst/>
+            <a:rect l="0" t="0" r="0" b="0"/>
+            <a:pathLst>
+              <a:path w="120000" h="120000" extrusionOk="0">
+                <a:moveTo>
+                  <a:pt x="0" y="0"/>
+                </a:moveTo>
+                <a:lnTo>
+                  <a:pt x="120000" y="0"/>
+                </a:lnTo>
+                <a:lnTo>
+                  <a:pt x="120000" y="120000"/>
+                </a:lnTo>
+                <a:lnTo>
+                  <a:pt x="0" y="120000"/>
+                </a:lnTo>
+                <a:close/>
+              </a:path>
+            </a:pathLst>
+          </a:custGeom>
+        </p:spPr>
+      </p:sp>
+      <p:sp>
+        <p:nvSpPr>
+          <p:cNvPr id="67" name="Shape 67"/>
+          <p:cNvSpPr txBox="1">
+            <a:spLocks noGrp="1"/>
+          </p:cNvSpPr>
+          <p:nvPr>
+            <p:ph type="body" idx="1"/>
+          </p:nvPr>
+        </p:nvSpPr>
+        <p:spPr>
+          <a:xfrm>
+            <a:off x="685800" y="4343400"/>
+            <a:ext cx="5486400" cy="4114800"/>
+          </a:xfrm>
+          <a:prstGeom prst="rect">
+            <a:avLst/>
+          </a:prstGeom>
+        </p:spPr>
+        <p:txBody>
+          <a:bodyPr wrap="square" lIns="91425" tIns="91425" rIns="91425" bIns="91425" anchor="t" anchorCtr="0">
+            <a:noAutofit/>
+          </a:bodyPr>
+          <a:lstStyle/>
+          <a:p>
+            <a:pPr lvl="0">
+              <a:spcBef>
+                <a:spcPts val="0"/>
+              </a:spcBef>
+              <a:buNone/>
+            </a:pPr>
+            <a:endParaRPr dirty="0"/>
+          </a:p>
+        </p:txBody>
+      </p:sp>
+    </p:spTree>
+    <p:extLst>
+      <p:ext uri="{BB962C8B-B14F-4D97-AF65-F5344CB8AC3E}">
+        <p14:creationId xmlns:p14="http://schemas.microsoft.com/office/powerpoint/2010/main" val="2800381166"/>
+      </p:ext>
+    </p:extLst>
+  </p:cSld>
+  <p:clrMapOvr>
+    <a:masterClrMapping/>
+  </p:clrMapOvr>
+</p:notes>
+</file>
+
+<file path=ppt/notesSlides/notesSlide24.xml><?xml version="1.0" encoding="utf-8"?>
+<p:notes xmlns:a="http://schemas.openxmlformats.org/drawingml/2006/main" xmlns:r="http://schemas.openxmlformats.org/officeDocument/2006/relationships" xmlns:p="http://schemas.openxmlformats.org/presentationml/2006/main" showMasterSp="0" showMasterPhAnim="0">
+  <p:cSld>
+    <p:spTree>
+      <p:nvGrpSpPr>
         <p:cNvPr id="1" name="Shape 314"/>
         <p:cNvGrpSpPr/>
         <p:nvPr/>
@@ -3954,7 +4171,7 @@
           <a:p>
             <a:fld id="{95831708-B7EC-472E-8C66-3209387C6512}" type="datetimeFigureOut">
               <a:rPr lang="en-US" smtClean="0"/>
-              <a:t>11/30/2017</a:t>
+              <a:t>12/1/2017</a:t>
             </a:fld>
             <a:endParaRPr lang="en-US" dirty="0"/>
           </a:p>
@@ -4222,7 +4439,7 @@
           <a:p>
             <a:fld id="{95831708-B7EC-472E-8C66-3209387C6512}" type="datetimeFigureOut">
               <a:rPr lang="en-US" smtClean="0"/>
-              <a:t>11/30/2017</a:t>
+              <a:t>12/1/2017</a:t>
             </a:fld>
             <a:endParaRPr lang="en-US" dirty="0"/>
           </a:p>
@@ -4432,7 +4649,7 @@
           <a:p>
             <a:fld id="{95831708-B7EC-472E-8C66-3209387C6512}" type="datetimeFigureOut">
               <a:rPr lang="en-US" smtClean="0"/>
-              <a:t>11/30/2017</a:t>
+              <a:t>12/1/2017</a:t>
             </a:fld>
             <a:endParaRPr lang="en-US" dirty="0"/>
           </a:p>
@@ -5328,7 +5545,7 @@
           <a:p>
             <a:fld id="{95831708-B7EC-472E-8C66-3209387C6512}" type="datetimeFigureOut">
               <a:rPr lang="en-US" smtClean="0"/>
-              <a:t>11/30/2017</a:t>
+              <a:t>12/1/2017</a:t>
             </a:fld>
             <a:endParaRPr lang="en-US" dirty="0"/>
           </a:p>
@@ -5634,7 +5851,7 @@
           <a:p>
             <a:fld id="{95831708-B7EC-472E-8C66-3209387C6512}" type="datetimeFigureOut">
               <a:rPr lang="en-US" smtClean="0"/>
-              <a:t>11/30/2017</a:t>
+              <a:t>12/1/2017</a:t>
             </a:fld>
             <a:endParaRPr lang="en-US" dirty="0"/>
           </a:p>
@@ -6865,7 +7082,7 @@
           <a:p>
             <a:fld id="{95831708-B7EC-472E-8C66-3209387C6512}" type="datetimeFigureOut">
               <a:rPr lang="en-US" smtClean="0"/>
-              <a:t>11/30/2017</a:t>
+              <a:t>12/1/2017</a:t>
             </a:fld>
             <a:endParaRPr lang="en-US" dirty="0"/>
           </a:p>
@@ -7285,7 +7502,7 @@
           <a:p>
             <a:fld id="{95831708-B7EC-472E-8C66-3209387C6512}" type="datetimeFigureOut">
               <a:rPr lang="en-US" smtClean="0"/>
-              <a:t>11/30/2017</a:t>
+              <a:t>12/1/2017</a:t>
             </a:fld>
             <a:endParaRPr lang="en-US" dirty="0"/>
           </a:p>
@@ -7438,7 +7655,7 @@
           <a:p>
             <a:fld id="{95831708-B7EC-472E-8C66-3209387C6512}" type="datetimeFigureOut">
               <a:rPr lang="en-US" smtClean="0"/>
-              <a:t>11/30/2017</a:t>
+              <a:t>12/1/2017</a:t>
             </a:fld>
             <a:endParaRPr lang="en-US" dirty="0"/>
           </a:p>
@@ -7563,7 +7780,7 @@
           <a:p>
             <a:fld id="{95831708-B7EC-472E-8C66-3209387C6512}" type="datetimeFigureOut">
               <a:rPr lang="en-US" smtClean="0"/>
-              <a:t>11/30/2017</a:t>
+              <a:t>12/1/2017</a:t>
             </a:fld>
             <a:endParaRPr lang="en-US" dirty="0"/>
           </a:p>
@@ -8339,7 +8556,7 @@
           <a:p>
             <a:fld id="{95831708-B7EC-472E-8C66-3209387C6512}" type="datetimeFigureOut">
               <a:rPr lang="en-US" smtClean="0"/>
-              <a:t>11/30/2017</a:t>
+              <a:t>12/1/2017</a:t>
             </a:fld>
             <a:endParaRPr lang="en-US" dirty="0"/>
           </a:p>
@@ -9209,7 +9426,7 @@
           <a:p>
             <a:fld id="{95831708-B7EC-472E-8C66-3209387C6512}" type="datetimeFigureOut">
               <a:rPr lang="en-US" smtClean="0"/>
-              <a:t>11/30/2017</a:t>
+              <a:t>12/1/2017</a:t>
             </a:fld>
             <a:endParaRPr lang="en-US" dirty="0"/>
           </a:p>
@@ -9466,7 +9683,7 @@
           <a:p>
             <a:fld id="{95831708-B7EC-472E-8C66-3209387C6512}" type="datetimeFigureOut">
               <a:rPr lang="en-US" smtClean="0"/>
-              <a:t>11/30/2017</a:t>
+              <a:t>12/1/2017</a:t>
             </a:fld>
             <a:endParaRPr lang="en-US" dirty="0"/>
           </a:p>
@@ -10812,15 +11029,7 @@
                 <a:ea typeface="Tahoma" panose="020B0604030504040204" pitchFamily="34" charset="0"/>
                 <a:cs typeface="Tahoma" panose="020B0604030504040204" pitchFamily="34" charset="0"/>
               </a:rPr>
-              <a:t> </a:t>
-            </a:r>
-            <a:r>
-              <a:rPr lang="en-US" smtClean="0">
-                <a:latin typeface="Tahoma" panose="020B0604030504040204" pitchFamily="34" charset="0"/>
-                <a:ea typeface="Tahoma" panose="020B0604030504040204" pitchFamily="34" charset="0"/>
-                <a:cs typeface="Tahoma" panose="020B0604030504040204" pitchFamily="34" charset="0"/>
-              </a:rPr>
-              <a:t>Min </a:t>
+              <a:t> Min </a:t>
             </a:r>
             <a:r>
               <a:rPr lang="en-US" dirty="0" smtClean="0">
@@ -16212,7 +16421,7 @@
   <p:cSld>
     <p:spTree>
       <p:nvGrpSpPr>
-        <p:cNvPr id="1" name="Shape 317"/>
+        <p:cNvPr id="1" name="Shape 68"/>
         <p:cNvGrpSpPr/>
         <p:nvPr/>
       </p:nvGrpSpPr>
@@ -16226,12 +16435,128 @@
       </p:grpSpPr>
       <p:sp>
         <p:nvSpPr>
-          <p:cNvPr id="321" name="Shape 321"/>
+          <p:cNvPr id="69" name="Shape 69"/>
           <p:cNvSpPr txBox="1">
             <a:spLocks noGrp="1"/>
           </p:cNvSpPr>
           <p:nvPr>
-            <p:ph type="sldNum" sz="quarter" idx="12"/>
+            <p:ph type="title"/>
+          </p:nvPr>
+        </p:nvSpPr>
+        <p:spPr>
+          <a:xfrm>
+            <a:off x="869150" y="0"/>
+            <a:ext cx="7839049" cy="396005"/>
+          </a:xfrm>
+          <a:prstGeom prst="rect">
+            <a:avLst/>
+          </a:prstGeom>
+        </p:spPr>
+        <p:txBody>
+          <a:bodyPr wrap="square" lIns="91425" tIns="91425" rIns="91425" bIns="91425" anchor="b" anchorCtr="0">
+            <a:noAutofit/>
+          </a:bodyPr>
+          <a:lstStyle/>
+          <a:p>
+            <a:pPr lvl="0" rtl="0">
+              <a:spcBef>
+                <a:spcPts val="0"/>
+              </a:spcBef>
+              <a:buNone/>
+            </a:pPr>
+            <a:r>
+              <a:rPr lang="en" sz="2000" smtClean="0">
+                <a:latin typeface="Tahoma" panose="020B0604030504040204" pitchFamily="34" charset="0"/>
+                <a:ea typeface="Tahoma" panose="020B0604030504040204" pitchFamily="34" charset="0"/>
+                <a:cs typeface="Tahoma" panose="020B0604030504040204" pitchFamily="34" charset="0"/>
+              </a:rPr>
+              <a:t>Transaction</a:t>
+            </a:r>
+            <a:endParaRPr lang="en" sz="2000" dirty="0">
+              <a:latin typeface="Tahoma" panose="020B0604030504040204" pitchFamily="34" charset="0"/>
+              <a:ea typeface="Tahoma" panose="020B0604030504040204" pitchFamily="34" charset="0"/>
+              <a:cs typeface="Tahoma" panose="020B0604030504040204" pitchFamily="34" charset="0"/>
+            </a:endParaRPr>
+          </a:p>
+        </p:txBody>
+      </p:sp>
+      <p:sp>
+        <p:nvSpPr>
+          <p:cNvPr id="72" name="Shape 72"/>
+          <p:cNvSpPr txBox="1">
+            <a:spLocks noGrp="1"/>
+          </p:cNvSpPr>
+          <p:nvPr>
+            <p:ph type="body" idx="1"/>
+          </p:nvPr>
+        </p:nvSpPr>
+        <p:spPr>
+          <a:xfrm>
+            <a:off x="869150" y="2094275"/>
+            <a:ext cx="3594600" cy="1553400"/>
+          </a:xfrm>
+          <a:prstGeom prst="rect">
+            <a:avLst/>
+          </a:prstGeom>
+        </p:spPr>
+        <p:txBody>
+          <a:bodyPr wrap="square" lIns="91425" tIns="91425" rIns="91425" bIns="91425" anchor="t" anchorCtr="0">
+            <a:noAutofit/>
+          </a:bodyPr>
+          <a:lstStyle/>
+          <a:p>
+            <a:pPr lvl="0" rtl="0">
+              <a:spcBef>
+                <a:spcPts val="0"/>
+              </a:spcBef>
+              <a:spcAft>
+                <a:spcPts val="1000"/>
+              </a:spcAft>
+              <a:buNone/>
+            </a:pPr>
+            <a:r>
+              <a:rPr lang="en" sz="1000" dirty="0">
+                <a:solidFill>
+                  <a:srgbClr val="000000"/>
+                </a:solidFill>
+                <a:latin typeface="Work Sans Medium"/>
+                <a:ea typeface="Work Sans Medium"/>
+                <a:cs typeface="Work Sans Medium"/>
+                <a:sym typeface="Work Sans Medium"/>
+              </a:rPr>
+              <a:t/>
+            </a:r>
+            <a:br>
+              <a:rPr lang="en" sz="1000" dirty="0">
+                <a:solidFill>
+                  <a:srgbClr val="000000"/>
+                </a:solidFill>
+                <a:latin typeface="Work Sans Medium"/>
+                <a:ea typeface="Work Sans Medium"/>
+                <a:cs typeface="Work Sans Medium"/>
+                <a:sym typeface="Work Sans Medium"/>
+              </a:rPr>
+            </a:br>
+            <a:endParaRPr lang="en" sz="1000" dirty="0">
+              <a:solidFill>
+                <a:srgbClr val="000000"/>
+              </a:solidFill>
+              <a:latin typeface="Work Sans Medium"/>
+              <a:ea typeface="Work Sans Medium"/>
+              <a:cs typeface="Work Sans Medium"/>
+              <a:sym typeface="Work Sans Medium"/>
+            </a:endParaRPr>
+          </a:p>
+        </p:txBody>
+      </p:sp>
+      <p:sp>
+        <p:nvSpPr>
+          <p:cNvPr id="78" name="Shape 78"/>
+          <p:cNvSpPr txBox="1">
+            <a:spLocks noGrp="1"/>
+          </p:cNvSpPr>
+          <p:nvPr>
+            <p:ph type="sldNum" idx="12"/>
           </p:nvPr>
         </p:nvSpPr>
         <p:spPr>
@@ -16259,20 +16584,80 @@
           </a:p>
         </p:txBody>
       </p:sp>
+      <p:pic>
+        <p:nvPicPr>
+          <p:cNvPr id="4" name="Picture 3"/>
+          <p:cNvPicPr>
+            <a:picLocks noChangeAspect="1"/>
+          </p:cNvPicPr>
+          <p:nvPr/>
+        </p:nvPicPr>
+        <p:blipFill rotWithShape="1">
+          <a:blip r:embed="rId3"/>
+          <a:srcRect l="4272" t="14815" r="13958" b="8889"/>
+          <a:stretch/>
+        </p:blipFill>
+        <p:spPr>
+          <a:xfrm>
+            <a:off x="869150" y="396004"/>
+            <a:ext cx="7523562" cy="4390873"/>
+          </a:xfrm>
+          <a:prstGeom prst="rect">
+            <a:avLst/>
+          </a:prstGeom>
+        </p:spPr>
+      </p:pic>
+    </p:spTree>
+    <p:extLst>
+      <p:ext uri="{BB962C8B-B14F-4D97-AF65-F5344CB8AC3E}">
+        <p14:creationId xmlns:p14="http://schemas.microsoft.com/office/powerpoint/2010/main" val="1805636861"/>
+      </p:ext>
+    </p:extLst>
+  </p:cSld>
+  <p:clrMapOvr>
+    <a:masterClrMapping/>
+  </p:clrMapOvr>
+  <p:timing>
+    <p:tnLst>
+      <p:par>
+        <p:cTn id="1" dur="indefinite" restart="never" nodeType="tmRoot"/>
+      </p:par>
+    </p:tnLst>
+  </p:timing>
+</p:sld>
+</file>
+
+<file path=ppt/slides/slide27.xml><?xml version="1.0" encoding="utf-8"?>
+<p:sld xmlns:a="http://schemas.openxmlformats.org/drawingml/2006/main" xmlns:r="http://schemas.openxmlformats.org/officeDocument/2006/relationships" xmlns:p="http://schemas.openxmlformats.org/presentationml/2006/main">
+  <p:cSld>
+    <p:spTree>
+      <p:nvGrpSpPr>
+        <p:cNvPr id="1" name="Shape 68"/>
+        <p:cNvGrpSpPr/>
+        <p:nvPr/>
+      </p:nvGrpSpPr>
+      <p:grpSpPr>
+        <a:xfrm>
+          <a:off x="0" y="0"/>
+          <a:ext cx="0" cy="0"/>
+          <a:chOff x="0" y="0"/>
+          <a:chExt cx="0" cy="0"/>
+        </a:xfrm>
+      </p:grpSpPr>
       <p:sp>
         <p:nvSpPr>
-          <p:cNvPr id="318" name="Shape 318"/>
+          <p:cNvPr id="69" name="Shape 69"/>
           <p:cNvSpPr txBox="1">
             <a:spLocks noGrp="1"/>
           </p:cNvSpPr>
           <p:nvPr>
-            <p:ph type="ctrTitle" idx="4294967295"/>
+            <p:ph type="title"/>
           </p:nvPr>
         </p:nvSpPr>
         <p:spPr>
           <a:xfrm>
-            <a:off x="1374778" y="2014098"/>
-            <a:ext cx="4953633" cy="1011238"/>
+            <a:off x="869150" y="0"/>
+            <a:ext cx="7839049" cy="396005"/>
           </a:xfrm>
           <a:prstGeom prst="rect">
             <a:avLst/>
@@ -16291,829 +16676,104 @@
               <a:buNone/>
             </a:pPr>
             <a:r>
-              <a:rPr lang="en" sz="4800" dirty="0" smtClean="0">
-                <a:latin typeface="Tahoma" panose="020B0604030504040204" pitchFamily="34" charset="0"/>
-                <a:ea typeface="Tahoma" panose="020B0604030504040204" pitchFamily="34" charset="0"/>
-                <a:cs typeface="Tahoma" panose="020B0604030504040204" pitchFamily="34" charset="0"/>
-                <a:sym typeface="Arial"/>
-              </a:rPr>
-              <a:t>	Xin cảm </a:t>
-            </a:r>
-            <a:r>
-              <a:rPr lang="en" sz="4800" dirty="0">
-                <a:latin typeface="Tahoma" panose="020B0604030504040204" pitchFamily="34" charset="0"/>
-                <a:ea typeface="Tahoma" panose="020B0604030504040204" pitchFamily="34" charset="0"/>
-                <a:cs typeface="Tahoma" panose="020B0604030504040204" pitchFamily="34" charset="0"/>
-                <a:sym typeface="Arial"/>
-              </a:rPr>
-              <a:t>ơn ! </a:t>
-            </a:r>
+              <a:rPr lang="en" sz="2000" smtClean="0">
+                <a:latin typeface="Tahoma" panose="020B0604030504040204" pitchFamily="34" charset="0"/>
+                <a:ea typeface="Tahoma" panose="020B0604030504040204" pitchFamily="34" charset="0"/>
+                <a:cs typeface="Tahoma" panose="020B0604030504040204" pitchFamily="34" charset="0"/>
+              </a:rPr>
+              <a:t>Job</a:t>
+            </a:r>
+            <a:endParaRPr lang="en" sz="2000" dirty="0">
+              <a:latin typeface="Tahoma" panose="020B0604030504040204" pitchFamily="34" charset="0"/>
+              <a:ea typeface="Tahoma" panose="020B0604030504040204" pitchFamily="34" charset="0"/>
+              <a:cs typeface="Tahoma" panose="020B0604030504040204" pitchFamily="34" charset="0"/>
+            </a:endParaRPr>
           </a:p>
         </p:txBody>
       </p:sp>
       <p:sp>
         <p:nvSpPr>
-          <p:cNvPr id="320" name="Shape 320"/>
-          <p:cNvSpPr/>
-          <p:nvPr/>
+          <p:cNvPr id="72" name="Shape 72"/>
+          <p:cNvSpPr txBox="1">
+            <a:spLocks noGrp="1"/>
+          </p:cNvSpPr>
+          <p:nvPr>
+            <p:ph type="body" idx="1"/>
+          </p:nvPr>
         </p:nvSpPr>
         <p:spPr>
           <a:xfrm>
-            <a:off x="6328411" y="1643562"/>
-            <a:ext cx="1752310" cy="1752310"/>
+            <a:off x="869150" y="2094275"/>
+            <a:ext cx="3594600" cy="1553400"/>
           </a:xfrm>
-          <a:custGeom>
+          <a:prstGeom prst="rect">
             <a:avLst/>
-            <a:gdLst/>
-            <a:ahLst/>
-            <a:cxnLst/>
-            <a:rect l="0" t="0" r="0" b="0"/>
-            <a:pathLst>
-              <a:path w="15290" h="15290" extrusionOk="0">
-                <a:moveTo>
-                  <a:pt x="4519" y="6815"/>
-                </a:moveTo>
-                <a:lnTo>
-                  <a:pt x="4690" y="6839"/>
-                </a:lnTo>
-                <a:lnTo>
-                  <a:pt x="4861" y="6888"/>
-                </a:lnTo>
-                <a:lnTo>
-                  <a:pt x="5007" y="6986"/>
-                </a:lnTo>
-                <a:lnTo>
-                  <a:pt x="5154" y="7084"/>
-                </a:lnTo>
-                <a:lnTo>
-                  <a:pt x="5251" y="7230"/>
-                </a:lnTo>
-                <a:lnTo>
-                  <a:pt x="5325" y="7401"/>
-                </a:lnTo>
-                <a:lnTo>
-                  <a:pt x="5374" y="7572"/>
-                </a:lnTo>
-                <a:lnTo>
-                  <a:pt x="5398" y="7767"/>
-                </a:lnTo>
-                <a:lnTo>
-                  <a:pt x="5374" y="7963"/>
-                </a:lnTo>
-                <a:lnTo>
-                  <a:pt x="5325" y="8134"/>
-                </a:lnTo>
-                <a:lnTo>
-                  <a:pt x="5251" y="8305"/>
-                </a:lnTo>
-                <a:lnTo>
-                  <a:pt x="5154" y="8451"/>
-                </a:lnTo>
-                <a:lnTo>
-                  <a:pt x="5007" y="8549"/>
-                </a:lnTo>
-                <a:lnTo>
-                  <a:pt x="4861" y="8647"/>
-                </a:lnTo>
-                <a:lnTo>
-                  <a:pt x="4690" y="8696"/>
-                </a:lnTo>
-                <a:lnTo>
-                  <a:pt x="4519" y="8720"/>
-                </a:lnTo>
-                <a:lnTo>
-                  <a:pt x="4348" y="8696"/>
-                </a:lnTo>
-                <a:lnTo>
-                  <a:pt x="4177" y="8647"/>
-                </a:lnTo>
-                <a:lnTo>
-                  <a:pt x="4030" y="8549"/>
-                </a:lnTo>
-                <a:lnTo>
-                  <a:pt x="3884" y="8451"/>
-                </a:lnTo>
-                <a:lnTo>
-                  <a:pt x="3786" y="8305"/>
-                </a:lnTo>
-                <a:lnTo>
-                  <a:pt x="3713" y="8134"/>
-                </a:lnTo>
-                <a:lnTo>
-                  <a:pt x="3664" y="7963"/>
-                </a:lnTo>
-                <a:lnTo>
-                  <a:pt x="3640" y="7767"/>
-                </a:lnTo>
-                <a:lnTo>
-                  <a:pt x="3664" y="7572"/>
-                </a:lnTo>
-                <a:lnTo>
-                  <a:pt x="3713" y="7401"/>
-                </a:lnTo>
-                <a:lnTo>
-                  <a:pt x="3786" y="7230"/>
-                </a:lnTo>
-                <a:lnTo>
-                  <a:pt x="3884" y="7084"/>
-                </a:lnTo>
-                <a:lnTo>
-                  <a:pt x="4030" y="6986"/>
-                </a:lnTo>
-                <a:lnTo>
-                  <a:pt x="4177" y="6888"/>
-                </a:lnTo>
-                <a:lnTo>
-                  <a:pt x="4348" y="6839"/>
-                </a:lnTo>
-                <a:lnTo>
-                  <a:pt x="4519" y="6815"/>
-                </a:lnTo>
-                <a:close/>
-                <a:moveTo>
-                  <a:pt x="10771" y="6815"/>
-                </a:moveTo>
-                <a:lnTo>
-                  <a:pt x="10942" y="6839"/>
-                </a:lnTo>
-                <a:lnTo>
-                  <a:pt x="11113" y="6888"/>
-                </a:lnTo>
-                <a:lnTo>
-                  <a:pt x="11260" y="6986"/>
-                </a:lnTo>
-                <a:lnTo>
-                  <a:pt x="11406" y="7084"/>
-                </a:lnTo>
-                <a:lnTo>
-                  <a:pt x="11504" y="7230"/>
-                </a:lnTo>
-                <a:lnTo>
-                  <a:pt x="11577" y="7401"/>
-                </a:lnTo>
-                <a:lnTo>
-                  <a:pt x="11626" y="7572"/>
-                </a:lnTo>
-                <a:lnTo>
-                  <a:pt x="11650" y="7767"/>
-                </a:lnTo>
-                <a:lnTo>
-                  <a:pt x="11626" y="7963"/>
-                </a:lnTo>
-                <a:lnTo>
-                  <a:pt x="11577" y="8134"/>
-                </a:lnTo>
-                <a:lnTo>
-                  <a:pt x="11504" y="8305"/>
-                </a:lnTo>
-                <a:lnTo>
-                  <a:pt x="11406" y="8451"/>
-                </a:lnTo>
-                <a:lnTo>
-                  <a:pt x="11260" y="8549"/>
-                </a:lnTo>
-                <a:lnTo>
-                  <a:pt x="11113" y="8647"/>
-                </a:lnTo>
-                <a:lnTo>
-                  <a:pt x="10942" y="8696"/>
-                </a:lnTo>
-                <a:lnTo>
-                  <a:pt x="10771" y="8720"/>
-                </a:lnTo>
-                <a:lnTo>
-                  <a:pt x="10600" y="8696"/>
-                </a:lnTo>
-                <a:lnTo>
-                  <a:pt x="10429" y="8647"/>
-                </a:lnTo>
-                <a:lnTo>
-                  <a:pt x="10283" y="8549"/>
-                </a:lnTo>
-                <a:lnTo>
-                  <a:pt x="10136" y="8451"/>
-                </a:lnTo>
-                <a:lnTo>
-                  <a:pt x="10038" y="8305"/>
-                </a:lnTo>
-                <a:lnTo>
-                  <a:pt x="9965" y="8134"/>
-                </a:lnTo>
-                <a:lnTo>
-                  <a:pt x="9916" y="7963"/>
-                </a:lnTo>
-                <a:lnTo>
-                  <a:pt x="9892" y="7767"/>
-                </a:lnTo>
-                <a:lnTo>
-                  <a:pt x="9916" y="7572"/>
-                </a:lnTo>
-                <a:lnTo>
-                  <a:pt x="9965" y="7401"/>
-                </a:lnTo>
-                <a:lnTo>
-                  <a:pt x="10038" y="7230"/>
-                </a:lnTo>
-                <a:lnTo>
-                  <a:pt x="10136" y="7084"/>
-                </a:lnTo>
-                <a:lnTo>
-                  <a:pt x="10283" y="6986"/>
-                </a:lnTo>
-                <a:lnTo>
-                  <a:pt x="10429" y="6888"/>
-                </a:lnTo>
-                <a:lnTo>
-                  <a:pt x="10600" y="6839"/>
-                </a:lnTo>
-                <a:lnTo>
-                  <a:pt x="10771" y="6815"/>
-                </a:lnTo>
-                <a:close/>
-                <a:moveTo>
-                  <a:pt x="11308" y="10210"/>
-                </a:moveTo>
-                <a:lnTo>
-                  <a:pt x="11406" y="10234"/>
-                </a:lnTo>
-                <a:lnTo>
-                  <a:pt x="11479" y="10259"/>
-                </a:lnTo>
-                <a:lnTo>
-                  <a:pt x="11577" y="10307"/>
-                </a:lnTo>
-                <a:lnTo>
-                  <a:pt x="11650" y="10356"/>
-                </a:lnTo>
-                <a:lnTo>
-                  <a:pt x="11699" y="10430"/>
-                </a:lnTo>
-                <a:lnTo>
-                  <a:pt x="11748" y="10527"/>
-                </a:lnTo>
-                <a:lnTo>
-                  <a:pt x="11772" y="10625"/>
-                </a:lnTo>
-                <a:lnTo>
-                  <a:pt x="11797" y="10698"/>
-                </a:lnTo>
-                <a:lnTo>
-                  <a:pt x="11772" y="10796"/>
-                </a:lnTo>
-                <a:lnTo>
-                  <a:pt x="11748" y="10894"/>
-                </a:lnTo>
-                <a:lnTo>
-                  <a:pt x="11699" y="10967"/>
-                </a:lnTo>
-                <a:lnTo>
-                  <a:pt x="11650" y="11065"/>
-                </a:lnTo>
-                <a:lnTo>
-                  <a:pt x="11235" y="11431"/>
-                </a:lnTo>
-                <a:lnTo>
-                  <a:pt x="10795" y="11773"/>
-                </a:lnTo>
-                <a:lnTo>
-                  <a:pt x="10307" y="12041"/>
-                </a:lnTo>
-                <a:lnTo>
-                  <a:pt x="9819" y="12286"/>
-                </a:lnTo>
-                <a:lnTo>
-                  <a:pt x="9281" y="12457"/>
-                </a:lnTo>
-                <a:lnTo>
-                  <a:pt x="8768" y="12603"/>
-                </a:lnTo>
-                <a:lnTo>
-                  <a:pt x="8207" y="12676"/>
-                </a:lnTo>
-                <a:lnTo>
-                  <a:pt x="7645" y="12701"/>
-                </a:lnTo>
-                <a:lnTo>
-                  <a:pt x="7083" y="12676"/>
-                </a:lnTo>
-                <a:lnTo>
-                  <a:pt x="6521" y="12603"/>
-                </a:lnTo>
-                <a:lnTo>
-                  <a:pt x="6009" y="12457"/>
-                </a:lnTo>
-                <a:lnTo>
-                  <a:pt x="5471" y="12286"/>
-                </a:lnTo>
-                <a:lnTo>
-                  <a:pt x="4983" y="12041"/>
-                </a:lnTo>
-                <a:lnTo>
-                  <a:pt x="4494" y="11773"/>
-                </a:lnTo>
-                <a:lnTo>
-                  <a:pt x="4055" y="11431"/>
-                </a:lnTo>
-                <a:lnTo>
-                  <a:pt x="3640" y="11065"/>
-                </a:lnTo>
-                <a:lnTo>
-                  <a:pt x="3591" y="10967"/>
-                </a:lnTo>
-                <a:lnTo>
-                  <a:pt x="3542" y="10894"/>
-                </a:lnTo>
-                <a:lnTo>
-                  <a:pt x="3517" y="10796"/>
-                </a:lnTo>
-                <a:lnTo>
-                  <a:pt x="3493" y="10698"/>
-                </a:lnTo>
-                <a:lnTo>
-                  <a:pt x="3517" y="10625"/>
-                </a:lnTo>
-                <a:lnTo>
-                  <a:pt x="3542" y="10527"/>
-                </a:lnTo>
-                <a:lnTo>
-                  <a:pt x="3591" y="10430"/>
-                </a:lnTo>
-                <a:lnTo>
-                  <a:pt x="3640" y="10356"/>
-                </a:lnTo>
-                <a:lnTo>
-                  <a:pt x="3713" y="10307"/>
-                </a:lnTo>
-                <a:lnTo>
-                  <a:pt x="3811" y="10259"/>
-                </a:lnTo>
-                <a:lnTo>
-                  <a:pt x="3884" y="10234"/>
-                </a:lnTo>
-                <a:lnTo>
-                  <a:pt x="3981" y="10210"/>
-                </a:lnTo>
-                <a:lnTo>
-                  <a:pt x="4079" y="10234"/>
-                </a:lnTo>
-                <a:lnTo>
-                  <a:pt x="4177" y="10259"/>
-                </a:lnTo>
-                <a:lnTo>
-                  <a:pt x="4250" y="10307"/>
-                </a:lnTo>
-                <a:lnTo>
-                  <a:pt x="4323" y="10356"/>
-                </a:lnTo>
-                <a:lnTo>
-                  <a:pt x="4690" y="10674"/>
-                </a:lnTo>
-                <a:lnTo>
-                  <a:pt x="5056" y="10942"/>
-                </a:lnTo>
-                <a:lnTo>
-                  <a:pt x="5447" y="11187"/>
-                </a:lnTo>
-                <a:lnTo>
-                  <a:pt x="5862" y="11382"/>
-                </a:lnTo>
-                <a:lnTo>
-                  <a:pt x="6277" y="11529"/>
-                </a:lnTo>
-                <a:lnTo>
-                  <a:pt x="6717" y="11651"/>
-                </a:lnTo>
-                <a:lnTo>
-                  <a:pt x="7181" y="11700"/>
-                </a:lnTo>
-                <a:lnTo>
-                  <a:pt x="7645" y="11724"/>
-                </a:lnTo>
-                <a:lnTo>
-                  <a:pt x="8109" y="11700"/>
-                </a:lnTo>
-                <a:lnTo>
-                  <a:pt x="8573" y="11651"/>
-                </a:lnTo>
-                <a:lnTo>
-                  <a:pt x="9013" y="11529"/>
-                </a:lnTo>
-                <a:lnTo>
-                  <a:pt x="9428" y="11382"/>
-                </a:lnTo>
-                <a:lnTo>
-                  <a:pt x="9843" y="11187"/>
-                </a:lnTo>
-                <a:lnTo>
-                  <a:pt x="10234" y="10942"/>
-                </a:lnTo>
-                <a:lnTo>
-                  <a:pt x="10600" y="10674"/>
-                </a:lnTo>
-                <a:lnTo>
-                  <a:pt x="10966" y="10356"/>
-                </a:lnTo>
-                <a:lnTo>
-                  <a:pt x="11040" y="10307"/>
-                </a:lnTo>
-                <a:lnTo>
-                  <a:pt x="11113" y="10259"/>
-                </a:lnTo>
-                <a:lnTo>
-                  <a:pt x="11211" y="10234"/>
-                </a:lnTo>
-                <a:lnTo>
-                  <a:pt x="11308" y="10210"/>
-                </a:lnTo>
-                <a:close/>
-                <a:moveTo>
-                  <a:pt x="7254" y="1"/>
-                </a:moveTo>
-                <a:lnTo>
-                  <a:pt x="6863" y="50"/>
-                </a:lnTo>
-                <a:lnTo>
-                  <a:pt x="6473" y="99"/>
-                </a:lnTo>
-                <a:lnTo>
-                  <a:pt x="6106" y="147"/>
-                </a:lnTo>
-                <a:lnTo>
-                  <a:pt x="5740" y="245"/>
-                </a:lnTo>
-                <a:lnTo>
-                  <a:pt x="5374" y="343"/>
-                </a:lnTo>
-                <a:lnTo>
-                  <a:pt x="5007" y="465"/>
-                </a:lnTo>
-                <a:lnTo>
-                  <a:pt x="4665" y="611"/>
-                </a:lnTo>
-                <a:lnTo>
-                  <a:pt x="4323" y="758"/>
-                </a:lnTo>
-                <a:lnTo>
-                  <a:pt x="4006" y="929"/>
-                </a:lnTo>
-                <a:lnTo>
-                  <a:pt x="3688" y="1100"/>
-                </a:lnTo>
-                <a:lnTo>
-                  <a:pt x="3371" y="1295"/>
-                </a:lnTo>
-                <a:lnTo>
-                  <a:pt x="3078" y="1515"/>
-                </a:lnTo>
-                <a:lnTo>
-                  <a:pt x="2785" y="1735"/>
-                </a:lnTo>
-                <a:lnTo>
-                  <a:pt x="2516" y="1979"/>
-                </a:lnTo>
-                <a:lnTo>
-                  <a:pt x="2247" y="2248"/>
-                </a:lnTo>
-                <a:lnTo>
-                  <a:pt x="1979" y="2516"/>
-                </a:lnTo>
-                <a:lnTo>
-                  <a:pt x="1735" y="2785"/>
-                </a:lnTo>
-                <a:lnTo>
-                  <a:pt x="1515" y="3078"/>
-                </a:lnTo>
-                <a:lnTo>
-                  <a:pt x="1295" y="3371"/>
-                </a:lnTo>
-                <a:lnTo>
-                  <a:pt x="1100" y="3689"/>
-                </a:lnTo>
-                <a:lnTo>
-                  <a:pt x="929" y="4006"/>
-                </a:lnTo>
-                <a:lnTo>
-                  <a:pt x="758" y="4324"/>
-                </a:lnTo>
-                <a:lnTo>
-                  <a:pt x="611" y="4666"/>
-                </a:lnTo>
-                <a:lnTo>
-                  <a:pt x="465" y="5008"/>
-                </a:lnTo>
-                <a:lnTo>
-                  <a:pt x="342" y="5374"/>
-                </a:lnTo>
-                <a:lnTo>
-                  <a:pt x="245" y="5740"/>
-                </a:lnTo>
-                <a:lnTo>
-                  <a:pt x="147" y="6107"/>
-                </a:lnTo>
-                <a:lnTo>
-                  <a:pt x="98" y="6473"/>
-                </a:lnTo>
-                <a:lnTo>
-                  <a:pt x="49" y="6864"/>
-                </a:lnTo>
-                <a:lnTo>
-                  <a:pt x="1" y="7255"/>
-                </a:lnTo>
-                <a:lnTo>
-                  <a:pt x="1" y="7645"/>
-                </a:lnTo>
-                <a:lnTo>
-                  <a:pt x="1" y="8036"/>
-                </a:lnTo>
-                <a:lnTo>
-                  <a:pt x="49" y="8427"/>
-                </a:lnTo>
-                <a:lnTo>
-                  <a:pt x="98" y="8818"/>
-                </a:lnTo>
-                <a:lnTo>
-                  <a:pt x="147" y="9184"/>
-                </a:lnTo>
-                <a:lnTo>
-                  <a:pt x="245" y="9550"/>
-                </a:lnTo>
-                <a:lnTo>
-                  <a:pt x="342" y="9917"/>
-                </a:lnTo>
-                <a:lnTo>
-                  <a:pt x="465" y="10283"/>
-                </a:lnTo>
-                <a:lnTo>
-                  <a:pt x="611" y="10625"/>
-                </a:lnTo>
-                <a:lnTo>
-                  <a:pt x="758" y="10967"/>
-                </a:lnTo>
-                <a:lnTo>
-                  <a:pt x="929" y="11284"/>
-                </a:lnTo>
-                <a:lnTo>
-                  <a:pt x="1100" y="11602"/>
-                </a:lnTo>
-                <a:lnTo>
-                  <a:pt x="1295" y="11919"/>
-                </a:lnTo>
-                <a:lnTo>
-                  <a:pt x="1515" y="12212"/>
-                </a:lnTo>
-                <a:lnTo>
-                  <a:pt x="1735" y="12506"/>
-                </a:lnTo>
-                <a:lnTo>
-                  <a:pt x="1979" y="12774"/>
-                </a:lnTo>
-                <a:lnTo>
-                  <a:pt x="2247" y="13043"/>
-                </a:lnTo>
-                <a:lnTo>
-                  <a:pt x="2516" y="13311"/>
-                </a:lnTo>
-                <a:lnTo>
-                  <a:pt x="2785" y="13556"/>
-                </a:lnTo>
-                <a:lnTo>
-                  <a:pt x="3078" y="13776"/>
-                </a:lnTo>
-                <a:lnTo>
-                  <a:pt x="3371" y="13995"/>
-                </a:lnTo>
-                <a:lnTo>
-                  <a:pt x="3688" y="14191"/>
-                </a:lnTo>
-                <a:lnTo>
-                  <a:pt x="4006" y="14362"/>
-                </a:lnTo>
-                <a:lnTo>
-                  <a:pt x="4323" y="14533"/>
-                </a:lnTo>
-                <a:lnTo>
-                  <a:pt x="4665" y="14679"/>
-                </a:lnTo>
-                <a:lnTo>
-                  <a:pt x="5007" y="14826"/>
-                </a:lnTo>
-                <a:lnTo>
-                  <a:pt x="5374" y="14948"/>
-                </a:lnTo>
-                <a:lnTo>
-                  <a:pt x="5740" y="15046"/>
-                </a:lnTo>
-                <a:lnTo>
-                  <a:pt x="6106" y="15143"/>
-                </a:lnTo>
-                <a:lnTo>
-                  <a:pt x="6473" y="15192"/>
-                </a:lnTo>
-                <a:lnTo>
-                  <a:pt x="6863" y="15241"/>
-                </a:lnTo>
-                <a:lnTo>
-                  <a:pt x="7254" y="15290"/>
-                </a:lnTo>
-                <a:lnTo>
-                  <a:pt x="8036" y="15290"/>
-                </a:lnTo>
-                <a:lnTo>
-                  <a:pt x="8426" y="15241"/>
-                </a:lnTo>
-                <a:lnTo>
-                  <a:pt x="8817" y="15192"/>
-                </a:lnTo>
-                <a:lnTo>
-                  <a:pt x="9184" y="15143"/>
-                </a:lnTo>
-                <a:lnTo>
-                  <a:pt x="9550" y="15046"/>
-                </a:lnTo>
-                <a:lnTo>
-                  <a:pt x="9916" y="14948"/>
-                </a:lnTo>
-                <a:lnTo>
-                  <a:pt x="10283" y="14826"/>
-                </a:lnTo>
-                <a:lnTo>
-                  <a:pt x="10625" y="14679"/>
-                </a:lnTo>
-                <a:lnTo>
-                  <a:pt x="10966" y="14533"/>
-                </a:lnTo>
-                <a:lnTo>
-                  <a:pt x="11284" y="14362"/>
-                </a:lnTo>
-                <a:lnTo>
-                  <a:pt x="11601" y="14191"/>
-                </a:lnTo>
-                <a:lnTo>
-                  <a:pt x="11919" y="13995"/>
-                </a:lnTo>
-                <a:lnTo>
-                  <a:pt x="12212" y="13776"/>
-                </a:lnTo>
-                <a:lnTo>
-                  <a:pt x="12505" y="13556"/>
-                </a:lnTo>
-                <a:lnTo>
-                  <a:pt x="12774" y="13311"/>
-                </a:lnTo>
-                <a:lnTo>
-                  <a:pt x="13042" y="13043"/>
-                </a:lnTo>
-                <a:lnTo>
-                  <a:pt x="13311" y="12774"/>
-                </a:lnTo>
-                <a:lnTo>
-                  <a:pt x="13555" y="12506"/>
-                </a:lnTo>
-                <a:lnTo>
-                  <a:pt x="13775" y="12212"/>
-                </a:lnTo>
-                <a:lnTo>
-                  <a:pt x="13995" y="11919"/>
-                </a:lnTo>
-                <a:lnTo>
-                  <a:pt x="14190" y="11602"/>
-                </a:lnTo>
-                <a:lnTo>
-                  <a:pt x="14361" y="11284"/>
-                </a:lnTo>
-                <a:lnTo>
-                  <a:pt x="14532" y="10967"/>
-                </a:lnTo>
-                <a:lnTo>
-                  <a:pt x="14679" y="10625"/>
-                </a:lnTo>
-                <a:lnTo>
-                  <a:pt x="14825" y="10283"/>
-                </a:lnTo>
-                <a:lnTo>
-                  <a:pt x="14947" y="9917"/>
-                </a:lnTo>
-                <a:lnTo>
-                  <a:pt x="15045" y="9550"/>
-                </a:lnTo>
-                <a:lnTo>
-                  <a:pt x="15143" y="9184"/>
-                </a:lnTo>
-                <a:lnTo>
-                  <a:pt x="15192" y="8818"/>
-                </a:lnTo>
-                <a:lnTo>
-                  <a:pt x="15240" y="8427"/>
-                </a:lnTo>
-                <a:lnTo>
-                  <a:pt x="15289" y="8036"/>
-                </a:lnTo>
-                <a:lnTo>
-                  <a:pt x="15289" y="7645"/>
-                </a:lnTo>
-                <a:lnTo>
-                  <a:pt x="15289" y="7255"/>
-                </a:lnTo>
-                <a:lnTo>
-                  <a:pt x="15240" y="6864"/>
-                </a:lnTo>
-                <a:lnTo>
-                  <a:pt x="15192" y="6473"/>
-                </a:lnTo>
-                <a:lnTo>
-                  <a:pt x="15143" y="6107"/>
-                </a:lnTo>
-                <a:lnTo>
-                  <a:pt x="15045" y="5740"/>
-                </a:lnTo>
-                <a:lnTo>
-                  <a:pt x="14947" y="5374"/>
-                </a:lnTo>
-                <a:lnTo>
-                  <a:pt x="14825" y="5008"/>
-                </a:lnTo>
-                <a:lnTo>
-                  <a:pt x="14679" y="4666"/>
-                </a:lnTo>
-                <a:lnTo>
-                  <a:pt x="14532" y="4324"/>
-                </a:lnTo>
-                <a:lnTo>
-                  <a:pt x="14361" y="4006"/>
-                </a:lnTo>
-                <a:lnTo>
-                  <a:pt x="14190" y="3689"/>
-                </a:lnTo>
-                <a:lnTo>
-                  <a:pt x="13995" y="3371"/>
-                </a:lnTo>
-                <a:lnTo>
-                  <a:pt x="13775" y="3078"/>
-                </a:lnTo>
-                <a:lnTo>
-                  <a:pt x="13555" y="2785"/>
-                </a:lnTo>
-                <a:lnTo>
-                  <a:pt x="13311" y="2516"/>
-                </a:lnTo>
-                <a:lnTo>
-                  <a:pt x="13042" y="2248"/>
-                </a:lnTo>
-                <a:lnTo>
-                  <a:pt x="12774" y="1979"/>
-                </a:lnTo>
-                <a:lnTo>
-                  <a:pt x="12505" y="1735"/>
-                </a:lnTo>
-                <a:lnTo>
-                  <a:pt x="12212" y="1515"/>
-                </a:lnTo>
-                <a:lnTo>
-                  <a:pt x="11919" y="1295"/>
-                </a:lnTo>
-                <a:lnTo>
-                  <a:pt x="11601" y="1100"/>
-                </a:lnTo>
-                <a:lnTo>
-                  <a:pt x="11284" y="929"/>
-                </a:lnTo>
-                <a:lnTo>
-                  <a:pt x="10966" y="758"/>
-                </a:lnTo>
-                <a:lnTo>
-                  <a:pt x="10625" y="611"/>
-                </a:lnTo>
-                <a:lnTo>
-                  <a:pt x="10283" y="465"/>
-                </a:lnTo>
-                <a:lnTo>
-                  <a:pt x="9916" y="343"/>
-                </a:lnTo>
-                <a:lnTo>
-                  <a:pt x="9550" y="245"/>
-                </a:lnTo>
-                <a:lnTo>
-                  <a:pt x="9184" y="147"/>
-                </a:lnTo>
-                <a:lnTo>
-                  <a:pt x="8817" y="99"/>
-                </a:lnTo>
-                <a:lnTo>
-                  <a:pt x="8426" y="50"/>
-                </a:lnTo>
-                <a:lnTo>
-                  <a:pt x="8036" y="1"/>
-                </a:lnTo>
-                <a:close/>
-              </a:path>
-            </a:pathLst>
-          </a:custGeom>
-          <a:solidFill>
-            <a:srgbClr val="F8B323"/>
-          </a:solidFill>
-          <a:ln>
-            <a:noFill/>
-          </a:ln>
+          </a:prstGeom>
+        </p:spPr>
+        <p:txBody>
+          <a:bodyPr wrap="square" lIns="91425" tIns="91425" rIns="91425" bIns="91425" anchor="t" anchorCtr="0">
+            <a:noAutofit/>
+          </a:bodyPr>
+          <a:lstStyle/>
+          <a:p>
+            <a:pPr lvl="0" rtl="0">
+              <a:spcBef>
+                <a:spcPts val="0"/>
+              </a:spcBef>
+              <a:spcAft>
+                <a:spcPts val="1000"/>
+              </a:spcAft>
+              <a:buNone/>
+            </a:pPr>
+            <a:r>
+              <a:rPr lang="en" sz="1000" dirty="0">
+                <a:solidFill>
+                  <a:srgbClr val="000000"/>
+                </a:solidFill>
+                <a:latin typeface="Work Sans Medium"/>
+                <a:ea typeface="Work Sans Medium"/>
+                <a:cs typeface="Work Sans Medium"/>
+                <a:sym typeface="Work Sans Medium"/>
+              </a:rPr>
+              <a:t/>
+            </a:r>
+            <a:br>
+              <a:rPr lang="en" sz="1000" dirty="0">
+                <a:solidFill>
+                  <a:srgbClr val="000000"/>
+                </a:solidFill>
+                <a:latin typeface="Work Sans Medium"/>
+                <a:ea typeface="Work Sans Medium"/>
+                <a:cs typeface="Work Sans Medium"/>
+                <a:sym typeface="Work Sans Medium"/>
+              </a:rPr>
+            </a:br>
+            <a:endParaRPr lang="en" sz="1000" dirty="0">
+              <a:solidFill>
+                <a:srgbClr val="000000"/>
+              </a:solidFill>
+              <a:latin typeface="Work Sans Medium"/>
+              <a:ea typeface="Work Sans Medium"/>
+              <a:cs typeface="Work Sans Medium"/>
+              <a:sym typeface="Work Sans Medium"/>
+            </a:endParaRPr>
+          </a:p>
+        </p:txBody>
+      </p:sp>
+      <p:sp>
+        <p:nvSpPr>
+          <p:cNvPr id="78" name="Shape 78"/>
+          <p:cNvSpPr txBox="1">
+            <a:spLocks noGrp="1"/>
+          </p:cNvSpPr>
+          <p:nvPr>
+            <p:ph type="sldNum" idx="12"/>
+          </p:nvPr>
+        </p:nvSpPr>
+        <p:spPr>
+          <a:prstGeom prst="rect">
+            <a:avLst/>
+          </a:prstGeom>
         </p:spPr>
         <p:txBody>
           <a:bodyPr wrap="square" lIns="91425" tIns="91425" rIns="91425" bIns="91425" anchor="ctr" anchorCtr="0">
@@ -17127,14 +16787,333 @@
               </a:spcBef>
               <a:buNone/>
             </a:pPr>
-            <a:endParaRPr dirty="0"/>
+            <a:fld id="{00000000-1234-1234-1234-123412341234}" type="slidenum">
+              <a:rPr lang="en"/>
+              <a:t>27</a:t>
+            </a:fld>
+            <a:endParaRPr lang="en"/>
           </a:p>
         </p:txBody>
       </p:sp>
+      <p:pic>
+        <p:nvPicPr>
+          <p:cNvPr id="2" name="Picture 1"/>
+          <p:cNvPicPr>
+            <a:picLocks noChangeAspect="1"/>
+          </p:cNvPicPr>
+          <p:nvPr/>
+        </p:nvPicPr>
+        <p:blipFill rotWithShape="1">
+          <a:blip r:embed="rId3"/>
+          <a:srcRect l="4047" t="14840" r="14048" b="42126"/>
+          <a:stretch/>
+        </p:blipFill>
+        <p:spPr>
+          <a:xfrm>
+            <a:off x="869150" y="1470532"/>
+            <a:ext cx="7366593" cy="2177143"/>
+          </a:xfrm>
+          <a:prstGeom prst="rect">
+            <a:avLst/>
+          </a:prstGeom>
+        </p:spPr>
+      </p:pic>
     </p:spTree>
     <p:extLst>
       <p:ext uri="{BB962C8B-B14F-4D97-AF65-F5344CB8AC3E}">
-        <p14:creationId xmlns:p14="http://schemas.microsoft.com/office/powerpoint/2010/main" val="2215205193"/>
+        <p14:creationId xmlns:p14="http://schemas.microsoft.com/office/powerpoint/2010/main" val="2058779932"/>
+      </p:ext>
+    </p:extLst>
+  </p:cSld>
+  <p:clrMapOvr>
+    <a:masterClrMapping/>
+  </p:clrMapOvr>
+  <p:timing>
+    <p:tnLst>
+      <p:par>
+        <p:cTn id="1" dur="indefinite" restart="never" nodeType="tmRoot"/>
+      </p:par>
+    </p:tnLst>
+  </p:timing>
+</p:sld>
+</file>
+
+<file path=ppt/slides/slide28.xml><?xml version="1.0" encoding="utf-8"?>
+<p:sld xmlns:a="http://schemas.openxmlformats.org/drawingml/2006/main" xmlns:r="http://schemas.openxmlformats.org/officeDocument/2006/relationships" xmlns:p="http://schemas.openxmlformats.org/presentationml/2006/main">
+  <p:cSld>
+    <p:spTree>
+      <p:nvGrpSpPr>
+        <p:cNvPr id="1" name=""/>
+        <p:cNvGrpSpPr/>
+        <p:nvPr/>
+      </p:nvGrpSpPr>
+      <p:grpSpPr>
+        <a:xfrm>
+          <a:off x="0" y="0"/>
+          <a:ext cx="0" cy="0"/>
+          <a:chOff x="0" y="0"/>
+          <a:chExt cx="0" cy="0"/>
+        </a:xfrm>
+      </p:grpSpPr>
+      <p:sp>
+        <p:nvSpPr>
+          <p:cNvPr id="2" name="Title 1"/>
+          <p:cNvSpPr>
+            <a:spLocks noGrp="1"/>
+          </p:cNvSpPr>
+          <p:nvPr>
+            <p:ph type="title"/>
+          </p:nvPr>
+        </p:nvSpPr>
+        <p:spPr/>
+        <p:txBody>
+          <a:bodyPr/>
+          <a:lstStyle/>
+          <a:p>
+            <a:endParaRPr lang="en-US"/>
+          </a:p>
+        </p:txBody>
+      </p:sp>
+      <p:sp>
+        <p:nvSpPr>
+          <p:cNvPr id="3" name="Text Placeholder 2"/>
+          <p:cNvSpPr>
+            <a:spLocks noGrp="1"/>
+          </p:cNvSpPr>
+          <p:nvPr>
+            <p:ph type="body" idx="1"/>
+          </p:nvPr>
+        </p:nvSpPr>
+        <p:spPr/>
+        <p:txBody>
+          <a:bodyPr/>
+          <a:lstStyle/>
+          <a:p>
+            <a:endParaRPr lang="en-US"/>
+          </a:p>
+        </p:txBody>
+      </p:sp>
+      <p:sp>
+        <p:nvSpPr>
+          <p:cNvPr id="4" name="Text Placeholder 3"/>
+          <p:cNvSpPr>
+            <a:spLocks noGrp="1"/>
+          </p:cNvSpPr>
+          <p:nvPr>
+            <p:ph type="body" idx="2"/>
+          </p:nvPr>
+        </p:nvSpPr>
+        <p:spPr/>
+        <p:txBody>
+          <a:bodyPr/>
+          <a:lstStyle/>
+          <a:p>
+            <a:endParaRPr lang="en-US"/>
+          </a:p>
+        </p:txBody>
+      </p:sp>
+      <p:sp>
+        <p:nvSpPr>
+          <p:cNvPr id="5" name="Slide Number Placeholder 4"/>
+          <p:cNvSpPr>
+            <a:spLocks noGrp="1"/>
+          </p:cNvSpPr>
+          <p:nvPr>
+            <p:ph type="sldNum" idx="12"/>
+          </p:nvPr>
+        </p:nvSpPr>
+        <p:spPr/>
+        <p:txBody>
+          <a:bodyPr/>
+          <a:lstStyle/>
+          <a:p>
+            <a:pPr lvl="0">
+              <a:spcBef>
+                <a:spcPts val="0"/>
+              </a:spcBef>
+              <a:buNone/>
+            </a:pPr>
+            <a:fld id="{00000000-1234-1234-1234-123412341234}" type="slidenum">
+              <a:rPr lang="en" smtClean="0"/>
+              <a:t>28</a:t>
+            </a:fld>
+            <a:endParaRPr lang="en"/>
+          </a:p>
+        </p:txBody>
+      </p:sp>
+      <p:pic>
+        <p:nvPicPr>
+          <p:cNvPr id="6" name="Picture 5"/>
+          <p:cNvPicPr>
+            <a:picLocks noChangeAspect="1"/>
+          </p:cNvPicPr>
+          <p:nvPr/>
+        </p:nvPicPr>
+        <p:blipFill rotWithShape="1">
+          <a:blip r:embed="rId2"/>
+          <a:srcRect l="4841" t="14277" r="40318" b="49462"/>
+          <a:stretch/>
+        </p:blipFill>
+        <p:spPr>
+          <a:xfrm>
+            <a:off x="0" y="0"/>
+            <a:ext cx="9144000" cy="5143500"/>
+          </a:xfrm>
+          <a:prstGeom prst="rect">
+            <a:avLst/>
+          </a:prstGeom>
+        </p:spPr>
+      </p:pic>
+    </p:spTree>
+    <p:extLst>
+      <p:ext uri="{BB962C8B-B14F-4D97-AF65-F5344CB8AC3E}">
+        <p14:creationId xmlns:p14="http://schemas.microsoft.com/office/powerpoint/2010/main" val="2663995283"/>
+      </p:ext>
+    </p:extLst>
+  </p:cSld>
+  <p:clrMapOvr>
+    <a:masterClrMapping/>
+  </p:clrMapOvr>
+  <p:timing>
+    <p:tnLst>
+      <p:par>
+        <p:cTn id="1" dur="indefinite" restart="never" nodeType="tmRoot"/>
+      </p:par>
+    </p:tnLst>
+  </p:timing>
+</p:sld>
+</file>
+
+<file path=ppt/slides/slide29.xml><?xml version="1.0" encoding="utf-8"?>
+<p:sld xmlns:a="http://schemas.openxmlformats.org/drawingml/2006/main" xmlns:r="http://schemas.openxmlformats.org/officeDocument/2006/relationships" xmlns:p="http://schemas.openxmlformats.org/presentationml/2006/main">
+  <p:cSld>
+    <p:spTree>
+      <p:nvGrpSpPr>
+        <p:cNvPr id="1" name=""/>
+        <p:cNvGrpSpPr/>
+        <p:nvPr/>
+      </p:nvGrpSpPr>
+      <p:grpSpPr>
+        <a:xfrm>
+          <a:off x="0" y="0"/>
+          <a:ext cx="0" cy="0"/>
+          <a:chOff x="0" y="0"/>
+          <a:chExt cx="0" cy="0"/>
+        </a:xfrm>
+      </p:grpSpPr>
+      <p:sp>
+        <p:nvSpPr>
+          <p:cNvPr id="2" name="Title 1"/>
+          <p:cNvSpPr>
+            <a:spLocks noGrp="1"/>
+          </p:cNvSpPr>
+          <p:nvPr>
+            <p:ph type="title"/>
+          </p:nvPr>
+        </p:nvSpPr>
+        <p:spPr/>
+        <p:txBody>
+          <a:bodyPr/>
+          <a:lstStyle/>
+          <a:p>
+            <a:endParaRPr lang="en-US"/>
+          </a:p>
+        </p:txBody>
+      </p:sp>
+      <p:sp>
+        <p:nvSpPr>
+          <p:cNvPr id="3" name="Text Placeholder 2"/>
+          <p:cNvSpPr>
+            <a:spLocks noGrp="1"/>
+          </p:cNvSpPr>
+          <p:nvPr>
+            <p:ph type="body" idx="1"/>
+          </p:nvPr>
+        </p:nvSpPr>
+        <p:spPr/>
+        <p:txBody>
+          <a:bodyPr/>
+          <a:lstStyle/>
+          <a:p>
+            <a:endParaRPr lang="en-US"/>
+          </a:p>
+        </p:txBody>
+      </p:sp>
+      <p:sp>
+        <p:nvSpPr>
+          <p:cNvPr id="4" name="Text Placeholder 3"/>
+          <p:cNvSpPr>
+            <a:spLocks noGrp="1"/>
+          </p:cNvSpPr>
+          <p:nvPr>
+            <p:ph type="body" idx="2"/>
+          </p:nvPr>
+        </p:nvSpPr>
+        <p:spPr/>
+        <p:txBody>
+          <a:bodyPr/>
+          <a:lstStyle/>
+          <a:p>
+            <a:endParaRPr lang="en-US"/>
+          </a:p>
+        </p:txBody>
+      </p:sp>
+      <p:sp>
+        <p:nvSpPr>
+          <p:cNvPr id="5" name="Slide Number Placeholder 4"/>
+          <p:cNvSpPr>
+            <a:spLocks noGrp="1"/>
+          </p:cNvSpPr>
+          <p:nvPr>
+            <p:ph type="sldNum" idx="12"/>
+          </p:nvPr>
+        </p:nvSpPr>
+        <p:spPr/>
+        <p:txBody>
+          <a:bodyPr/>
+          <a:lstStyle/>
+          <a:p>
+            <a:pPr lvl="0">
+              <a:spcBef>
+                <a:spcPts val="0"/>
+              </a:spcBef>
+              <a:buNone/>
+            </a:pPr>
+            <a:fld id="{00000000-1234-1234-1234-123412341234}" type="slidenum">
+              <a:rPr lang="en" smtClean="0"/>
+              <a:t>29</a:t>
+            </a:fld>
+            <a:endParaRPr lang="en"/>
+          </a:p>
+        </p:txBody>
+      </p:sp>
+      <p:pic>
+        <p:nvPicPr>
+          <p:cNvPr id="7" name="Picture 6"/>
+          <p:cNvPicPr>
+            <a:picLocks noChangeAspect="1"/>
+          </p:cNvPicPr>
+          <p:nvPr/>
+        </p:nvPicPr>
+        <p:blipFill rotWithShape="1">
+          <a:blip r:embed="rId2"/>
+          <a:srcRect l="4603" t="14559" r="2460" b="14612"/>
+          <a:stretch/>
+        </p:blipFill>
+        <p:spPr>
+          <a:xfrm>
+            <a:off x="1" y="0"/>
+            <a:ext cx="9175254" cy="5143500"/>
+          </a:xfrm>
+          <a:prstGeom prst="rect">
+            <a:avLst/>
+          </a:prstGeom>
+        </p:spPr>
+      </p:pic>
+    </p:spTree>
+    <p:extLst>
+      <p:ext uri="{BB962C8B-B14F-4D97-AF65-F5344CB8AC3E}">
+        <p14:creationId xmlns:p14="http://schemas.microsoft.com/office/powerpoint/2010/main" val="274828852"/>
       </p:ext>
     </p:extLst>
   </p:cSld>
@@ -18075,6 +18054,1096 @@
         </p:txBody>
       </p:sp>
     </p:spTree>
+  </p:cSld>
+  <p:clrMapOvr>
+    <a:masterClrMapping/>
+  </p:clrMapOvr>
+  <p:timing>
+    <p:tnLst>
+      <p:par>
+        <p:cTn id="1" dur="indefinite" restart="never" nodeType="tmRoot"/>
+      </p:par>
+    </p:tnLst>
+  </p:timing>
+</p:sld>
+</file>
+
+<file path=ppt/slides/slide30.xml><?xml version="1.0" encoding="utf-8"?>
+<p:sld xmlns:a="http://schemas.openxmlformats.org/drawingml/2006/main" xmlns:r="http://schemas.openxmlformats.org/officeDocument/2006/relationships" xmlns:p="http://schemas.openxmlformats.org/presentationml/2006/main">
+  <p:cSld>
+    <p:spTree>
+      <p:nvGrpSpPr>
+        <p:cNvPr id="1" name=""/>
+        <p:cNvGrpSpPr/>
+        <p:nvPr/>
+      </p:nvGrpSpPr>
+      <p:grpSpPr>
+        <a:xfrm>
+          <a:off x="0" y="0"/>
+          <a:ext cx="0" cy="0"/>
+          <a:chOff x="0" y="0"/>
+          <a:chExt cx="0" cy="0"/>
+        </a:xfrm>
+      </p:grpSpPr>
+      <p:sp>
+        <p:nvSpPr>
+          <p:cNvPr id="2" name="Title 1"/>
+          <p:cNvSpPr>
+            <a:spLocks noGrp="1"/>
+          </p:cNvSpPr>
+          <p:nvPr>
+            <p:ph type="title"/>
+          </p:nvPr>
+        </p:nvSpPr>
+        <p:spPr/>
+        <p:txBody>
+          <a:bodyPr/>
+          <a:lstStyle/>
+          <a:p>
+            <a:endParaRPr lang="en-US"/>
+          </a:p>
+        </p:txBody>
+      </p:sp>
+      <p:sp>
+        <p:nvSpPr>
+          <p:cNvPr id="3" name="Text Placeholder 2"/>
+          <p:cNvSpPr>
+            <a:spLocks noGrp="1"/>
+          </p:cNvSpPr>
+          <p:nvPr>
+            <p:ph type="body" idx="1"/>
+          </p:nvPr>
+        </p:nvSpPr>
+        <p:spPr/>
+        <p:txBody>
+          <a:bodyPr/>
+          <a:lstStyle/>
+          <a:p>
+            <a:endParaRPr lang="en-US"/>
+          </a:p>
+        </p:txBody>
+      </p:sp>
+      <p:sp>
+        <p:nvSpPr>
+          <p:cNvPr id="4" name="Text Placeholder 3"/>
+          <p:cNvSpPr>
+            <a:spLocks noGrp="1"/>
+          </p:cNvSpPr>
+          <p:nvPr>
+            <p:ph type="body" idx="2"/>
+          </p:nvPr>
+        </p:nvSpPr>
+        <p:spPr/>
+        <p:txBody>
+          <a:bodyPr/>
+          <a:lstStyle/>
+          <a:p>
+            <a:endParaRPr lang="en-US"/>
+          </a:p>
+        </p:txBody>
+      </p:sp>
+      <p:sp>
+        <p:nvSpPr>
+          <p:cNvPr id="5" name="Slide Number Placeholder 4"/>
+          <p:cNvSpPr>
+            <a:spLocks noGrp="1"/>
+          </p:cNvSpPr>
+          <p:nvPr>
+            <p:ph type="sldNum" idx="12"/>
+          </p:nvPr>
+        </p:nvSpPr>
+        <p:spPr/>
+        <p:txBody>
+          <a:bodyPr/>
+          <a:lstStyle/>
+          <a:p>
+            <a:pPr lvl="0">
+              <a:spcBef>
+                <a:spcPts val="0"/>
+              </a:spcBef>
+              <a:buNone/>
+            </a:pPr>
+            <a:fld id="{00000000-1234-1234-1234-123412341234}" type="slidenum">
+              <a:rPr lang="en" smtClean="0"/>
+              <a:t>30</a:t>
+            </a:fld>
+            <a:endParaRPr lang="en"/>
+          </a:p>
+        </p:txBody>
+      </p:sp>
+      <p:pic>
+        <p:nvPicPr>
+          <p:cNvPr id="6" name="Picture 5"/>
+          <p:cNvPicPr>
+            <a:picLocks noChangeAspect="1"/>
+          </p:cNvPicPr>
+          <p:nvPr/>
+        </p:nvPicPr>
+        <p:blipFill rotWithShape="1">
+          <a:blip r:embed="rId2"/>
+          <a:srcRect l="4049" t="14560" r="31031" b="11508"/>
+          <a:stretch/>
+        </p:blipFill>
+        <p:spPr>
+          <a:xfrm>
+            <a:off x="0" y="0"/>
+            <a:ext cx="9144000" cy="5143500"/>
+          </a:xfrm>
+          <a:prstGeom prst="rect">
+            <a:avLst/>
+          </a:prstGeom>
+        </p:spPr>
+      </p:pic>
+    </p:spTree>
+    <p:extLst>
+      <p:ext uri="{BB962C8B-B14F-4D97-AF65-F5344CB8AC3E}">
+        <p14:creationId xmlns:p14="http://schemas.microsoft.com/office/powerpoint/2010/main" val="1202909900"/>
+      </p:ext>
+    </p:extLst>
+  </p:cSld>
+  <p:clrMapOvr>
+    <a:masterClrMapping/>
+  </p:clrMapOvr>
+  <p:timing>
+    <p:tnLst>
+      <p:par>
+        <p:cTn id="1" dur="indefinite" restart="never" nodeType="tmRoot"/>
+      </p:par>
+    </p:tnLst>
+  </p:timing>
+</p:sld>
+</file>
+
+<file path=ppt/slides/slide31.xml><?xml version="1.0" encoding="utf-8"?>
+<p:sld xmlns:a="http://schemas.openxmlformats.org/drawingml/2006/main" xmlns:r="http://schemas.openxmlformats.org/officeDocument/2006/relationships" xmlns:p="http://schemas.openxmlformats.org/presentationml/2006/main">
+  <p:cSld>
+    <p:spTree>
+      <p:nvGrpSpPr>
+        <p:cNvPr id="1" name="Shape 317"/>
+        <p:cNvGrpSpPr/>
+        <p:nvPr/>
+      </p:nvGrpSpPr>
+      <p:grpSpPr>
+        <a:xfrm>
+          <a:off x="0" y="0"/>
+          <a:ext cx="0" cy="0"/>
+          <a:chOff x="0" y="0"/>
+          <a:chExt cx="0" cy="0"/>
+        </a:xfrm>
+      </p:grpSpPr>
+      <p:sp>
+        <p:nvSpPr>
+          <p:cNvPr id="321" name="Shape 321"/>
+          <p:cNvSpPr txBox="1">
+            <a:spLocks noGrp="1"/>
+          </p:cNvSpPr>
+          <p:nvPr>
+            <p:ph type="sldNum" sz="quarter" idx="12"/>
+          </p:nvPr>
+        </p:nvSpPr>
+        <p:spPr>
+          <a:prstGeom prst="rect">
+            <a:avLst/>
+          </a:prstGeom>
+        </p:spPr>
+        <p:txBody>
+          <a:bodyPr wrap="square" lIns="91425" tIns="91425" rIns="91425" bIns="91425" anchor="ctr" anchorCtr="0">
+            <a:noAutofit/>
+          </a:bodyPr>
+          <a:lstStyle/>
+          <a:p>
+            <a:pPr lvl="0">
+              <a:spcBef>
+                <a:spcPts val="0"/>
+              </a:spcBef>
+              <a:buNone/>
+            </a:pPr>
+            <a:fld id="{00000000-1234-1234-1234-123412341234}" type="slidenum">
+              <a:rPr lang="en"/>
+              <a:t>31</a:t>
+            </a:fld>
+            <a:endParaRPr lang="en"/>
+          </a:p>
+        </p:txBody>
+      </p:sp>
+      <p:sp>
+        <p:nvSpPr>
+          <p:cNvPr id="318" name="Shape 318"/>
+          <p:cNvSpPr txBox="1">
+            <a:spLocks noGrp="1"/>
+          </p:cNvSpPr>
+          <p:nvPr>
+            <p:ph type="ctrTitle" idx="4294967295"/>
+          </p:nvPr>
+        </p:nvSpPr>
+        <p:spPr>
+          <a:xfrm>
+            <a:off x="1374778" y="2014098"/>
+            <a:ext cx="4953633" cy="1011238"/>
+          </a:xfrm>
+          <a:prstGeom prst="rect">
+            <a:avLst/>
+          </a:prstGeom>
+        </p:spPr>
+        <p:txBody>
+          <a:bodyPr wrap="square" lIns="91425" tIns="91425" rIns="91425" bIns="91425" anchor="b" anchorCtr="0">
+            <a:noAutofit/>
+          </a:bodyPr>
+          <a:lstStyle/>
+          <a:p>
+            <a:pPr lvl="0" rtl="0">
+              <a:spcBef>
+                <a:spcPts val="0"/>
+              </a:spcBef>
+              <a:buNone/>
+            </a:pPr>
+            <a:r>
+              <a:rPr lang="en" sz="4800" dirty="0" smtClean="0">
+                <a:latin typeface="Tahoma" panose="020B0604030504040204" pitchFamily="34" charset="0"/>
+                <a:ea typeface="Tahoma" panose="020B0604030504040204" pitchFamily="34" charset="0"/>
+                <a:cs typeface="Tahoma" panose="020B0604030504040204" pitchFamily="34" charset="0"/>
+                <a:sym typeface="Arial"/>
+              </a:rPr>
+              <a:t>	Xin cảm </a:t>
+            </a:r>
+            <a:r>
+              <a:rPr lang="en" sz="4800" dirty="0">
+                <a:latin typeface="Tahoma" panose="020B0604030504040204" pitchFamily="34" charset="0"/>
+                <a:ea typeface="Tahoma" panose="020B0604030504040204" pitchFamily="34" charset="0"/>
+                <a:cs typeface="Tahoma" panose="020B0604030504040204" pitchFamily="34" charset="0"/>
+                <a:sym typeface="Arial"/>
+              </a:rPr>
+              <a:t>ơn ! </a:t>
+            </a:r>
+          </a:p>
+        </p:txBody>
+      </p:sp>
+      <p:sp>
+        <p:nvSpPr>
+          <p:cNvPr id="320" name="Shape 320"/>
+          <p:cNvSpPr/>
+          <p:nvPr/>
+        </p:nvSpPr>
+        <p:spPr>
+          <a:xfrm>
+            <a:off x="6328411" y="1643562"/>
+            <a:ext cx="1752310" cy="1752310"/>
+          </a:xfrm>
+          <a:custGeom>
+            <a:avLst/>
+            <a:gdLst/>
+            <a:ahLst/>
+            <a:cxnLst/>
+            <a:rect l="0" t="0" r="0" b="0"/>
+            <a:pathLst>
+              <a:path w="15290" h="15290" extrusionOk="0">
+                <a:moveTo>
+                  <a:pt x="4519" y="6815"/>
+                </a:moveTo>
+                <a:lnTo>
+                  <a:pt x="4690" y="6839"/>
+                </a:lnTo>
+                <a:lnTo>
+                  <a:pt x="4861" y="6888"/>
+                </a:lnTo>
+                <a:lnTo>
+                  <a:pt x="5007" y="6986"/>
+                </a:lnTo>
+                <a:lnTo>
+                  <a:pt x="5154" y="7084"/>
+                </a:lnTo>
+                <a:lnTo>
+                  <a:pt x="5251" y="7230"/>
+                </a:lnTo>
+                <a:lnTo>
+                  <a:pt x="5325" y="7401"/>
+                </a:lnTo>
+                <a:lnTo>
+                  <a:pt x="5374" y="7572"/>
+                </a:lnTo>
+                <a:lnTo>
+                  <a:pt x="5398" y="7767"/>
+                </a:lnTo>
+                <a:lnTo>
+                  <a:pt x="5374" y="7963"/>
+                </a:lnTo>
+                <a:lnTo>
+                  <a:pt x="5325" y="8134"/>
+                </a:lnTo>
+                <a:lnTo>
+                  <a:pt x="5251" y="8305"/>
+                </a:lnTo>
+                <a:lnTo>
+                  <a:pt x="5154" y="8451"/>
+                </a:lnTo>
+                <a:lnTo>
+                  <a:pt x="5007" y="8549"/>
+                </a:lnTo>
+                <a:lnTo>
+                  <a:pt x="4861" y="8647"/>
+                </a:lnTo>
+                <a:lnTo>
+                  <a:pt x="4690" y="8696"/>
+                </a:lnTo>
+                <a:lnTo>
+                  <a:pt x="4519" y="8720"/>
+                </a:lnTo>
+                <a:lnTo>
+                  <a:pt x="4348" y="8696"/>
+                </a:lnTo>
+                <a:lnTo>
+                  <a:pt x="4177" y="8647"/>
+                </a:lnTo>
+                <a:lnTo>
+                  <a:pt x="4030" y="8549"/>
+                </a:lnTo>
+                <a:lnTo>
+                  <a:pt x="3884" y="8451"/>
+                </a:lnTo>
+                <a:lnTo>
+                  <a:pt x="3786" y="8305"/>
+                </a:lnTo>
+                <a:lnTo>
+                  <a:pt x="3713" y="8134"/>
+                </a:lnTo>
+                <a:lnTo>
+                  <a:pt x="3664" y="7963"/>
+                </a:lnTo>
+                <a:lnTo>
+                  <a:pt x="3640" y="7767"/>
+                </a:lnTo>
+                <a:lnTo>
+                  <a:pt x="3664" y="7572"/>
+                </a:lnTo>
+                <a:lnTo>
+                  <a:pt x="3713" y="7401"/>
+                </a:lnTo>
+                <a:lnTo>
+                  <a:pt x="3786" y="7230"/>
+                </a:lnTo>
+                <a:lnTo>
+                  <a:pt x="3884" y="7084"/>
+                </a:lnTo>
+                <a:lnTo>
+                  <a:pt x="4030" y="6986"/>
+                </a:lnTo>
+                <a:lnTo>
+                  <a:pt x="4177" y="6888"/>
+                </a:lnTo>
+                <a:lnTo>
+                  <a:pt x="4348" y="6839"/>
+                </a:lnTo>
+                <a:lnTo>
+                  <a:pt x="4519" y="6815"/>
+                </a:lnTo>
+                <a:close/>
+                <a:moveTo>
+                  <a:pt x="10771" y="6815"/>
+                </a:moveTo>
+                <a:lnTo>
+                  <a:pt x="10942" y="6839"/>
+                </a:lnTo>
+                <a:lnTo>
+                  <a:pt x="11113" y="6888"/>
+                </a:lnTo>
+                <a:lnTo>
+                  <a:pt x="11260" y="6986"/>
+                </a:lnTo>
+                <a:lnTo>
+                  <a:pt x="11406" y="7084"/>
+                </a:lnTo>
+                <a:lnTo>
+                  <a:pt x="11504" y="7230"/>
+                </a:lnTo>
+                <a:lnTo>
+                  <a:pt x="11577" y="7401"/>
+                </a:lnTo>
+                <a:lnTo>
+                  <a:pt x="11626" y="7572"/>
+                </a:lnTo>
+                <a:lnTo>
+                  <a:pt x="11650" y="7767"/>
+                </a:lnTo>
+                <a:lnTo>
+                  <a:pt x="11626" y="7963"/>
+                </a:lnTo>
+                <a:lnTo>
+                  <a:pt x="11577" y="8134"/>
+                </a:lnTo>
+                <a:lnTo>
+                  <a:pt x="11504" y="8305"/>
+                </a:lnTo>
+                <a:lnTo>
+                  <a:pt x="11406" y="8451"/>
+                </a:lnTo>
+                <a:lnTo>
+                  <a:pt x="11260" y="8549"/>
+                </a:lnTo>
+                <a:lnTo>
+                  <a:pt x="11113" y="8647"/>
+                </a:lnTo>
+                <a:lnTo>
+                  <a:pt x="10942" y="8696"/>
+                </a:lnTo>
+                <a:lnTo>
+                  <a:pt x="10771" y="8720"/>
+                </a:lnTo>
+                <a:lnTo>
+                  <a:pt x="10600" y="8696"/>
+                </a:lnTo>
+                <a:lnTo>
+                  <a:pt x="10429" y="8647"/>
+                </a:lnTo>
+                <a:lnTo>
+                  <a:pt x="10283" y="8549"/>
+                </a:lnTo>
+                <a:lnTo>
+                  <a:pt x="10136" y="8451"/>
+                </a:lnTo>
+                <a:lnTo>
+                  <a:pt x="10038" y="8305"/>
+                </a:lnTo>
+                <a:lnTo>
+                  <a:pt x="9965" y="8134"/>
+                </a:lnTo>
+                <a:lnTo>
+                  <a:pt x="9916" y="7963"/>
+                </a:lnTo>
+                <a:lnTo>
+                  <a:pt x="9892" y="7767"/>
+                </a:lnTo>
+                <a:lnTo>
+                  <a:pt x="9916" y="7572"/>
+                </a:lnTo>
+                <a:lnTo>
+                  <a:pt x="9965" y="7401"/>
+                </a:lnTo>
+                <a:lnTo>
+                  <a:pt x="10038" y="7230"/>
+                </a:lnTo>
+                <a:lnTo>
+                  <a:pt x="10136" y="7084"/>
+                </a:lnTo>
+                <a:lnTo>
+                  <a:pt x="10283" y="6986"/>
+                </a:lnTo>
+                <a:lnTo>
+                  <a:pt x="10429" y="6888"/>
+                </a:lnTo>
+                <a:lnTo>
+                  <a:pt x="10600" y="6839"/>
+                </a:lnTo>
+                <a:lnTo>
+                  <a:pt x="10771" y="6815"/>
+                </a:lnTo>
+                <a:close/>
+                <a:moveTo>
+                  <a:pt x="11308" y="10210"/>
+                </a:moveTo>
+                <a:lnTo>
+                  <a:pt x="11406" y="10234"/>
+                </a:lnTo>
+                <a:lnTo>
+                  <a:pt x="11479" y="10259"/>
+                </a:lnTo>
+                <a:lnTo>
+                  <a:pt x="11577" y="10307"/>
+                </a:lnTo>
+                <a:lnTo>
+                  <a:pt x="11650" y="10356"/>
+                </a:lnTo>
+                <a:lnTo>
+                  <a:pt x="11699" y="10430"/>
+                </a:lnTo>
+                <a:lnTo>
+                  <a:pt x="11748" y="10527"/>
+                </a:lnTo>
+                <a:lnTo>
+                  <a:pt x="11772" y="10625"/>
+                </a:lnTo>
+                <a:lnTo>
+                  <a:pt x="11797" y="10698"/>
+                </a:lnTo>
+                <a:lnTo>
+                  <a:pt x="11772" y="10796"/>
+                </a:lnTo>
+                <a:lnTo>
+                  <a:pt x="11748" y="10894"/>
+                </a:lnTo>
+                <a:lnTo>
+                  <a:pt x="11699" y="10967"/>
+                </a:lnTo>
+                <a:lnTo>
+                  <a:pt x="11650" y="11065"/>
+                </a:lnTo>
+                <a:lnTo>
+                  <a:pt x="11235" y="11431"/>
+                </a:lnTo>
+                <a:lnTo>
+                  <a:pt x="10795" y="11773"/>
+                </a:lnTo>
+                <a:lnTo>
+                  <a:pt x="10307" y="12041"/>
+                </a:lnTo>
+                <a:lnTo>
+                  <a:pt x="9819" y="12286"/>
+                </a:lnTo>
+                <a:lnTo>
+                  <a:pt x="9281" y="12457"/>
+                </a:lnTo>
+                <a:lnTo>
+                  <a:pt x="8768" y="12603"/>
+                </a:lnTo>
+                <a:lnTo>
+                  <a:pt x="8207" y="12676"/>
+                </a:lnTo>
+                <a:lnTo>
+                  <a:pt x="7645" y="12701"/>
+                </a:lnTo>
+                <a:lnTo>
+                  <a:pt x="7083" y="12676"/>
+                </a:lnTo>
+                <a:lnTo>
+                  <a:pt x="6521" y="12603"/>
+                </a:lnTo>
+                <a:lnTo>
+                  <a:pt x="6009" y="12457"/>
+                </a:lnTo>
+                <a:lnTo>
+                  <a:pt x="5471" y="12286"/>
+                </a:lnTo>
+                <a:lnTo>
+                  <a:pt x="4983" y="12041"/>
+                </a:lnTo>
+                <a:lnTo>
+                  <a:pt x="4494" y="11773"/>
+                </a:lnTo>
+                <a:lnTo>
+                  <a:pt x="4055" y="11431"/>
+                </a:lnTo>
+                <a:lnTo>
+                  <a:pt x="3640" y="11065"/>
+                </a:lnTo>
+                <a:lnTo>
+                  <a:pt x="3591" y="10967"/>
+                </a:lnTo>
+                <a:lnTo>
+                  <a:pt x="3542" y="10894"/>
+                </a:lnTo>
+                <a:lnTo>
+                  <a:pt x="3517" y="10796"/>
+                </a:lnTo>
+                <a:lnTo>
+                  <a:pt x="3493" y="10698"/>
+                </a:lnTo>
+                <a:lnTo>
+                  <a:pt x="3517" y="10625"/>
+                </a:lnTo>
+                <a:lnTo>
+                  <a:pt x="3542" y="10527"/>
+                </a:lnTo>
+                <a:lnTo>
+                  <a:pt x="3591" y="10430"/>
+                </a:lnTo>
+                <a:lnTo>
+                  <a:pt x="3640" y="10356"/>
+                </a:lnTo>
+                <a:lnTo>
+                  <a:pt x="3713" y="10307"/>
+                </a:lnTo>
+                <a:lnTo>
+                  <a:pt x="3811" y="10259"/>
+                </a:lnTo>
+                <a:lnTo>
+                  <a:pt x="3884" y="10234"/>
+                </a:lnTo>
+                <a:lnTo>
+                  <a:pt x="3981" y="10210"/>
+                </a:lnTo>
+                <a:lnTo>
+                  <a:pt x="4079" y="10234"/>
+                </a:lnTo>
+                <a:lnTo>
+                  <a:pt x="4177" y="10259"/>
+                </a:lnTo>
+                <a:lnTo>
+                  <a:pt x="4250" y="10307"/>
+                </a:lnTo>
+                <a:lnTo>
+                  <a:pt x="4323" y="10356"/>
+                </a:lnTo>
+                <a:lnTo>
+                  <a:pt x="4690" y="10674"/>
+                </a:lnTo>
+                <a:lnTo>
+                  <a:pt x="5056" y="10942"/>
+                </a:lnTo>
+                <a:lnTo>
+                  <a:pt x="5447" y="11187"/>
+                </a:lnTo>
+                <a:lnTo>
+                  <a:pt x="5862" y="11382"/>
+                </a:lnTo>
+                <a:lnTo>
+                  <a:pt x="6277" y="11529"/>
+                </a:lnTo>
+                <a:lnTo>
+                  <a:pt x="6717" y="11651"/>
+                </a:lnTo>
+                <a:lnTo>
+                  <a:pt x="7181" y="11700"/>
+                </a:lnTo>
+                <a:lnTo>
+                  <a:pt x="7645" y="11724"/>
+                </a:lnTo>
+                <a:lnTo>
+                  <a:pt x="8109" y="11700"/>
+                </a:lnTo>
+                <a:lnTo>
+                  <a:pt x="8573" y="11651"/>
+                </a:lnTo>
+                <a:lnTo>
+                  <a:pt x="9013" y="11529"/>
+                </a:lnTo>
+                <a:lnTo>
+                  <a:pt x="9428" y="11382"/>
+                </a:lnTo>
+                <a:lnTo>
+                  <a:pt x="9843" y="11187"/>
+                </a:lnTo>
+                <a:lnTo>
+                  <a:pt x="10234" y="10942"/>
+                </a:lnTo>
+                <a:lnTo>
+                  <a:pt x="10600" y="10674"/>
+                </a:lnTo>
+                <a:lnTo>
+                  <a:pt x="10966" y="10356"/>
+                </a:lnTo>
+                <a:lnTo>
+                  <a:pt x="11040" y="10307"/>
+                </a:lnTo>
+                <a:lnTo>
+                  <a:pt x="11113" y="10259"/>
+                </a:lnTo>
+                <a:lnTo>
+                  <a:pt x="11211" y="10234"/>
+                </a:lnTo>
+                <a:lnTo>
+                  <a:pt x="11308" y="10210"/>
+                </a:lnTo>
+                <a:close/>
+                <a:moveTo>
+                  <a:pt x="7254" y="1"/>
+                </a:moveTo>
+                <a:lnTo>
+                  <a:pt x="6863" y="50"/>
+                </a:lnTo>
+                <a:lnTo>
+                  <a:pt x="6473" y="99"/>
+                </a:lnTo>
+                <a:lnTo>
+                  <a:pt x="6106" y="147"/>
+                </a:lnTo>
+                <a:lnTo>
+                  <a:pt x="5740" y="245"/>
+                </a:lnTo>
+                <a:lnTo>
+                  <a:pt x="5374" y="343"/>
+                </a:lnTo>
+                <a:lnTo>
+                  <a:pt x="5007" y="465"/>
+                </a:lnTo>
+                <a:lnTo>
+                  <a:pt x="4665" y="611"/>
+                </a:lnTo>
+                <a:lnTo>
+                  <a:pt x="4323" y="758"/>
+                </a:lnTo>
+                <a:lnTo>
+                  <a:pt x="4006" y="929"/>
+                </a:lnTo>
+                <a:lnTo>
+                  <a:pt x="3688" y="1100"/>
+                </a:lnTo>
+                <a:lnTo>
+                  <a:pt x="3371" y="1295"/>
+                </a:lnTo>
+                <a:lnTo>
+                  <a:pt x="3078" y="1515"/>
+                </a:lnTo>
+                <a:lnTo>
+                  <a:pt x="2785" y="1735"/>
+                </a:lnTo>
+                <a:lnTo>
+                  <a:pt x="2516" y="1979"/>
+                </a:lnTo>
+                <a:lnTo>
+                  <a:pt x="2247" y="2248"/>
+                </a:lnTo>
+                <a:lnTo>
+                  <a:pt x="1979" y="2516"/>
+                </a:lnTo>
+                <a:lnTo>
+                  <a:pt x="1735" y="2785"/>
+                </a:lnTo>
+                <a:lnTo>
+                  <a:pt x="1515" y="3078"/>
+                </a:lnTo>
+                <a:lnTo>
+                  <a:pt x="1295" y="3371"/>
+                </a:lnTo>
+                <a:lnTo>
+                  <a:pt x="1100" y="3689"/>
+                </a:lnTo>
+                <a:lnTo>
+                  <a:pt x="929" y="4006"/>
+                </a:lnTo>
+                <a:lnTo>
+                  <a:pt x="758" y="4324"/>
+                </a:lnTo>
+                <a:lnTo>
+                  <a:pt x="611" y="4666"/>
+                </a:lnTo>
+                <a:lnTo>
+                  <a:pt x="465" y="5008"/>
+                </a:lnTo>
+                <a:lnTo>
+                  <a:pt x="342" y="5374"/>
+                </a:lnTo>
+                <a:lnTo>
+                  <a:pt x="245" y="5740"/>
+                </a:lnTo>
+                <a:lnTo>
+                  <a:pt x="147" y="6107"/>
+                </a:lnTo>
+                <a:lnTo>
+                  <a:pt x="98" y="6473"/>
+                </a:lnTo>
+                <a:lnTo>
+                  <a:pt x="49" y="6864"/>
+                </a:lnTo>
+                <a:lnTo>
+                  <a:pt x="1" y="7255"/>
+                </a:lnTo>
+                <a:lnTo>
+                  <a:pt x="1" y="7645"/>
+                </a:lnTo>
+                <a:lnTo>
+                  <a:pt x="1" y="8036"/>
+                </a:lnTo>
+                <a:lnTo>
+                  <a:pt x="49" y="8427"/>
+                </a:lnTo>
+                <a:lnTo>
+                  <a:pt x="98" y="8818"/>
+                </a:lnTo>
+                <a:lnTo>
+                  <a:pt x="147" y="9184"/>
+                </a:lnTo>
+                <a:lnTo>
+                  <a:pt x="245" y="9550"/>
+                </a:lnTo>
+                <a:lnTo>
+                  <a:pt x="342" y="9917"/>
+                </a:lnTo>
+                <a:lnTo>
+                  <a:pt x="465" y="10283"/>
+                </a:lnTo>
+                <a:lnTo>
+                  <a:pt x="611" y="10625"/>
+                </a:lnTo>
+                <a:lnTo>
+                  <a:pt x="758" y="10967"/>
+                </a:lnTo>
+                <a:lnTo>
+                  <a:pt x="929" y="11284"/>
+                </a:lnTo>
+                <a:lnTo>
+                  <a:pt x="1100" y="11602"/>
+                </a:lnTo>
+                <a:lnTo>
+                  <a:pt x="1295" y="11919"/>
+                </a:lnTo>
+                <a:lnTo>
+                  <a:pt x="1515" y="12212"/>
+                </a:lnTo>
+                <a:lnTo>
+                  <a:pt x="1735" y="12506"/>
+                </a:lnTo>
+                <a:lnTo>
+                  <a:pt x="1979" y="12774"/>
+                </a:lnTo>
+                <a:lnTo>
+                  <a:pt x="2247" y="13043"/>
+                </a:lnTo>
+                <a:lnTo>
+                  <a:pt x="2516" y="13311"/>
+                </a:lnTo>
+                <a:lnTo>
+                  <a:pt x="2785" y="13556"/>
+                </a:lnTo>
+                <a:lnTo>
+                  <a:pt x="3078" y="13776"/>
+                </a:lnTo>
+                <a:lnTo>
+                  <a:pt x="3371" y="13995"/>
+                </a:lnTo>
+                <a:lnTo>
+                  <a:pt x="3688" y="14191"/>
+                </a:lnTo>
+                <a:lnTo>
+                  <a:pt x="4006" y="14362"/>
+                </a:lnTo>
+                <a:lnTo>
+                  <a:pt x="4323" y="14533"/>
+                </a:lnTo>
+                <a:lnTo>
+                  <a:pt x="4665" y="14679"/>
+                </a:lnTo>
+                <a:lnTo>
+                  <a:pt x="5007" y="14826"/>
+                </a:lnTo>
+                <a:lnTo>
+                  <a:pt x="5374" y="14948"/>
+                </a:lnTo>
+                <a:lnTo>
+                  <a:pt x="5740" y="15046"/>
+                </a:lnTo>
+                <a:lnTo>
+                  <a:pt x="6106" y="15143"/>
+                </a:lnTo>
+                <a:lnTo>
+                  <a:pt x="6473" y="15192"/>
+                </a:lnTo>
+                <a:lnTo>
+                  <a:pt x="6863" y="15241"/>
+                </a:lnTo>
+                <a:lnTo>
+                  <a:pt x="7254" y="15290"/>
+                </a:lnTo>
+                <a:lnTo>
+                  <a:pt x="8036" y="15290"/>
+                </a:lnTo>
+                <a:lnTo>
+                  <a:pt x="8426" y="15241"/>
+                </a:lnTo>
+                <a:lnTo>
+                  <a:pt x="8817" y="15192"/>
+                </a:lnTo>
+                <a:lnTo>
+                  <a:pt x="9184" y="15143"/>
+                </a:lnTo>
+                <a:lnTo>
+                  <a:pt x="9550" y="15046"/>
+                </a:lnTo>
+                <a:lnTo>
+                  <a:pt x="9916" y="14948"/>
+                </a:lnTo>
+                <a:lnTo>
+                  <a:pt x="10283" y="14826"/>
+                </a:lnTo>
+                <a:lnTo>
+                  <a:pt x="10625" y="14679"/>
+                </a:lnTo>
+                <a:lnTo>
+                  <a:pt x="10966" y="14533"/>
+                </a:lnTo>
+                <a:lnTo>
+                  <a:pt x="11284" y="14362"/>
+                </a:lnTo>
+                <a:lnTo>
+                  <a:pt x="11601" y="14191"/>
+                </a:lnTo>
+                <a:lnTo>
+                  <a:pt x="11919" y="13995"/>
+                </a:lnTo>
+                <a:lnTo>
+                  <a:pt x="12212" y="13776"/>
+                </a:lnTo>
+                <a:lnTo>
+                  <a:pt x="12505" y="13556"/>
+                </a:lnTo>
+                <a:lnTo>
+                  <a:pt x="12774" y="13311"/>
+                </a:lnTo>
+                <a:lnTo>
+                  <a:pt x="13042" y="13043"/>
+                </a:lnTo>
+                <a:lnTo>
+                  <a:pt x="13311" y="12774"/>
+                </a:lnTo>
+                <a:lnTo>
+                  <a:pt x="13555" y="12506"/>
+                </a:lnTo>
+                <a:lnTo>
+                  <a:pt x="13775" y="12212"/>
+                </a:lnTo>
+                <a:lnTo>
+                  <a:pt x="13995" y="11919"/>
+                </a:lnTo>
+                <a:lnTo>
+                  <a:pt x="14190" y="11602"/>
+                </a:lnTo>
+                <a:lnTo>
+                  <a:pt x="14361" y="11284"/>
+                </a:lnTo>
+                <a:lnTo>
+                  <a:pt x="14532" y="10967"/>
+                </a:lnTo>
+                <a:lnTo>
+                  <a:pt x="14679" y="10625"/>
+                </a:lnTo>
+                <a:lnTo>
+                  <a:pt x="14825" y="10283"/>
+                </a:lnTo>
+                <a:lnTo>
+                  <a:pt x="14947" y="9917"/>
+                </a:lnTo>
+                <a:lnTo>
+                  <a:pt x="15045" y="9550"/>
+                </a:lnTo>
+                <a:lnTo>
+                  <a:pt x="15143" y="9184"/>
+                </a:lnTo>
+                <a:lnTo>
+                  <a:pt x="15192" y="8818"/>
+                </a:lnTo>
+                <a:lnTo>
+                  <a:pt x="15240" y="8427"/>
+                </a:lnTo>
+                <a:lnTo>
+                  <a:pt x="15289" y="8036"/>
+                </a:lnTo>
+                <a:lnTo>
+                  <a:pt x="15289" y="7645"/>
+                </a:lnTo>
+                <a:lnTo>
+                  <a:pt x="15289" y="7255"/>
+                </a:lnTo>
+                <a:lnTo>
+                  <a:pt x="15240" y="6864"/>
+                </a:lnTo>
+                <a:lnTo>
+                  <a:pt x="15192" y="6473"/>
+                </a:lnTo>
+                <a:lnTo>
+                  <a:pt x="15143" y="6107"/>
+                </a:lnTo>
+                <a:lnTo>
+                  <a:pt x="15045" y="5740"/>
+                </a:lnTo>
+                <a:lnTo>
+                  <a:pt x="14947" y="5374"/>
+                </a:lnTo>
+                <a:lnTo>
+                  <a:pt x="14825" y="5008"/>
+                </a:lnTo>
+                <a:lnTo>
+                  <a:pt x="14679" y="4666"/>
+                </a:lnTo>
+                <a:lnTo>
+                  <a:pt x="14532" y="4324"/>
+                </a:lnTo>
+                <a:lnTo>
+                  <a:pt x="14361" y="4006"/>
+                </a:lnTo>
+                <a:lnTo>
+                  <a:pt x="14190" y="3689"/>
+                </a:lnTo>
+                <a:lnTo>
+                  <a:pt x="13995" y="3371"/>
+                </a:lnTo>
+                <a:lnTo>
+                  <a:pt x="13775" y="3078"/>
+                </a:lnTo>
+                <a:lnTo>
+                  <a:pt x="13555" y="2785"/>
+                </a:lnTo>
+                <a:lnTo>
+                  <a:pt x="13311" y="2516"/>
+                </a:lnTo>
+                <a:lnTo>
+                  <a:pt x="13042" y="2248"/>
+                </a:lnTo>
+                <a:lnTo>
+                  <a:pt x="12774" y="1979"/>
+                </a:lnTo>
+                <a:lnTo>
+                  <a:pt x="12505" y="1735"/>
+                </a:lnTo>
+                <a:lnTo>
+                  <a:pt x="12212" y="1515"/>
+                </a:lnTo>
+                <a:lnTo>
+                  <a:pt x="11919" y="1295"/>
+                </a:lnTo>
+                <a:lnTo>
+                  <a:pt x="11601" y="1100"/>
+                </a:lnTo>
+                <a:lnTo>
+                  <a:pt x="11284" y="929"/>
+                </a:lnTo>
+                <a:lnTo>
+                  <a:pt x="10966" y="758"/>
+                </a:lnTo>
+                <a:lnTo>
+                  <a:pt x="10625" y="611"/>
+                </a:lnTo>
+                <a:lnTo>
+                  <a:pt x="10283" y="465"/>
+                </a:lnTo>
+                <a:lnTo>
+                  <a:pt x="9916" y="343"/>
+                </a:lnTo>
+                <a:lnTo>
+                  <a:pt x="9550" y="245"/>
+                </a:lnTo>
+                <a:lnTo>
+                  <a:pt x="9184" y="147"/>
+                </a:lnTo>
+                <a:lnTo>
+                  <a:pt x="8817" y="99"/>
+                </a:lnTo>
+                <a:lnTo>
+                  <a:pt x="8426" y="50"/>
+                </a:lnTo>
+                <a:lnTo>
+                  <a:pt x="8036" y="1"/>
+                </a:lnTo>
+                <a:close/>
+              </a:path>
+            </a:pathLst>
+          </a:custGeom>
+          <a:solidFill>
+            <a:srgbClr val="F8B323"/>
+          </a:solidFill>
+          <a:ln>
+            <a:noFill/>
+          </a:ln>
+        </p:spPr>
+        <p:txBody>
+          <a:bodyPr wrap="square" lIns="91425" tIns="91425" rIns="91425" bIns="91425" anchor="ctr" anchorCtr="0">
+            <a:noAutofit/>
+          </a:bodyPr>
+          <a:lstStyle/>
+          <a:p>
+            <a:pPr lvl="0">
+              <a:spcBef>
+                <a:spcPts val="0"/>
+              </a:spcBef>
+              <a:buNone/>
+            </a:pPr>
+            <a:endParaRPr dirty="0"/>
+          </a:p>
+        </p:txBody>
+      </p:sp>
+    </p:spTree>
+    <p:extLst>
+      <p:ext uri="{BB962C8B-B14F-4D97-AF65-F5344CB8AC3E}">
+        <p14:creationId xmlns:p14="http://schemas.microsoft.com/office/powerpoint/2010/main" val="2215205193"/>
+      </p:ext>
+    </p:extLst>
   </p:cSld>
   <p:clrMapOvr>
     <a:masterClrMapping/>
